--- a/05/slides.pptx
+++ b/05/slides.pptx
@@ -5,10 +5,10 @@
     <p:sldMasterId id="2147483648" r:id="rId1"/>
   </p:sldMasterIdLst>
   <p:notesMasterIdLst>
-    <p:notesMasterId r:id="rId16"/>
+    <p:notesMasterId r:id="rId17"/>
   </p:notesMasterIdLst>
   <p:handoutMasterIdLst>
-    <p:handoutMasterId r:id="rId17"/>
+    <p:handoutMasterId r:id="rId18"/>
   </p:handoutMasterIdLst>
   <p:sldIdLst>
     <p:sldId id="256" r:id="rId3"/>
@@ -23,7 +23,8 @@
     <p:sldId id="266" r:id="rId12"/>
     <p:sldId id="269" r:id="rId13"/>
     <p:sldId id="270" r:id="rId14"/>
-    <p:sldId id="264" r:id="rId15"/>
+    <p:sldId id="271" r:id="rId15"/>
+    <p:sldId id="264" r:id="rId16"/>
   </p:sldIdLst>
   <p:sldSz cx="12192000" cy="6858000"/>
   <p:notesSz cx="7103745" cy="10234295"/>
@@ -3631,7 +3632,15 @@
             </a:r>
             <a:r>
               <a:rPr lang="zh-CN" altLang="en-US"/>
-              <a:t>彭于斌</a:t>
+              <a:t>彭于斌（</a:t>
+            </a:r>
+            <a:r>
+              <a:rPr lang="en-US" altLang="zh-CN"/>
+              <a:t>github@archibate</a:t>
+            </a:r>
+            <a:r>
+              <a:rPr lang="zh-CN" altLang="en-US"/>
+              <a:t>）</a:t>
             </a:r>
             <a:endParaRPr lang="zh-CN" altLang="en-US"/>
           </a:p>
@@ -4027,7 +4036,7 @@
             </a:r>
             <a:r>
               <a:rPr lang="zh-CN" altLang="en-US"/>
-              <a:t>还没开始执行线程就被销毁了。</a:t>
+              <a:t>还没开始执行他的线程就被销毁了。</a:t>
             </a:r>
             <a:endParaRPr lang="zh-CN" altLang="en-US"/>
           </a:p>
@@ -4333,6 +4342,161 @@
           <a:p>
             <a:r>
               <a:rPr lang="zh-CN" altLang="en-US"/>
+              <a:t>跨平台的</a:t>
+            </a:r>
+            <a:r>
+              <a:rPr lang="en-US" altLang="zh-CN"/>
+              <a:t> sleep</a:t>
+            </a:r>
+            <a:r>
+              <a:rPr lang="zh-CN" altLang="en-US"/>
+              <a:t>：</a:t>
+            </a:r>
+            <a:r>
+              <a:rPr lang="en-US" altLang="zh-CN"/>
+              <a:t>std::this_thread::sleep_for</a:t>
+            </a:r>
+            <a:endParaRPr lang="en-US" altLang="zh-CN"/>
+          </a:p>
+        </p:txBody>
+      </p:sp>
+      <p:sp>
+        <p:nvSpPr>
+          <p:cNvPr id="3" name="Content Placeholder 2"/>
+          <p:cNvSpPr>
+            <a:spLocks noGrp="1"/>
+          </p:cNvSpPr>
+          <p:nvPr>
+            <p:ph sz="half" idx="1"/>
+          </p:nvPr>
+        </p:nvSpPr>
+        <p:spPr/>
+        <p:txBody>
+          <a:bodyPr/>
+          <a:p>
+            <a:r>
+              <a:rPr lang="zh-CN" altLang="en-US"/>
+              <a:t>可以用</a:t>
+            </a:r>
+            <a:r>
+              <a:rPr lang="en-US" altLang="zh-CN"/>
+              <a:t> std::this_thread::sleep_for </a:t>
+            </a:r>
+            <a:r>
+              <a:rPr lang="zh-CN" altLang="en-US"/>
+              <a:t>替代</a:t>
+            </a:r>
+            <a:r>
+              <a:rPr lang="en-US" altLang="zh-CN"/>
+              <a:t> Unix </a:t>
+            </a:r>
+            <a:r>
+              <a:rPr lang="zh-CN" altLang="en-US"/>
+              <a:t>类操作系统专有的的</a:t>
+            </a:r>
+            <a:r>
+              <a:rPr lang="en-US" altLang="zh-CN"/>
+              <a:t> usleep</a:t>
+            </a:r>
+            <a:r>
+              <a:rPr lang="zh-CN" altLang="en-US"/>
+              <a:t>。他可以让当前线程休眠一段时间，然后继续。</a:t>
+            </a:r>
+            <a:endParaRPr lang="zh-CN" altLang="en-US"/>
+          </a:p>
+          <a:p>
+            <a:r>
+              <a:rPr lang="zh-CN" altLang="en-US"/>
+              <a:t>而且单位也可以自己指定，比如这里是</a:t>
+            </a:r>
+            <a:r>
+              <a:rPr lang="en-US" altLang="zh-CN"/>
+              <a:t> milliseconds </a:t>
+            </a:r>
+            <a:r>
+              <a:rPr lang="zh-CN" altLang="en-US"/>
+              <a:t>表示毫秒，也可以换成</a:t>
+            </a:r>
+            <a:r>
+              <a:rPr lang="en-US" altLang="zh-CN"/>
+              <a:t> microseconds </a:t>
+            </a:r>
+            <a:r>
+              <a:rPr lang="zh-CN" altLang="en-US"/>
+              <a:t>表示微秒，</a:t>
+            </a:r>
+            <a:r>
+              <a:rPr lang="en-US" altLang="zh-CN"/>
+              <a:t>seconds </a:t>
+            </a:r>
+            <a:r>
+              <a:rPr lang="zh-CN" altLang="en-US"/>
+              <a:t>表示秒。</a:t>
+            </a:r>
+            <a:endParaRPr lang="en-US" altLang="zh-CN"/>
+          </a:p>
+        </p:txBody>
+      </p:sp>
+      <p:pic>
+        <p:nvPicPr>
+          <p:cNvPr id="5" name="Content Placeholder 4"/>
+          <p:cNvPicPr>
+            <a:picLocks noChangeAspect="1"/>
+          </p:cNvPicPr>
+          <p:nvPr>
+            <p:ph sz="half" idx="2"/>
+          </p:nvPr>
+        </p:nvPicPr>
+        <p:blipFill>
+          <a:blip r:embed="rId1"/>
+          <a:stretch>
+            <a:fillRect/>
+          </a:stretch>
+        </p:blipFill>
+        <p:spPr>
+          <a:xfrm>
+            <a:off x="5981700" y="2123440"/>
+            <a:ext cx="5181600" cy="3754755"/>
+          </a:xfrm>
+          <a:prstGeom prst="rect">
+            <a:avLst/>
+          </a:prstGeom>
+        </p:spPr>
+      </p:pic>
+    </p:spTree>
+  </p:cSld>
+  <p:clrMapOvr>
+    <a:masterClrMapping/>
+  </p:clrMapOvr>
+</p:sld>
+</file>
+
+<file path=ppt/slides/slide14.xml><?xml version="1.0" encoding="utf-8"?>
+<p:sld xmlns:a="http://schemas.openxmlformats.org/drawingml/2006/main" xmlns:r="http://schemas.openxmlformats.org/officeDocument/2006/relationships" xmlns:p="http://schemas.openxmlformats.org/presentationml/2006/main">
+  <p:cSld>
+    <p:spTree>
+      <p:nvGrpSpPr>
+        <p:cNvPr id="1" name=""/>
+        <p:cNvGrpSpPr/>
+        <p:nvPr/>
+      </p:nvGrpSpPr>
+      <p:grpSpPr/>
+      <p:sp>
+        <p:nvSpPr>
+          <p:cNvPr id="2" name="Title 1"/>
+          <p:cNvSpPr>
+            <a:spLocks noGrp="1"/>
+          </p:cNvSpPr>
+          <p:nvPr>
+            <p:ph type="title"/>
+          </p:nvPr>
+        </p:nvSpPr>
+        <p:spPr/>
+        <p:txBody>
+          <a:bodyPr/>
+          <a:p>
+            <a:r>
+              <a:rPr lang="zh-CN" altLang="en-US"/>
               <a:t>小彭老师</a:t>
             </a:r>
             <a:r>
@@ -4402,7 +4566,7 @@
               <a:rPr lang="zh-CN" altLang="en-US">
                 <a:sym typeface="+mn-ea"/>
               </a:rPr>
-              <a:t>解算的时候，界面会卡住，算完一帧后窗口才能刷新一遍，这一定程度上归功于</a:t>
+              <a:t>解算的时候，界面会卡住，算完一帧后窗口才能刷新一遍，导致解算过程中基本别想做事，这一定程度上归功于</a:t>
             </a:r>
             <a:r>
               <a:rPr lang="en-US" altLang="zh-CN">
@@ -4435,7 +4599,61 @@
               <a:rPr lang="zh-CN" altLang="en-US">
                 <a:sym typeface="+mn-ea"/>
               </a:rPr>
-              <a:t>可以在解算过程中，随时拖动滑块看前几帧的结果，编辑场景图，修改节点间的连接，为下一次解算做准备，同时当前已经启动的物理解算还能在后台继续正常运行。</a:t>
+              <a:t>可以在解算过程中，随时拖动滑块看前几帧的结果，编辑场景图，修改节点间的连接，为下一次解算做准备，同时当前已经启动的物理解算还能在后台继续正常运行。虽然</a:t>
+            </a:r>
+            <a:r>
+              <a:rPr lang="en-US" altLang="zh-CN">
+                <a:sym typeface="+mn-ea"/>
+              </a:rPr>
+              <a:t> zeno </a:t>
+            </a:r>
+            <a:r>
+              <a:rPr lang="zh-CN" altLang="en-US">
+                <a:sym typeface="+mn-ea"/>
+              </a:rPr>
+              <a:t>也用了</a:t>
+            </a:r>
+            <a:r>
+              <a:rPr lang="en-US" altLang="zh-CN">
+                <a:sym typeface="+mn-ea"/>
+              </a:rPr>
+              <a:t> opengl</a:t>
+            </a:r>
+            <a:r>
+              <a:rPr lang="zh-CN" altLang="en-US">
+                <a:sym typeface="+mn-ea"/>
+              </a:rPr>
+              <a:t>，但他用多进程成功在</a:t>
+            </a:r>
+            <a:r>
+              <a:rPr lang="en-US" altLang="zh-CN">
+                <a:sym typeface="+mn-ea"/>
+              </a:rPr>
+              <a:t> opengl </a:t>
+            </a:r>
+            <a:r>
+              <a:rPr lang="zh-CN" altLang="en-US">
+                <a:sym typeface="+mn-ea"/>
+              </a:rPr>
+              <a:t>的百般</a:t>
+            </a:r>
+            <a:r>
+              <a:rPr lang="zh-CN" altLang="en-US">
+                <a:sym typeface="+mn-ea"/>
+              </a:rPr>
+              <a:t>拖后腿下实现了</a:t>
+            </a:r>
+            <a:r>
+              <a:rPr lang="zh-CN" altLang="en-US">
+                <a:sym typeface="+mn-ea"/>
+              </a:rPr>
+              <a:t>并发</a:t>
+            </a:r>
+            <a:r>
+              <a:rPr lang="zh-CN" altLang="en-US">
+                <a:sym typeface="+mn-ea"/>
+              </a:rPr>
+              <a:t>。</a:t>
             </a:r>
             <a:endParaRPr lang="en-US"/>
           </a:p>
@@ -4457,7 +4675,7 @@
         </p:blipFill>
         <p:spPr>
           <a:xfrm>
-            <a:off x="3543935" y="3790950"/>
+            <a:off x="3543935" y="3867785"/>
             <a:ext cx="5103495" cy="2386330"/>
           </a:xfrm>
           <a:prstGeom prst="rect">
@@ -6094,7 +6312,7 @@
               <a:rPr lang="zh-CN" altLang="en-US">
                 <a:sym typeface="+mn-ea"/>
               </a:rPr>
-              <a:t>发现一个问题：我输入完</a:t>
+              <a:t>可是发现一个问题：我输入完</a:t>
             </a:r>
             <a:r>
               <a:rPr lang="en-US" altLang="zh-CN">

--- a/05/slides.pptx
+++ b/05/slides.pptx
@@ -5,26 +5,36 @@
     <p:sldMasterId id="2147483648" r:id="rId1"/>
   </p:sldMasterIdLst>
   <p:notesMasterIdLst>
-    <p:notesMasterId r:id="rId17"/>
+    <p:notesMasterId r:id="rId18"/>
   </p:notesMasterIdLst>
   <p:handoutMasterIdLst>
-    <p:handoutMasterId r:id="rId18"/>
+    <p:handoutMasterId r:id="rId28"/>
   </p:handoutMasterIdLst>
   <p:sldIdLst>
     <p:sldId id="256" r:id="rId3"/>
-    <p:sldId id="257" r:id="rId4"/>
-    <p:sldId id="258" r:id="rId5"/>
+    <p:sldId id="280" r:id="rId4"/>
+    <p:sldId id="281" r:id="rId5"/>
     <p:sldId id="259" r:id="rId6"/>
-    <p:sldId id="260" r:id="rId7"/>
+    <p:sldId id="273" r:id="rId7"/>
     <p:sldId id="261" r:id="rId8"/>
-    <p:sldId id="262" r:id="rId9"/>
-    <p:sldId id="263" r:id="rId10"/>
-    <p:sldId id="265" r:id="rId11"/>
-    <p:sldId id="266" r:id="rId12"/>
-    <p:sldId id="269" r:id="rId13"/>
-    <p:sldId id="270" r:id="rId14"/>
-    <p:sldId id="271" r:id="rId15"/>
-    <p:sldId id="264" r:id="rId16"/>
+    <p:sldId id="260" r:id="rId9"/>
+    <p:sldId id="262" r:id="rId10"/>
+    <p:sldId id="263" r:id="rId11"/>
+    <p:sldId id="265" r:id="rId12"/>
+    <p:sldId id="266" r:id="rId13"/>
+    <p:sldId id="269" r:id="rId14"/>
+    <p:sldId id="270" r:id="rId15"/>
+    <p:sldId id="271" r:id="rId16"/>
+    <p:sldId id="264" r:id="rId17"/>
+    <p:sldId id="277" r:id="rId19"/>
+    <p:sldId id="276" r:id="rId20"/>
+    <p:sldId id="282" r:id="rId21"/>
+    <p:sldId id="283" r:id="rId22"/>
+    <p:sldId id="285" r:id="rId23"/>
+    <p:sldId id="284" r:id="rId24"/>
+    <p:sldId id="274" r:id="rId25"/>
+    <p:sldId id="272" r:id="rId26"/>
+    <p:sldId id="275" r:id="rId27"/>
   </p:sldIdLst>
   <p:sldSz cx="12192000" cy="6858000"/>
   <p:notesSz cx="7103745" cy="10234295"/>
@@ -3680,6 +3690,193 @@
           <a:p>
             <a:r>
               <a:rPr lang="zh-CN" altLang="en-US"/>
+              <a:t>有了多线程：异步处理请求</a:t>
+            </a:r>
+            <a:endParaRPr lang="zh-CN" altLang="en-US"/>
+          </a:p>
+        </p:txBody>
+      </p:sp>
+      <p:sp>
+        <p:nvSpPr>
+          <p:cNvPr id="4" name="Content Placeholder 3"/>
+          <p:cNvSpPr>
+            <a:spLocks noGrp="1"/>
+          </p:cNvSpPr>
+          <p:nvPr>
+            <p:ph sz="half" idx="1"/>
+          </p:nvPr>
+        </p:nvSpPr>
+        <p:spPr/>
+        <p:txBody>
+          <a:bodyPr/>
+          <a:p>
+            <a:r>
+              <a:rPr lang="zh-CN" altLang="en-US">
+                <a:sym typeface="+mn-ea"/>
+              </a:rPr>
+              <a:t>有了</a:t>
+            </a:r>
+            <a:r>
+              <a:rPr lang="zh-CN" altLang="en-US">
+                <a:sym typeface="+mn-ea"/>
+              </a:rPr>
+              <a:t>多线程的话，</a:t>
+            </a:r>
+            <a:r>
+              <a:rPr lang="zh-CN" altLang="en-US" b="1">
+                <a:sym typeface="+mn-ea"/>
+              </a:rPr>
+              <a:t>文件</a:t>
+            </a:r>
+            <a:r>
+              <a:rPr lang="en-US" b="1">
+                <a:sym typeface="+mn-ea"/>
+              </a:rPr>
+              <a:t>下载</a:t>
+            </a:r>
+            <a:r>
+              <a:rPr lang="zh-CN" altLang="en-US">
+                <a:sym typeface="+mn-ea"/>
+              </a:rPr>
+              <a:t>和</a:t>
+            </a:r>
+            <a:r>
+              <a:rPr lang="zh-CN" altLang="en-US" b="1">
+                <a:sym typeface="+mn-ea"/>
+              </a:rPr>
+              <a:t>用户交互</a:t>
+            </a:r>
+            <a:r>
+              <a:rPr lang="zh-CN" altLang="en-US">
+                <a:sym typeface="+mn-ea"/>
+              </a:rPr>
+              <a:t>分别在两个线程，同时独立运行。从而下载过程中也可以响应用户请求，提升了体验。</a:t>
+            </a:r>
+            <a:endParaRPr lang="zh-CN" altLang="en-US">
+              <a:sym typeface="+mn-ea"/>
+            </a:endParaRPr>
+          </a:p>
+          <a:p>
+            <a:r>
+              <a:rPr lang="zh-CN" altLang="en-US">
+                <a:sym typeface="+mn-ea"/>
+              </a:rPr>
+              <a:t>可是发现一个问题：我输入完</a:t>
+            </a:r>
+            <a:r>
+              <a:rPr lang="en-US" altLang="zh-CN">
+                <a:sym typeface="+mn-ea"/>
+              </a:rPr>
+              <a:t> pyb </a:t>
+            </a:r>
+            <a:r>
+              <a:rPr lang="zh-CN" altLang="en-US">
+                <a:sym typeface="+mn-ea"/>
+              </a:rPr>
+              <a:t>以后，他的确及时地和我交互了。但是</a:t>
+            </a:r>
+            <a:r>
+              <a:rPr lang="zh-CN" altLang="en-US" b="1">
+                <a:sym typeface="+mn-ea"/>
+              </a:rPr>
+              <a:t>用户交互</a:t>
+            </a:r>
+            <a:r>
+              <a:rPr lang="zh-CN" altLang="en-US">
+                <a:sym typeface="+mn-ea"/>
+              </a:rPr>
+              <a:t>所在的主线程退出后，</a:t>
+            </a:r>
+            <a:r>
+              <a:rPr lang="zh-CN" altLang="en-US" b="1">
+                <a:sym typeface="+mn-ea"/>
+              </a:rPr>
+              <a:t>文件</a:t>
+            </a:r>
+            <a:r>
+              <a:rPr lang="en-US" b="1">
+                <a:sym typeface="+mn-ea"/>
+              </a:rPr>
+              <a:t>下载</a:t>
+            </a:r>
+            <a:r>
+              <a:rPr lang="zh-CN" altLang="en-US">
+                <a:sym typeface="+mn-ea"/>
+              </a:rPr>
+              <a:t>所在的子线程，因为</a:t>
+            </a:r>
+            <a:r>
+              <a:rPr lang="zh-CN" altLang="en-US">
+                <a:sym typeface="+mn-ea"/>
+              </a:rPr>
+              <a:t>从属于这个主线程，也被迫退出了。</a:t>
+            </a:r>
+            <a:endParaRPr lang="zh-CN" altLang="en-US">
+              <a:sym typeface="+mn-ea"/>
+            </a:endParaRPr>
+          </a:p>
+        </p:txBody>
+      </p:sp>
+      <p:pic>
+        <p:nvPicPr>
+          <p:cNvPr id="10" name="Content Placeholder 9"/>
+          <p:cNvPicPr>
+            <a:picLocks noChangeAspect="1"/>
+          </p:cNvPicPr>
+          <p:nvPr>
+            <p:ph sz="half" idx="2"/>
+          </p:nvPr>
+        </p:nvPicPr>
+        <p:blipFill>
+          <a:blip r:embed="rId1"/>
+          <a:stretch>
+            <a:fillRect/>
+          </a:stretch>
+        </p:blipFill>
+        <p:spPr>
+          <a:xfrm>
+            <a:off x="6137275" y="3063875"/>
+            <a:ext cx="4869180" cy="1874520"/>
+          </a:xfrm>
+          <a:prstGeom prst="rect">
+            <a:avLst/>
+          </a:prstGeom>
+        </p:spPr>
+      </p:pic>
+    </p:spTree>
+  </p:cSld>
+  <p:clrMapOvr>
+    <a:masterClrMapping/>
+  </p:clrMapOvr>
+</p:sld>
+</file>
+
+<file path=ppt/slides/slide11.xml><?xml version="1.0" encoding="utf-8"?>
+<p:sld xmlns:a="http://schemas.openxmlformats.org/drawingml/2006/main" xmlns:r="http://schemas.openxmlformats.org/officeDocument/2006/relationships" xmlns:p="http://schemas.openxmlformats.org/presentationml/2006/main">
+  <p:cSld>
+    <p:spTree>
+      <p:nvGrpSpPr>
+        <p:cNvPr id="1" name=""/>
+        <p:cNvGrpSpPr/>
+        <p:nvPr/>
+      </p:nvGrpSpPr>
+      <p:grpSpPr/>
+      <p:sp>
+        <p:nvSpPr>
+          <p:cNvPr id="2" name="Title 1"/>
+          <p:cNvSpPr>
+            <a:spLocks noGrp="1"/>
+          </p:cNvSpPr>
+          <p:nvPr>
+            <p:ph type="title"/>
+          </p:nvPr>
+        </p:nvSpPr>
+        <p:spPr/>
+        <p:txBody>
+          <a:bodyPr/>
+          <a:p>
+            <a:r>
+              <a:rPr lang="zh-CN" altLang="en-US"/>
               <a:t>主线程等待子线程结束：</a:t>
             </a:r>
             <a:r>
@@ -3838,7 +4035,7 @@
 </p:sld>
 </file>
 
-<file path=ppt/slides/slide11.xml><?xml version="1.0" encoding="utf-8"?>
+<file path=ppt/slides/slide12.xml><?xml version="1.0" encoding="utf-8"?>
 <p:sld xmlns:a="http://schemas.openxmlformats.org/drawingml/2006/main" xmlns:r="http://schemas.openxmlformats.org/officeDocument/2006/relationships" xmlns:p="http://schemas.openxmlformats.org/presentationml/2006/main">
   <p:cSld>
     <p:spTree>
@@ -4100,7 +4297,7 @@
 </p:sld>
 </file>
 
-<file path=ppt/slides/slide12.xml><?xml version="1.0" encoding="utf-8"?>
+<file path=ppt/slides/slide13.xml><?xml version="1.0" encoding="utf-8"?>
 <p:sld xmlns:a="http://schemas.openxmlformats.org/drawingml/2006/main" xmlns:r="http://schemas.openxmlformats.org/officeDocument/2006/relationships" xmlns:p="http://schemas.openxmlformats.org/presentationml/2006/main">
   <p:cSld>
     <p:spTree>
@@ -4316,7 +4513,7 @@
 </p:sld>
 </file>
 
-<file path=ppt/slides/slide13.xml><?xml version="1.0" encoding="utf-8"?>
+<file path=ppt/slides/slide14.xml><?xml version="1.0" encoding="utf-8"?>
 <p:sld xmlns:a="http://schemas.openxmlformats.org/drawingml/2006/main" xmlns:r="http://schemas.openxmlformats.org/officeDocument/2006/relationships" xmlns:p="http://schemas.openxmlformats.org/presentationml/2006/main">
   <p:cSld>
     <p:spTree>
@@ -4471,7 +4668,7 @@
 </p:sld>
 </file>
 
-<file path=ppt/slides/slide14.xml><?xml version="1.0" encoding="utf-8"?>
+<file path=ppt/slides/slide15.xml><?xml version="1.0" encoding="utf-8"?>
 <p:sld xmlns:a="http://schemas.openxmlformats.org/drawingml/2006/main" xmlns:r="http://schemas.openxmlformats.org/officeDocument/2006/relationships" xmlns:p="http://schemas.openxmlformats.org/presentationml/2006/main">
   <p:cSld>
     <p:spTree>
@@ -4497,41 +4694,31 @@
           <a:p>
             <a:r>
               <a:rPr lang="zh-CN" altLang="en-US"/>
-              <a:t>小彭老师</a:t>
-            </a:r>
+              <a:t>小彭老师快乐时间</a:t>
+            </a:r>
+            <a:endParaRPr lang="zh-CN" altLang="en-US"/>
+          </a:p>
+        </p:txBody>
+      </p:sp>
+      <p:sp>
+        <p:nvSpPr>
+          <p:cNvPr id="3" name="Content Placeholder 2"/>
+          <p:cNvSpPr>
+            <a:spLocks noGrp="1"/>
+          </p:cNvSpPr>
+          <p:nvPr>
+            <p:ph idx="1"/>
+          </p:nvPr>
+        </p:nvSpPr>
+        <p:spPr/>
+        <p:txBody>
+          <a:bodyPr/>
+          <a:p>
             <a:r>
               <a:rPr lang="zh-CN" altLang="en-US">
                 <a:sym typeface="+mn-ea"/>
               </a:rPr>
-              <a:t>“</a:t>
-            </a:r>
-            <a:r>
-              <a:rPr lang="zh-CN" altLang="en-US"/>
-              <a:t>快乐时间”</a:t>
-            </a:r>
-            <a:endParaRPr lang="zh-CN" altLang="en-US"/>
-          </a:p>
-        </p:txBody>
-      </p:sp>
-      <p:sp>
-        <p:nvSpPr>
-          <p:cNvPr id="3" name="Content Placeholder 2"/>
-          <p:cNvSpPr>
-            <a:spLocks noGrp="1"/>
-          </p:cNvSpPr>
-          <p:nvPr>
-            <p:ph idx="1"/>
-          </p:nvPr>
-        </p:nvSpPr>
-        <p:spPr/>
-        <p:txBody>
-          <a:bodyPr/>
-          <a:p>
-            <a:r>
-              <a:rPr lang="zh-CN" altLang="en-US">
-                <a:sym typeface="+mn-ea"/>
-              </a:rPr>
-              <a:t>多线程、异步、并发，能够提升程序响应速度，对现实世界中的软件工程至关重要。</a:t>
+              <a:t>多线程、异步、无阻塞、并发，能提升程序响应速度，对现实世界中的软件工程至关重要。</a:t>
             </a:r>
             <a:endParaRPr lang="zh-CN" altLang="en-US">
               <a:sym typeface="+mn-ea"/>
@@ -4691,6 +4878,872 @@
 </p:sld>
 </file>
 
+<file path=ppt/slides/slide16.xml><?xml version="1.0" encoding="utf-8"?>
+<p:sld xmlns:a="http://schemas.openxmlformats.org/drawingml/2006/main" xmlns:r="http://schemas.openxmlformats.org/officeDocument/2006/relationships" xmlns:p="http://schemas.openxmlformats.org/presentationml/2006/main">
+  <p:cSld>
+    <p:spTree>
+      <p:nvGrpSpPr>
+        <p:cNvPr id="1" name=""/>
+        <p:cNvGrpSpPr/>
+        <p:nvPr/>
+      </p:nvGrpSpPr>
+      <p:grpSpPr/>
+      <p:sp>
+        <p:nvSpPr>
+          <p:cNvPr id="5" name="Title 4"/>
+          <p:cNvSpPr>
+            <a:spLocks noGrp="1"/>
+          </p:cNvSpPr>
+          <p:nvPr>
+            <p:ph type="title"/>
+          </p:nvPr>
+        </p:nvSpPr>
+        <p:spPr/>
+        <p:txBody>
+          <a:bodyPr/>
+          <a:p>
+            <a:r>
+              <a:rPr lang="zh-CN" altLang="en-US"/>
+              <a:t>第</a:t>
+            </a:r>
+            <a:r>
+              <a:rPr lang="en-US" altLang="zh-CN"/>
+              <a:t>2</a:t>
+            </a:r>
+            <a:r>
+              <a:rPr lang="zh-CN" altLang="en-US"/>
+              <a:t>章：异步</a:t>
+            </a:r>
+            <a:endParaRPr lang="en-US" altLang="zh-CN"/>
+          </a:p>
+        </p:txBody>
+      </p:sp>
+    </p:spTree>
+  </p:cSld>
+  <p:clrMapOvr>
+    <a:masterClrMapping/>
+  </p:clrMapOvr>
+</p:sld>
+</file>
+
+<file path=ppt/slides/slide17.xml><?xml version="1.0" encoding="utf-8"?>
+<p:sld xmlns:a="http://schemas.openxmlformats.org/drawingml/2006/main" xmlns:r="http://schemas.openxmlformats.org/officeDocument/2006/relationships" xmlns:p="http://schemas.openxmlformats.org/presentationml/2006/main">
+  <p:cSld>
+    <p:spTree>
+      <p:nvGrpSpPr>
+        <p:cNvPr id="1" name=""/>
+        <p:cNvGrpSpPr/>
+        <p:nvPr/>
+      </p:nvGrpSpPr>
+      <p:grpSpPr/>
+      <p:sp>
+        <p:nvSpPr>
+          <p:cNvPr id="2" name="Title 1"/>
+          <p:cNvSpPr>
+            <a:spLocks noGrp="1"/>
+          </p:cNvSpPr>
+          <p:nvPr>
+            <p:ph type="title"/>
+          </p:nvPr>
+        </p:nvSpPr>
+        <p:spPr/>
+        <p:txBody>
+          <a:bodyPr/>
+          <a:p>
+            <a:r>
+              <a:rPr lang="zh-CN" altLang="en-US"/>
+              <a:t>异步好帮手：</a:t>
+            </a:r>
+            <a:r>
+              <a:rPr lang="en-US" altLang="zh-CN"/>
+              <a:t>std::async</a:t>
+            </a:r>
+            <a:endParaRPr lang="en-US" altLang="zh-CN"/>
+          </a:p>
+        </p:txBody>
+      </p:sp>
+      <p:sp>
+        <p:nvSpPr>
+          <p:cNvPr id="3" name="Content Placeholder 2"/>
+          <p:cNvSpPr>
+            <a:spLocks noGrp="1"/>
+          </p:cNvSpPr>
+          <p:nvPr>
+            <p:ph sz="half" idx="1"/>
+          </p:nvPr>
+        </p:nvSpPr>
+        <p:spPr/>
+        <p:txBody>
+          <a:bodyPr/>
+          <a:p>
+            <a:r>
+              <a:rPr lang="en-US"/>
+              <a:t>std::async </a:t>
+            </a:r>
+            <a:r>
+              <a:rPr lang="zh-CN" altLang="en-US"/>
+              <a:t>接受一个带返回值的</a:t>
+            </a:r>
+            <a:r>
+              <a:rPr lang="en-US" altLang="zh-CN"/>
+              <a:t> lambda</a:t>
+            </a:r>
+            <a:r>
+              <a:rPr lang="zh-CN" altLang="en-US"/>
+              <a:t>，自身返回一个</a:t>
+            </a:r>
+            <a:r>
+              <a:rPr lang="en-US" altLang="zh-CN"/>
+              <a:t> std::future </a:t>
+            </a:r>
+            <a:r>
+              <a:rPr lang="zh-CN" altLang="en-US"/>
+              <a:t>对象。</a:t>
+            </a:r>
+            <a:endParaRPr lang="zh-CN" altLang="en-US"/>
+          </a:p>
+          <a:p>
+            <a:r>
+              <a:rPr lang="en-US" altLang="zh-CN"/>
+              <a:t>lambda </a:t>
+            </a:r>
+            <a:r>
+              <a:rPr lang="zh-CN" altLang="en-US"/>
+              <a:t>的函数体将在</a:t>
+            </a:r>
+            <a:r>
+              <a:rPr lang="zh-CN" altLang="en-US" b="1"/>
+              <a:t>另一个线程</a:t>
+            </a:r>
+            <a:r>
+              <a:rPr lang="zh-CN" altLang="en-US"/>
+              <a:t>里执行。</a:t>
+            </a:r>
+            <a:endParaRPr lang="zh-CN" altLang="en-US"/>
+          </a:p>
+          <a:p>
+            <a:r>
+              <a:rPr lang="zh-CN" altLang="en-US"/>
+              <a:t>接下来你可以在</a:t>
+            </a:r>
+            <a:r>
+              <a:rPr lang="en-US" altLang="zh-CN"/>
+              <a:t> main </a:t>
+            </a:r>
+            <a:r>
+              <a:rPr lang="zh-CN" altLang="en-US"/>
+              <a:t>里面做一些别的事情，</a:t>
+            </a:r>
+            <a:r>
+              <a:rPr lang="en-US" altLang="zh-CN"/>
+              <a:t>download </a:t>
+            </a:r>
+            <a:r>
+              <a:rPr lang="zh-CN" altLang="en-US"/>
+              <a:t>会持续在后台悄悄运行。</a:t>
+            </a:r>
+            <a:endParaRPr lang="zh-CN" altLang="en-US"/>
+          </a:p>
+          <a:p>
+            <a:r>
+              <a:rPr lang="zh-CN" altLang="en-US"/>
+              <a:t>最后调用</a:t>
+            </a:r>
+            <a:r>
+              <a:rPr lang="en-US" altLang="zh-CN"/>
+              <a:t> future </a:t>
+            </a:r>
+            <a:r>
+              <a:rPr lang="zh-CN" altLang="en-US"/>
+              <a:t>的</a:t>
+            </a:r>
+            <a:r>
+              <a:rPr lang="en-US" altLang="zh-CN"/>
+              <a:t> get() </a:t>
+            </a:r>
+            <a:r>
+              <a:rPr lang="zh-CN" altLang="en-US"/>
+              <a:t>方法，如果此时</a:t>
+            </a:r>
+            <a:r>
+              <a:rPr lang="en-US" altLang="zh-CN"/>
+              <a:t> download </a:t>
+            </a:r>
+            <a:r>
+              <a:rPr lang="zh-CN" altLang="en-US"/>
+              <a:t>还没完成，会</a:t>
+            </a:r>
+            <a:r>
+              <a:rPr lang="zh-CN" altLang="en-US" b="1"/>
+              <a:t>等待</a:t>
+            </a:r>
+            <a:r>
+              <a:rPr lang="en-US" altLang="zh-CN"/>
+              <a:t> download </a:t>
+            </a:r>
+            <a:r>
+              <a:rPr lang="zh-CN" altLang="en-US"/>
+              <a:t>完成，并获取</a:t>
+            </a:r>
+            <a:r>
+              <a:rPr lang="en-US" altLang="zh-CN"/>
+              <a:t> download </a:t>
+            </a:r>
+            <a:r>
+              <a:rPr lang="zh-CN" altLang="en-US"/>
+              <a:t>的返回值。</a:t>
+            </a:r>
+            <a:endParaRPr lang="zh-CN" altLang="en-US"/>
+          </a:p>
+        </p:txBody>
+      </p:sp>
+      <p:pic>
+        <p:nvPicPr>
+          <p:cNvPr id="7" name="Content Placeholder 6"/>
+          <p:cNvPicPr>
+            <a:picLocks noChangeAspect="1"/>
+          </p:cNvPicPr>
+          <p:nvPr>
+            <p:ph sz="half" idx="2"/>
+          </p:nvPr>
+        </p:nvPicPr>
+        <p:blipFill>
+          <a:blip r:embed="rId1"/>
+          <a:stretch>
+            <a:fillRect/>
+          </a:stretch>
+        </p:blipFill>
+        <p:spPr>
+          <a:xfrm>
+            <a:off x="6379210" y="532765"/>
+            <a:ext cx="5181600" cy="3601720"/>
+          </a:xfrm>
+          <a:prstGeom prst="rect">
+            <a:avLst/>
+          </a:prstGeom>
+        </p:spPr>
+      </p:pic>
+      <p:pic>
+        <p:nvPicPr>
+          <p:cNvPr id="8" name="Picture 7"/>
+          <p:cNvPicPr>
+            <a:picLocks noChangeAspect="1"/>
+          </p:cNvPicPr>
+          <p:nvPr/>
+        </p:nvPicPr>
+        <p:blipFill>
+          <a:blip r:embed="rId2"/>
+          <a:stretch>
+            <a:fillRect/>
+          </a:stretch>
+        </p:blipFill>
+        <p:spPr>
+          <a:xfrm>
+            <a:off x="6539230" y="4256405"/>
+            <a:ext cx="4861560" cy="2468880"/>
+          </a:xfrm>
+          <a:prstGeom prst="rect">
+            <a:avLst/>
+          </a:prstGeom>
+        </p:spPr>
+      </p:pic>
+      <p:sp>
+        <p:nvSpPr>
+          <p:cNvPr id="9" name="Rounded Rectangle 8"/>
+          <p:cNvSpPr/>
+          <p:nvPr/>
+        </p:nvSpPr>
+        <p:spPr>
+          <a:xfrm>
+            <a:off x="7631430" y="3631565"/>
+            <a:ext cx="817245" cy="145415"/>
+          </a:xfrm>
+          <a:prstGeom prst="roundRect">
+            <a:avLst/>
+          </a:prstGeom>
+          <a:noFill/>
+          <a:ln w="22225">
+            <a:solidFill>
+              <a:srgbClr val="CC0000"/>
+            </a:solidFill>
+          </a:ln>
+        </p:spPr>
+        <p:style>
+          <a:lnRef idx="2">
+            <a:schemeClr val="accent1">
+              <a:shade val="50000"/>
+            </a:schemeClr>
+          </a:lnRef>
+          <a:fillRef idx="1">
+            <a:schemeClr val="accent1"/>
+          </a:fillRef>
+          <a:effectRef idx="0">
+            <a:schemeClr val="accent1"/>
+          </a:effectRef>
+          <a:fontRef idx="minor">
+            <a:schemeClr val="lt1"/>
+          </a:fontRef>
+        </p:style>
+        <p:txBody>
+          <a:bodyPr rtlCol="0" anchor="ctr"/>
+          <a:p>
+            <a:pPr algn="ctr"/>
+            <a:endParaRPr lang="en-US"/>
+          </a:p>
+        </p:txBody>
+      </p:sp>
+      <p:sp>
+        <p:nvSpPr>
+          <p:cNvPr id="10" name="Rounded Rectangle 9"/>
+          <p:cNvSpPr/>
+          <p:nvPr/>
+        </p:nvSpPr>
+        <p:spPr>
+          <a:xfrm>
+            <a:off x="8647430" y="3157220"/>
+            <a:ext cx="1169670" cy="135255"/>
+          </a:xfrm>
+          <a:prstGeom prst="roundRect">
+            <a:avLst/>
+          </a:prstGeom>
+          <a:noFill/>
+          <a:ln w="22225">
+            <a:solidFill>
+              <a:srgbClr val="CC0000"/>
+            </a:solidFill>
+          </a:ln>
+        </p:spPr>
+        <p:style>
+          <a:lnRef idx="2">
+            <a:schemeClr val="accent1">
+              <a:shade val="50000"/>
+            </a:schemeClr>
+          </a:lnRef>
+          <a:fillRef idx="1">
+            <a:schemeClr val="accent1"/>
+          </a:fillRef>
+          <a:effectRef idx="0">
+            <a:schemeClr val="accent1"/>
+          </a:effectRef>
+          <a:fontRef idx="minor">
+            <a:schemeClr val="lt1"/>
+          </a:fontRef>
+        </p:style>
+        <p:txBody>
+          <a:bodyPr rtlCol="0" anchor="ctr"/>
+          <a:p>
+            <a:pPr algn="ctr"/>
+            <a:endParaRPr lang="en-US"/>
+          </a:p>
+        </p:txBody>
+      </p:sp>
+    </p:spTree>
+  </p:cSld>
+  <p:clrMapOvr>
+    <a:masterClrMapping/>
+  </p:clrMapOvr>
+</p:sld>
+</file>
+
+<file path=ppt/slides/slide18.xml><?xml version="1.0" encoding="utf-8"?>
+<p:sld xmlns:a="http://schemas.openxmlformats.org/drawingml/2006/main" xmlns:r="http://schemas.openxmlformats.org/officeDocument/2006/relationships" xmlns:p="http://schemas.openxmlformats.org/presentationml/2006/main">
+  <p:cSld>
+    <p:spTree>
+      <p:nvGrpSpPr>
+        <p:cNvPr id="1" name=""/>
+        <p:cNvGrpSpPr/>
+        <p:nvPr/>
+      </p:nvGrpSpPr>
+      <p:grpSpPr/>
+      <p:sp>
+        <p:nvSpPr>
+          <p:cNvPr id="2" name="Title 1"/>
+          <p:cNvSpPr>
+            <a:spLocks noGrp="1"/>
+          </p:cNvSpPr>
+          <p:nvPr>
+            <p:ph type="title"/>
+          </p:nvPr>
+        </p:nvSpPr>
+        <p:spPr/>
+        <p:txBody>
+          <a:bodyPr/>
+          <a:p>
+            <a:r>
+              <a:rPr lang="zh-CN" altLang="en-US"/>
+              <a:t>显示地等待：</a:t>
+            </a:r>
+            <a:r>
+              <a:rPr lang="en-US" altLang="zh-CN"/>
+              <a:t>wait()</a:t>
+            </a:r>
+            <a:endParaRPr lang="en-US" altLang="zh-CN"/>
+          </a:p>
+        </p:txBody>
+      </p:sp>
+      <p:sp>
+        <p:nvSpPr>
+          <p:cNvPr id="3" name="Content Placeholder 2"/>
+          <p:cNvSpPr>
+            <a:spLocks noGrp="1"/>
+          </p:cNvSpPr>
+          <p:nvPr>
+            <p:ph sz="half" idx="1"/>
+          </p:nvPr>
+        </p:nvSpPr>
+        <p:spPr/>
+        <p:txBody>
+          <a:bodyPr/>
+          <a:p>
+            <a:r>
+              <a:rPr lang="zh-CN" altLang="en-US"/>
+              <a:t>除了</a:t>
+            </a:r>
+            <a:r>
+              <a:rPr lang="en-US" altLang="zh-CN"/>
+              <a:t> get() </a:t>
+            </a:r>
+            <a:r>
+              <a:rPr lang="zh-CN" altLang="en-US"/>
+              <a:t>会等待线程执行完毕外，</a:t>
+            </a:r>
+            <a:r>
+              <a:rPr lang="en-US" altLang="zh-CN"/>
+              <a:t>wait() </a:t>
+            </a:r>
+            <a:r>
+              <a:rPr lang="zh-CN" altLang="en-US"/>
+              <a:t>也可以等待他执行完，但是不会返回其值。</a:t>
+            </a:r>
+            <a:endParaRPr lang="zh-CN" altLang="en-US"/>
+          </a:p>
+        </p:txBody>
+      </p:sp>
+      <p:pic>
+        <p:nvPicPr>
+          <p:cNvPr id="6" name="Picture 5"/>
+          <p:cNvPicPr>
+            <a:picLocks noChangeAspect="1"/>
+          </p:cNvPicPr>
+          <p:nvPr/>
+        </p:nvPicPr>
+        <p:blipFill>
+          <a:blip r:embed="rId1"/>
+          <a:stretch>
+            <a:fillRect/>
+          </a:stretch>
+        </p:blipFill>
+        <p:spPr>
+          <a:xfrm>
+            <a:off x="6941185" y="4201160"/>
+            <a:ext cx="4522470" cy="2562860"/>
+          </a:xfrm>
+          <a:prstGeom prst="rect">
+            <a:avLst/>
+          </a:prstGeom>
+        </p:spPr>
+      </p:pic>
+      <p:pic>
+        <p:nvPicPr>
+          <p:cNvPr id="7" name="Content Placeholder 6"/>
+          <p:cNvPicPr>
+            <a:picLocks noChangeAspect="1"/>
+          </p:cNvPicPr>
+          <p:nvPr>
+            <p:ph sz="half" idx="2"/>
+          </p:nvPr>
+        </p:nvPicPr>
+        <p:blipFill>
+          <a:blip r:embed="rId2"/>
+          <a:stretch>
+            <a:fillRect/>
+          </a:stretch>
+        </p:blipFill>
+        <p:spPr>
+          <a:xfrm>
+            <a:off x="6611620" y="204470"/>
+            <a:ext cx="5181600" cy="3940175"/>
+          </a:xfrm>
+          <a:prstGeom prst="rect">
+            <a:avLst/>
+          </a:prstGeom>
+        </p:spPr>
+      </p:pic>
+      <p:sp>
+        <p:nvSpPr>
+          <p:cNvPr id="10" name="Rounded Rectangle 9"/>
+          <p:cNvSpPr/>
+          <p:nvPr/>
+        </p:nvSpPr>
+        <p:spPr>
+          <a:xfrm>
+            <a:off x="7157085" y="3434080"/>
+            <a:ext cx="882650" cy="135255"/>
+          </a:xfrm>
+          <a:prstGeom prst="roundRect">
+            <a:avLst/>
+          </a:prstGeom>
+          <a:noFill/>
+          <a:ln w="22225">
+            <a:solidFill>
+              <a:srgbClr val="CC0000"/>
+            </a:solidFill>
+          </a:ln>
+        </p:spPr>
+        <p:style>
+          <a:lnRef idx="2">
+            <a:schemeClr val="accent1">
+              <a:shade val="50000"/>
+            </a:schemeClr>
+          </a:lnRef>
+          <a:fillRef idx="1">
+            <a:schemeClr val="accent1"/>
+          </a:fillRef>
+          <a:effectRef idx="0">
+            <a:schemeClr val="accent1"/>
+          </a:effectRef>
+          <a:fontRef idx="minor">
+            <a:schemeClr val="lt1"/>
+          </a:fontRef>
+        </p:style>
+        <p:txBody>
+          <a:bodyPr rtlCol="0" anchor="ctr"/>
+          <a:p>
+            <a:pPr algn="ctr"/>
+            <a:endParaRPr lang="en-US"/>
+          </a:p>
+        </p:txBody>
+      </p:sp>
+    </p:spTree>
+  </p:cSld>
+  <p:clrMapOvr>
+    <a:masterClrMapping/>
+  </p:clrMapOvr>
+</p:sld>
+</file>
+
+<file path=ppt/slides/slide19.xml><?xml version="1.0" encoding="utf-8"?>
+<p:sld xmlns:a="http://schemas.openxmlformats.org/drawingml/2006/main" xmlns:r="http://schemas.openxmlformats.org/officeDocument/2006/relationships" xmlns:p="http://schemas.openxmlformats.org/presentationml/2006/main">
+  <p:cSld>
+    <p:spTree>
+      <p:nvGrpSpPr>
+        <p:cNvPr id="1" name=""/>
+        <p:cNvGrpSpPr/>
+        <p:nvPr/>
+      </p:nvGrpSpPr>
+      <p:grpSpPr/>
+      <p:pic>
+        <p:nvPicPr>
+          <p:cNvPr id="8" name="Content Placeholder 7"/>
+          <p:cNvPicPr>
+            <a:picLocks noChangeAspect="1"/>
+          </p:cNvPicPr>
+          <p:nvPr>
+            <p:ph sz="half" idx="2"/>
+          </p:nvPr>
+        </p:nvPicPr>
+        <p:blipFill>
+          <a:blip r:embed="rId1"/>
+          <a:stretch>
+            <a:fillRect/>
+          </a:stretch>
+        </p:blipFill>
+        <p:spPr>
+          <a:xfrm>
+            <a:off x="5829300" y="832485"/>
+            <a:ext cx="6222365" cy="2701925"/>
+          </a:xfrm>
+          <a:prstGeom prst="rect">
+            <a:avLst/>
+          </a:prstGeom>
+        </p:spPr>
+      </p:pic>
+      <p:sp>
+        <p:nvSpPr>
+          <p:cNvPr id="2" name="Title 1"/>
+          <p:cNvSpPr>
+            <a:spLocks noGrp="1"/>
+          </p:cNvSpPr>
+          <p:nvPr>
+            <p:ph type="title"/>
+          </p:nvPr>
+        </p:nvSpPr>
+        <p:spPr/>
+        <p:txBody>
+          <a:bodyPr/>
+          <a:p>
+            <a:r>
+              <a:rPr lang="zh-CN" altLang="en-US"/>
+              <a:t>等待一段时间：</a:t>
+            </a:r>
+            <a:r>
+              <a:rPr lang="en-US" altLang="zh-CN"/>
+              <a:t>wait_for()</a:t>
+            </a:r>
+            <a:endParaRPr lang="en-US" altLang="zh-CN"/>
+          </a:p>
+        </p:txBody>
+      </p:sp>
+      <p:sp>
+        <p:nvSpPr>
+          <p:cNvPr id="3" name="Content Placeholder 2"/>
+          <p:cNvSpPr>
+            <a:spLocks noGrp="1"/>
+          </p:cNvSpPr>
+          <p:nvPr>
+            <p:ph sz="half" idx="1"/>
+          </p:nvPr>
+        </p:nvSpPr>
+        <p:spPr/>
+        <p:txBody>
+          <a:bodyPr>
+            <a:normAutofit lnSpcReduction="10000"/>
+          </a:bodyPr>
+          <a:p>
+            <a:r>
+              <a:rPr lang="zh-CN" altLang="en-US"/>
+              <a:t>只要线程没有执行完，</a:t>
+            </a:r>
+            <a:r>
+              <a:rPr lang="en-US"/>
+              <a:t>wait() </a:t>
+            </a:r>
+            <a:r>
+              <a:rPr lang="zh-CN" altLang="en-US"/>
+              <a:t>会无限等下去。</a:t>
+            </a:r>
+            <a:endParaRPr lang="zh-CN" altLang="en-US"/>
+          </a:p>
+          <a:p>
+            <a:r>
+              <a:rPr lang="zh-CN" altLang="en-US"/>
+              <a:t>而</a:t>
+            </a:r>
+            <a:r>
+              <a:rPr lang="en-US" altLang="zh-CN"/>
+              <a:t> wait_for() </a:t>
+            </a:r>
+            <a:r>
+              <a:rPr lang="zh-CN" altLang="en-US"/>
+              <a:t>则可以指定一个最长等待时间，用</a:t>
+            </a:r>
+            <a:r>
+              <a:rPr lang="en-US" altLang="zh-CN"/>
+              <a:t> chrono </a:t>
+            </a:r>
+            <a:r>
+              <a:rPr lang="zh-CN" altLang="en-US"/>
+              <a:t>里的类表示单位。他会返回一个</a:t>
+            </a:r>
+            <a:r>
+              <a:rPr lang="en-US" altLang="zh-CN"/>
+              <a:t> std::future_status </a:t>
+            </a:r>
+            <a:r>
+              <a:rPr lang="zh-CN" altLang="en-US"/>
+              <a:t>表示等待是否成功。</a:t>
+            </a:r>
+            <a:endParaRPr lang="zh-CN" altLang="en-US"/>
+          </a:p>
+          <a:p>
+            <a:r>
+              <a:rPr lang="zh-CN" altLang="en-US"/>
+              <a:t>如果超过这个时间线程还没有执行完毕，则放弃等待，返回</a:t>
+            </a:r>
+            <a:r>
+              <a:rPr lang="en-US" altLang="zh-CN"/>
+              <a:t> future_status::timeout</a:t>
+            </a:r>
+            <a:r>
+              <a:rPr lang="zh-CN" altLang="en-US"/>
+              <a:t>。</a:t>
+            </a:r>
+            <a:endParaRPr lang="zh-CN" altLang="en-US"/>
+          </a:p>
+          <a:p>
+            <a:r>
+              <a:rPr lang="zh-CN" altLang="en-US"/>
+              <a:t>如果线程在指定的时间内执行完毕，则认为等待成功，返回</a:t>
+            </a:r>
+            <a:r>
+              <a:rPr lang="en-US" altLang="zh-CN"/>
+              <a:t> future_status::ready</a:t>
+            </a:r>
+            <a:r>
+              <a:rPr lang="zh-CN" altLang="en-US"/>
+              <a:t>。</a:t>
+            </a:r>
+            <a:endParaRPr lang="zh-CN" altLang="en-US"/>
+          </a:p>
+        </p:txBody>
+      </p:sp>
+      <p:sp>
+        <p:nvSpPr>
+          <p:cNvPr id="10" name="Rounded Rectangle 9"/>
+          <p:cNvSpPr/>
+          <p:nvPr/>
+        </p:nvSpPr>
+        <p:spPr>
+          <a:xfrm>
+            <a:off x="7840980" y="1826260"/>
+            <a:ext cx="4020820" cy="156210"/>
+          </a:xfrm>
+          <a:prstGeom prst="roundRect">
+            <a:avLst/>
+          </a:prstGeom>
+          <a:noFill/>
+          <a:ln w="22225">
+            <a:solidFill>
+              <a:srgbClr val="CC0000"/>
+            </a:solidFill>
+          </a:ln>
+        </p:spPr>
+        <p:style>
+          <a:lnRef idx="2">
+            <a:schemeClr val="accent1">
+              <a:shade val="50000"/>
+            </a:schemeClr>
+          </a:lnRef>
+          <a:fillRef idx="1">
+            <a:schemeClr val="accent1"/>
+          </a:fillRef>
+          <a:effectRef idx="0">
+            <a:schemeClr val="accent1"/>
+          </a:effectRef>
+          <a:fontRef idx="minor">
+            <a:schemeClr val="lt1"/>
+          </a:fontRef>
+        </p:style>
+        <p:txBody>
+          <a:bodyPr rtlCol="0" anchor="ctr"/>
+          <a:p>
+            <a:pPr algn="ctr"/>
+            <a:endParaRPr lang="en-US"/>
+          </a:p>
+        </p:txBody>
+      </p:sp>
+      <p:pic>
+        <p:nvPicPr>
+          <p:cNvPr id="6" name="Picture 5"/>
+          <p:cNvPicPr>
+            <a:picLocks noChangeAspect="1"/>
+          </p:cNvPicPr>
+          <p:nvPr/>
+        </p:nvPicPr>
+        <p:blipFill>
+          <a:blip r:embed="rId2"/>
+          <a:stretch>
+            <a:fillRect/>
+          </a:stretch>
+        </p:blipFill>
+        <p:spPr>
+          <a:xfrm>
+            <a:off x="7168515" y="3990340"/>
+            <a:ext cx="4282440" cy="2741295"/>
+          </a:xfrm>
+          <a:prstGeom prst="rect">
+            <a:avLst/>
+          </a:prstGeom>
+        </p:spPr>
+      </p:pic>
+      <p:sp>
+        <p:nvSpPr>
+          <p:cNvPr id="9" name="Rounded Rectangle 8"/>
+          <p:cNvSpPr/>
+          <p:nvPr/>
+        </p:nvSpPr>
+        <p:spPr>
+          <a:xfrm>
+            <a:off x="7142480" y="5619750"/>
+            <a:ext cx="1536700" cy="156210"/>
+          </a:xfrm>
+          <a:prstGeom prst="roundRect">
+            <a:avLst/>
+          </a:prstGeom>
+          <a:noFill/>
+          <a:ln w="22225">
+            <a:solidFill>
+              <a:srgbClr val="CC0000"/>
+            </a:solidFill>
+          </a:ln>
+        </p:spPr>
+        <p:style>
+          <a:lnRef idx="2">
+            <a:schemeClr val="accent1">
+              <a:shade val="50000"/>
+            </a:schemeClr>
+          </a:lnRef>
+          <a:fillRef idx="1">
+            <a:schemeClr val="accent1"/>
+          </a:fillRef>
+          <a:effectRef idx="0">
+            <a:schemeClr val="accent1"/>
+          </a:effectRef>
+          <a:fontRef idx="minor">
+            <a:schemeClr val="lt1"/>
+          </a:fontRef>
+        </p:style>
+        <p:txBody>
+          <a:bodyPr rtlCol="0" anchor="ctr"/>
+          <a:p>
+            <a:pPr algn="ctr"/>
+            <a:endParaRPr lang="en-US"/>
+          </a:p>
+        </p:txBody>
+      </p:sp>
+      <p:sp>
+        <p:nvSpPr>
+          <p:cNvPr id="11" name="Rounded Rectangle 10"/>
+          <p:cNvSpPr/>
+          <p:nvPr/>
+        </p:nvSpPr>
+        <p:spPr>
+          <a:xfrm>
+            <a:off x="7146925" y="6292850"/>
+            <a:ext cx="1459230" cy="145415"/>
+          </a:xfrm>
+          <a:prstGeom prst="roundRect">
+            <a:avLst/>
+          </a:prstGeom>
+          <a:noFill/>
+          <a:ln w="22225">
+            <a:solidFill>
+              <a:srgbClr val="CC0000"/>
+            </a:solidFill>
+          </a:ln>
+        </p:spPr>
+        <p:style>
+          <a:lnRef idx="2">
+            <a:schemeClr val="accent1">
+              <a:shade val="50000"/>
+            </a:schemeClr>
+          </a:lnRef>
+          <a:fillRef idx="1">
+            <a:schemeClr val="accent1"/>
+          </a:fillRef>
+          <a:effectRef idx="0">
+            <a:schemeClr val="accent1"/>
+          </a:effectRef>
+          <a:fontRef idx="minor">
+            <a:schemeClr val="lt1"/>
+          </a:fontRef>
+        </p:style>
+        <p:txBody>
+          <a:bodyPr rtlCol="0" anchor="ctr"/>
+          <a:p>
+            <a:pPr algn="ctr"/>
+            <a:endParaRPr lang="en-US"/>
+          </a:p>
+        </p:txBody>
+      </p:sp>
+    </p:spTree>
+  </p:cSld>
+  <p:clrMapOvr>
+    <a:masterClrMapping/>
+  </p:clrMapOvr>
+</p:sld>
+</file>
+
 <file path=ppt/slides/slide2.xml><?xml version="1.0" encoding="utf-8"?>
 <p:sld xmlns:a="http://schemas.openxmlformats.org/drawingml/2006/main" xmlns:r="http://schemas.openxmlformats.org/officeDocument/2006/relationships" xmlns:p="http://schemas.openxmlformats.org/presentationml/2006/main">
   <p:cSld>
@@ -4771,19 +5824,13 @@
               <a:rPr lang="zh-CN" altLang="en-US">
                 <a:sym typeface="+mn-ea"/>
               </a:rPr>
-              <a:t>晶体管的密度的确仍在指数增长，但</a:t>
-            </a:r>
-            <a:r>
-              <a:rPr lang="en-US" altLang="zh-CN">
-                <a:sym typeface="+mn-ea"/>
-              </a:rPr>
-              <a:t>CPU</a:t>
+              <a:t>晶体管的密度的确仍在指数增长，但处理器</a:t>
             </a:r>
             <a:r>
               <a:rPr lang="zh-CN" altLang="en-US">
                 <a:sym typeface="+mn-ea"/>
               </a:rPr>
-              <a:t>主频却开始停止增长了，甚至有所下滑。</a:t>
+              <a:t>主频却开始停止增长了，甚至有所下降。</a:t>
             </a:r>
             <a:endParaRPr lang="en-US" altLang="zh-CN">
               <a:sym typeface="+mn-ea"/>
@@ -4870,7 +5917,7 @@
               <a:rPr lang="zh-CN" altLang="en-US">
                 <a:sym typeface="+mn-ea"/>
               </a:rPr>
-              <a:t>，而是用于增加</a:t>
+              <a:t>，转而用于增加</a:t>
             </a:r>
             <a:r>
               <a:rPr lang="zh-CN" altLang="en-US" b="1">
@@ -4884,6 +5931,9 @@
               </a:rPr>
               <a:t>。单核性能不再指数增长！</a:t>
             </a:r>
+            <a:endParaRPr lang="zh-CN" altLang="en-US">
+              <a:sym typeface="+mn-ea"/>
+            </a:endParaRPr>
           </a:p>
         </p:txBody>
       </p:sp>
@@ -5073,8 +6123,8 @@
         </p:nvSpPr>
         <p:spPr>
           <a:xfrm>
-            <a:off x="5833110" y="869950"/>
-            <a:ext cx="3027045" cy="368300"/>
+            <a:off x="6672580" y="349250"/>
+            <a:ext cx="3678555" cy="1476375"/>
           </a:xfrm>
           <a:prstGeom prst="rect">
             <a:avLst/>
@@ -5089,6 +6139,17 @@
             <a:r>
               <a:rPr lang="zh-CN" altLang="en-US"/>
               <a:t>你醒啦？免费午餐结束了！</a:t>
+            </a:r>
+            <a:endParaRPr lang="zh-CN" altLang="en-US"/>
+          </a:p>
+          <a:p>
+            <a:r>
+              <a:rPr lang="zh-CN" altLang="en-US"/>
+              <a:t>指望靠单核性能</a:t>
+            </a:r>
+            <a:r>
+              <a:rPr lang="zh-CN" altLang="en-US"/>
+              <a:t>的增长带来程序性能提升的时代一去不复返了，现在要我们动动手为多核优化一下老的程序，才能搭上摩尔定律的顺风车。</a:t>
             </a:r>
             <a:endParaRPr lang="zh-CN" altLang="en-US"/>
           </a:p>
@@ -5366,7 +6427,1318 @@
     <p:bldLst>
       <p:bldP spid="8" grpId="0" bldLvl="0" animBg="1"/>
       <p:bldP spid="13" grpId="0"/>
-      <p:bldP spid="12" grpId="0" animBg="1"/>
+      <p:bldP spid="12" grpId="0" bldLvl="0" animBg="1"/>
+    </p:bldLst>
+  </p:timing>
+</p:sld>
+</file>
+
+<file path=ppt/slides/slide20.xml><?xml version="1.0" encoding="utf-8"?>
+<p:sld xmlns:a="http://schemas.openxmlformats.org/drawingml/2006/main" xmlns:r="http://schemas.openxmlformats.org/officeDocument/2006/relationships" xmlns:p="http://schemas.openxmlformats.org/presentationml/2006/main">
+  <p:cSld>
+    <p:spTree>
+      <p:nvGrpSpPr>
+        <p:cNvPr id="1" name=""/>
+        <p:cNvGrpSpPr/>
+        <p:nvPr/>
+      </p:nvGrpSpPr>
+      <p:grpSpPr/>
+      <p:sp>
+        <p:nvSpPr>
+          <p:cNvPr id="2" name="Title 1"/>
+          <p:cNvSpPr>
+            <a:spLocks noGrp="1"/>
+          </p:cNvSpPr>
+          <p:nvPr>
+            <p:ph type="title"/>
+          </p:nvPr>
+        </p:nvSpPr>
+        <p:spPr/>
+        <p:txBody>
+          <a:bodyPr/>
+          <a:p>
+            <a:r>
+              <a:rPr lang="zh-CN" altLang="en-US"/>
+              <a:t>另一种用法：</a:t>
+            </a:r>
+            <a:r>
+              <a:rPr lang="en-US" altLang="zh-CN"/>
+              <a:t>std::launch::deferred </a:t>
+            </a:r>
+            <a:r>
+              <a:rPr lang="zh-CN" altLang="en-US"/>
+              <a:t>做参数</a:t>
+            </a:r>
+            <a:endParaRPr lang="zh-CN" altLang="en-US"/>
+          </a:p>
+        </p:txBody>
+      </p:sp>
+      <p:sp>
+        <p:nvSpPr>
+          <p:cNvPr id="3" name="Content Placeholder 2"/>
+          <p:cNvSpPr>
+            <a:spLocks noGrp="1"/>
+          </p:cNvSpPr>
+          <p:nvPr>
+            <p:ph sz="half" idx="1"/>
+          </p:nvPr>
+        </p:nvSpPr>
+        <p:spPr/>
+        <p:txBody>
+          <a:bodyPr>
+            <a:normAutofit lnSpcReduction="10000"/>
+          </a:bodyPr>
+          <a:p>
+            <a:r>
+              <a:rPr lang="en-US" altLang="zh-CN"/>
+              <a:t>std::async </a:t>
+            </a:r>
+            <a:r>
+              <a:rPr lang="zh-CN" altLang="en-US"/>
+              <a:t>的第一个参数可以设为</a:t>
+            </a:r>
+            <a:r>
+              <a:rPr lang="en-US" altLang="zh-CN"/>
+              <a:t> std::launch::deferred</a:t>
+            </a:r>
+            <a:r>
+              <a:rPr lang="zh-CN" altLang="en-US"/>
+              <a:t>，这时不会创建一个线程来执行，他只会把</a:t>
+            </a:r>
+            <a:r>
+              <a:rPr lang="en-US" altLang="zh-CN"/>
+              <a:t> lambda </a:t>
+            </a:r>
+            <a:r>
+              <a:rPr lang="zh-CN" altLang="en-US"/>
+              <a:t>函数体内的运算</a:t>
+            </a:r>
+            <a:r>
+              <a:rPr lang="zh-CN" altLang="en-US" b="1"/>
+              <a:t>推迟</a:t>
+            </a:r>
+            <a:r>
+              <a:rPr lang="zh-CN" altLang="en-US"/>
+              <a:t>到</a:t>
+            </a:r>
+            <a:r>
+              <a:rPr lang="en-US" altLang="zh-CN"/>
+              <a:t> future </a:t>
+            </a:r>
+            <a:r>
+              <a:rPr lang="zh-CN" altLang="en-US"/>
+              <a:t>的</a:t>
+            </a:r>
+            <a:r>
+              <a:rPr lang="en-US" altLang="zh-CN"/>
+              <a:t> get() </a:t>
+            </a:r>
+            <a:r>
+              <a:rPr lang="zh-CN" altLang="en-US"/>
+              <a:t>被调用时。也就是</a:t>
+            </a:r>
+            <a:r>
+              <a:rPr lang="en-US" altLang="zh-CN"/>
+              <a:t> main </a:t>
+            </a:r>
+            <a:r>
+              <a:rPr lang="zh-CN" altLang="en-US"/>
+              <a:t>中的</a:t>
+            </a:r>
+            <a:r>
+              <a:rPr lang="en-US" altLang="zh-CN"/>
+              <a:t> interact </a:t>
+            </a:r>
+            <a:r>
+              <a:rPr lang="zh-CN" altLang="en-US"/>
+              <a:t>计算完毕后。</a:t>
+            </a:r>
+            <a:endParaRPr lang="zh-CN" altLang="en-US"/>
+          </a:p>
+          <a:p>
+            <a:r>
+              <a:rPr lang="zh-CN" altLang="en-US"/>
+              <a:t>这种写法，</a:t>
+            </a:r>
+            <a:r>
+              <a:rPr lang="en-US" altLang="zh-CN"/>
+              <a:t>download </a:t>
+            </a:r>
+            <a:r>
+              <a:rPr lang="zh-CN" altLang="en-US"/>
+              <a:t>的执行仍在主线程中，他只是函数式编程范式意义上的异步，而不涉及到真正的多线程。可以用这个实现惰性求值（</a:t>
+            </a:r>
+            <a:r>
+              <a:rPr lang="en-US" altLang="zh-CN"/>
+              <a:t>lazy evaluation</a:t>
+            </a:r>
+            <a:r>
+              <a:rPr lang="zh-CN" altLang="en-US">
+                <a:sym typeface="+mn-ea"/>
+              </a:rPr>
+              <a:t>）之类</a:t>
+            </a:r>
+            <a:r>
+              <a:rPr lang="zh-CN" altLang="en-US"/>
+              <a:t>。</a:t>
+            </a:r>
+            <a:endParaRPr lang="zh-CN" altLang="en-US"/>
+          </a:p>
+        </p:txBody>
+      </p:sp>
+      <p:pic>
+        <p:nvPicPr>
+          <p:cNvPr id="5" name="Content Placeholder 4"/>
+          <p:cNvPicPr>
+            <a:picLocks noChangeAspect="1"/>
+          </p:cNvPicPr>
+          <p:nvPr>
+            <p:ph sz="half" idx="2"/>
+          </p:nvPr>
+        </p:nvPicPr>
+        <p:blipFill>
+          <a:blip r:embed="rId1"/>
+          <a:stretch>
+            <a:fillRect/>
+          </a:stretch>
+        </p:blipFill>
+        <p:spPr>
+          <a:xfrm>
+            <a:off x="6212205" y="2068830"/>
+            <a:ext cx="5847715" cy="1332230"/>
+          </a:xfrm>
+          <a:prstGeom prst="rect">
+            <a:avLst/>
+          </a:prstGeom>
+        </p:spPr>
+      </p:pic>
+      <p:sp>
+        <p:nvSpPr>
+          <p:cNvPr id="9" name="Rounded Rectangle 8"/>
+          <p:cNvSpPr/>
+          <p:nvPr/>
+        </p:nvSpPr>
+        <p:spPr>
+          <a:xfrm>
+            <a:off x="8677910" y="2243455"/>
+            <a:ext cx="2894965" cy="145415"/>
+          </a:xfrm>
+          <a:prstGeom prst="roundRect">
+            <a:avLst/>
+          </a:prstGeom>
+          <a:noFill/>
+          <a:ln w="22225">
+            <a:solidFill>
+              <a:srgbClr val="CC0000"/>
+            </a:solidFill>
+          </a:ln>
+        </p:spPr>
+        <p:style>
+          <a:lnRef idx="2">
+            <a:schemeClr val="accent1">
+              <a:shade val="50000"/>
+            </a:schemeClr>
+          </a:lnRef>
+          <a:fillRef idx="1">
+            <a:schemeClr val="accent1"/>
+          </a:fillRef>
+          <a:effectRef idx="0">
+            <a:schemeClr val="accent1"/>
+          </a:effectRef>
+          <a:fontRef idx="minor">
+            <a:schemeClr val="lt1"/>
+          </a:fontRef>
+        </p:style>
+        <p:txBody>
+          <a:bodyPr rtlCol="0" anchor="ctr"/>
+          <a:p>
+            <a:pPr algn="ctr"/>
+            <a:endParaRPr lang="en-US"/>
+          </a:p>
+        </p:txBody>
+      </p:sp>
+      <p:pic>
+        <p:nvPicPr>
+          <p:cNvPr id="6" name="Picture 5"/>
+          <p:cNvPicPr>
+            <a:picLocks noChangeAspect="1"/>
+          </p:cNvPicPr>
+          <p:nvPr/>
+        </p:nvPicPr>
+        <p:blipFill>
+          <a:blip r:embed="rId2"/>
+          <a:stretch>
+            <a:fillRect/>
+          </a:stretch>
+        </p:blipFill>
+        <p:spPr>
+          <a:xfrm>
+            <a:off x="6771640" y="3917950"/>
+            <a:ext cx="4876800" cy="2476500"/>
+          </a:xfrm>
+          <a:prstGeom prst="rect">
+            <a:avLst/>
+          </a:prstGeom>
+        </p:spPr>
+      </p:pic>
+    </p:spTree>
+  </p:cSld>
+  <p:clrMapOvr>
+    <a:masterClrMapping/>
+  </p:clrMapOvr>
+</p:sld>
+</file>
+
+<file path=ppt/slides/slide21.xml><?xml version="1.0" encoding="utf-8"?>
+<p:sld xmlns:a="http://schemas.openxmlformats.org/drawingml/2006/main" xmlns:r="http://schemas.openxmlformats.org/officeDocument/2006/relationships" xmlns:p="http://schemas.openxmlformats.org/presentationml/2006/main">
+  <p:cSld>
+    <p:spTree>
+      <p:nvGrpSpPr>
+        <p:cNvPr id="1" name=""/>
+        <p:cNvGrpSpPr/>
+        <p:nvPr/>
+      </p:nvGrpSpPr>
+      <p:grpSpPr/>
+      <p:sp>
+        <p:nvSpPr>
+          <p:cNvPr id="2" name="Title 1"/>
+          <p:cNvSpPr>
+            <a:spLocks noGrp="1"/>
+          </p:cNvSpPr>
+          <p:nvPr>
+            <p:ph type="title"/>
+          </p:nvPr>
+        </p:nvSpPr>
+        <p:spPr/>
+        <p:txBody>
+          <a:bodyPr/>
+          <a:p>
+            <a:r>
+              <a:rPr lang="en-US" altLang="zh-CN"/>
+              <a:t>std::future </a:t>
+            </a:r>
+            <a:r>
+              <a:rPr lang="zh-CN" altLang="en-US"/>
+              <a:t>小贴士</a:t>
+            </a:r>
+            <a:endParaRPr lang="zh-CN" altLang="en-US"/>
+          </a:p>
+        </p:txBody>
+      </p:sp>
+      <p:sp>
+        <p:nvSpPr>
+          <p:cNvPr id="3" name="Content Placeholder 2"/>
+          <p:cNvSpPr>
+            <a:spLocks noGrp="1"/>
+          </p:cNvSpPr>
+          <p:nvPr>
+            <p:ph sz="half" idx="1"/>
+          </p:nvPr>
+        </p:nvSpPr>
+        <p:spPr/>
+        <p:txBody>
+          <a:bodyPr/>
+          <a:p>
+            <a:r>
+              <a:rPr lang="en-US"/>
+              <a:t>future </a:t>
+            </a:r>
+            <a:r>
+              <a:rPr lang="zh-CN" altLang="en-US"/>
+              <a:t>为了三五法则，删除了拷贝构造</a:t>
+            </a:r>
+            <a:r>
+              <a:rPr lang="en-US" altLang="zh-CN"/>
+              <a:t>/</a:t>
+            </a:r>
+            <a:r>
+              <a:rPr lang="zh-CN" altLang="en-US"/>
+              <a:t>赋值函数。如果需要浅拷贝，实现共享同一个</a:t>
+            </a:r>
+            <a:r>
+              <a:rPr lang="en-US" altLang="zh-CN"/>
+              <a:t> future </a:t>
+            </a:r>
+            <a:r>
+              <a:rPr lang="zh-CN" altLang="en-US"/>
+              <a:t>对象，可以用</a:t>
+            </a:r>
+            <a:r>
+              <a:rPr lang="en-US" altLang="zh-CN"/>
+              <a:t> </a:t>
+            </a:r>
+            <a:r>
+              <a:rPr lang="en-US" altLang="zh-CN" i="1"/>
+              <a:t>std::shared_future</a:t>
+            </a:r>
+            <a:r>
+              <a:rPr lang="zh-CN" altLang="en-US"/>
+              <a:t>。</a:t>
+            </a:r>
+            <a:endParaRPr lang="zh-CN" altLang="en-US"/>
+          </a:p>
+          <a:p>
+            <a:r>
+              <a:rPr lang="zh-CN" altLang="en-US"/>
+              <a:t>如果不需要返回值，</a:t>
+            </a:r>
+            <a:r>
+              <a:rPr lang="en-US" altLang="zh-CN"/>
+              <a:t>std::async </a:t>
+            </a:r>
+            <a:r>
+              <a:rPr lang="zh-CN" altLang="en-US"/>
+              <a:t>里</a:t>
+            </a:r>
+            <a:r>
+              <a:rPr lang="en-US" altLang="zh-CN"/>
+              <a:t> lambda </a:t>
+            </a:r>
+            <a:r>
+              <a:rPr lang="zh-CN" altLang="en-US"/>
+              <a:t>的返回类型可以为</a:t>
+            </a:r>
+            <a:r>
+              <a:rPr lang="en-US" altLang="zh-CN"/>
+              <a:t> void</a:t>
+            </a:r>
+            <a:r>
+              <a:rPr lang="zh-CN" altLang="en-US"/>
+              <a:t>，</a:t>
+            </a:r>
+            <a:r>
+              <a:rPr lang="en-US" altLang="zh-CN"/>
+              <a:t> </a:t>
+            </a:r>
+            <a:r>
+              <a:rPr lang="zh-CN" altLang="en-US"/>
+              <a:t>这时</a:t>
+            </a:r>
+            <a:r>
+              <a:rPr lang="en-US" altLang="zh-CN"/>
+              <a:t> future </a:t>
+            </a:r>
+            <a:r>
+              <a:rPr lang="zh-CN" altLang="en-US"/>
+              <a:t>对象的类型为</a:t>
+            </a:r>
+            <a:r>
+              <a:rPr lang="en-US" altLang="zh-CN"/>
+              <a:t> </a:t>
+            </a:r>
+            <a:r>
+              <a:rPr lang="en-US" altLang="zh-CN" i="1"/>
+              <a:t>std::future&lt;void&gt;</a:t>
+            </a:r>
+            <a:r>
+              <a:rPr lang="zh-CN" altLang="en-US"/>
+              <a:t>。</a:t>
+            </a:r>
+            <a:endParaRPr lang="zh-CN" altLang="en-US"/>
+          </a:p>
+        </p:txBody>
+      </p:sp>
+      <p:pic>
+        <p:nvPicPr>
+          <p:cNvPr id="5" name="Content Placeholder 4"/>
+          <p:cNvPicPr>
+            <a:picLocks noChangeAspect="1"/>
+          </p:cNvPicPr>
+          <p:nvPr>
+            <p:ph sz="half" idx="2"/>
+          </p:nvPr>
+        </p:nvPicPr>
+        <p:blipFill>
+          <a:blip r:embed="rId1"/>
+          <a:stretch>
+            <a:fillRect/>
+          </a:stretch>
+        </p:blipFill>
+        <p:spPr>
+          <a:xfrm>
+            <a:off x="5981700" y="2123440"/>
+            <a:ext cx="5181600" cy="3754755"/>
+          </a:xfrm>
+          <a:prstGeom prst="rect">
+            <a:avLst/>
+          </a:prstGeom>
+        </p:spPr>
+      </p:pic>
+      <p:sp>
+        <p:nvSpPr>
+          <p:cNvPr id="9" name="Rounded Rectangle 8"/>
+          <p:cNvSpPr/>
+          <p:nvPr/>
+        </p:nvSpPr>
+        <p:spPr>
+          <a:xfrm>
+            <a:off x="6546215" y="4647565"/>
+            <a:ext cx="1790700" cy="123190"/>
+          </a:xfrm>
+          <a:prstGeom prst="roundRect">
+            <a:avLst/>
+          </a:prstGeom>
+          <a:noFill/>
+          <a:ln w="22225">
+            <a:solidFill>
+              <a:srgbClr val="CC0000"/>
+            </a:solidFill>
+          </a:ln>
+        </p:spPr>
+        <p:style>
+          <a:lnRef idx="2">
+            <a:schemeClr val="accent1">
+              <a:shade val="50000"/>
+            </a:schemeClr>
+          </a:lnRef>
+          <a:fillRef idx="1">
+            <a:schemeClr val="accent1"/>
+          </a:fillRef>
+          <a:effectRef idx="0">
+            <a:schemeClr val="accent1"/>
+          </a:effectRef>
+          <a:fontRef idx="minor">
+            <a:schemeClr val="lt1"/>
+          </a:fontRef>
+        </p:style>
+        <p:txBody>
+          <a:bodyPr rtlCol="0" anchor="ctr"/>
+          <a:p>
+            <a:pPr algn="ctr"/>
+            <a:endParaRPr lang="en-US"/>
+          </a:p>
+        </p:txBody>
+      </p:sp>
+    </p:spTree>
+  </p:cSld>
+  <p:clrMapOvr>
+    <a:masterClrMapping/>
+  </p:clrMapOvr>
+</p:sld>
+</file>
+
+<file path=ppt/slides/slide22.xml><?xml version="1.0" encoding="utf-8"?>
+<p:sld xmlns:a="http://schemas.openxmlformats.org/drawingml/2006/main" xmlns:r="http://schemas.openxmlformats.org/officeDocument/2006/relationships" xmlns:p="http://schemas.openxmlformats.org/presentationml/2006/main">
+  <p:cSld>
+    <p:spTree>
+      <p:nvGrpSpPr>
+        <p:cNvPr id="1" name=""/>
+        <p:cNvGrpSpPr/>
+        <p:nvPr/>
+      </p:nvGrpSpPr>
+      <p:grpSpPr/>
+      <p:sp>
+        <p:nvSpPr>
+          <p:cNvPr id="5" name="Title 4"/>
+          <p:cNvSpPr>
+            <a:spLocks noGrp="1"/>
+          </p:cNvSpPr>
+          <p:nvPr>
+            <p:ph type="title"/>
+          </p:nvPr>
+        </p:nvSpPr>
+        <p:spPr/>
+        <p:txBody>
+          <a:bodyPr/>
+          <a:p>
+            <a:r>
+              <a:rPr lang="zh-CN" altLang="en-US"/>
+              <a:t>第</a:t>
+            </a:r>
+            <a:r>
+              <a:rPr lang="en-US" altLang="zh-CN"/>
+              <a:t>3</a:t>
+            </a:r>
+            <a:r>
+              <a:rPr lang="zh-CN" altLang="en-US"/>
+              <a:t>章：并行</a:t>
+            </a:r>
+            <a:endParaRPr lang="en-US" altLang="zh-CN"/>
+          </a:p>
+        </p:txBody>
+      </p:sp>
+    </p:spTree>
+  </p:cSld>
+  <p:clrMapOvr>
+    <a:masterClrMapping/>
+  </p:clrMapOvr>
+</p:sld>
+</file>
+
+<file path=ppt/slides/slide23.xml><?xml version="1.0" encoding="utf-8"?>
+<p:sld xmlns:a="http://schemas.openxmlformats.org/drawingml/2006/main" xmlns:r="http://schemas.openxmlformats.org/officeDocument/2006/relationships" xmlns:p="http://schemas.openxmlformats.org/presentationml/2006/main">
+  <p:cSld>
+    <p:spTree>
+      <p:nvGrpSpPr>
+        <p:cNvPr id="1" name=""/>
+        <p:cNvGrpSpPr/>
+        <p:nvPr/>
+      </p:nvGrpSpPr>
+      <p:grpSpPr/>
+      <p:sp>
+        <p:nvSpPr>
+          <p:cNvPr id="2" name="Title 1"/>
+          <p:cNvSpPr>
+            <a:spLocks noGrp="1"/>
+          </p:cNvSpPr>
+          <p:nvPr>
+            <p:ph type="title"/>
+          </p:nvPr>
+        </p:nvSpPr>
+        <p:spPr/>
+        <p:txBody>
+          <a:bodyPr/>
+          <a:p>
+            <a:r>
+              <a:rPr lang="zh-CN" altLang="en-US"/>
+              <a:t>并发和并行的区别</a:t>
+            </a:r>
+            <a:endParaRPr lang="zh-CN" altLang="en-US"/>
+          </a:p>
+        </p:txBody>
+      </p:sp>
+      <p:sp>
+        <p:nvSpPr>
+          <p:cNvPr id="3" name="Content Placeholder 2"/>
+          <p:cNvSpPr>
+            <a:spLocks noGrp="1"/>
+          </p:cNvSpPr>
+          <p:nvPr>
+            <p:ph sz="half" idx="1"/>
+          </p:nvPr>
+        </p:nvSpPr>
+        <p:spPr/>
+        <p:txBody>
+          <a:bodyPr>
+            <a:normAutofit lnSpcReduction="10000"/>
+          </a:bodyPr>
+          <a:p>
+            <a:r>
+              <a:rPr lang="zh-CN" altLang="en-US"/>
+              <a:t>运用多线程的方式和动机，一般分为两种。</a:t>
+            </a:r>
+            <a:endParaRPr lang="zh-CN" altLang="en-US"/>
+          </a:p>
+          <a:p>
+            <a:r>
+              <a:rPr lang="zh-CN" altLang="en-US"/>
+              <a:t>并发：单</a:t>
+            </a:r>
+            <a:r>
+              <a:rPr lang="zh-CN" altLang="en-US">
+                <a:sym typeface="+mn-ea"/>
+              </a:rPr>
+              <a:t>核</a:t>
+            </a:r>
+            <a:r>
+              <a:rPr lang="zh-CN" altLang="en-US"/>
+              <a:t>处理器，操作系统通过时间片调度算法，轮换着执行着不同的线程，看起来就好像是同时运行一样，其实每一时刻只有一个线程在运行。目的：异步地处理</a:t>
+            </a:r>
+            <a:r>
+              <a:rPr lang="zh-CN" altLang="en-US" b="1"/>
+              <a:t>多个不同的任务</a:t>
+            </a:r>
+            <a:r>
+              <a:rPr lang="zh-CN" altLang="en-US"/>
+              <a:t>，避免同步造成的</a:t>
+            </a:r>
+            <a:r>
+              <a:rPr lang="zh-CN" altLang="en-US" b="1"/>
+              <a:t>阻塞</a:t>
+            </a:r>
+            <a:r>
+              <a:rPr lang="zh-CN" altLang="en-US"/>
+              <a:t>。</a:t>
+            </a:r>
+            <a:endParaRPr lang="zh-CN" altLang="en-US"/>
+          </a:p>
+          <a:p>
+            <a:r>
+              <a:rPr lang="zh-CN" altLang="en-US"/>
+              <a:t>并行：多核处理器，每个处理器执行一个线程，真正的同时运行。</a:t>
+            </a:r>
+            <a:r>
+              <a:rPr lang="zh-CN" altLang="en-US">
+                <a:sym typeface="+mn-ea"/>
+              </a:rPr>
+              <a:t>目的</a:t>
+            </a:r>
+            <a:r>
+              <a:rPr lang="zh-CN" altLang="en-US"/>
+              <a:t>：将</a:t>
+            </a:r>
+            <a:r>
+              <a:rPr lang="zh-CN" altLang="en-US" b="1"/>
+              <a:t>一个任务</a:t>
+            </a:r>
+            <a:r>
+              <a:rPr lang="zh-CN" altLang="en-US"/>
+              <a:t>分派到多个核上，从而</a:t>
+            </a:r>
+            <a:r>
+              <a:rPr lang="zh-CN" altLang="en-US" b="1"/>
+              <a:t>更快</a:t>
+            </a:r>
+            <a:r>
+              <a:rPr lang="zh-CN" altLang="en-US"/>
+              <a:t>完成任务。</a:t>
+            </a:r>
+            <a:endParaRPr lang="zh-CN" altLang="en-US"/>
+          </a:p>
+        </p:txBody>
+      </p:sp>
+      <p:pic>
+        <p:nvPicPr>
+          <p:cNvPr id="5" name="Content Placeholder 4"/>
+          <p:cNvPicPr>
+            <a:picLocks noChangeAspect="1"/>
+          </p:cNvPicPr>
+          <p:nvPr>
+            <p:ph sz="half" idx="2"/>
+          </p:nvPr>
+        </p:nvPicPr>
+        <p:blipFill>
+          <a:blip r:embed="rId1"/>
+          <a:stretch>
+            <a:fillRect/>
+          </a:stretch>
+        </p:blipFill>
+        <p:spPr>
+          <a:xfrm>
+            <a:off x="7009765" y="2000885"/>
+            <a:ext cx="3124200" cy="4000500"/>
+          </a:xfrm>
+          <a:prstGeom prst="rect">
+            <a:avLst/>
+          </a:prstGeom>
+        </p:spPr>
+      </p:pic>
+    </p:spTree>
+  </p:cSld>
+  <p:clrMapOvr>
+    <a:masterClrMapping/>
+  </p:clrMapOvr>
+</p:sld>
+</file>
+
+<file path=ppt/slides/slide24.xml><?xml version="1.0" encoding="utf-8"?>
+<p:sld xmlns:a="http://schemas.openxmlformats.org/drawingml/2006/main" xmlns:r="http://schemas.openxmlformats.org/officeDocument/2006/relationships" xmlns:p="http://schemas.openxmlformats.org/presentationml/2006/main">
+  <p:cSld>
+    <p:spTree>
+      <p:nvGrpSpPr>
+        <p:cNvPr id="1" name=""/>
+        <p:cNvGrpSpPr/>
+        <p:nvPr/>
+      </p:nvGrpSpPr>
+      <p:grpSpPr/>
+      <p:sp>
+        <p:nvSpPr>
+          <p:cNvPr id="2" name="Title 1"/>
+          <p:cNvSpPr>
+            <a:spLocks noGrp="1"/>
+          </p:cNvSpPr>
+          <p:nvPr>
+            <p:ph type="title"/>
+          </p:nvPr>
+        </p:nvSpPr>
+        <p:spPr/>
+        <p:txBody>
+          <a:bodyPr/>
+          <a:p>
+            <a:r>
+              <a:rPr lang="zh-CN" altLang="en-US"/>
+              <a:t>例子</a:t>
+            </a:r>
+            <a:endParaRPr lang="zh-CN" altLang="en-US"/>
+          </a:p>
+        </p:txBody>
+      </p:sp>
+      <p:sp>
+        <p:nvSpPr>
+          <p:cNvPr id="3" name="Content Placeholder 2"/>
+          <p:cNvSpPr>
+            <a:spLocks noGrp="1"/>
+          </p:cNvSpPr>
+          <p:nvPr>
+            <p:ph sz="half" idx="1"/>
+          </p:nvPr>
+        </p:nvSpPr>
+        <p:spPr/>
+        <p:txBody>
+          <a:bodyPr/>
+          <a:p>
+            <a:r>
+              <a:rPr lang="zh-CN" altLang="en-US"/>
+              <a:t>并发：某互联网公司购置了一台单核处理器的服务器，他正同时处理</a:t>
+            </a:r>
+            <a:r>
+              <a:rPr lang="en-US" altLang="zh-CN"/>
+              <a:t> 42 </a:t>
+            </a:r>
+            <a:r>
+              <a:rPr lang="zh-CN" altLang="en-US"/>
+              <a:t>个</a:t>
+            </a:r>
+            <a:r>
+              <a:rPr lang="en-US" altLang="zh-CN"/>
+              <a:t> </a:t>
+            </a:r>
+            <a:r>
+              <a:rPr lang="en-US"/>
+              <a:t>HTTP </a:t>
+            </a:r>
+            <a:r>
+              <a:rPr lang="zh-CN" altLang="en-US"/>
+              <a:t>请求，如果是单线程的</a:t>
+            </a:r>
+            <a:r>
+              <a:rPr lang="en-US" altLang="zh-CN"/>
+              <a:t> listen-accept </a:t>
+            </a:r>
+            <a:r>
+              <a:rPr lang="zh-CN" altLang="en-US"/>
+              <a:t>循环，则在处理完</a:t>
+            </a:r>
+            <a:r>
+              <a:rPr lang="en-US" altLang="zh-CN"/>
+              <a:t> A </a:t>
+            </a:r>
+            <a:r>
+              <a:rPr lang="zh-CN" altLang="en-US"/>
+              <a:t>的请求之前，</a:t>
+            </a:r>
+            <a:r>
+              <a:rPr lang="en-US" altLang="zh-CN"/>
+              <a:t>B </a:t>
+            </a:r>
+            <a:r>
+              <a:rPr lang="zh-CN" altLang="en-US"/>
+              <a:t>的请求就无法处理，造成“无响应”现象。</a:t>
+            </a:r>
+            <a:endParaRPr lang="zh-CN" altLang="en-US"/>
+          </a:p>
+          <a:p>
+            <a:r>
+              <a:rPr lang="zh-CN" altLang="en-US"/>
+              <a:t>每个请求开启一个线程来处理，这样处理</a:t>
+            </a:r>
+            <a:r>
+              <a:rPr lang="en-US" altLang="zh-CN"/>
+              <a:t> A </a:t>
+            </a:r>
+            <a:r>
+              <a:rPr lang="zh-CN" altLang="en-US"/>
+              <a:t>用户的同时还可以继续监听</a:t>
+            </a:r>
+            <a:r>
+              <a:rPr lang="en-US" altLang="zh-CN"/>
+              <a:t> B </a:t>
+            </a:r>
+            <a:r>
+              <a:rPr lang="zh-CN" altLang="en-US"/>
+              <a:t>用户发来的请求，及时响应，改善用户体验。</a:t>
+            </a:r>
+            <a:endParaRPr lang="zh-CN" altLang="en-US"/>
+          </a:p>
+        </p:txBody>
+      </p:sp>
+      <p:sp>
+        <p:nvSpPr>
+          <p:cNvPr id="4" name="Content Placeholder 3"/>
+          <p:cNvSpPr>
+            <a:spLocks noGrp="1"/>
+          </p:cNvSpPr>
+          <p:nvPr>
+            <p:ph sz="half" idx="2"/>
+          </p:nvPr>
+        </p:nvSpPr>
+        <p:spPr/>
+        <p:txBody>
+          <a:bodyPr>
+            <a:normAutofit lnSpcReduction="10000"/>
+          </a:bodyPr>
+          <a:p>
+            <a:r>
+              <a:rPr lang="zh-CN" altLang="en-US"/>
+              <a:t>并行：某图形学爱好者</a:t>
+            </a:r>
+            <a:r>
+              <a:rPr lang="zh-CN" altLang="en-US">
+                <a:sym typeface="+mn-ea"/>
+              </a:rPr>
+              <a:t>购置了一台</a:t>
+            </a:r>
+            <a:r>
+              <a:rPr lang="en-US" altLang="zh-CN">
+                <a:sym typeface="+mn-ea"/>
+              </a:rPr>
+              <a:t> 4 </a:t>
+            </a:r>
+            <a:r>
+              <a:rPr lang="zh-CN" altLang="en-US">
+                <a:sym typeface="+mn-ea"/>
+              </a:rPr>
+              <a:t>核处理器的电脑，他正在渲染</a:t>
+            </a:r>
+            <a:r>
+              <a:rPr lang="en-US" altLang="zh-CN">
+                <a:sym typeface="+mn-ea"/>
+              </a:rPr>
+              <a:t> cornell box </a:t>
+            </a:r>
+            <a:r>
+              <a:rPr lang="zh-CN" altLang="en-US">
+                <a:sym typeface="+mn-ea"/>
+              </a:rPr>
+              <a:t>的</a:t>
+            </a:r>
+            <a:r>
+              <a:rPr lang="zh-CN" altLang="en-US">
+                <a:sym typeface="+mn-ea"/>
+              </a:rPr>
+              <a:t>图像</a:t>
+            </a:r>
+            <a:r>
+              <a:rPr lang="zh-CN" altLang="en-US">
+                <a:sym typeface="+mn-ea"/>
+              </a:rPr>
+              <a:t>，这个图像在</a:t>
+            </a:r>
+            <a:r>
+              <a:rPr lang="zh-CN" altLang="en-US" b="1">
+                <a:sym typeface="+mn-ea"/>
+              </a:rPr>
+              <a:t>单核上渲染需要</a:t>
+            </a:r>
+            <a:r>
+              <a:rPr lang="en-US" altLang="zh-CN" b="1">
+                <a:sym typeface="+mn-ea"/>
+              </a:rPr>
+              <a:t> 4 </a:t>
+            </a:r>
+            <a:r>
+              <a:rPr lang="zh-CN" altLang="en-US" b="1">
+                <a:sym typeface="+mn-ea"/>
+              </a:rPr>
+              <a:t>分钟</a:t>
+            </a:r>
+            <a:r>
+              <a:rPr lang="zh-CN" altLang="en-US">
+                <a:sym typeface="+mn-ea"/>
+              </a:rPr>
+              <a:t>。</a:t>
+            </a:r>
+            <a:endParaRPr lang="zh-CN" altLang="en-US">
+              <a:sym typeface="+mn-ea"/>
+            </a:endParaRPr>
+          </a:p>
+          <a:p>
+            <a:r>
+              <a:rPr lang="zh-CN" altLang="en-US">
+                <a:sym typeface="+mn-ea"/>
+              </a:rPr>
+              <a:t>他把图像切成</a:t>
+            </a:r>
+            <a:r>
+              <a:rPr lang="en-US" altLang="zh-CN">
+                <a:sym typeface="+mn-ea"/>
+              </a:rPr>
+              <a:t> 4 </a:t>
+            </a:r>
+            <a:r>
+              <a:rPr lang="zh-CN" altLang="en-US">
+                <a:sym typeface="+mn-ea"/>
+              </a:rPr>
+              <a:t>份，每个是原来的</a:t>
+            </a:r>
+            <a:r>
+              <a:rPr lang="en-US" altLang="zh-CN">
+                <a:sym typeface="+mn-ea"/>
+              </a:rPr>
+              <a:t> 1/4 </a:t>
+            </a:r>
+            <a:r>
+              <a:rPr lang="zh-CN" altLang="en-US">
+                <a:sym typeface="+mn-ea"/>
+              </a:rPr>
+              <a:t>大小，这样每个小块渲染只需要</a:t>
+            </a:r>
+            <a:r>
+              <a:rPr lang="en-US" altLang="zh-CN">
+                <a:sym typeface="+mn-ea"/>
+              </a:rPr>
+              <a:t> 1 </a:t>
+            </a:r>
+            <a:r>
+              <a:rPr lang="zh-CN" altLang="en-US">
+                <a:sym typeface="+mn-ea"/>
+              </a:rPr>
+              <a:t>分钟。</a:t>
+            </a:r>
+            <a:endParaRPr lang="zh-CN" altLang="en-US">
+              <a:sym typeface="+mn-ea"/>
+            </a:endParaRPr>
+          </a:p>
+          <a:p>
+            <a:r>
+              <a:rPr lang="zh-CN" altLang="en-US">
+                <a:sym typeface="+mn-ea"/>
+              </a:rPr>
+              <a:t>然后他把</a:t>
+            </a:r>
+            <a:r>
+              <a:rPr lang="en-US" altLang="zh-CN">
+                <a:sym typeface="+mn-ea"/>
+              </a:rPr>
+              <a:t> 4 </a:t>
+            </a:r>
+            <a:r>
+              <a:rPr lang="zh-CN" altLang="en-US">
+                <a:sym typeface="+mn-ea"/>
+              </a:rPr>
+              <a:t>个小块发给</a:t>
+            </a:r>
+            <a:r>
+              <a:rPr lang="en-US" altLang="zh-CN">
+                <a:sym typeface="+mn-ea"/>
+              </a:rPr>
+              <a:t> 4 </a:t>
+            </a:r>
+            <a:r>
+              <a:rPr lang="zh-CN" altLang="en-US">
+                <a:sym typeface="+mn-ea"/>
+              </a:rPr>
+              <a:t>个处理器核心，</a:t>
+            </a:r>
+            <a:r>
+              <a:rPr lang="en-US" altLang="zh-CN">
+                <a:sym typeface="+mn-ea"/>
+              </a:rPr>
+              <a:t>1 </a:t>
+            </a:r>
+            <a:r>
+              <a:rPr lang="zh-CN" altLang="en-US">
+                <a:sym typeface="+mn-ea"/>
+              </a:rPr>
+              <a:t>分钟后</a:t>
+            </a:r>
+            <a:r>
+              <a:rPr lang="en-US" altLang="zh-CN">
+                <a:sym typeface="+mn-ea"/>
+              </a:rPr>
+              <a:t> 4 </a:t>
+            </a:r>
+            <a:r>
+              <a:rPr lang="zh-CN" altLang="en-US">
+                <a:sym typeface="+mn-ea"/>
+              </a:rPr>
+              <a:t>个处理器都渲染完毕得到结果。</a:t>
+            </a:r>
+            <a:endParaRPr lang="zh-CN" altLang="en-US">
+              <a:sym typeface="+mn-ea"/>
+            </a:endParaRPr>
+          </a:p>
+          <a:p>
+            <a:r>
+              <a:rPr lang="zh-CN" altLang="en-US">
+                <a:sym typeface="+mn-ea"/>
+              </a:rPr>
+              <a:t>最后只需将</a:t>
+            </a:r>
+            <a:r>
+              <a:rPr lang="en-US" altLang="zh-CN">
+                <a:sym typeface="+mn-ea"/>
+              </a:rPr>
+              <a:t> 4 </a:t>
+            </a:r>
+            <a:r>
+              <a:rPr lang="zh-CN" altLang="en-US">
+                <a:sym typeface="+mn-ea"/>
+              </a:rPr>
+              <a:t>个小块拼接起来即可得到完整的</a:t>
+            </a:r>
+            <a:r>
+              <a:rPr lang="en-US" altLang="zh-CN">
+                <a:sym typeface="+mn-ea"/>
+              </a:rPr>
+              <a:t> cornell box </a:t>
+            </a:r>
+            <a:r>
+              <a:rPr lang="zh-CN" altLang="en-US">
+                <a:sym typeface="+mn-ea"/>
+              </a:rPr>
+              <a:t>图像。</a:t>
+            </a:r>
+            <a:r>
+              <a:rPr lang="zh-CN" altLang="en-US" b="1">
+                <a:sym typeface="+mn-ea"/>
+              </a:rPr>
+              <a:t>总共只花了</a:t>
+            </a:r>
+            <a:r>
+              <a:rPr lang="en-US" altLang="zh-CN" b="1">
+                <a:sym typeface="+mn-ea"/>
+              </a:rPr>
+              <a:t> 1 </a:t>
+            </a:r>
+            <a:r>
+              <a:rPr lang="zh-CN" altLang="en-US" b="1">
+                <a:sym typeface="+mn-ea"/>
+              </a:rPr>
+              <a:t>分钟</a:t>
+            </a:r>
+            <a:r>
+              <a:rPr lang="zh-CN" altLang="en-US">
+                <a:sym typeface="+mn-ea"/>
+              </a:rPr>
+              <a:t>。</a:t>
+            </a:r>
+            <a:endParaRPr lang="zh-CN" altLang="en-US">
+              <a:sym typeface="+mn-ea"/>
+            </a:endParaRPr>
+          </a:p>
+        </p:txBody>
+      </p:sp>
+      <p:sp>
+        <p:nvSpPr>
+          <p:cNvPr id="5" name="Text Box 4"/>
+          <p:cNvSpPr txBox="1"/>
+          <p:nvPr/>
+        </p:nvSpPr>
+        <p:spPr>
+          <a:xfrm>
+            <a:off x="2771775" y="556895"/>
+            <a:ext cx="8999855" cy="645160"/>
+          </a:xfrm>
+          <a:prstGeom prst="rect">
+            <a:avLst/>
+          </a:prstGeom>
+          <a:noFill/>
+        </p:spPr>
+        <p:txBody>
+          <a:bodyPr wrap="square" rtlCol="0">
+            <a:spAutoFit/>
+          </a:bodyPr>
+          <a:p>
+            <a:r>
+              <a:rPr lang="zh-CN" altLang="en-US">
+                <a:solidFill>
+                  <a:schemeClr val="bg1">
+                    <a:lumMod val="50000"/>
+                  </a:schemeClr>
+                </a:solidFill>
+              </a:rPr>
+              <a:t>图形学爱好者：我看中的是</a:t>
+            </a:r>
+            <a:r>
+              <a:rPr lang="zh-CN" altLang="en-US" b="1">
+                <a:solidFill>
+                  <a:schemeClr val="bg1">
+                    <a:lumMod val="50000"/>
+                  </a:schemeClr>
+                </a:solidFill>
+              </a:rPr>
+              <a:t>多核</a:t>
+            </a:r>
+            <a:r>
+              <a:rPr lang="zh-CN" altLang="en-US">
+                <a:solidFill>
+                  <a:schemeClr val="bg1">
+                    <a:lumMod val="50000"/>
+                  </a:schemeClr>
+                </a:solidFill>
+              </a:rPr>
+              <a:t>，目的是</a:t>
+            </a:r>
+            <a:r>
+              <a:rPr lang="zh-CN" altLang="en-US" b="1">
+                <a:solidFill>
+                  <a:schemeClr val="bg1">
+                    <a:lumMod val="50000"/>
+                  </a:schemeClr>
+                </a:solidFill>
+              </a:rPr>
+              <a:t>加速比</a:t>
+            </a:r>
+            <a:r>
+              <a:rPr lang="zh-CN" altLang="en-US">
+                <a:solidFill>
+                  <a:schemeClr val="bg1">
+                    <a:lumMod val="50000"/>
+                  </a:schemeClr>
+                </a:solidFill>
+              </a:rPr>
+              <a:t>，如果是单核，那多线程对我无用！</a:t>
+            </a:r>
+            <a:endParaRPr lang="zh-CN" altLang="en-US">
+              <a:solidFill>
+                <a:schemeClr val="bg1">
+                  <a:lumMod val="50000"/>
+                </a:schemeClr>
+              </a:solidFill>
+            </a:endParaRPr>
+          </a:p>
+          <a:p>
+            <a:r>
+              <a:rPr lang="zh-CN" altLang="en-US">
+                <a:solidFill>
+                  <a:schemeClr val="bg1">
+                    <a:lumMod val="50000"/>
+                  </a:schemeClr>
+                </a:solidFill>
+                <a:sym typeface="+mn-ea"/>
+              </a:rPr>
+              <a:t>某</a:t>
+            </a:r>
+            <a:r>
+              <a:rPr lang="zh-CN" altLang="en-US">
+                <a:solidFill>
+                  <a:schemeClr val="bg1">
+                    <a:lumMod val="50000"/>
+                  </a:schemeClr>
+                </a:solidFill>
+              </a:rPr>
+              <a:t>互联网公司：我看中的是</a:t>
+            </a:r>
+            <a:r>
+              <a:rPr lang="zh-CN" altLang="en-US" b="1">
+                <a:solidFill>
+                  <a:schemeClr val="bg1">
+                    <a:lumMod val="50000"/>
+                  </a:schemeClr>
+                </a:solidFill>
+              </a:rPr>
+              <a:t>异步</a:t>
+            </a:r>
+            <a:r>
+              <a:rPr lang="zh-CN" altLang="en-US">
+                <a:solidFill>
+                  <a:schemeClr val="bg1">
+                    <a:lumMod val="50000"/>
+                  </a:schemeClr>
+                </a:solidFill>
+              </a:rPr>
+              <a:t>，目的是</a:t>
+            </a:r>
+            <a:r>
+              <a:rPr lang="zh-CN" altLang="en-US" b="1">
+                <a:solidFill>
+                  <a:schemeClr val="bg1">
+                    <a:lumMod val="50000"/>
+                  </a:schemeClr>
+                </a:solidFill>
+              </a:rPr>
+              <a:t>无阻塞</a:t>
+            </a:r>
+            <a:r>
+              <a:rPr lang="zh-CN" altLang="en-US">
+                <a:solidFill>
+                  <a:schemeClr val="bg1">
+                    <a:lumMod val="50000"/>
+                  </a:schemeClr>
+                </a:solidFill>
+              </a:rPr>
+              <a:t>，即使是单核，多线程对我也有用。</a:t>
+            </a:r>
+            <a:endParaRPr lang="zh-CN" altLang="en-US">
+              <a:solidFill>
+                <a:schemeClr val="bg1">
+                  <a:lumMod val="50000"/>
+                </a:schemeClr>
+              </a:solidFill>
+            </a:endParaRPr>
+          </a:p>
+        </p:txBody>
+      </p:sp>
+    </p:spTree>
+  </p:cSld>
+  <p:clrMapOvr>
+    <a:masterClrMapping/>
+  </p:clrMapOvr>
+  <p:timing>
+    <p:tnLst>
+      <p:par>
+        <p:cTn id="1" dur="indefinite" restart="never" nodeType="tmRoot">
+          <p:childTnLst>
+            <p:seq concurrent="1" nextAc="seek">
+              <p:cTn id="2" dur="indefinite" nodeType="mainSeq">
+                <p:childTnLst>
+                  <p:par>
+                    <p:cTn id="3" fill="hold">
+                      <p:stCondLst>
+                        <p:cond delay="indefinite"/>
+                      </p:stCondLst>
+                      <p:childTnLst>
+                        <p:par>
+                          <p:cTn id="4" fill="hold">
+                            <p:stCondLst>
+                              <p:cond delay="0"/>
+                            </p:stCondLst>
+                            <p:childTnLst>
+                              <p:par>
+                                <p:cTn id="5" presetID="9" presetClass="entr" presetSubtype="0" fill="hold" grpId="0" nodeType="clickEffect">
+                                  <p:stCondLst>
+                                    <p:cond delay="0"/>
+                                  </p:stCondLst>
+                                  <p:childTnLst>
+                                    <p:set>
+                                      <p:cBhvr>
+                                        <p:cTn id="6" dur="1" fill="hold">
+                                          <p:stCondLst>
+                                            <p:cond delay="0"/>
+                                          </p:stCondLst>
+                                        </p:cTn>
+                                        <p:tgtEl>
+                                          <p:spTgt spid="5"/>
+                                        </p:tgtEl>
+                                        <p:attrNameLst>
+                                          <p:attrName>style.visibility</p:attrName>
+                                        </p:attrNameLst>
+                                      </p:cBhvr>
+                                      <p:to>
+                                        <p:strVal val="visible"/>
+                                      </p:to>
+                                    </p:set>
+                                    <p:animEffect transition="in" filter="dissolve">
+                                      <p:cBhvr>
+                                        <p:cTn id="7" dur="500"/>
+                                        <p:tgtEl>
+                                          <p:spTgt spid="5"/>
+                                        </p:tgtEl>
+                                      </p:cBhvr>
+                                    </p:animEffect>
+                                  </p:childTnLst>
+                                </p:cTn>
+                              </p:par>
+                            </p:childTnLst>
+                          </p:cTn>
+                        </p:par>
+                      </p:childTnLst>
+                    </p:cTn>
+                  </p:par>
+                </p:childTnLst>
+              </p:cTn>
+              <p:prevCondLst>
+                <p:cond evt="onPrev" delay="0">
+                  <p:tgtEl>
+                    <p:sldTgt/>
+                  </p:tgtEl>
+                </p:cond>
+              </p:prevCondLst>
+              <p:nextCondLst>
+                <p:cond evt="onNext" delay="0">
+                  <p:tgtEl>
+                    <p:sldTgt/>
+                  </p:tgtEl>
+                </p:cond>
+              </p:nextCondLst>
+            </p:seq>
+          </p:childTnLst>
+        </p:cTn>
+      </p:par>
+    </p:tnLst>
+    <p:bldLst>
+      <p:bldP spid="5" grpId="0"/>
     </p:bldLst>
   </p:timing>
 </p:sld>
@@ -5424,7 +7796,23 @@
           <a:p>
             <a:r>
               <a:rPr lang="en-US"/>
-              <a:t>一个由双核组成的CPU实际上提供了6GHz的处理能力，是吗？</a:t>
+              <a:t>一个由双核组成的</a:t>
+            </a:r>
+            <a:r>
+              <a:rPr lang="en-US">
+                <a:sym typeface="+mn-ea"/>
+              </a:rPr>
+              <a:t>3GHz</a:t>
+            </a:r>
+            <a:r>
+              <a:rPr lang="zh-CN" altLang="en-US">
+                <a:sym typeface="+mn-ea"/>
+              </a:rPr>
+              <a:t>的</a:t>
+            </a:r>
+            <a:r>
+              <a:rPr lang="en-US"/>
+              <a:t>CPU实际上提供了6GHz的处理能力，是吗？</a:t>
             </a:r>
             <a:endParaRPr lang="en-US"/>
           </a:p>
@@ -5577,7 +7965,7 @@
       <p:grpSpPr/>
       <p:sp>
         <p:nvSpPr>
-          <p:cNvPr id="2" name="Title 1"/>
+          <p:cNvPr id="4" name="Title 3"/>
           <p:cNvSpPr>
             <a:spLocks noGrp="1"/>
           </p:cNvSpPr>
@@ -5591,106 +7979,20 @@
           <a:p>
             <a:r>
               <a:rPr lang="zh-CN" altLang="en-US"/>
-              <a:t>多线程的动机之一：异步多任务</a:t>
-            </a:r>
-            <a:endParaRPr lang="en-US" altLang="zh-CN"/>
-          </a:p>
-        </p:txBody>
-      </p:sp>
-      <p:sp>
-        <p:nvSpPr>
-          <p:cNvPr id="3" name="Content Placeholder 2"/>
-          <p:cNvSpPr>
-            <a:spLocks noGrp="1"/>
-          </p:cNvSpPr>
-          <p:nvPr>
-            <p:ph sz="half" idx="1"/>
-          </p:nvPr>
-        </p:nvSpPr>
-        <p:spPr/>
-        <p:txBody>
-          <a:bodyPr>
-            <a:normAutofit lnSpcReduction="10000"/>
-          </a:bodyPr>
-          <a:p>
-            <a:r>
-              <a:rPr lang="zh-CN" altLang="en-US"/>
-              <a:t>我们的程序常常需要同时处理多个任务。</a:t>
-            </a:r>
-            <a:endParaRPr lang="zh-CN" altLang="en-US"/>
-          </a:p>
-          <a:p>
-            <a:r>
-              <a:rPr lang="zh-CN" altLang="en-US">
-                <a:sym typeface="+mn-ea"/>
-              </a:rPr>
-              <a:t>例如：后台在执行一个很耗时的任务，比如下载一个文件，同时还要和用户交互。</a:t>
-            </a:r>
-            <a:endParaRPr lang="zh-CN" altLang="en-US">
-              <a:sym typeface="+mn-ea"/>
-            </a:endParaRPr>
-          </a:p>
-          <a:p>
-            <a:r>
-              <a:rPr lang="zh-CN" altLang="en-US">
-                <a:sym typeface="+mn-ea"/>
-              </a:rPr>
-              <a:t>这在</a:t>
-            </a:r>
-            <a:r>
-              <a:rPr lang="en-US" altLang="zh-CN">
-                <a:sym typeface="+mn-ea"/>
-              </a:rPr>
-              <a:t> GUI </a:t>
-            </a:r>
-            <a:r>
-              <a:rPr lang="zh-CN" altLang="en-US">
-                <a:sym typeface="+mn-ea"/>
-              </a:rPr>
-              <a:t>应用程序中很常见，比如浏览器在后台下载文件的同时，用户仍然可以用鼠标操作其</a:t>
-            </a:r>
-            <a:r>
-              <a:rPr lang="en-US" altLang="zh-CN">
-                <a:sym typeface="+mn-ea"/>
-              </a:rPr>
-              <a:t> UI </a:t>
-            </a:r>
-            <a:r>
-              <a:rPr lang="zh-CN" altLang="en-US">
-                <a:sym typeface="+mn-ea"/>
-              </a:rPr>
-              <a:t>界面。</a:t>
-            </a:r>
-            <a:endParaRPr lang="zh-CN" altLang="en-US"/>
-          </a:p>
-        </p:txBody>
-      </p:sp>
-      <p:pic>
-        <p:nvPicPr>
-          <p:cNvPr id="14" name="Content Placeholder 13"/>
-          <p:cNvPicPr>
-            <a:picLocks noChangeAspect="1"/>
-          </p:cNvPicPr>
-          <p:nvPr>
-            <p:ph sz="half" idx="2"/>
-          </p:nvPr>
-        </p:nvPicPr>
-        <p:blipFill>
-          <a:blip r:embed="rId1"/>
-          <a:stretch>
-            <a:fillRect/>
-          </a:stretch>
-        </p:blipFill>
-        <p:spPr>
-          <a:xfrm>
-            <a:off x="5981700" y="2363470"/>
-            <a:ext cx="5181600" cy="3274695"/>
-          </a:xfrm>
-          <a:prstGeom prst="rect">
-            <a:avLst/>
-          </a:prstGeom>
-        </p:spPr>
-      </p:pic>
+              <a:t>第</a:t>
+            </a:r>
+            <a:r>
+              <a:rPr lang="en-US" altLang="zh-CN"/>
+              <a:t>1</a:t>
+            </a:r>
+            <a:r>
+              <a:rPr lang="zh-CN" altLang="en-US"/>
+              <a:t>章：线程</a:t>
+            </a:r>
+            <a:endParaRPr lang="zh-CN" altLang="en-US"/>
+          </a:p>
+        </p:txBody>
+      </p:sp>
     </p:spTree>
   </p:cSld>
   <p:clrMapOvr>
@@ -5863,6 +8165,140 @@
           <a:bodyPr/>
           <a:p>
             <a:r>
+              <a:rPr lang="zh-CN" altLang="en-US"/>
+              <a:t>为什么需要多线程：无阻塞多任务</a:t>
+            </a:r>
+            <a:endParaRPr lang="en-US" altLang="zh-CN"/>
+          </a:p>
+        </p:txBody>
+      </p:sp>
+      <p:sp>
+        <p:nvSpPr>
+          <p:cNvPr id="3" name="Content Placeholder 2"/>
+          <p:cNvSpPr>
+            <a:spLocks noGrp="1"/>
+          </p:cNvSpPr>
+          <p:nvPr>
+            <p:ph sz="half" idx="1"/>
+          </p:nvPr>
+        </p:nvSpPr>
+        <p:spPr/>
+        <p:txBody>
+          <a:bodyPr>
+            <a:normAutofit lnSpcReduction="10000"/>
+          </a:bodyPr>
+          <a:p>
+            <a:r>
+              <a:rPr lang="zh-CN" altLang="en-US"/>
+              <a:t>我们的程序常常需要同时处理多个任务。</a:t>
+            </a:r>
+            <a:endParaRPr lang="zh-CN" altLang="en-US"/>
+          </a:p>
+          <a:p>
+            <a:r>
+              <a:rPr lang="zh-CN" altLang="en-US">
+                <a:sym typeface="+mn-ea"/>
+              </a:rPr>
+              <a:t>例如：后台在执行一个很耗时的任务，比如下载一个文件，同时还要和用户交互。</a:t>
+            </a:r>
+            <a:endParaRPr lang="zh-CN" altLang="en-US">
+              <a:sym typeface="+mn-ea"/>
+            </a:endParaRPr>
+          </a:p>
+          <a:p>
+            <a:r>
+              <a:rPr lang="zh-CN" altLang="en-US">
+                <a:sym typeface="+mn-ea"/>
+              </a:rPr>
+              <a:t>这在</a:t>
+            </a:r>
+            <a:r>
+              <a:rPr lang="en-US" altLang="zh-CN">
+                <a:sym typeface="+mn-ea"/>
+              </a:rPr>
+              <a:t> GUI </a:t>
+            </a:r>
+            <a:r>
+              <a:rPr lang="zh-CN" altLang="en-US">
+                <a:sym typeface="+mn-ea"/>
+              </a:rPr>
+              <a:t>应用程序中很常见，比如浏览器在后台下载文件的同时，用户仍然可以用鼠标操作其</a:t>
+            </a:r>
+            <a:r>
+              <a:rPr lang="en-US" altLang="zh-CN">
+                <a:sym typeface="+mn-ea"/>
+              </a:rPr>
+              <a:t> UI </a:t>
+            </a:r>
+            <a:r>
+              <a:rPr lang="zh-CN" altLang="en-US">
+                <a:sym typeface="+mn-ea"/>
+              </a:rPr>
+              <a:t>界面。</a:t>
+            </a:r>
+            <a:endParaRPr lang="zh-CN" altLang="en-US"/>
+          </a:p>
+        </p:txBody>
+      </p:sp>
+      <p:pic>
+        <p:nvPicPr>
+          <p:cNvPr id="14" name="Content Placeholder 13"/>
+          <p:cNvPicPr>
+            <a:picLocks noChangeAspect="1"/>
+          </p:cNvPicPr>
+          <p:nvPr>
+            <p:ph sz="half" idx="2"/>
+          </p:nvPr>
+        </p:nvPicPr>
+        <p:blipFill>
+          <a:blip r:embed="rId1"/>
+          <a:stretch>
+            <a:fillRect/>
+          </a:stretch>
+        </p:blipFill>
+        <p:spPr>
+          <a:xfrm>
+            <a:off x="5981700" y="2363470"/>
+            <a:ext cx="5181600" cy="3274695"/>
+          </a:xfrm>
+          <a:prstGeom prst="rect">
+            <a:avLst/>
+          </a:prstGeom>
+        </p:spPr>
+      </p:pic>
+    </p:spTree>
+  </p:cSld>
+  <p:clrMapOvr>
+    <a:masterClrMapping/>
+  </p:clrMapOvr>
+</p:sld>
+</file>
+
+<file path=ppt/slides/slide8.xml><?xml version="1.0" encoding="utf-8"?>
+<p:sld xmlns:a="http://schemas.openxmlformats.org/drawingml/2006/main" xmlns:r="http://schemas.openxmlformats.org/officeDocument/2006/relationships" xmlns:p="http://schemas.openxmlformats.org/presentationml/2006/main">
+  <p:cSld>
+    <p:spTree>
+      <p:nvGrpSpPr>
+        <p:cNvPr id="1" name=""/>
+        <p:cNvGrpSpPr/>
+        <p:nvPr/>
+      </p:nvGrpSpPr>
+      <p:grpSpPr/>
+      <p:sp>
+        <p:nvSpPr>
+          <p:cNvPr id="2" name="Title 1"/>
+          <p:cNvSpPr>
+            <a:spLocks noGrp="1"/>
+          </p:cNvSpPr>
+          <p:nvPr>
+            <p:ph type="title"/>
+          </p:nvPr>
+        </p:nvSpPr>
+        <p:spPr/>
+        <p:txBody>
+          <a:bodyPr/>
+          <a:p>
+            <a:r>
               <a:rPr lang="zh-CN" altLang="en-US">
                 <a:sym typeface="+mn-ea"/>
               </a:rPr>
@@ -6046,7 +8482,7 @@
 </p:sld>
 </file>
 
-<file path=ppt/slides/slide8.xml><?xml version="1.0" encoding="utf-8"?>
+<file path=ppt/slides/slide9.xml><?xml version="1.0" encoding="utf-8"?>
 <p:sld xmlns:a="http://schemas.openxmlformats.org/drawingml/2006/main" xmlns:r="http://schemas.openxmlformats.org/officeDocument/2006/relationships" xmlns:p="http://schemas.openxmlformats.org/presentationml/2006/main">
   <p:cSld>
     <p:spTree>
@@ -6201,193 +8637,6 @@
           <a:xfrm>
             <a:off x="2923540" y="4459605"/>
             <a:ext cx="6146800" cy="1826260"/>
-          </a:xfrm>
-          <a:prstGeom prst="rect">
-            <a:avLst/>
-          </a:prstGeom>
-        </p:spPr>
-      </p:pic>
-    </p:spTree>
-  </p:cSld>
-  <p:clrMapOvr>
-    <a:masterClrMapping/>
-  </p:clrMapOvr>
-</p:sld>
-</file>
-
-<file path=ppt/slides/slide9.xml><?xml version="1.0" encoding="utf-8"?>
-<p:sld xmlns:a="http://schemas.openxmlformats.org/drawingml/2006/main" xmlns:r="http://schemas.openxmlformats.org/officeDocument/2006/relationships" xmlns:p="http://schemas.openxmlformats.org/presentationml/2006/main">
-  <p:cSld>
-    <p:spTree>
-      <p:nvGrpSpPr>
-        <p:cNvPr id="1" name=""/>
-        <p:cNvGrpSpPr/>
-        <p:nvPr/>
-      </p:nvGrpSpPr>
-      <p:grpSpPr/>
-      <p:sp>
-        <p:nvSpPr>
-          <p:cNvPr id="2" name="Title 1"/>
-          <p:cNvSpPr>
-            <a:spLocks noGrp="1"/>
-          </p:cNvSpPr>
-          <p:nvPr>
-            <p:ph type="title"/>
-          </p:nvPr>
-        </p:nvSpPr>
-        <p:spPr/>
-        <p:txBody>
-          <a:bodyPr/>
-          <a:p>
-            <a:r>
-              <a:rPr lang="zh-CN" altLang="en-US"/>
-              <a:t>有了多线程：异步处理请求</a:t>
-            </a:r>
-            <a:endParaRPr lang="zh-CN" altLang="en-US"/>
-          </a:p>
-        </p:txBody>
-      </p:sp>
-      <p:sp>
-        <p:nvSpPr>
-          <p:cNvPr id="4" name="Content Placeholder 3"/>
-          <p:cNvSpPr>
-            <a:spLocks noGrp="1"/>
-          </p:cNvSpPr>
-          <p:nvPr>
-            <p:ph sz="half" idx="1"/>
-          </p:nvPr>
-        </p:nvSpPr>
-        <p:spPr/>
-        <p:txBody>
-          <a:bodyPr/>
-          <a:p>
-            <a:r>
-              <a:rPr lang="zh-CN" altLang="en-US">
-                <a:sym typeface="+mn-ea"/>
-              </a:rPr>
-              <a:t>有了</a:t>
-            </a:r>
-            <a:r>
-              <a:rPr lang="zh-CN" altLang="en-US">
-                <a:sym typeface="+mn-ea"/>
-              </a:rPr>
-              <a:t>多线程的话，</a:t>
-            </a:r>
-            <a:r>
-              <a:rPr lang="zh-CN" altLang="en-US" b="1">
-                <a:sym typeface="+mn-ea"/>
-              </a:rPr>
-              <a:t>文件</a:t>
-            </a:r>
-            <a:r>
-              <a:rPr lang="en-US" b="1">
-                <a:sym typeface="+mn-ea"/>
-              </a:rPr>
-              <a:t>下载</a:t>
-            </a:r>
-            <a:r>
-              <a:rPr lang="zh-CN" altLang="en-US">
-                <a:sym typeface="+mn-ea"/>
-              </a:rPr>
-              <a:t>和</a:t>
-            </a:r>
-            <a:r>
-              <a:rPr lang="zh-CN" altLang="en-US" b="1">
-                <a:sym typeface="+mn-ea"/>
-              </a:rPr>
-              <a:t>用户交互</a:t>
-            </a:r>
-            <a:r>
-              <a:rPr lang="zh-CN" altLang="en-US">
-                <a:sym typeface="+mn-ea"/>
-              </a:rPr>
-              <a:t>分别在两个线程，同时独立运行。从而下载过程中也可以响应用户请求，提升了体验。</a:t>
-            </a:r>
-            <a:endParaRPr lang="zh-CN" altLang="en-US">
-              <a:sym typeface="+mn-ea"/>
-            </a:endParaRPr>
-          </a:p>
-          <a:p>
-            <a:r>
-              <a:rPr lang="zh-CN" altLang="en-US">
-                <a:sym typeface="+mn-ea"/>
-              </a:rPr>
-              <a:t>可是发现一个问题：我输入完</a:t>
-            </a:r>
-            <a:r>
-              <a:rPr lang="en-US" altLang="zh-CN">
-                <a:sym typeface="+mn-ea"/>
-              </a:rPr>
-              <a:t> pyb </a:t>
-            </a:r>
-            <a:r>
-              <a:rPr lang="zh-CN" altLang="en-US">
-                <a:sym typeface="+mn-ea"/>
-              </a:rPr>
-              <a:t>以后，他的确及时地和我交互了。但是</a:t>
-            </a:r>
-            <a:r>
-              <a:rPr lang="zh-CN" altLang="en-US" b="1">
-                <a:sym typeface="+mn-ea"/>
-              </a:rPr>
-              <a:t>用户交互</a:t>
-            </a:r>
-            <a:r>
-              <a:rPr lang="zh-CN" altLang="en-US">
-                <a:sym typeface="+mn-ea"/>
-              </a:rPr>
-              <a:t>所在的主线程退出后，</a:t>
-            </a:r>
-            <a:r>
-              <a:rPr lang="zh-CN" altLang="en-US" b="1">
-                <a:sym typeface="+mn-ea"/>
-              </a:rPr>
-              <a:t>文件</a:t>
-            </a:r>
-            <a:r>
-              <a:rPr lang="en-US" b="1">
-                <a:sym typeface="+mn-ea"/>
-              </a:rPr>
-              <a:t>下载</a:t>
-            </a:r>
-            <a:r>
-              <a:rPr lang="zh-CN" altLang="en-US">
-                <a:sym typeface="+mn-ea"/>
-              </a:rPr>
-              <a:t>所在的子线程，因为</a:t>
-            </a:r>
-            <a:r>
-              <a:rPr lang="zh-CN" altLang="en-US">
-                <a:sym typeface="+mn-ea"/>
-              </a:rPr>
-              <a:t>从属于这个主线程，也被迫退出了。</a:t>
-            </a:r>
-            <a:endParaRPr lang="zh-CN" altLang="en-US">
-              <a:sym typeface="+mn-ea"/>
-            </a:endParaRPr>
-          </a:p>
-        </p:txBody>
-      </p:sp>
-      <p:pic>
-        <p:nvPicPr>
-          <p:cNvPr id="10" name="Content Placeholder 9"/>
-          <p:cNvPicPr>
-            <a:picLocks noChangeAspect="1"/>
-          </p:cNvPicPr>
-          <p:nvPr>
-            <p:ph sz="half" idx="2"/>
-          </p:nvPr>
-        </p:nvPicPr>
-        <p:blipFill>
-          <a:blip r:embed="rId1"/>
-          <a:stretch>
-            <a:fillRect/>
-          </a:stretch>
-        </p:blipFill>
-        <p:spPr>
-          <a:xfrm>
-            <a:off x="6137275" y="3063875"/>
-            <a:ext cx="4869180" cy="1874520"/>
           </a:xfrm>
           <a:prstGeom prst="rect">
             <a:avLst/>

--- a/05/slides.pptx
+++ b/05/slides.pptx
@@ -8,7 +8,7 @@
     <p:notesMasterId r:id="rId23"/>
   </p:notesMasterIdLst>
   <p:handoutMasterIdLst>
-    <p:handoutMasterId r:id="rId38"/>
+    <p:handoutMasterId r:id="rId51"/>
   </p:handoutMasterIdLst>
   <p:sldIdLst>
     <p:sldId id="256" r:id="rId3"/>
@@ -20,31 +20,44 @@
     <p:sldId id="313" r:id="rId9"/>
     <p:sldId id="314" r:id="rId10"/>
     <p:sldId id="315" r:id="rId11"/>
-    <p:sldId id="273" r:id="rId12"/>
-    <p:sldId id="261" r:id="rId13"/>
-    <p:sldId id="260" r:id="rId14"/>
-    <p:sldId id="262" r:id="rId15"/>
-    <p:sldId id="263" r:id="rId16"/>
-    <p:sldId id="265" r:id="rId17"/>
-    <p:sldId id="266" r:id="rId18"/>
-    <p:sldId id="269" r:id="rId19"/>
-    <p:sldId id="270" r:id="rId20"/>
-    <p:sldId id="271" r:id="rId21"/>
+    <p:sldId id="349" r:id="rId12"/>
+    <p:sldId id="273" r:id="rId13"/>
+    <p:sldId id="261" r:id="rId14"/>
+    <p:sldId id="260" r:id="rId15"/>
+    <p:sldId id="262" r:id="rId16"/>
+    <p:sldId id="263" r:id="rId17"/>
+    <p:sldId id="265" r:id="rId18"/>
+    <p:sldId id="266" r:id="rId19"/>
+    <p:sldId id="269" r:id="rId20"/>
+    <p:sldId id="270" r:id="rId21"/>
     <p:sldId id="264" r:id="rId22"/>
-    <p:sldId id="277" r:id="rId24"/>
-    <p:sldId id="276" r:id="rId25"/>
-    <p:sldId id="282" r:id="rId26"/>
-    <p:sldId id="283" r:id="rId27"/>
-    <p:sldId id="285" r:id="rId28"/>
-    <p:sldId id="284" r:id="rId29"/>
-    <p:sldId id="287" r:id="rId30"/>
-    <p:sldId id="286" r:id="rId31"/>
-    <p:sldId id="289" r:id="rId32"/>
-    <p:sldId id="290" r:id="rId33"/>
-    <p:sldId id="291" r:id="rId34"/>
-    <p:sldId id="292" r:id="rId35"/>
-    <p:sldId id="293" r:id="rId36"/>
-    <p:sldId id="294" r:id="rId37"/>
+    <p:sldId id="271" r:id="rId24"/>
+    <p:sldId id="277" r:id="rId25"/>
+    <p:sldId id="276" r:id="rId26"/>
+    <p:sldId id="282" r:id="rId27"/>
+    <p:sldId id="283" r:id="rId28"/>
+    <p:sldId id="285" r:id="rId29"/>
+    <p:sldId id="284" r:id="rId30"/>
+    <p:sldId id="287" r:id="rId31"/>
+    <p:sldId id="286" r:id="rId32"/>
+    <p:sldId id="289" r:id="rId33"/>
+    <p:sldId id="290" r:id="rId34"/>
+    <p:sldId id="291" r:id="rId35"/>
+    <p:sldId id="292" r:id="rId36"/>
+    <p:sldId id="293" r:id="rId37"/>
+    <p:sldId id="355" r:id="rId38"/>
+    <p:sldId id="356" r:id="rId39"/>
+    <p:sldId id="353" r:id="rId40"/>
+    <p:sldId id="359" r:id="rId41"/>
+    <p:sldId id="357" r:id="rId42"/>
+    <p:sldId id="354" r:id="rId43"/>
+    <p:sldId id="294" r:id="rId44"/>
+    <p:sldId id="341" r:id="rId45"/>
+    <p:sldId id="342" r:id="rId46"/>
+    <p:sldId id="343" r:id="rId47"/>
+    <p:sldId id="344" r:id="rId48"/>
+    <p:sldId id="345" r:id="rId49"/>
+    <p:sldId id="350" r:id="rId50"/>
   </p:sldIdLst>
   <p:sldSz cx="12192000" cy="6858000"/>
   <p:notesSz cx="7103745" cy="10234295"/>
@@ -3693,7 +3706,7 @@
       <p:grpSpPr/>
       <p:sp>
         <p:nvSpPr>
-          <p:cNvPr id="4" name="Title 3"/>
+          <p:cNvPr id="2" name="Title 1"/>
           <p:cNvSpPr>
             <a:spLocks noGrp="1"/>
           </p:cNvSpPr>
@@ -3707,17 +3720,61 @@
           <a:p>
             <a:r>
               <a:rPr lang="zh-CN" altLang="en-US"/>
-              <a:t>第</a:t>
+              <a:t>解决</a:t>
             </a:r>
             <a:r>
               <a:rPr lang="en-US" altLang="zh-CN"/>
-              <a:t>1</a:t>
-            </a:r>
-            <a:r>
-              <a:rPr lang="zh-CN" altLang="en-US"/>
-              <a:t>章：线程</a:t>
+              <a:t>3</a:t>
+            </a:r>
+            <a:r>
+              <a:rPr lang="zh-CN" altLang="en-US"/>
+              <a:t>：网格跨步循环（</a:t>
+            </a:r>
+            <a:r>
+              <a:rPr lang="en-US" altLang="zh-CN"/>
+              <a:t>Grid-stride loop</a:t>
+            </a:r>
+            <a:r>
+              <a:rPr lang="zh-CN" altLang="en-US"/>
+              <a:t>）</a:t>
             </a:r>
             <a:endParaRPr lang="zh-CN" altLang="en-US"/>
+          </a:p>
+        </p:txBody>
+      </p:sp>
+      <p:sp>
+        <p:nvSpPr>
+          <p:cNvPr id="3" name="Content Placeholder 2"/>
+          <p:cNvSpPr>
+            <a:spLocks noGrp="1"/>
+          </p:cNvSpPr>
+          <p:nvPr>
+            <p:ph sz="half" idx="1"/>
+          </p:nvPr>
+        </p:nvSpPr>
+        <p:spPr/>
+        <p:txBody>
+          <a:bodyPr/>
+          <a:p>
+            <a:endParaRPr lang="en-US"/>
+          </a:p>
+        </p:txBody>
+      </p:sp>
+      <p:sp>
+        <p:nvSpPr>
+          <p:cNvPr id="4" name="Content Placeholder 3"/>
+          <p:cNvSpPr>
+            <a:spLocks noGrp="1"/>
+          </p:cNvSpPr>
+          <p:nvPr>
+            <p:ph sz="half" idx="2"/>
+          </p:nvPr>
+        </p:nvSpPr>
+        <p:spPr/>
+        <p:txBody>
+          <a:bodyPr/>
+          <a:p>
+            <a:endParaRPr lang="en-US"/>
           </a:p>
         </p:txBody>
       </p:sp>
@@ -3730,6 +3787,54 @@
 </file>
 
 <file path=ppt/slides/slide11.xml><?xml version="1.0" encoding="utf-8"?>
+<p:sld xmlns:a="http://schemas.openxmlformats.org/drawingml/2006/main" xmlns:r="http://schemas.openxmlformats.org/officeDocument/2006/relationships" xmlns:p="http://schemas.openxmlformats.org/presentationml/2006/main">
+  <p:cSld>
+    <p:spTree>
+      <p:nvGrpSpPr>
+        <p:cNvPr id="1" name=""/>
+        <p:cNvGrpSpPr/>
+        <p:nvPr/>
+      </p:nvGrpSpPr>
+      <p:grpSpPr/>
+      <p:sp>
+        <p:nvSpPr>
+          <p:cNvPr id="4" name="Title 3"/>
+          <p:cNvSpPr>
+            <a:spLocks noGrp="1"/>
+          </p:cNvSpPr>
+          <p:nvPr>
+            <p:ph type="title"/>
+          </p:nvPr>
+        </p:nvSpPr>
+        <p:spPr/>
+        <p:txBody>
+          <a:bodyPr/>
+          <a:p>
+            <a:r>
+              <a:rPr lang="zh-CN" altLang="en-US"/>
+              <a:t>第</a:t>
+            </a:r>
+            <a:r>
+              <a:rPr lang="en-US" altLang="zh-CN"/>
+              <a:t>1</a:t>
+            </a:r>
+            <a:r>
+              <a:rPr lang="zh-CN" altLang="en-US"/>
+              <a:t>章：线程</a:t>
+            </a:r>
+            <a:endParaRPr lang="zh-CN" altLang="en-US"/>
+          </a:p>
+        </p:txBody>
+      </p:sp>
+    </p:spTree>
+  </p:cSld>
+  <p:clrMapOvr>
+    <a:masterClrMapping/>
+  </p:clrMapOvr>
+</p:sld>
+</file>
+
+<file path=ppt/slides/slide12.xml><?xml version="1.0" encoding="utf-8"?>
 <p:sld xmlns:a="http://schemas.openxmlformats.org/drawingml/2006/main" xmlns:r="http://schemas.openxmlformats.org/officeDocument/2006/relationships" xmlns:p="http://schemas.openxmlformats.org/presentationml/2006/main">
   <p:cSld>
     <p:spTree>
@@ -3868,7 +3973,7 @@
 </p:sld>
 </file>
 
-<file path=ppt/slides/slide12.xml><?xml version="1.0" encoding="utf-8"?>
+<file path=ppt/slides/slide13.xml><?xml version="1.0" encoding="utf-8"?>
 <p:sld xmlns:a="http://schemas.openxmlformats.org/drawingml/2006/main" xmlns:r="http://schemas.openxmlformats.org/officeDocument/2006/relationships" xmlns:p="http://schemas.openxmlformats.org/presentationml/2006/main">
   <p:cSld>
     <p:spTree>
@@ -4002,7 +4107,7 @@
 </p:sld>
 </file>
 
-<file path=ppt/slides/slide13.xml><?xml version="1.0" encoding="utf-8"?>
+<file path=ppt/slides/slide14.xml><?xml version="1.0" encoding="utf-8"?>
 <p:sld xmlns:a="http://schemas.openxmlformats.org/drawingml/2006/main" xmlns:r="http://schemas.openxmlformats.org/officeDocument/2006/relationships" xmlns:p="http://schemas.openxmlformats.org/presentationml/2006/main">
   <p:cSld>
     <p:spTree>
@@ -4210,7 +4315,7 @@
 </p:sld>
 </file>
 
-<file path=ppt/slides/slide14.xml><?xml version="1.0" encoding="utf-8"?>
+<file path=ppt/slides/slide15.xml><?xml version="1.0" encoding="utf-8"?>
 <p:sld xmlns:a="http://schemas.openxmlformats.org/drawingml/2006/main" xmlns:r="http://schemas.openxmlformats.org/officeDocument/2006/relationships" xmlns:p="http://schemas.openxmlformats.org/presentationml/2006/main">
   <p:cSld>
     <p:spTree>
@@ -4379,7 +4484,7 @@
 </p:sld>
 </file>
 
-<file path=ppt/slides/slide15.xml><?xml version="1.0" encoding="utf-8"?>
+<file path=ppt/slides/slide16.xml><?xml version="1.0" encoding="utf-8"?>
 <p:sld xmlns:a="http://schemas.openxmlformats.org/drawingml/2006/main" xmlns:r="http://schemas.openxmlformats.org/officeDocument/2006/relationships" xmlns:p="http://schemas.openxmlformats.org/presentationml/2006/main">
   <p:cSld>
     <p:spTree>
@@ -4566,7 +4671,7 @@
 </p:sld>
 </file>
 
-<file path=ppt/slides/slide16.xml><?xml version="1.0" encoding="utf-8"?>
+<file path=ppt/slides/slide17.xml><?xml version="1.0" encoding="utf-8"?>
 <p:sld xmlns:a="http://schemas.openxmlformats.org/drawingml/2006/main" xmlns:r="http://schemas.openxmlformats.org/officeDocument/2006/relationships" xmlns:p="http://schemas.openxmlformats.org/presentationml/2006/main">
   <p:cSld>
     <p:spTree>
@@ -4750,7 +4855,7 @@
 </p:sld>
 </file>
 
-<file path=ppt/slides/slide17.xml><?xml version="1.0" encoding="utf-8"?>
+<file path=ppt/slides/slide18.xml><?xml version="1.0" encoding="utf-8"?>
 <p:sld xmlns:a="http://schemas.openxmlformats.org/drawingml/2006/main" xmlns:r="http://schemas.openxmlformats.org/officeDocument/2006/relationships" xmlns:p="http://schemas.openxmlformats.org/presentationml/2006/main">
   <p:cSld>
     <p:spTree>
@@ -5012,7 +5117,7 @@
 </p:sld>
 </file>
 
-<file path=ppt/slides/slide18.xml><?xml version="1.0" encoding="utf-8"?>
+<file path=ppt/slides/slide19.xml><?xml version="1.0" encoding="utf-8"?>
 <p:sld xmlns:a="http://schemas.openxmlformats.org/drawingml/2006/main" xmlns:r="http://schemas.openxmlformats.org/officeDocument/2006/relationships" xmlns:p="http://schemas.openxmlformats.org/presentationml/2006/main">
   <p:cSld>
     <p:spTree>
@@ -5214,161 +5319,6 @@
           <a:xfrm>
             <a:off x="819150" y="4518660"/>
             <a:ext cx="4838700" cy="1729740"/>
-          </a:xfrm>
-          <a:prstGeom prst="rect">
-            <a:avLst/>
-          </a:prstGeom>
-        </p:spPr>
-      </p:pic>
-    </p:spTree>
-  </p:cSld>
-  <p:clrMapOvr>
-    <a:masterClrMapping/>
-  </p:clrMapOvr>
-</p:sld>
-</file>
-
-<file path=ppt/slides/slide19.xml><?xml version="1.0" encoding="utf-8"?>
-<p:sld xmlns:a="http://schemas.openxmlformats.org/drawingml/2006/main" xmlns:r="http://schemas.openxmlformats.org/officeDocument/2006/relationships" xmlns:p="http://schemas.openxmlformats.org/presentationml/2006/main">
-  <p:cSld>
-    <p:spTree>
-      <p:nvGrpSpPr>
-        <p:cNvPr id="1" name=""/>
-        <p:cNvGrpSpPr/>
-        <p:nvPr/>
-      </p:nvGrpSpPr>
-      <p:grpSpPr/>
-      <p:sp>
-        <p:nvSpPr>
-          <p:cNvPr id="2" name="Title 1"/>
-          <p:cNvSpPr>
-            <a:spLocks noGrp="1"/>
-          </p:cNvSpPr>
-          <p:nvPr>
-            <p:ph type="title"/>
-          </p:nvPr>
-        </p:nvSpPr>
-        <p:spPr/>
-        <p:txBody>
-          <a:bodyPr/>
-          <a:p>
-            <a:r>
-              <a:rPr lang="zh-CN" altLang="en-US"/>
-              <a:t>跨平台的</a:t>
-            </a:r>
-            <a:r>
-              <a:rPr lang="en-US" altLang="zh-CN"/>
-              <a:t> sleep</a:t>
-            </a:r>
-            <a:r>
-              <a:rPr lang="zh-CN" altLang="en-US"/>
-              <a:t>：</a:t>
-            </a:r>
-            <a:r>
-              <a:rPr lang="en-US" altLang="zh-CN"/>
-              <a:t>std::this_thread::sleep_for</a:t>
-            </a:r>
-            <a:endParaRPr lang="en-US" altLang="zh-CN"/>
-          </a:p>
-        </p:txBody>
-      </p:sp>
-      <p:sp>
-        <p:nvSpPr>
-          <p:cNvPr id="3" name="Content Placeholder 2"/>
-          <p:cNvSpPr>
-            <a:spLocks noGrp="1"/>
-          </p:cNvSpPr>
-          <p:nvPr>
-            <p:ph sz="half" idx="1"/>
-          </p:nvPr>
-        </p:nvSpPr>
-        <p:spPr/>
-        <p:txBody>
-          <a:bodyPr/>
-          <a:p>
-            <a:r>
-              <a:rPr lang="zh-CN" altLang="en-US"/>
-              <a:t>可以用</a:t>
-            </a:r>
-            <a:r>
-              <a:rPr lang="en-US" altLang="zh-CN"/>
-              <a:t> std::this_thread::sleep_for </a:t>
-            </a:r>
-            <a:r>
-              <a:rPr lang="zh-CN" altLang="en-US"/>
-              <a:t>替代</a:t>
-            </a:r>
-            <a:r>
-              <a:rPr lang="en-US" altLang="zh-CN"/>
-              <a:t> Unix </a:t>
-            </a:r>
-            <a:r>
-              <a:rPr lang="zh-CN" altLang="en-US"/>
-              <a:t>类操作系统专有的的</a:t>
-            </a:r>
-            <a:r>
-              <a:rPr lang="en-US" altLang="zh-CN"/>
-              <a:t> usleep</a:t>
-            </a:r>
-            <a:r>
-              <a:rPr lang="zh-CN" altLang="en-US"/>
-              <a:t>。他可以让当前线程休眠一段时间，然后继续。</a:t>
-            </a:r>
-            <a:endParaRPr lang="zh-CN" altLang="en-US"/>
-          </a:p>
-          <a:p>
-            <a:r>
-              <a:rPr lang="zh-CN" altLang="en-US"/>
-              <a:t>而且单位也可以自己指定，比如这里是</a:t>
-            </a:r>
-            <a:r>
-              <a:rPr lang="en-US" altLang="zh-CN"/>
-              <a:t> milliseconds </a:t>
-            </a:r>
-            <a:r>
-              <a:rPr lang="zh-CN" altLang="en-US"/>
-              <a:t>表示毫秒，也可以换成</a:t>
-            </a:r>
-            <a:r>
-              <a:rPr lang="en-US" altLang="zh-CN"/>
-              <a:t> microseconds </a:t>
-            </a:r>
-            <a:r>
-              <a:rPr lang="zh-CN" altLang="en-US"/>
-              <a:t>表示微秒，</a:t>
-            </a:r>
-            <a:r>
-              <a:rPr lang="en-US" altLang="zh-CN"/>
-              <a:t>seconds </a:t>
-            </a:r>
-            <a:r>
-              <a:rPr lang="zh-CN" altLang="en-US"/>
-              <a:t>表示秒。</a:t>
-            </a:r>
-            <a:endParaRPr lang="en-US" altLang="zh-CN"/>
-          </a:p>
-        </p:txBody>
-      </p:sp>
-      <p:pic>
-        <p:nvPicPr>
-          <p:cNvPr id="5" name="Content Placeholder 4"/>
-          <p:cNvPicPr>
-            <a:picLocks noChangeAspect="1"/>
-          </p:cNvPicPr>
-          <p:nvPr>
-            <p:ph sz="half" idx="2"/>
-          </p:nvPr>
-        </p:nvPicPr>
-        <p:blipFill>
-          <a:blip r:embed="rId1"/>
-          <a:stretch>
-            <a:fillRect/>
-          </a:stretch>
-        </p:blipFill>
-        <p:spPr>
-          <a:xfrm>
-            <a:off x="5981700" y="2123440"/>
-            <a:ext cx="5181600" cy="3754755"/>
           </a:xfrm>
           <a:prstGeom prst="rect">
             <a:avLst/>
@@ -6294,7 +6244,7 @@
       <p:grpSpPr/>
       <p:sp>
         <p:nvSpPr>
-          <p:cNvPr id="5" name="Title 4"/>
+          <p:cNvPr id="2" name="Title 1"/>
           <p:cNvSpPr>
             <a:spLocks noGrp="1"/>
           </p:cNvSpPr>
@@ -6308,20 +6258,153 @@
           <a:p>
             <a:r>
               <a:rPr lang="zh-CN" altLang="en-US"/>
-              <a:t>第</a:t>
+              <a:t>跨平台的</a:t>
             </a:r>
             <a:r>
               <a:rPr lang="en-US" altLang="zh-CN"/>
-              <a:t>2</a:t>
-            </a:r>
-            <a:r>
-              <a:rPr lang="zh-CN" altLang="en-US"/>
-              <a:t>章：异步</a:t>
+              <a:t> sleep</a:t>
+            </a:r>
+            <a:r>
+              <a:rPr lang="zh-CN" altLang="en-US"/>
+              <a:t>：</a:t>
+            </a:r>
+            <a:r>
+              <a:rPr lang="en-US" altLang="zh-CN"/>
+              <a:t>std::this_thread::sleep_for</a:t>
             </a:r>
             <a:endParaRPr lang="en-US" altLang="zh-CN"/>
           </a:p>
         </p:txBody>
       </p:sp>
+      <p:sp>
+        <p:nvSpPr>
+          <p:cNvPr id="3" name="Content Placeholder 2"/>
+          <p:cNvSpPr>
+            <a:spLocks noGrp="1"/>
+          </p:cNvSpPr>
+          <p:nvPr>
+            <p:ph sz="half" idx="1"/>
+          </p:nvPr>
+        </p:nvSpPr>
+        <p:spPr/>
+        <p:txBody>
+          <a:bodyPr/>
+          <a:p>
+            <a:r>
+              <a:rPr lang="zh-CN" altLang="en-US"/>
+              <a:t>可以用</a:t>
+            </a:r>
+            <a:r>
+              <a:rPr lang="en-US" altLang="zh-CN"/>
+              <a:t> std::this_thread::sleep_for </a:t>
+            </a:r>
+            <a:r>
+              <a:rPr lang="zh-CN" altLang="en-US"/>
+              <a:t>替代</a:t>
+            </a:r>
+            <a:r>
+              <a:rPr lang="en-US" altLang="zh-CN"/>
+              <a:t> Unix </a:t>
+            </a:r>
+            <a:r>
+              <a:rPr lang="zh-CN" altLang="en-US"/>
+              <a:t>类操作系统专有的的</a:t>
+            </a:r>
+            <a:r>
+              <a:rPr lang="en-US" altLang="zh-CN"/>
+              <a:t> usleep</a:t>
+            </a:r>
+            <a:r>
+              <a:rPr lang="zh-CN" altLang="en-US"/>
+              <a:t>。他可以让当前线程休眠一段时间，然后继续。</a:t>
+            </a:r>
+            <a:endParaRPr lang="zh-CN" altLang="en-US"/>
+          </a:p>
+          <a:p>
+            <a:r>
+              <a:rPr lang="zh-CN" altLang="en-US"/>
+              <a:t>而且单位也可以自己指定，比如这里是</a:t>
+            </a:r>
+            <a:r>
+              <a:rPr lang="en-US" altLang="zh-CN"/>
+              <a:t> milliseconds </a:t>
+            </a:r>
+            <a:r>
+              <a:rPr lang="zh-CN" altLang="en-US"/>
+              <a:t>表示毫秒，也可以换成</a:t>
+            </a:r>
+            <a:r>
+              <a:rPr lang="en-US" altLang="zh-CN"/>
+              <a:t> microseconds </a:t>
+            </a:r>
+            <a:r>
+              <a:rPr lang="zh-CN" altLang="en-US"/>
+              <a:t>表示微秒，</a:t>
+            </a:r>
+            <a:r>
+              <a:rPr lang="en-US" altLang="zh-CN"/>
+              <a:t>seconds </a:t>
+            </a:r>
+            <a:r>
+              <a:rPr lang="zh-CN" altLang="en-US"/>
+              <a:t>表示秒。</a:t>
+            </a:r>
+            <a:endParaRPr lang="zh-CN" altLang="en-US"/>
+          </a:p>
+          <a:p>
+            <a:r>
+              <a:rPr lang="zh-CN" altLang="en-US"/>
+              <a:t>同理还有</a:t>
+            </a:r>
+            <a:r>
+              <a:rPr lang="en-US" altLang="zh-CN"/>
+              <a:t> sleep_until </a:t>
+            </a:r>
+            <a:r>
+              <a:rPr lang="zh-CN" altLang="en-US"/>
+              <a:t>其参数是一个时间点。</a:t>
+            </a:r>
+            <a:endParaRPr lang="zh-CN" altLang="en-US"/>
+          </a:p>
+          <a:p>
+            <a:r>
+              <a:rPr lang="en-US" altLang="zh-CN"/>
+              <a:t>TODO</a:t>
+            </a:r>
+            <a:r>
+              <a:rPr lang="zh-CN" altLang="en-US"/>
+              <a:t>：概念辨析时间点与时间段！</a:t>
+            </a:r>
+            <a:endParaRPr lang="zh-CN" altLang="en-US"/>
+          </a:p>
+        </p:txBody>
+      </p:sp>
+      <p:pic>
+        <p:nvPicPr>
+          <p:cNvPr id="5" name="Content Placeholder 4"/>
+          <p:cNvPicPr>
+            <a:picLocks noChangeAspect="1"/>
+          </p:cNvPicPr>
+          <p:nvPr>
+            <p:ph sz="half" idx="2"/>
+          </p:nvPr>
+        </p:nvPicPr>
+        <p:blipFill>
+          <a:blip r:embed="rId1"/>
+          <a:stretch>
+            <a:fillRect/>
+          </a:stretch>
+        </p:blipFill>
+        <p:spPr>
+          <a:xfrm>
+            <a:off x="5981700" y="2123440"/>
+            <a:ext cx="5181600" cy="3754755"/>
+          </a:xfrm>
+          <a:prstGeom prst="rect">
+            <a:avLst/>
+          </a:prstGeom>
+        </p:spPr>
+      </p:pic>
     </p:spTree>
   </p:cSld>
   <p:clrMapOvr>
@@ -6331,6 +6414,54 @@
 </file>
 
 <file path=ppt/slides/slide22.xml><?xml version="1.0" encoding="utf-8"?>
+<p:sld xmlns:a="http://schemas.openxmlformats.org/drawingml/2006/main" xmlns:r="http://schemas.openxmlformats.org/officeDocument/2006/relationships" xmlns:p="http://schemas.openxmlformats.org/presentationml/2006/main">
+  <p:cSld>
+    <p:spTree>
+      <p:nvGrpSpPr>
+        <p:cNvPr id="1" name=""/>
+        <p:cNvGrpSpPr/>
+        <p:nvPr/>
+      </p:nvGrpSpPr>
+      <p:grpSpPr/>
+      <p:sp>
+        <p:nvSpPr>
+          <p:cNvPr id="5" name="Title 4"/>
+          <p:cNvSpPr>
+            <a:spLocks noGrp="1"/>
+          </p:cNvSpPr>
+          <p:nvPr>
+            <p:ph type="title"/>
+          </p:nvPr>
+        </p:nvSpPr>
+        <p:spPr/>
+        <p:txBody>
+          <a:bodyPr/>
+          <a:p>
+            <a:r>
+              <a:rPr lang="zh-CN" altLang="en-US"/>
+              <a:t>第</a:t>
+            </a:r>
+            <a:r>
+              <a:rPr lang="en-US" altLang="zh-CN"/>
+              <a:t>2</a:t>
+            </a:r>
+            <a:r>
+              <a:rPr lang="zh-CN" altLang="en-US"/>
+              <a:t>章：异步</a:t>
+            </a:r>
+            <a:endParaRPr lang="en-US" altLang="zh-CN"/>
+          </a:p>
+        </p:txBody>
+      </p:sp>
+    </p:spTree>
+  </p:cSld>
+  <p:clrMapOvr>
+    <a:masterClrMapping/>
+  </p:clrMapOvr>
+</p:sld>
+</file>
+
+<file path=ppt/slides/slide23.xml><?xml version="1.0" encoding="utf-8"?>
 <p:sld xmlns:a="http://schemas.openxmlformats.org/drawingml/2006/main" xmlns:r="http://schemas.openxmlformats.org/officeDocument/2006/relationships" xmlns:p="http://schemas.openxmlformats.org/presentationml/2006/main">
   <p:cSld>
     <p:spTree>
@@ -6649,7 +6780,7 @@
 </p:sld>
 </file>
 
-<file path=ppt/slides/slide23.xml><?xml version="1.0" encoding="utf-8"?>
+<file path=ppt/slides/slide24.xml><?xml version="1.0" encoding="utf-8"?>
 <p:sld xmlns:a="http://schemas.openxmlformats.org/drawingml/2006/main" xmlns:r="http://schemas.openxmlformats.org/officeDocument/2006/relationships" xmlns:p="http://schemas.openxmlformats.org/presentationml/2006/main">
   <p:cSld>
     <p:spTree>
@@ -6826,7 +6957,7 @@
 </p:sld>
 </file>
 
-<file path=ppt/slides/slide24.xml><?xml version="1.0" encoding="utf-8"?>
+<file path=ppt/slides/slide25.xml><?xml version="1.0" encoding="utf-8"?>
 <p:sld xmlns:a="http://schemas.openxmlformats.org/drawingml/2006/main" xmlns:r="http://schemas.openxmlformats.org/officeDocument/2006/relationships" xmlns:p="http://schemas.openxmlformats.org/presentationml/2006/main">
   <p:cSld>
     <p:spTree>
@@ -6901,7 +7032,7 @@
         <p:spPr/>
         <p:txBody>
           <a:bodyPr>
-            <a:normAutofit lnSpcReduction="10000"/>
+            <a:normAutofit lnSpcReduction="20000"/>
           </a:bodyPr>
           <a:p>
             <a:r>
@@ -6976,6 +7107,21 @@
             <a:r>
               <a:rPr lang="zh-CN" altLang="en-US"/>
               <a:t>。</a:t>
+            </a:r>
+            <a:endParaRPr lang="zh-CN" altLang="en-US"/>
+          </a:p>
+          <a:p>
+            <a:r>
+              <a:rPr lang="zh-CN" altLang="en-US"/>
+              <a:t>同理还有</a:t>
+            </a:r>
+            <a:r>
+              <a:rPr lang="en-US" altLang="zh-CN"/>
+              <a:t> wait_until() </a:t>
+            </a:r>
+            <a:r>
+              <a:rPr lang="zh-CN" altLang="en-US"/>
+              <a:t>其参数是一个时间点。</a:t>
             </a:r>
             <a:endParaRPr lang="zh-CN" altLang="en-US"/>
           </a:p>
@@ -7148,7 +7294,7 @@
 </p:sld>
 </file>
 
-<file path=ppt/slides/slide25.xml><?xml version="1.0" encoding="utf-8"?>
+<file path=ppt/slides/slide26.xml><?xml version="1.0" encoding="utf-8"?>
 <p:sld xmlns:a="http://schemas.openxmlformats.org/drawingml/2006/main" xmlns:r="http://schemas.openxmlformats.org/officeDocument/2006/relationships" xmlns:p="http://schemas.openxmlformats.org/presentationml/2006/main">
   <p:cSld>
     <p:spTree>
@@ -7404,7 +7550,7 @@
 </p:sld>
 </file>
 
-<file path=ppt/slides/slide26.xml><?xml version="1.0" encoding="utf-8"?>
+<file path=ppt/slides/slide27.xml><?xml version="1.0" encoding="utf-8"?>
 <p:sld xmlns:a="http://schemas.openxmlformats.org/drawingml/2006/main" xmlns:r="http://schemas.openxmlformats.org/officeDocument/2006/relationships" xmlns:p="http://schemas.openxmlformats.org/presentationml/2006/main">
   <p:cSld>
     <p:spTree>
@@ -7632,7 +7778,7 @@
 </p:sld>
 </file>
 
-<file path=ppt/slides/slide27.xml><?xml version="1.0" encoding="utf-8"?>
+<file path=ppt/slides/slide28.xml><?xml version="1.0" encoding="utf-8"?>
 <p:sld xmlns:a="http://schemas.openxmlformats.org/drawingml/2006/main" xmlns:r="http://schemas.openxmlformats.org/officeDocument/2006/relationships" xmlns:p="http://schemas.openxmlformats.org/presentationml/2006/main">
   <p:cSld>
     <p:spTree>
@@ -7666,7 +7812,7 @@
             </a:r>
             <a:r>
               <a:rPr lang="zh-CN" altLang="en-US"/>
-              <a:t>章：数据竞争</a:t>
+              <a:t>章：互斥量</a:t>
             </a:r>
             <a:endParaRPr lang="zh-CN" altLang="en-US"/>
           </a:p>
@@ -7680,7 +7826,7 @@
 </p:sld>
 </file>
 
-<file path=ppt/slides/slide28.xml><?xml version="1.0" encoding="utf-8"?>
+<file path=ppt/slides/slide29.xml><?xml version="1.0" encoding="utf-8"?>
 <p:sld xmlns:a="http://schemas.openxmlformats.org/drawingml/2006/main" xmlns:r="http://schemas.openxmlformats.org/officeDocument/2006/relationships" xmlns:p="http://schemas.openxmlformats.org/presentationml/2006/main">
   <p:cSld>
     <p:spTree>
@@ -7849,7 +7995,103 @@
 </p:sld>
 </file>
 
-<file path=ppt/slides/slide29.xml><?xml version="1.0" encoding="utf-8"?>
+<file path=ppt/slides/slide3.xml><?xml version="1.0" encoding="utf-8"?>
+<p:sld xmlns:a="http://schemas.openxmlformats.org/drawingml/2006/main" xmlns:r="http://schemas.openxmlformats.org/officeDocument/2006/relationships" xmlns:p="http://schemas.openxmlformats.org/presentationml/2006/main">
+  <p:cSld>
+    <p:spTree>
+      <p:nvGrpSpPr>
+        <p:cNvPr id="1" name=""/>
+        <p:cNvGrpSpPr/>
+        <p:nvPr/>
+      </p:nvGrpSpPr>
+      <p:grpSpPr/>
+      <p:sp>
+        <p:nvSpPr>
+          <p:cNvPr id="2" name="Title 1"/>
+          <p:cNvSpPr>
+            <a:spLocks noGrp="1"/>
+          </p:cNvSpPr>
+          <p:nvPr>
+            <p:ph type="title"/>
+          </p:nvPr>
+        </p:nvSpPr>
+        <p:spPr/>
+        <p:txBody>
+          <a:bodyPr/>
+          <a:p>
+            <a:r>
+              <a:rPr lang="en-US">
+                <a:sym typeface="+mn-ea"/>
+              </a:rPr>
+              <a:t>神话与现实：2 * 3GHz &lt; 6GHz</a:t>
+            </a:r>
+            <a:endParaRPr lang="en-US"/>
+          </a:p>
+        </p:txBody>
+      </p:sp>
+      <p:sp>
+        <p:nvSpPr>
+          <p:cNvPr id="3" name="Content Placeholder 2"/>
+          <p:cNvSpPr>
+            <a:spLocks noGrp="1"/>
+          </p:cNvSpPr>
+          <p:nvPr>
+            <p:ph idx="1"/>
+          </p:nvPr>
+        </p:nvSpPr>
+        <p:spPr/>
+        <p:txBody>
+          <a:bodyPr>
+            <a:normAutofit/>
+          </a:bodyPr>
+          <a:p>
+            <a:r>
+              <a:rPr lang="en-US"/>
+              <a:t>一个由双核组成的</a:t>
+            </a:r>
+            <a:r>
+              <a:rPr lang="en-US">
+                <a:sym typeface="+mn-ea"/>
+              </a:rPr>
+              <a:t>3GHz</a:t>
+            </a:r>
+            <a:r>
+              <a:rPr lang="zh-CN" altLang="en-US">
+                <a:sym typeface="+mn-ea"/>
+              </a:rPr>
+              <a:t>的</a:t>
+            </a:r>
+            <a:r>
+              <a:rPr lang="en-US"/>
+              <a:t>CPU实际上提供了6GHz的处理能力，是吗？</a:t>
+            </a:r>
+            <a:endParaRPr lang="en-US"/>
+          </a:p>
+          <a:p>
+            <a:r>
+              <a:rPr lang="en-US"/>
+              <a:t>显然不是。甚至在两个处理器上同时运行两个线程也不见得可以获得两倍的性能。相似的，大多数多线程的应用不会比双核处理器的两倍快。他们应该比单核处理器运行的快，但是性能毕竟不是线性增长。</a:t>
+            </a:r>
+            <a:endParaRPr lang="en-US"/>
+          </a:p>
+          <a:p>
+            <a:r>
+              <a:rPr lang="en-US"/>
+              <a:t>为什么无法做到呢？首先，为了保证缓存一致性以及其他握手协议需要运行时间开销。在今天，双核或者四核机器在多线程应用方面，其性能不见得的是单核机器的两倍或者四倍。这一问题一直伴随CPU发展至今。</a:t>
+            </a:r>
+            <a:endParaRPr lang="en-US"/>
+          </a:p>
+        </p:txBody>
+      </p:sp>
+    </p:spTree>
+  </p:cSld>
+  <p:clrMapOvr>
+    <a:masterClrMapping/>
+  </p:clrMapOvr>
+</p:sld>
+</file>
+
+<file path=ppt/slides/slide30.xml><?xml version="1.0" encoding="utf-8"?>
 <p:sld xmlns:a="http://schemas.openxmlformats.org/drawingml/2006/main" xmlns:r="http://schemas.openxmlformats.org/officeDocument/2006/relationships" xmlns:p="http://schemas.openxmlformats.org/presentationml/2006/main">
   <p:cSld>
     <p:spTree>
@@ -8400,103 +8642,7 @@
 </p:sld>
 </file>
 
-<file path=ppt/slides/slide3.xml><?xml version="1.0" encoding="utf-8"?>
-<p:sld xmlns:a="http://schemas.openxmlformats.org/drawingml/2006/main" xmlns:r="http://schemas.openxmlformats.org/officeDocument/2006/relationships" xmlns:p="http://schemas.openxmlformats.org/presentationml/2006/main">
-  <p:cSld>
-    <p:spTree>
-      <p:nvGrpSpPr>
-        <p:cNvPr id="1" name=""/>
-        <p:cNvGrpSpPr/>
-        <p:nvPr/>
-      </p:nvGrpSpPr>
-      <p:grpSpPr/>
-      <p:sp>
-        <p:nvSpPr>
-          <p:cNvPr id="2" name="Title 1"/>
-          <p:cNvSpPr>
-            <a:spLocks noGrp="1"/>
-          </p:cNvSpPr>
-          <p:nvPr>
-            <p:ph type="title"/>
-          </p:nvPr>
-        </p:nvSpPr>
-        <p:spPr/>
-        <p:txBody>
-          <a:bodyPr/>
-          <a:p>
-            <a:r>
-              <a:rPr lang="en-US">
-                <a:sym typeface="+mn-ea"/>
-              </a:rPr>
-              <a:t>神话与现实：2 * 3GHz &lt; 6GHz</a:t>
-            </a:r>
-            <a:endParaRPr lang="en-US"/>
-          </a:p>
-        </p:txBody>
-      </p:sp>
-      <p:sp>
-        <p:nvSpPr>
-          <p:cNvPr id="3" name="Content Placeholder 2"/>
-          <p:cNvSpPr>
-            <a:spLocks noGrp="1"/>
-          </p:cNvSpPr>
-          <p:nvPr>
-            <p:ph idx="1"/>
-          </p:nvPr>
-        </p:nvSpPr>
-        <p:spPr/>
-        <p:txBody>
-          <a:bodyPr>
-            <a:normAutofit/>
-          </a:bodyPr>
-          <a:p>
-            <a:r>
-              <a:rPr lang="en-US"/>
-              <a:t>一个由双核组成的</a:t>
-            </a:r>
-            <a:r>
-              <a:rPr lang="en-US">
-                <a:sym typeface="+mn-ea"/>
-              </a:rPr>
-              <a:t>3GHz</a:t>
-            </a:r>
-            <a:r>
-              <a:rPr lang="zh-CN" altLang="en-US">
-                <a:sym typeface="+mn-ea"/>
-              </a:rPr>
-              <a:t>的</a:t>
-            </a:r>
-            <a:r>
-              <a:rPr lang="en-US"/>
-              <a:t>CPU实际上提供了6GHz的处理能力，是吗？</a:t>
-            </a:r>
-            <a:endParaRPr lang="en-US"/>
-          </a:p>
-          <a:p>
-            <a:r>
-              <a:rPr lang="en-US"/>
-              <a:t>显然不是。甚至在两个处理器上同时运行两个线程也不见得可以获得两倍的性能。相似的，大多数多线程的应用不会比双核处理器的两倍快。他们应该比单核处理器运行的快，但是性能毕竟不是线性增长。</a:t>
-            </a:r>
-            <a:endParaRPr lang="en-US"/>
-          </a:p>
-          <a:p>
-            <a:r>
-              <a:rPr lang="en-US"/>
-              <a:t>为什么无法做到呢？首先，为了保证缓存一致性以及其他握手协议需要运行时间开销。在今天，双核或者四核机器在多线程应用方面，其性能不见得的是单核机器的两倍或者四倍。这一问题一直伴随CPU发展至今。</a:t>
-            </a:r>
-            <a:endParaRPr lang="en-US"/>
-          </a:p>
-        </p:txBody>
-      </p:sp>
-    </p:spTree>
-  </p:cSld>
-  <p:clrMapOvr>
-    <a:masterClrMapping/>
-  </p:clrMapOvr>
-</p:sld>
-</file>
-
-<file path=ppt/slides/slide30.xml><?xml version="1.0" encoding="utf-8"?>
+<file path=ppt/slides/slide31.xml><?xml version="1.0" encoding="utf-8"?>
 <p:sld xmlns:a="http://schemas.openxmlformats.org/drawingml/2006/main" xmlns:r="http://schemas.openxmlformats.org/officeDocument/2006/relationships" xmlns:p="http://schemas.openxmlformats.org/presentationml/2006/main">
   <p:cSld>
     <p:spTree>
@@ -8745,7 +8891,7 @@
 </p:sld>
 </file>
 
-<file path=ppt/slides/slide31.xml><?xml version="1.0" encoding="utf-8"?>
+<file path=ppt/slides/slide32.xml><?xml version="1.0" encoding="utf-8"?>
 <p:sld xmlns:a="http://schemas.openxmlformats.org/drawingml/2006/main" xmlns:r="http://schemas.openxmlformats.org/officeDocument/2006/relationships" xmlns:p="http://schemas.openxmlformats.org/presentationml/2006/main">
   <p:cSld>
     <p:spTree>
@@ -9144,7 +9290,7 @@
 </p:sld>
 </file>
 
-<file path=ppt/slides/slide32.xml><?xml version="1.0" encoding="utf-8"?>
+<file path=ppt/slides/slide33.xml><?xml version="1.0" encoding="utf-8"?>
 <p:sld xmlns:a="http://schemas.openxmlformats.org/drawingml/2006/main" xmlns:r="http://schemas.openxmlformats.org/officeDocument/2006/relationships" xmlns:p="http://schemas.openxmlformats.org/presentationml/2006/main">
   <p:cSld>
     <p:spTree>
@@ -9587,7 +9733,7 @@
 </p:sld>
 </file>
 
-<file path=ppt/slides/slide33.xml><?xml version="1.0" encoding="utf-8"?>
+<file path=ppt/slides/slide34.xml><?xml version="1.0" encoding="utf-8"?>
 <p:sld xmlns:a="http://schemas.openxmlformats.org/drawingml/2006/main" xmlns:r="http://schemas.openxmlformats.org/officeDocument/2006/relationships" xmlns:p="http://schemas.openxmlformats.org/presentationml/2006/main">
   <p:cSld>
     <p:spTree>
@@ -9777,7 +9923,7 @@
 </p:sld>
 </file>
 
-<file path=ppt/slides/slide34.xml><?xml version="1.0" encoding="utf-8"?>
+<file path=ppt/slides/slide35.xml><?xml version="1.0" encoding="utf-8"?>
 <p:sld xmlns:a="http://schemas.openxmlformats.org/drawingml/2006/main" xmlns:r="http://schemas.openxmlformats.org/officeDocument/2006/relationships" xmlns:p="http://schemas.openxmlformats.org/presentationml/2006/main">
   <p:cSld>
     <p:spTree>
@@ -9802,14 +9948,14 @@
           <a:bodyPr/>
           <a:p>
             <a:r>
-              <a:rPr lang="en-US"/>
-              <a:t>mutex </a:t>
-            </a:r>
-            <a:r>
-              <a:rPr lang="zh-CN" altLang="en-US"/>
-              <a:t>老大难：死锁问题</a:t>
-            </a:r>
-            <a:endParaRPr lang="zh-CN" altLang="en-US"/>
+              <a:rPr lang="zh-CN" altLang="en-US"/>
+              <a:t>如果上锁失败，不要等待：</a:t>
+            </a:r>
+            <a:r>
+              <a:rPr lang="en-US" altLang="zh-CN"/>
+              <a:t>try_lock()</a:t>
+            </a:r>
+            <a:endParaRPr lang="en-US" altLang="zh-CN"/>
           </a:p>
         </p:txBody>
       </p:sp>
@@ -9825,26 +9971,1446 @@
         </p:nvSpPr>
         <p:spPr/>
         <p:txBody>
-          <a:bodyPr/>
-          <a:p>
+          <a:bodyPr>
+            <a:normAutofit lnSpcReduction="10000"/>
+          </a:bodyPr>
+          <a:p>
+            <a:r>
+              <a:rPr lang="zh-CN" altLang="en-US"/>
+              <a:t>我们说过</a:t>
+            </a:r>
+            <a:r>
+              <a:rPr lang="en-US" altLang="zh-CN"/>
+              <a:t> lock() </a:t>
+            </a:r>
+            <a:r>
+              <a:rPr lang="zh-CN" altLang="en-US"/>
+              <a:t>如果发现</a:t>
+            </a:r>
+            <a:r>
+              <a:rPr lang="en-US" altLang="zh-CN"/>
+              <a:t> mutex </a:t>
+            </a:r>
+            <a:r>
+              <a:rPr lang="zh-CN" altLang="en-US"/>
+              <a:t>已经上锁的话，会等待他直到他解锁。</a:t>
+            </a:r>
+            <a:endParaRPr lang="zh-CN" altLang="en-US"/>
+          </a:p>
+          <a:p>
+            <a:r>
+              <a:rPr lang="zh-CN" altLang="en-US"/>
+              <a:t>也可以用无阻塞的</a:t>
+            </a:r>
+            <a:r>
+              <a:rPr lang="en-US" altLang="zh-CN"/>
+              <a:t> try_lock()</a:t>
+            </a:r>
+            <a:r>
+              <a:rPr lang="zh-CN" altLang="en-US"/>
+              <a:t>，他在上锁失败时不会陷入等待，而是直接返回</a:t>
+            </a:r>
+            <a:r>
+              <a:rPr lang="en-US" altLang="zh-CN"/>
+              <a:t> false</a:t>
+            </a:r>
+            <a:r>
+              <a:rPr lang="zh-CN" altLang="en-US"/>
+              <a:t>；</a:t>
+            </a:r>
+            <a:r>
+              <a:rPr lang="zh-CN" altLang="en-US"/>
+              <a:t>如果上锁成功，则会返回</a:t>
+            </a:r>
+            <a:r>
+              <a:rPr lang="en-US" altLang="zh-CN"/>
+              <a:t> true</a:t>
+            </a:r>
+            <a:r>
+              <a:rPr lang="zh-CN" altLang="en-US"/>
+              <a:t>。</a:t>
+            </a:r>
+            <a:endParaRPr lang="zh-CN" altLang="en-US"/>
+          </a:p>
+          <a:p>
+            <a:r>
+              <a:rPr lang="zh-CN" altLang="en-US"/>
+              <a:t>比如右边这个例子，第一次上锁，因为还没有人上锁，所以成功了，返回</a:t>
+            </a:r>
+            <a:r>
+              <a:rPr lang="en-US" altLang="zh-CN"/>
+              <a:t> true</a:t>
+            </a:r>
+            <a:r>
+              <a:rPr lang="zh-CN" altLang="en-US"/>
+              <a:t>。</a:t>
+            </a:r>
+            <a:endParaRPr lang="zh-CN" altLang="en-US"/>
+          </a:p>
+          <a:p>
+            <a:r>
+              <a:rPr lang="zh-CN" altLang="en-US"/>
+              <a:t>第二次上锁，由于自己已经上锁，所以失败了，返回</a:t>
+            </a:r>
+            <a:r>
+              <a:rPr lang="en-US" altLang="zh-CN"/>
+              <a:t> false</a:t>
+            </a:r>
+            <a:r>
+              <a:rPr lang="zh-CN" altLang="en-US"/>
+              <a:t>。</a:t>
+            </a:r>
+            <a:endParaRPr lang="zh-CN" altLang="en-US"/>
+          </a:p>
+        </p:txBody>
+      </p:sp>
+      <p:pic>
+        <p:nvPicPr>
+          <p:cNvPr id="5" name="Content Placeholder 4"/>
+          <p:cNvPicPr>
+            <a:picLocks noChangeAspect="1"/>
+          </p:cNvPicPr>
+          <p:nvPr>
+            <p:ph sz="half" idx="2"/>
+          </p:nvPr>
+        </p:nvPicPr>
+        <p:blipFill>
+          <a:blip r:embed="rId1"/>
+          <a:stretch>
+            <a:fillRect/>
+          </a:stretch>
+        </p:blipFill>
+        <p:spPr>
+          <a:xfrm>
+            <a:off x="6698615" y="2092960"/>
+            <a:ext cx="3746500" cy="3816985"/>
+          </a:xfrm>
+          <a:prstGeom prst="rect">
+            <a:avLst/>
+          </a:prstGeom>
+        </p:spPr>
+      </p:pic>
+      <p:pic>
+        <p:nvPicPr>
+          <p:cNvPr id="6" name="Picture 5"/>
+          <p:cNvPicPr>
+            <a:picLocks noChangeAspect="1"/>
+          </p:cNvPicPr>
+          <p:nvPr/>
+        </p:nvPicPr>
+        <p:blipFill>
+          <a:blip r:embed="rId2"/>
+          <a:stretch>
+            <a:fillRect/>
+          </a:stretch>
+        </p:blipFill>
+        <p:spPr>
+          <a:xfrm>
+            <a:off x="6698615" y="697865"/>
+            <a:ext cx="4884420" cy="624840"/>
+          </a:xfrm>
+          <a:prstGeom prst="rect">
+            <a:avLst/>
+          </a:prstGeom>
+        </p:spPr>
+      </p:pic>
+      <p:sp>
+        <p:nvSpPr>
+          <p:cNvPr id="7" name="Rounded Rectangle 6"/>
+          <p:cNvSpPr/>
+          <p:nvPr/>
+        </p:nvSpPr>
+        <p:spPr>
+          <a:xfrm>
+            <a:off x="8041640" y="3267710"/>
+            <a:ext cx="1900555" cy="233045"/>
+          </a:xfrm>
+          <a:prstGeom prst="roundRect">
+            <a:avLst/>
+          </a:prstGeom>
+          <a:noFill/>
+          <a:ln w="22225">
+            <a:solidFill>
+              <a:srgbClr val="CC0000"/>
+            </a:solidFill>
+          </a:ln>
+        </p:spPr>
+        <p:style>
+          <a:lnRef idx="2">
+            <a:schemeClr val="accent1">
+              <a:shade val="50000"/>
+            </a:schemeClr>
+          </a:lnRef>
+          <a:fillRef idx="1">
+            <a:schemeClr val="accent1"/>
+          </a:fillRef>
+          <a:effectRef idx="0">
+            <a:schemeClr val="accent1"/>
+          </a:effectRef>
+          <a:fontRef idx="minor">
+            <a:schemeClr val="lt1"/>
+          </a:fontRef>
+        </p:style>
+        <p:txBody>
+          <a:bodyPr rtlCol="0" anchor="ctr"/>
+          <a:p>
+            <a:pPr algn="ctr"/>
             <a:endParaRPr lang="en-US"/>
           </a:p>
         </p:txBody>
       </p:sp>
       <p:sp>
         <p:nvSpPr>
-          <p:cNvPr id="4" name="Content Placeholder 3"/>
+          <p:cNvPr id="4" name="Rounded Rectangle 3"/>
+          <p:cNvSpPr/>
+          <p:nvPr/>
+        </p:nvSpPr>
+        <p:spPr>
+          <a:xfrm>
+            <a:off x="8041640" y="4267200"/>
+            <a:ext cx="1900555" cy="233045"/>
+          </a:xfrm>
+          <a:prstGeom prst="roundRect">
+            <a:avLst/>
+          </a:prstGeom>
+          <a:noFill/>
+          <a:ln w="22225">
+            <a:solidFill>
+              <a:srgbClr val="CC0000"/>
+            </a:solidFill>
+          </a:ln>
+        </p:spPr>
+        <p:style>
+          <a:lnRef idx="2">
+            <a:schemeClr val="accent1">
+              <a:shade val="50000"/>
+            </a:schemeClr>
+          </a:lnRef>
+          <a:fillRef idx="1">
+            <a:schemeClr val="accent1"/>
+          </a:fillRef>
+          <a:effectRef idx="0">
+            <a:schemeClr val="accent1"/>
+          </a:effectRef>
+          <a:fontRef idx="minor">
+            <a:schemeClr val="lt1"/>
+          </a:fontRef>
+        </p:style>
+        <p:txBody>
+          <a:bodyPr rtlCol="0" anchor="ctr"/>
+          <a:p>
+            <a:pPr algn="ctr"/>
+            <a:endParaRPr lang="en-US"/>
+          </a:p>
+        </p:txBody>
+      </p:sp>
+    </p:spTree>
+  </p:cSld>
+  <p:clrMapOvr>
+    <a:masterClrMapping/>
+  </p:clrMapOvr>
+</p:sld>
+</file>
+
+<file path=ppt/slides/slide36.xml><?xml version="1.0" encoding="utf-8"?>
+<p:sld xmlns:a="http://schemas.openxmlformats.org/drawingml/2006/main" xmlns:r="http://schemas.openxmlformats.org/officeDocument/2006/relationships" xmlns:p="http://schemas.openxmlformats.org/presentationml/2006/main">
+  <p:cSld>
+    <p:spTree>
+      <p:nvGrpSpPr>
+        <p:cNvPr id="1" name=""/>
+        <p:cNvGrpSpPr/>
+        <p:nvPr/>
+      </p:nvGrpSpPr>
+      <p:grpSpPr/>
+      <p:sp>
+        <p:nvSpPr>
+          <p:cNvPr id="2" name="Title 1"/>
           <p:cNvSpPr>
             <a:spLocks noGrp="1"/>
           </p:cNvSpPr>
           <p:nvPr>
+            <p:ph type="title"/>
+          </p:nvPr>
+        </p:nvSpPr>
+        <p:spPr/>
+        <p:txBody>
+          <a:bodyPr/>
+          <a:p>
+            <a:r>
+              <a:rPr lang="zh-CN"/>
+              <a:t>只等待一段时间：</a:t>
+            </a:r>
+            <a:r>
+              <a:rPr lang="en-US" altLang="zh-CN"/>
+              <a:t>try_lock_for()</a:t>
+            </a:r>
+            <a:endParaRPr lang="zh-CN" altLang="en-US"/>
+          </a:p>
+        </p:txBody>
+      </p:sp>
+      <p:sp>
+        <p:nvSpPr>
+          <p:cNvPr id="3" name="Content Placeholder 2"/>
+          <p:cNvSpPr>
+            <a:spLocks noGrp="1"/>
+          </p:cNvSpPr>
+          <p:nvPr>
+            <p:ph sz="half" idx="1"/>
+          </p:nvPr>
+        </p:nvSpPr>
+        <p:spPr/>
+        <p:txBody>
+          <a:bodyPr>
+            <a:normAutofit lnSpcReduction="10000"/>
+          </a:bodyPr>
+          <a:p>
+            <a:r>
+              <a:rPr lang="en-US"/>
+              <a:t>try_lock() </a:t>
+            </a:r>
+            <a:r>
+              <a:rPr lang="zh-CN" altLang="en-US"/>
+              <a:t>碰到已经上锁的情况，会立即返回</a:t>
+            </a:r>
+            <a:r>
+              <a:rPr lang="en-US" altLang="zh-CN"/>
+              <a:t> false</a:t>
+            </a:r>
+            <a:r>
+              <a:rPr lang="zh-CN" altLang="en-US"/>
+              <a:t>。</a:t>
+            </a:r>
+            <a:endParaRPr lang="zh-CN" altLang="en-US"/>
+          </a:p>
+          <a:p>
+            <a:r>
+              <a:rPr lang="zh-CN" altLang="en-US"/>
+              <a:t>如果需要等待，但仅限一段时间，可以用</a:t>
+            </a:r>
+            <a:r>
+              <a:rPr lang="en-US" altLang="zh-CN"/>
+              <a:t> std::timed_mutex </a:t>
+            </a:r>
+            <a:r>
+              <a:rPr lang="zh-CN" altLang="en-US"/>
+              <a:t>的</a:t>
+            </a:r>
+            <a:r>
+              <a:rPr lang="en-US" altLang="zh-CN"/>
+              <a:t> try_lock_for() </a:t>
+            </a:r>
+            <a:r>
+              <a:rPr lang="zh-CN" altLang="en-US"/>
+              <a:t>函数，他的参数是最长等待时间，同样是由</a:t>
+            </a:r>
+            <a:r>
+              <a:rPr lang="en-US" altLang="zh-CN"/>
+              <a:t> chrono </a:t>
+            </a:r>
+            <a:r>
+              <a:rPr lang="zh-CN" altLang="en-US"/>
+              <a:t>指定时间单位。超过这个时间还没成功就会“不耐烦地”失败并返回</a:t>
+            </a:r>
+            <a:r>
+              <a:rPr lang="en-US" altLang="zh-CN"/>
+              <a:t> false</a:t>
+            </a:r>
+            <a:r>
+              <a:rPr lang="zh-CN" altLang="en-US"/>
+              <a:t>；如果这个时间内上锁成功则返回</a:t>
+            </a:r>
+            <a:r>
+              <a:rPr lang="en-US" altLang="zh-CN"/>
+              <a:t> true</a:t>
+            </a:r>
+            <a:r>
+              <a:rPr lang="zh-CN" altLang="en-US"/>
+              <a:t>。</a:t>
+            </a:r>
+            <a:endParaRPr lang="zh-CN" altLang="en-US"/>
+          </a:p>
+          <a:p>
+            <a:r>
+              <a:rPr lang="zh-CN" altLang="en-US"/>
+              <a:t>同理还有接受时间点的</a:t>
+            </a:r>
+            <a:r>
+              <a:rPr lang="en-US" altLang="zh-CN"/>
+              <a:t> try_lock_until()</a:t>
+            </a:r>
+            <a:r>
+              <a:rPr lang="zh-CN" altLang="en-US"/>
+              <a:t>。</a:t>
+            </a:r>
+            <a:endParaRPr lang="zh-CN" altLang="en-US"/>
+          </a:p>
+        </p:txBody>
+      </p:sp>
+      <p:pic>
+        <p:nvPicPr>
+          <p:cNvPr id="6" name="Picture 5"/>
+          <p:cNvPicPr>
+            <a:picLocks noChangeAspect="1"/>
+          </p:cNvPicPr>
+          <p:nvPr/>
+        </p:nvPicPr>
+        <p:blipFill>
+          <a:blip r:embed="rId1"/>
+          <a:stretch>
+            <a:fillRect/>
+          </a:stretch>
+        </p:blipFill>
+        <p:spPr>
+          <a:xfrm>
+            <a:off x="6800850" y="792480"/>
+            <a:ext cx="4884420" cy="624840"/>
+          </a:xfrm>
+          <a:prstGeom prst="rect">
+            <a:avLst/>
+          </a:prstGeom>
+        </p:spPr>
+      </p:pic>
+      <p:pic>
+        <p:nvPicPr>
+          <p:cNvPr id="7" name="Content Placeholder 6"/>
+          <p:cNvPicPr>
+            <a:picLocks noChangeAspect="1"/>
+          </p:cNvPicPr>
+          <p:nvPr>
             <p:ph sz="half" idx="2"/>
           </p:nvPr>
+        </p:nvPicPr>
+        <p:blipFill>
+          <a:blip r:embed="rId2"/>
+          <a:stretch>
+            <a:fillRect/>
+          </a:stretch>
+        </p:blipFill>
+        <p:spPr>
+          <a:xfrm>
+            <a:off x="5783580" y="2592070"/>
+            <a:ext cx="5577840" cy="2818130"/>
+          </a:xfrm>
+          <a:prstGeom prst="rect">
+            <a:avLst/>
+          </a:prstGeom>
+        </p:spPr>
+      </p:pic>
+      <p:sp>
+        <p:nvSpPr>
+          <p:cNvPr id="4" name="Rounded Rectangle 3"/>
+          <p:cNvSpPr/>
+          <p:nvPr/>
+        </p:nvSpPr>
+        <p:spPr>
+          <a:xfrm>
+            <a:off x="6075680" y="3013710"/>
+            <a:ext cx="1966595" cy="177800"/>
+          </a:xfrm>
+          <a:prstGeom prst="roundRect">
+            <a:avLst/>
+          </a:prstGeom>
+          <a:noFill/>
+          <a:ln w="22225">
+            <a:solidFill>
+              <a:srgbClr val="CC0000"/>
+            </a:solidFill>
+          </a:ln>
+        </p:spPr>
+        <p:style>
+          <a:lnRef idx="2">
+            <a:schemeClr val="accent1">
+              <a:shade val="50000"/>
+            </a:schemeClr>
+          </a:lnRef>
+          <a:fillRef idx="1">
+            <a:schemeClr val="accent1"/>
+          </a:fillRef>
+          <a:effectRef idx="0">
+            <a:schemeClr val="accent1"/>
+          </a:effectRef>
+          <a:fontRef idx="minor">
+            <a:schemeClr val="lt1"/>
+          </a:fontRef>
+        </p:style>
+        <p:txBody>
+          <a:bodyPr rtlCol="0" anchor="ctr"/>
+          <a:p>
+            <a:pPr algn="ctr"/>
+            <a:endParaRPr lang="en-US"/>
+          </a:p>
+        </p:txBody>
+      </p:sp>
+      <p:sp>
+        <p:nvSpPr>
+          <p:cNvPr id="5" name="Rounded Rectangle 4"/>
+          <p:cNvSpPr/>
+          <p:nvPr/>
+        </p:nvSpPr>
+        <p:spPr>
+          <a:xfrm>
+            <a:off x="6779260" y="3449955"/>
+            <a:ext cx="4384675" cy="188595"/>
+          </a:xfrm>
+          <a:prstGeom prst="roundRect">
+            <a:avLst/>
+          </a:prstGeom>
+          <a:noFill/>
+          <a:ln w="22225">
+            <a:solidFill>
+              <a:srgbClr val="CC0000"/>
+            </a:solidFill>
+          </a:ln>
+        </p:spPr>
+        <p:style>
+          <a:lnRef idx="2">
+            <a:schemeClr val="accent1">
+              <a:shade val="50000"/>
+            </a:schemeClr>
+          </a:lnRef>
+          <a:fillRef idx="1">
+            <a:schemeClr val="accent1"/>
+          </a:fillRef>
+          <a:effectRef idx="0">
+            <a:schemeClr val="accent1"/>
+          </a:effectRef>
+          <a:fontRef idx="minor">
+            <a:schemeClr val="lt1"/>
+          </a:fontRef>
+        </p:style>
+        <p:txBody>
+          <a:bodyPr rtlCol="0" anchor="ctr"/>
+          <a:p>
+            <a:pPr algn="ctr"/>
+            <a:endParaRPr lang="en-US"/>
+          </a:p>
+        </p:txBody>
+      </p:sp>
+      <p:sp>
+        <p:nvSpPr>
+          <p:cNvPr id="8" name="Rounded Rectangle 7"/>
+          <p:cNvSpPr/>
+          <p:nvPr/>
+        </p:nvSpPr>
+        <p:spPr>
+          <a:xfrm>
+            <a:off x="6779260" y="4184015"/>
+            <a:ext cx="4384675" cy="188595"/>
+          </a:xfrm>
+          <a:prstGeom prst="roundRect">
+            <a:avLst/>
+          </a:prstGeom>
+          <a:noFill/>
+          <a:ln w="22225">
+            <a:solidFill>
+              <a:srgbClr val="CC0000"/>
+            </a:solidFill>
+          </a:ln>
+        </p:spPr>
+        <p:style>
+          <a:lnRef idx="2">
+            <a:schemeClr val="accent1">
+              <a:shade val="50000"/>
+            </a:schemeClr>
+          </a:lnRef>
+          <a:fillRef idx="1">
+            <a:schemeClr val="accent1"/>
+          </a:fillRef>
+          <a:effectRef idx="0">
+            <a:schemeClr val="accent1"/>
+          </a:effectRef>
+          <a:fontRef idx="minor">
+            <a:schemeClr val="lt1"/>
+          </a:fontRef>
+        </p:style>
+        <p:txBody>
+          <a:bodyPr rtlCol="0" anchor="ctr"/>
+          <a:p>
+            <a:pPr algn="ctr"/>
+            <a:endParaRPr lang="en-US"/>
+          </a:p>
+        </p:txBody>
+      </p:sp>
+    </p:spTree>
+  </p:cSld>
+  <p:clrMapOvr>
+    <a:masterClrMapping/>
+  </p:clrMapOvr>
+</p:sld>
+</file>
+
+<file path=ppt/slides/slide37.xml><?xml version="1.0" encoding="utf-8"?>
+<p:sld xmlns:a="http://schemas.openxmlformats.org/drawingml/2006/main" xmlns:r="http://schemas.openxmlformats.org/officeDocument/2006/relationships" xmlns:p="http://schemas.openxmlformats.org/presentationml/2006/main">
+  <p:cSld>
+    <p:spTree>
+      <p:nvGrpSpPr>
+        <p:cNvPr id="1" name=""/>
+        <p:cNvGrpSpPr/>
+        <p:nvPr/>
+      </p:nvGrpSpPr>
+      <p:grpSpPr/>
+      <p:sp>
+        <p:nvSpPr>
+          <p:cNvPr id="2" name="Title 1"/>
+          <p:cNvSpPr>
+            <a:spLocks noGrp="1"/>
+          </p:cNvSpPr>
+          <p:nvPr>
+            <p:ph type="title"/>
+          </p:nvPr>
         </p:nvSpPr>
         <p:spPr/>
         <p:txBody>
           <a:bodyPr/>
           <a:p>
+            <a:r>
+              <a:rPr lang="en-US"/>
+              <a:t>std::unique_lock</a:t>
+            </a:r>
+            <a:r>
+              <a:rPr lang="zh-CN" altLang="en-US"/>
+              <a:t>：用</a:t>
+            </a:r>
+            <a:r>
+              <a:rPr lang="en-US" altLang="zh-CN"/>
+              <a:t> std::try_to_lock </a:t>
+            </a:r>
+            <a:r>
+              <a:rPr lang="zh-CN" altLang="en-US"/>
+              <a:t>做参数</a:t>
+            </a:r>
+            <a:endParaRPr lang="zh-CN" altLang="en-US"/>
+          </a:p>
+        </p:txBody>
+      </p:sp>
+      <p:sp>
+        <p:nvSpPr>
+          <p:cNvPr id="3" name="Content Placeholder 2"/>
+          <p:cNvSpPr>
+            <a:spLocks noGrp="1"/>
+          </p:cNvSpPr>
+          <p:nvPr>
+            <p:ph sz="half" idx="1"/>
+          </p:nvPr>
+        </p:nvSpPr>
+        <p:spPr/>
+        <p:txBody>
+          <a:bodyPr/>
+          <a:p>
+            <a:r>
+              <a:rPr lang="zh-CN" altLang="en-US"/>
+              <a:t>和无参数相比，他会调用</a:t>
+            </a:r>
+            <a:r>
+              <a:rPr lang="en-US" altLang="zh-CN"/>
+              <a:t> mtx1.try_lock() </a:t>
+            </a:r>
+            <a:r>
+              <a:rPr lang="zh-CN" altLang="en-US"/>
+              <a:t>而不是</a:t>
+            </a:r>
+            <a:r>
+              <a:rPr lang="en-US" altLang="zh-CN"/>
+              <a:t> mtx1.lock()</a:t>
+            </a:r>
+            <a:r>
+              <a:rPr lang="zh-CN" altLang="en-US"/>
+              <a:t>。之后，可以用</a:t>
+            </a:r>
+            <a:r>
+              <a:rPr lang="en-US" altLang="zh-CN"/>
+              <a:t> grd.owns_lock() </a:t>
+            </a:r>
+            <a:r>
+              <a:rPr lang="zh-CN" altLang="en-US"/>
+              <a:t>判断是否上锁成功。</a:t>
+            </a:r>
+            <a:endParaRPr lang="zh-CN" altLang="en-US"/>
+          </a:p>
+        </p:txBody>
+      </p:sp>
+      <p:pic>
+        <p:nvPicPr>
+          <p:cNvPr id="6" name="Picture 5"/>
+          <p:cNvPicPr>
+            <a:picLocks noChangeAspect="1"/>
+          </p:cNvPicPr>
+          <p:nvPr/>
+        </p:nvPicPr>
+        <p:blipFill>
+          <a:blip r:embed="rId1"/>
+          <a:stretch>
+            <a:fillRect/>
+          </a:stretch>
+        </p:blipFill>
+        <p:spPr>
+          <a:xfrm>
+            <a:off x="521335" y="5317490"/>
+            <a:ext cx="4853940" cy="662940"/>
+          </a:xfrm>
+          <a:prstGeom prst="rect">
+            <a:avLst/>
+          </a:prstGeom>
+        </p:spPr>
+      </p:pic>
+      <p:pic>
+        <p:nvPicPr>
+          <p:cNvPr id="8" name="Content Placeholder 7"/>
+          <p:cNvPicPr>
+            <a:picLocks noChangeAspect="1"/>
+          </p:cNvPicPr>
+          <p:nvPr>
+            <p:ph sz="half" idx="2"/>
+          </p:nvPr>
+        </p:nvPicPr>
+        <p:blipFill>
+          <a:blip r:embed="rId2"/>
+          <a:stretch>
+            <a:fillRect/>
+          </a:stretch>
+        </p:blipFill>
+        <p:spPr>
+          <a:xfrm>
+            <a:off x="5843905" y="2260600"/>
+            <a:ext cx="5457825" cy="3481070"/>
+          </a:xfrm>
+          <a:prstGeom prst="rect">
+            <a:avLst/>
+          </a:prstGeom>
+        </p:spPr>
+      </p:pic>
+      <p:sp>
+        <p:nvSpPr>
+          <p:cNvPr id="9" name="Rounded Rectangle 8"/>
+          <p:cNvSpPr/>
+          <p:nvPr/>
+        </p:nvSpPr>
+        <p:spPr>
+          <a:xfrm>
+            <a:off x="8639810" y="3128645"/>
+            <a:ext cx="1270000" cy="133985"/>
+          </a:xfrm>
+          <a:prstGeom prst="roundRect">
+            <a:avLst/>
+          </a:prstGeom>
+          <a:noFill/>
+          <a:ln w="22225">
+            <a:solidFill>
+              <a:srgbClr val="CC0000"/>
+            </a:solidFill>
+          </a:ln>
+        </p:spPr>
+        <p:style>
+          <a:lnRef idx="2">
+            <a:schemeClr val="accent1">
+              <a:shade val="50000"/>
+            </a:schemeClr>
+          </a:lnRef>
+          <a:fillRef idx="1">
+            <a:schemeClr val="accent1"/>
+          </a:fillRef>
+          <a:effectRef idx="0">
+            <a:schemeClr val="accent1"/>
+          </a:effectRef>
+          <a:fontRef idx="minor">
+            <a:schemeClr val="lt1"/>
+          </a:fontRef>
+        </p:style>
+        <p:txBody>
+          <a:bodyPr rtlCol="0" anchor="ctr"/>
+          <a:p>
+            <a:pPr algn="ctr"/>
+            <a:endParaRPr lang="en-US"/>
+          </a:p>
+        </p:txBody>
+      </p:sp>
+      <p:sp>
+        <p:nvSpPr>
+          <p:cNvPr id="10" name="Rounded Rectangle 9"/>
+          <p:cNvSpPr/>
+          <p:nvPr/>
+        </p:nvSpPr>
+        <p:spPr>
+          <a:xfrm>
+            <a:off x="6966585" y="3262630"/>
+            <a:ext cx="1192530" cy="133985"/>
+          </a:xfrm>
+          <a:prstGeom prst="roundRect">
+            <a:avLst/>
+          </a:prstGeom>
+          <a:noFill/>
+          <a:ln w="22225">
+            <a:solidFill>
+              <a:srgbClr val="CC0000"/>
+            </a:solidFill>
+          </a:ln>
+        </p:spPr>
+        <p:style>
+          <a:lnRef idx="2">
+            <a:schemeClr val="accent1">
+              <a:shade val="50000"/>
+            </a:schemeClr>
+          </a:lnRef>
+          <a:fillRef idx="1">
+            <a:schemeClr val="accent1"/>
+          </a:fillRef>
+          <a:effectRef idx="0">
+            <a:schemeClr val="accent1"/>
+          </a:effectRef>
+          <a:fontRef idx="minor">
+            <a:schemeClr val="lt1"/>
+          </a:fontRef>
+        </p:style>
+        <p:txBody>
+          <a:bodyPr rtlCol="0" anchor="ctr"/>
+          <a:p>
+            <a:pPr algn="ctr"/>
+            <a:endParaRPr lang="en-US"/>
+          </a:p>
+        </p:txBody>
+      </p:sp>
+      <p:sp>
+        <p:nvSpPr>
+          <p:cNvPr id="11" name="Rounded Rectangle 10"/>
+          <p:cNvSpPr/>
+          <p:nvPr/>
+        </p:nvSpPr>
+        <p:spPr>
+          <a:xfrm>
+            <a:off x="6966585" y="4383405"/>
+            <a:ext cx="1192530" cy="133985"/>
+          </a:xfrm>
+          <a:prstGeom prst="roundRect">
+            <a:avLst/>
+          </a:prstGeom>
+          <a:noFill/>
+          <a:ln w="22225">
+            <a:solidFill>
+              <a:srgbClr val="CC0000"/>
+            </a:solidFill>
+          </a:ln>
+        </p:spPr>
+        <p:style>
+          <a:lnRef idx="2">
+            <a:schemeClr val="accent1">
+              <a:shade val="50000"/>
+            </a:schemeClr>
+          </a:lnRef>
+          <a:fillRef idx="1">
+            <a:schemeClr val="accent1"/>
+          </a:fillRef>
+          <a:effectRef idx="0">
+            <a:schemeClr val="accent1"/>
+          </a:effectRef>
+          <a:fontRef idx="minor">
+            <a:schemeClr val="lt1"/>
+          </a:fontRef>
+        </p:style>
+        <p:txBody>
+          <a:bodyPr rtlCol="0" anchor="ctr"/>
+          <a:p>
+            <a:pPr algn="ctr"/>
+            <a:endParaRPr lang="en-US"/>
+          </a:p>
+        </p:txBody>
+      </p:sp>
+      <p:sp>
+        <p:nvSpPr>
+          <p:cNvPr id="12" name="Rounded Rectangle 11"/>
+          <p:cNvSpPr/>
+          <p:nvPr/>
+        </p:nvSpPr>
+        <p:spPr>
+          <a:xfrm>
+            <a:off x="8639810" y="4249420"/>
+            <a:ext cx="1270000" cy="133985"/>
+          </a:xfrm>
+          <a:prstGeom prst="roundRect">
+            <a:avLst/>
+          </a:prstGeom>
+          <a:noFill/>
+          <a:ln w="22225">
+            <a:solidFill>
+              <a:srgbClr val="CC0000"/>
+            </a:solidFill>
+          </a:ln>
+        </p:spPr>
+        <p:style>
+          <a:lnRef idx="2">
+            <a:schemeClr val="accent1">
+              <a:shade val="50000"/>
+            </a:schemeClr>
+          </a:lnRef>
+          <a:fillRef idx="1">
+            <a:schemeClr val="accent1"/>
+          </a:fillRef>
+          <a:effectRef idx="0">
+            <a:schemeClr val="accent1"/>
+          </a:effectRef>
+          <a:fontRef idx="minor">
+            <a:schemeClr val="lt1"/>
+          </a:fontRef>
+        </p:style>
+        <p:txBody>
+          <a:bodyPr rtlCol="0" anchor="ctr"/>
+          <a:p>
+            <a:pPr algn="ctr"/>
+            <a:endParaRPr lang="en-US"/>
+          </a:p>
+        </p:txBody>
+      </p:sp>
+    </p:spTree>
+  </p:cSld>
+  <p:clrMapOvr>
+    <a:masterClrMapping/>
+  </p:clrMapOvr>
+</p:sld>
+</file>
+
+<file path=ppt/slides/slide38.xml><?xml version="1.0" encoding="utf-8"?>
+<p:sld xmlns:a="http://schemas.openxmlformats.org/drawingml/2006/main" xmlns:r="http://schemas.openxmlformats.org/officeDocument/2006/relationships" xmlns:p="http://schemas.openxmlformats.org/presentationml/2006/main">
+  <p:cSld>
+    <p:spTree>
+      <p:nvGrpSpPr>
+        <p:cNvPr id="1" name=""/>
+        <p:cNvGrpSpPr/>
+        <p:nvPr/>
+      </p:nvGrpSpPr>
+      <p:grpSpPr/>
+      <p:sp>
+        <p:nvSpPr>
+          <p:cNvPr id="2" name="Title 1"/>
+          <p:cNvSpPr>
+            <a:spLocks noGrp="1"/>
+          </p:cNvSpPr>
+          <p:nvPr>
+            <p:ph type="title"/>
+          </p:nvPr>
+        </p:nvSpPr>
+        <p:spPr/>
+        <p:txBody>
+          <a:bodyPr/>
+          <a:p>
+            <a:r>
+              <a:rPr lang="en-US">
+                <a:sym typeface="+mn-ea"/>
+              </a:rPr>
+              <a:t>std::unique_lock</a:t>
+            </a:r>
+            <a:r>
+              <a:rPr lang="zh-CN" altLang="en-US">
+                <a:sym typeface="+mn-ea"/>
+              </a:rPr>
+              <a:t>：用</a:t>
+            </a:r>
+            <a:r>
+              <a:rPr lang="en-US" altLang="zh-CN">
+                <a:sym typeface="+mn-ea"/>
+              </a:rPr>
+              <a:t> std::adopt_lock </a:t>
+            </a:r>
+            <a:r>
+              <a:rPr lang="zh-CN" altLang="en-US">
+                <a:sym typeface="+mn-ea"/>
+              </a:rPr>
+              <a:t>做参数</a:t>
+            </a:r>
+            <a:endParaRPr lang="en-US"/>
+          </a:p>
+        </p:txBody>
+      </p:sp>
+      <p:sp>
+        <p:nvSpPr>
+          <p:cNvPr id="3" name="Content Placeholder 2"/>
+          <p:cNvSpPr>
+            <a:spLocks noGrp="1"/>
+          </p:cNvSpPr>
+          <p:nvPr>
+            <p:ph sz="half" idx="1"/>
+          </p:nvPr>
+        </p:nvSpPr>
+        <p:spPr/>
+        <p:txBody>
+          <a:bodyPr/>
+          <a:p>
+            <a:r>
+              <a:rPr lang="zh-CN" altLang="en-US"/>
+              <a:t>如果当前</a:t>
+            </a:r>
+            <a:r>
+              <a:rPr lang="en-US" altLang="zh-CN"/>
+              <a:t> mutex </a:t>
+            </a:r>
+            <a:r>
+              <a:rPr lang="zh-CN" altLang="en-US"/>
+              <a:t>已经上锁了，但是之后仍然希望用</a:t>
+            </a:r>
+            <a:r>
+              <a:rPr lang="en-US" altLang="zh-CN"/>
+              <a:t> RAII </a:t>
+            </a:r>
+            <a:r>
+              <a:rPr lang="zh-CN" altLang="en-US"/>
+              <a:t>思想在解构时候自动调用</a:t>
+            </a:r>
+            <a:r>
+              <a:rPr lang="en-US" altLang="zh-CN"/>
+              <a:t> unlock()</a:t>
+            </a:r>
+            <a:r>
+              <a:rPr lang="zh-CN" altLang="en-US"/>
+              <a:t>，可以用</a:t>
+            </a:r>
+            <a:r>
+              <a:rPr lang="en-US" altLang="zh-CN"/>
+              <a:t> std::adopt_lock </a:t>
+            </a:r>
+            <a:r>
+              <a:rPr lang="zh-CN" altLang="en-US"/>
+              <a:t>作为</a:t>
+            </a:r>
+            <a:r>
+              <a:rPr lang="en-US" altLang="zh-CN"/>
+              <a:t> std::unique_lock </a:t>
+            </a:r>
+            <a:r>
+              <a:rPr lang="zh-CN" altLang="en-US"/>
+              <a:t>或</a:t>
+            </a:r>
+            <a:r>
+              <a:rPr lang="en-US" altLang="zh-CN"/>
+              <a:t> std::lock_guard </a:t>
+            </a:r>
+            <a:r>
+              <a:rPr lang="zh-CN" altLang="en-US"/>
+              <a:t>的第二个参数，这时他们会默认</a:t>
+            </a:r>
+            <a:r>
+              <a:rPr lang="en-US" altLang="zh-CN"/>
+              <a:t> mtx </a:t>
+            </a:r>
+            <a:r>
+              <a:rPr lang="zh-CN" altLang="en-US"/>
+              <a:t>已经上锁。</a:t>
+            </a:r>
+            <a:endParaRPr lang="zh-CN" altLang="en-US"/>
+          </a:p>
+        </p:txBody>
+      </p:sp>
+      <p:pic>
+        <p:nvPicPr>
+          <p:cNvPr id="5" name="Content Placeholder 4"/>
+          <p:cNvPicPr>
+            <a:picLocks noChangeAspect="1"/>
+          </p:cNvPicPr>
+          <p:nvPr>
+            <p:ph sz="half" idx="2"/>
+          </p:nvPr>
+        </p:nvPicPr>
+        <p:blipFill>
+          <a:blip r:embed="rId1"/>
+          <a:stretch>
+            <a:fillRect/>
+          </a:stretch>
+        </p:blipFill>
+        <p:spPr>
+          <a:xfrm>
+            <a:off x="5827395" y="2527300"/>
+            <a:ext cx="5490210" cy="2947670"/>
+          </a:xfrm>
+          <a:prstGeom prst="rect">
+            <a:avLst/>
+          </a:prstGeom>
+        </p:spPr>
+      </p:pic>
+      <p:sp>
+        <p:nvSpPr>
+          <p:cNvPr id="11" name="Rounded Rectangle 10"/>
+          <p:cNvSpPr/>
+          <p:nvPr/>
+        </p:nvSpPr>
+        <p:spPr>
+          <a:xfrm>
+            <a:off x="6667500" y="4161790"/>
+            <a:ext cx="850900" cy="133985"/>
+          </a:xfrm>
+          <a:prstGeom prst="roundRect">
+            <a:avLst/>
+          </a:prstGeom>
+          <a:noFill/>
+          <a:ln w="22225">
+            <a:solidFill>
+              <a:srgbClr val="CC0000"/>
+            </a:solidFill>
+          </a:ln>
+        </p:spPr>
+        <p:style>
+          <a:lnRef idx="2">
+            <a:schemeClr val="accent1">
+              <a:shade val="50000"/>
+            </a:schemeClr>
+          </a:lnRef>
+          <a:fillRef idx="1">
+            <a:schemeClr val="accent1"/>
+          </a:fillRef>
+          <a:effectRef idx="0">
+            <a:schemeClr val="accent1"/>
+          </a:effectRef>
+          <a:fontRef idx="minor">
+            <a:schemeClr val="lt1"/>
+          </a:fontRef>
+        </p:style>
+        <p:txBody>
+          <a:bodyPr rtlCol="0" anchor="ctr"/>
+          <a:p>
+            <a:pPr algn="ctr"/>
+            <a:endParaRPr lang="en-US"/>
+          </a:p>
+        </p:txBody>
+      </p:sp>
+      <p:sp>
+        <p:nvSpPr>
+          <p:cNvPr id="6" name="Rounded Rectangle 5"/>
+          <p:cNvSpPr/>
+          <p:nvPr/>
+        </p:nvSpPr>
+        <p:spPr>
+          <a:xfrm flipV="1">
+            <a:off x="8665845" y="4295775"/>
+            <a:ext cx="1292860" cy="120650"/>
+          </a:xfrm>
+          <a:prstGeom prst="roundRect">
+            <a:avLst/>
+          </a:prstGeom>
+          <a:noFill/>
+          <a:ln w="22225">
+            <a:solidFill>
+              <a:srgbClr val="CC0000"/>
+            </a:solidFill>
+          </a:ln>
+        </p:spPr>
+        <p:style>
+          <a:lnRef idx="2">
+            <a:schemeClr val="accent1">
+              <a:shade val="50000"/>
+            </a:schemeClr>
+          </a:lnRef>
+          <a:fillRef idx="1">
+            <a:schemeClr val="accent1"/>
+          </a:fillRef>
+          <a:effectRef idx="0">
+            <a:schemeClr val="accent1"/>
+          </a:effectRef>
+          <a:fontRef idx="minor">
+            <a:schemeClr val="lt1"/>
+          </a:fontRef>
+        </p:style>
+        <p:txBody>
+          <a:bodyPr rtlCol="0" anchor="ctr"/>
+          <a:p>
+            <a:pPr algn="ctr"/>
+            <a:endParaRPr lang="en-US"/>
+          </a:p>
+        </p:txBody>
+      </p:sp>
+    </p:spTree>
+  </p:cSld>
+  <p:clrMapOvr>
+    <a:masterClrMapping/>
+  </p:clrMapOvr>
+</p:sld>
+</file>
+
+<file path=ppt/slides/slide39.xml><?xml version="1.0" encoding="utf-8"?>
+<p:sld xmlns:a="http://schemas.openxmlformats.org/drawingml/2006/main" xmlns:r="http://schemas.openxmlformats.org/officeDocument/2006/relationships" xmlns:p="http://schemas.openxmlformats.org/presentationml/2006/main">
+  <p:cSld>
+    <p:spTree>
+      <p:nvGrpSpPr>
+        <p:cNvPr id="1" name=""/>
+        <p:cNvGrpSpPr/>
+        <p:nvPr/>
+      </p:nvGrpSpPr>
+      <p:grpSpPr/>
+      <p:pic>
+        <p:nvPicPr>
+          <p:cNvPr id="8" name="Content Placeholder 7"/>
+          <p:cNvPicPr>
+            <a:picLocks noChangeAspect="1"/>
+          </p:cNvPicPr>
+          <p:nvPr>
+            <p:ph sz="half" idx="2"/>
+          </p:nvPr>
+        </p:nvPicPr>
+        <p:blipFill>
+          <a:blip r:embed="rId1"/>
+          <a:stretch>
+            <a:fillRect/>
+          </a:stretch>
+        </p:blipFill>
+        <p:spPr>
+          <a:xfrm>
+            <a:off x="5981700" y="2587625"/>
+            <a:ext cx="5181600" cy="2826385"/>
+          </a:xfrm>
+          <a:prstGeom prst="rect">
+            <a:avLst/>
+          </a:prstGeom>
+        </p:spPr>
+      </p:pic>
+      <p:sp>
+        <p:nvSpPr>
+          <p:cNvPr id="2" name="Title 1"/>
+          <p:cNvSpPr>
+            <a:spLocks noGrp="1"/>
+          </p:cNvSpPr>
+          <p:nvPr>
+            <p:ph type="title"/>
+          </p:nvPr>
+        </p:nvSpPr>
+        <p:spPr/>
+        <p:txBody>
+          <a:bodyPr/>
+          <a:p>
+            <a:r>
+              <a:rPr lang="en-US" altLang="zh-CN"/>
+              <a:t>std::unique_lock </a:t>
+            </a:r>
+            <a:r>
+              <a:rPr lang="zh-CN" altLang="en-US"/>
+              <a:t>和</a:t>
+            </a:r>
+            <a:r>
+              <a:rPr lang="en-US" altLang="zh-CN"/>
+              <a:t> std::mutex </a:t>
+            </a:r>
+            <a:r>
+              <a:rPr lang="zh-CN" altLang="en-US"/>
+              <a:t>具有同样的接口</a:t>
+            </a:r>
+            <a:endParaRPr lang="zh-CN" altLang="en-US"/>
+          </a:p>
+        </p:txBody>
+      </p:sp>
+      <p:sp>
+        <p:nvSpPr>
+          <p:cNvPr id="3" name="Content Placeholder 2"/>
+          <p:cNvSpPr>
+            <a:spLocks noGrp="1"/>
+          </p:cNvSpPr>
+          <p:nvPr>
+            <p:ph sz="half" idx="1"/>
+          </p:nvPr>
+        </p:nvSpPr>
+        <p:spPr/>
+        <p:txBody>
+          <a:bodyPr>
+            <a:normAutofit fontScale="90000" lnSpcReduction="20000"/>
+          </a:bodyPr>
+          <a:p>
+            <a:r>
+              <a:rPr lang="zh-CN" altLang="en-US"/>
+              <a:t>其实</a:t>
+            </a:r>
+            <a:r>
+              <a:rPr lang="en-US" altLang="zh-CN"/>
+              <a:t> std::unique_lock </a:t>
+            </a:r>
+            <a:r>
+              <a:rPr lang="zh-CN" altLang="en-US"/>
+              <a:t>具有</a:t>
+            </a:r>
+            <a:r>
+              <a:rPr lang="en-US" altLang="zh-CN"/>
+              <a:t> mutex </a:t>
+            </a:r>
+            <a:r>
+              <a:rPr lang="zh-CN" altLang="en-US"/>
+              <a:t>的所有成员函数：</a:t>
+            </a:r>
+            <a:r>
+              <a:rPr lang="en-US" altLang="zh-CN"/>
+              <a:t>lock(), unlock(), try_lock(), try_lock_for() </a:t>
+            </a:r>
+            <a:r>
+              <a:rPr lang="zh-CN" altLang="en-US"/>
+              <a:t>等。除了他会在解构时按需自动调用</a:t>
+            </a:r>
+            <a:r>
+              <a:rPr lang="en-US" altLang="zh-CN"/>
+              <a:t> unlock()</a:t>
+            </a:r>
+            <a:r>
+              <a:rPr lang="zh-CN" altLang="en-US"/>
+              <a:t>。</a:t>
+            </a:r>
+            <a:endParaRPr lang="zh-CN" altLang="en-US"/>
+          </a:p>
+          <a:p>
+            <a:r>
+              <a:rPr lang="zh-CN" altLang="en-US"/>
+              <a:t>因为</a:t>
+            </a:r>
+            <a:r>
+              <a:rPr lang="en-US" altLang="zh-CN"/>
+              <a:t> std::lock_guard </a:t>
+            </a:r>
+            <a:r>
+              <a:rPr lang="zh-CN" altLang="en-US"/>
+              <a:t>无非是调用其构造参数名为</a:t>
+            </a:r>
+            <a:r>
+              <a:rPr lang="en-US" altLang="zh-CN"/>
+              <a:t> lock() </a:t>
+            </a:r>
+            <a:r>
+              <a:rPr lang="zh-CN" altLang="en-US"/>
+              <a:t>的成员函数，所以</a:t>
+            </a:r>
+            <a:r>
+              <a:rPr lang="en-US" altLang="zh-CN"/>
+              <a:t> std::unique_lock </a:t>
+            </a:r>
+            <a:r>
+              <a:rPr lang="zh-CN" altLang="en-US"/>
+              <a:t>也可以作为</a:t>
+            </a:r>
+            <a:r>
+              <a:rPr lang="en-US" altLang="zh-CN"/>
+              <a:t> std::lock_guard </a:t>
+            </a:r>
+            <a:r>
+              <a:rPr lang="zh-CN" altLang="en-US"/>
+              <a:t>的构造参数！</a:t>
+            </a:r>
+            <a:endParaRPr lang="zh-CN" altLang="en-US"/>
+          </a:p>
+          <a:p>
+            <a:r>
+              <a:rPr lang="zh-CN" altLang="en-US"/>
+              <a:t>这种只要具有某些指定名字的成员函数，就判断一个类是否满足某些功能的思想，在</a:t>
+            </a:r>
+            <a:r>
+              <a:rPr lang="en-US" altLang="zh-CN"/>
+              <a:t> Python </a:t>
+            </a:r>
+            <a:r>
+              <a:rPr lang="zh-CN" altLang="en-US"/>
+              <a:t>称为鸭子类型，而</a:t>
+            </a:r>
+            <a:r>
+              <a:rPr lang="en-US" altLang="zh-CN"/>
+              <a:t> C++ </a:t>
+            </a:r>
+            <a:r>
+              <a:rPr lang="zh-CN" altLang="en-US"/>
+              <a:t>称为</a:t>
+            </a:r>
+            <a:r>
+              <a:rPr lang="en-US" altLang="zh-CN"/>
+              <a:t> concept</a:t>
+            </a:r>
+            <a:r>
+              <a:rPr lang="zh-CN" altLang="en-US"/>
+              <a:t>（概念）。比起虚函数和动态多态的接口抽象，</a:t>
+            </a:r>
+            <a:r>
+              <a:rPr lang="en-US" altLang="zh-CN"/>
+              <a:t>concept </a:t>
+            </a:r>
+            <a:r>
+              <a:rPr lang="zh-CN" altLang="en-US"/>
+              <a:t>使实现和接口更加解耦合且没有性能损失。</a:t>
+            </a:r>
+            <a:endParaRPr lang="zh-CN" altLang="en-US"/>
+          </a:p>
+        </p:txBody>
+      </p:sp>
+      <p:sp>
+        <p:nvSpPr>
+          <p:cNvPr id="11" name="Rounded Rectangle 10"/>
+          <p:cNvSpPr/>
+          <p:nvPr/>
+        </p:nvSpPr>
+        <p:spPr>
+          <a:xfrm>
+            <a:off x="6789420" y="4349750"/>
+            <a:ext cx="1888490" cy="145415"/>
+          </a:xfrm>
+          <a:prstGeom prst="roundRect">
+            <a:avLst/>
+          </a:prstGeom>
+          <a:noFill/>
+          <a:ln w="22225">
+            <a:solidFill>
+              <a:srgbClr val="CC0000"/>
+            </a:solidFill>
+          </a:ln>
+        </p:spPr>
+        <p:style>
+          <a:lnRef idx="2">
+            <a:schemeClr val="accent1">
+              <a:shade val="50000"/>
+            </a:schemeClr>
+          </a:lnRef>
+          <a:fillRef idx="1">
+            <a:schemeClr val="accent1"/>
+          </a:fillRef>
+          <a:effectRef idx="0">
+            <a:schemeClr val="accent1"/>
+          </a:effectRef>
+          <a:fontRef idx="minor">
+            <a:schemeClr val="lt1"/>
+          </a:fontRef>
+        </p:style>
+        <p:txBody>
+          <a:bodyPr rtlCol="0" anchor="ctr"/>
+          <a:p>
+            <a:pPr algn="ctr"/>
+            <a:endParaRPr lang="en-US"/>
+          </a:p>
+        </p:txBody>
+      </p:sp>
+      <p:sp>
+        <p:nvSpPr>
+          <p:cNvPr id="6" name="Rounded Rectangle 5"/>
+          <p:cNvSpPr/>
+          <p:nvPr/>
+        </p:nvSpPr>
+        <p:spPr>
+          <a:xfrm>
+            <a:off x="6789420" y="3518535"/>
+            <a:ext cx="1888490" cy="145415"/>
+          </a:xfrm>
+          <a:prstGeom prst="roundRect">
+            <a:avLst/>
+          </a:prstGeom>
+          <a:noFill/>
+          <a:ln w="22225">
+            <a:solidFill>
+              <a:srgbClr val="CC0000"/>
+            </a:solidFill>
+          </a:ln>
+        </p:spPr>
+        <p:style>
+          <a:lnRef idx="2">
+            <a:schemeClr val="accent1">
+              <a:shade val="50000"/>
+            </a:schemeClr>
+          </a:lnRef>
+          <a:fillRef idx="1">
+            <a:schemeClr val="accent1"/>
+          </a:fillRef>
+          <a:effectRef idx="0">
+            <a:schemeClr val="accent1"/>
+          </a:effectRef>
+          <a:fontRef idx="minor">
+            <a:schemeClr val="lt1"/>
+          </a:fontRef>
+        </p:style>
+        <p:txBody>
+          <a:bodyPr rtlCol="0" anchor="ctr"/>
+          <a:p>
+            <a:pPr algn="ctr"/>
             <a:endParaRPr lang="en-US"/>
           </a:p>
         </p:txBody>
@@ -9959,6 +11525,1531 @@
               <a:t>对于高性能并行计算，更好的是多线程。</a:t>
             </a:r>
             <a:endParaRPr lang="zh-CN" altLang="en-US"/>
+          </a:p>
+        </p:txBody>
+      </p:sp>
+    </p:spTree>
+  </p:cSld>
+  <p:clrMapOvr>
+    <a:masterClrMapping/>
+  </p:clrMapOvr>
+</p:sld>
+</file>
+
+<file path=ppt/slides/slide40.xml><?xml version="1.0" encoding="utf-8"?>
+<p:sld xmlns:a="http://schemas.openxmlformats.org/drawingml/2006/main" xmlns:r="http://schemas.openxmlformats.org/officeDocument/2006/relationships" xmlns:p="http://schemas.openxmlformats.org/presentationml/2006/main">
+  <p:cSld>
+    <p:spTree>
+      <p:nvGrpSpPr>
+        <p:cNvPr id="1" name=""/>
+        <p:cNvGrpSpPr/>
+        <p:nvPr/>
+      </p:nvGrpSpPr>
+      <p:grpSpPr/>
+      <p:sp>
+        <p:nvSpPr>
+          <p:cNvPr id="5" name="Title 4"/>
+          <p:cNvSpPr>
+            <a:spLocks noGrp="1"/>
+          </p:cNvSpPr>
+          <p:nvPr>
+            <p:ph type="title"/>
+          </p:nvPr>
+        </p:nvSpPr>
+        <p:spPr/>
+        <p:txBody>
+          <a:bodyPr/>
+          <a:p>
+            <a:r>
+              <a:rPr lang="zh-CN" altLang="en-US"/>
+              <a:t>第</a:t>
+            </a:r>
+            <a:r>
+              <a:rPr lang="en-US" altLang="zh-CN"/>
+              <a:t>4</a:t>
+            </a:r>
+            <a:r>
+              <a:rPr lang="zh-CN" altLang="en-US"/>
+              <a:t>章：死锁</a:t>
+            </a:r>
+            <a:endParaRPr lang="zh-CN" altLang="en-US"/>
+          </a:p>
+        </p:txBody>
+      </p:sp>
+    </p:spTree>
+  </p:cSld>
+  <p:clrMapOvr>
+    <a:masterClrMapping/>
+  </p:clrMapOvr>
+</p:sld>
+</file>
+
+<file path=ppt/slides/slide41.xml><?xml version="1.0" encoding="utf-8"?>
+<p:sld xmlns:a="http://schemas.openxmlformats.org/drawingml/2006/main" xmlns:r="http://schemas.openxmlformats.org/officeDocument/2006/relationships" xmlns:p="http://schemas.openxmlformats.org/presentationml/2006/main">
+  <p:cSld>
+    <p:spTree>
+      <p:nvGrpSpPr>
+        <p:cNvPr id="1" name=""/>
+        <p:cNvGrpSpPr/>
+        <p:nvPr/>
+      </p:nvGrpSpPr>
+      <p:grpSpPr/>
+      <p:sp>
+        <p:nvSpPr>
+          <p:cNvPr id="2" name="Title 1"/>
+          <p:cNvSpPr>
+            <a:spLocks noGrp="1"/>
+          </p:cNvSpPr>
+          <p:nvPr>
+            <p:ph type="title"/>
+          </p:nvPr>
+        </p:nvSpPr>
+        <p:spPr/>
+        <p:txBody>
+          <a:bodyPr/>
+          <a:p>
+            <a:r>
+              <a:rPr lang="en-US"/>
+              <a:t>mutex </a:t>
+            </a:r>
+            <a:r>
+              <a:rPr lang="zh-CN" altLang="en-US"/>
+              <a:t>老大难：死锁问题</a:t>
+            </a:r>
+            <a:endParaRPr lang="zh-CN" altLang="en-US"/>
+          </a:p>
+        </p:txBody>
+      </p:sp>
+      <p:sp>
+        <p:nvSpPr>
+          <p:cNvPr id="3" name="Content Placeholder 2"/>
+          <p:cNvSpPr>
+            <a:spLocks noGrp="1"/>
+          </p:cNvSpPr>
+          <p:nvPr>
+            <p:ph sz="half" idx="1"/>
+          </p:nvPr>
+        </p:nvSpPr>
+        <p:spPr/>
+        <p:txBody>
+          <a:bodyPr>
+            <a:normAutofit fontScale="90000" lnSpcReduction="10000"/>
+          </a:bodyPr>
+          <a:p>
+            <a:r>
+              <a:rPr lang="zh-CN" altLang="en-US"/>
+              <a:t>由于同时执行的两个线程，他们中发生的指令不一定是同步的，因此有可能出现这种情况：</a:t>
+            </a:r>
+            <a:endParaRPr lang="zh-CN" altLang="en-US"/>
+          </a:p>
+          <a:p>
+            <a:r>
+              <a:rPr lang="en-US" altLang="zh-CN"/>
+              <a:t>t1 </a:t>
+            </a:r>
+            <a:r>
+              <a:rPr lang="zh-CN" altLang="en-US">
+                <a:sym typeface="+mn-ea"/>
+              </a:rPr>
+              <a:t>执行</a:t>
+            </a:r>
+            <a:r>
+              <a:rPr lang="en-US" altLang="zh-CN"/>
+              <a:t> mtx1.lock()</a:t>
+            </a:r>
+            <a:r>
+              <a:rPr lang="zh-CN" altLang="en-US"/>
+              <a:t>。</a:t>
+            </a:r>
+            <a:endParaRPr lang="zh-CN" altLang="en-US"/>
+          </a:p>
+          <a:p>
+            <a:r>
+              <a:rPr lang="en-US" altLang="zh-CN"/>
+              <a:t>t2 </a:t>
+            </a:r>
+            <a:r>
+              <a:rPr lang="zh-CN" altLang="en-US">
+                <a:sym typeface="+mn-ea"/>
+              </a:rPr>
+              <a:t>执行</a:t>
+            </a:r>
+            <a:r>
+              <a:rPr lang="en-US" altLang="zh-CN"/>
+              <a:t> mtx2.lock()</a:t>
+            </a:r>
+            <a:r>
+              <a:rPr lang="zh-CN" altLang="en-US"/>
+              <a:t>。</a:t>
+            </a:r>
+            <a:endParaRPr lang="zh-CN" altLang="en-US"/>
+          </a:p>
+          <a:p>
+            <a:r>
+              <a:rPr lang="en-US" altLang="zh-CN"/>
+              <a:t>t1 </a:t>
+            </a:r>
+            <a:r>
+              <a:rPr lang="zh-CN" altLang="en-US"/>
+              <a:t>执行</a:t>
+            </a:r>
+            <a:r>
+              <a:rPr lang="en-US" altLang="zh-CN"/>
+              <a:t> mtx2.lock()</a:t>
+            </a:r>
+            <a:r>
+              <a:rPr lang="zh-CN" altLang="en-US">
+                <a:sym typeface="+mn-ea"/>
+              </a:rPr>
+              <a:t>：</a:t>
+            </a:r>
+            <a:r>
+              <a:rPr lang="zh-CN" altLang="en-US"/>
+              <a:t>失败，陷入等待</a:t>
+            </a:r>
+            <a:endParaRPr lang="zh-CN" altLang="en-US"/>
+          </a:p>
+          <a:p>
+            <a:r>
+              <a:rPr lang="en-US" altLang="zh-CN"/>
+              <a:t>t2 </a:t>
+            </a:r>
+            <a:r>
+              <a:rPr lang="zh-CN" altLang="en-US">
+                <a:sym typeface="+mn-ea"/>
+              </a:rPr>
+              <a:t>执行</a:t>
+            </a:r>
+            <a:r>
+              <a:rPr lang="en-US" altLang="zh-CN"/>
+              <a:t> mtx1.lock()</a:t>
+            </a:r>
+            <a:r>
+              <a:rPr lang="zh-CN" altLang="en-US"/>
+              <a:t>：失败，陷入等待</a:t>
+            </a:r>
+            <a:endParaRPr lang="zh-CN" altLang="en-US"/>
+          </a:p>
+          <a:p>
+            <a:r>
+              <a:rPr lang="zh-CN" altLang="en-US"/>
+              <a:t>双方都在等着对方释放锁，但是因为等待而无法释放锁，从而要无限制等下去。</a:t>
+            </a:r>
+            <a:endParaRPr lang="zh-CN" altLang="en-US"/>
+          </a:p>
+          <a:p>
+            <a:r>
+              <a:rPr lang="zh-CN" altLang="en-US"/>
+              <a:t>这种现象称为死锁（</a:t>
+            </a:r>
+            <a:r>
+              <a:rPr lang="en-US" altLang="zh-CN"/>
+              <a:t>dead-lock</a:t>
+            </a:r>
+            <a:r>
+              <a:rPr lang="zh-CN" altLang="en-US"/>
+              <a:t>）。</a:t>
+            </a:r>
+            <a:endParaRPr lang="zh-CN" altLang="en-US"/>
+          </a:p>
+        </p:txBody>
+      </p:sp>
+      <p:pic>
+        <p:nvPicPr>
+          <p:cNvPr id="5" name="Content Placeholder 4"/>
+          <p:cNvPicPr>
+            <a:picLocks noChangeAspect="1"/>
+          </p:cNvPicPr>
+          <p:nvPr>
+            <p:ph sz="half" idx="2"/>
+          </p:nvPr>
+        </p:nvPicPr>
+        <p:blipFill>
+          <a:blip r:embed="rId1"/>
+          <a:stretch>
+            <a:fillRect/>
+          </a:stretch>
+        </p:blipFill>
+        <p:spPr>
+          <a:xfrm>
+            <a:off x="6619240" y="1825625"/>
+            <a:ext cx="3905885" cy="4351655"/>
+          </a:xfrm>
+          <a:prstGeom prst="rect">
+            <a:avLst/>
+          </a:prstGeom>
+        </p:spPr>
+      </p:pic>
+      <p:pic>
+        <p:nvPicPr>
+          <p:cNvPr id="8" name="Picture 7"/>
+          <p:cNvPicPr>
+            <a:picLocks noChangeAspect="1"/>
+          </p:cNvPicPr>
+          <p:nvPr/>
+        </p:nvPicPr>
+        <p:blipFill>
+          <a:blip r:embed="rId2"/>
+          <a:stretch>
+            <a:fillRect/>
+          </a:stretch>
+        </p:blipFill>
+        <p:spPr>
+          <a:xfrm>
+            <a:off x="6779895" y="598170"/>
+            <a:ext cx="4861560" cy="472440"/>
+          </a:xfrm>
+          <a:prstGeom prst="rect">
+            <a:avLst/>
+          </a:prstGeom>
+        </p:spPr>
+      </p:pic>
+    </p:spTree>
+  </p:cSld>
+  <p:clrMapOvr>
+    <a:masterClrMapping/>
+  </p:clrMapOvr>
+</p:sld>
+</file>
+
+<file path=ppt/slides/slide42.xml><?xml version="1.0" encoding="utf-8"?>
+<p:sld xmlns:a="http://schemas.openxmlformats.org/drawingml/2006/main" xmlns:r="http://schemas.openxmlformats.org/officeDocument/2006/relationships" xmlns:p="http://schemas.openxmlformats.org/presentationml/2006/main">
+  <p:cSld>
+    <p:spTree>
+      <p:nvGrpSpPr>
+        <p:cNvPr id="1" name=""/>
+        <p:cNvGrpSpPr/>
+        <p:nvPr/>
+      </p:nvGrpSpPr>
+      <p:grpSpPr/>
+      <p:sp>
+        <p:nvSpPr>
+          <p:cNvPr id="2" name="Title 1"/>
+          <p:cNvSpPr>
+            <a:spLocks noGrp="1"/>
+          </p:cNvSpPr>
+          <p:nvPr>
+            <p:ph type="title"/>
+          </p:nvPr>
+        </p:nvSpPr>
+        <p:spPr/>
+        <p:txBody>
+          <a:bodyPr/>
+          <a:p>
+            <a:r>
+              <a:rPr lang="zh-CN" altLang="en-US"/>
+              <a:t>解决</a:t>
+            </a:r>
+            <a:r>
+              <a:rPr lang="en-US" altLang="zh-CN"/>
+              <a:t>1</a:t>
+            </a:r>
+            <a:r>
+              <a:rPr lang="zh-CN" altLang="en-US"/>
+              <a:t>：保证双方上锁顺序一致</a:t>
+            </a:r>
+            <a:endParaRPr lang="zh-CN" altLang="en-US"/>
+          </a:p>
+        </p:txBody>
+      </p:sp>
+      <p:sp>
+        <p:nvSpPr>
+          <p:cNvPr id="3" name="Content Placeholder 2"/>
+          <p:cNvSpPr>
+            <a:spLocks noGrp="1"/>
+          </p:cNvSpPr>
+          <p:nvPr>
+            <p:ph sz="half" idx="1"/>
+          </p:nvPr>
+        </p:nvSpPr>
+        <p:spPr/>
+        <p:txBody>
+          <a:bodyPr/>
+          <a:p>
+            <a:r>
+              <a:rPr lang="zh-CN" altLang="en-US"/>
+              <a:t>其实，只需保证双方上锁和解锁的顺序一致，即可避免死锁。因此这里调整</a:t>
+            </a:r>
+            <a:r>
+              <a:rPr lang="en-US" altLang="zh-CN"/>
+              <a:t> t2 </a:t>
+            </a:r>
+            <a:r>
+              <a:rPr lang="zh-CN" altLang="en-US"/>
+              <a:t>也变为先锁</a:t>
+            </a:r>
+            <a:r>
+              <a:rPr lang="en-US" altLang="zh-CN"/>
+              <a:t> mtx1</a:t>
+            </a:r>
+            <a:r>
+              <a:rPr lang="zh-CN" altLang="en-US"/>
+              <a:t>，再锁</a:t>
+            </a:r>
+            <a:r>
+              <a:rPr lang="en-US" altLang="zh-CN"/>
+              <a:t> mtx2</a:t>
+            </a:r>
+            <a:r>
+              <a:rPr lang="zh-CN" altLang="en-US"/>
+              <a:t>。</a:t>
+            </a:r>
+            <a:endParaRPr lang="en-US" altLang="zh-CN"/>
+          </a:p>
+          <a:p>
+            <a:r>
+              <a:rPr lang="zh-CN" altLang="en-US"/>
+              <a:t>这时，无论实际执行顺序是怎样，都不会出现一方等着对方的同时持有了对方等着的锁的情况。</a:t>
+            </a:r>
+            <a:endParaRPr lang="en-US" altLang="zh-CN"/>
+          </a:p>
+        </p:txBody>
+      </p:sp>
+      <p:pic>
+        <p:nvPicPr>
+          <p:cNvPr id="5" name="Content Placeholder 4"/>
+          <p:cNvPicPr>
+            <a:picLocks noChangeAspect="1"/>
+          </p:cNvPicPr>
+          <p:nvPr>
+            <p:ph sz="half" idx="2"/>
+          </p:nvPr>
+        </p:nvPicPr>
+        <p:blipFill>
+          <a:blip r:embed="rId1"/>
+          <a:stretch>
+            <a:fillRect/>
+          </a:stretch>
+        </p:blipFill>
+        <p:spPr>
+          <a:xfrm>
+            <a:off x="6540500" y="1825625"/>
+            <a:ext cx="4063365" cy="4351655"/>
+          </a:xfrm>
+          <a:prstGeom prst="rect">
+            <a:avLst/>
+          </a:prstGeom>
+        </p:spPr>
+      </p:pic>
+      <p:sp>
+        <p:nvSpPr>
+          <p:cNvPr id="7" name="Rounded Rectangle 6"/>
+          <p:cNvSpPr/>
+          <p:nvPr/>
+        </p:nvSpPr>
+        <p:spPr>
+          <a:xfrm>
+            <a:off x="7882890" y="4669790"/>
+            <a:ext cx="1360170" cy="641350"/>
+          </a:xfrm>
+          <a:prstGeom prst="roundRect">
+            <a:avLst/>
+          </a:prstGeom>
+          <a:noFill/>
+          <a:ln w="22225">
+            <a:solidFill>
+              <a:srgbClr val="CC0000"/>
+            </a:solidFill>
+          </a:ln>
+        </p:spPr>
+        <p:style>
+          <a:lnRef idx="2">
+            <a:schemeClr val="accent1">
+              <a:shade val="50000"/>
+            </a:schemeClr>
+          </a:lnRef>
+          <a:fillRef idx="1">
+            <a:schemeClr val="accent1"/>
+          </a:fillRef>
+          <a:effectRef idx="0">
+            <a:schemeClr val="accent1"/>
+          </a:effectRef>
+          <a:fontRef idx="minor">
+            <a:schemeClr val="lt1"/>
+          </a:fontRef>
+        </p:style>
+        <p:txBody>
+          <a:bodyPr rtlCol="0" anchor="ctr"/>
+          <a:p>
+            <a:pPr algn="ctr"/>
+            <a:endParaRPr lang="en-US"/>
+          </a:p>
+        </p:txBody>
+      </p:sp>
+      <p:pic>
+        <p:nvPicPr>
+          <p:cNvPr id="8" name="Picture 7"/>
+          <p:cNvPicPr>
+            <a:picLocks noChangeAspect="1"/>
+          </p:cNvPicPr>
+          <p:nvPr/>
+        </p:nvPicPr>
+        <p:blipFill>
+          <a:blip r:embed="rId2"/>
+          <a:stretch>
+            <a:fillRect/>
+          </a:stretch>
+        </p:blipFill>
+        <p:spPr>
+          <a:xfrm>
+            <a:off x="6830695" y="749935"/>
+            <a:ext cx="4892040" cy="342900"/>
+          </a:xfrm>
+          <a:prstGeom prst="rect">
+            <a:avLst/>
+          </a:prstGeom>
+        </p:spPr>
+      </p:pic>
+    </p:spTree>
+  </p:cSld>
+  <p:clrMapOvr>
+    <a:masterClrMapping/>
+  </p:clrMapOvr>
+</p:sld>
+</file>
+
+<file path=ppt/slides/slide43.xml><?xml version="1.0" encoding="utf-8"?>
+<p:sld xmlns:a="http://schemas.openxmlformats.org/drawingml/2006/main" xmlns:r="http://schemas.openxmlformats.org/officeDocument/2006/relationships" xmlns:p="http://schemas.openxmlformats.org/presentationml/2006/main">
+  <p:cSld>
+    <p:spTree>
+      <p:nvGrpSpPr>
+        <p:cNvPr id="1" name=""/>
+        <p:cNvGrpSpPr/>
+        <p:nvPr/>
+      </p:nvGrpSpPr>
+      <p:grpSpPr/>
+      <p:pic>
+        <p:nvPicPr>
+          <p:cNvPr id="6" name="Content Placeholder 5"/>
+          <p:cNvPicPr>
+            <a:picLocks noChangeAspect="1"/>
+          </p:cNvPicPr>
+          <p:nvPr>
+            <p:ph sz="half" idx="2"/>
+          </p:nvPr>
+        </p:nvPicPr>
+        <p:blipFill>
+          <a:blip r:embed="rId1"/>
+          <a:stretch>
+            <a:fillRect/>
+          </a:stretch>
+        </p:blipFill>
+        <p:spPr>
+          <a:xfrm>
+            <a:off x="6528435" y="1825625"/>
+            <a:ext cx="4004310" cy="4351655"/>
+          </a:xfrm>
+          <a:prstGeom prst="rect">
+            <a:avLst/>
+          </a:prstGeom>
+        </p:spPr>
+      </p:pic>
+      <p:sp>
+        <p:nvSpPr>
+          <p:cNvPr id="2" name="Title 1"/>
+          <p:cNvSpPr>
+            <a:spLocks noGrp="1"/>
+          </p:cNvSpPr>
+          <p:nvPr>
+            <p:ph type="title"/>
+          </p:nvPr>
+        </p:nvSpPr>
+        <p:spPr/>
+        <p:txBody>
+          <a:bodyPr/>
+          <a:p>
+            <a:r>
+              <a:rPr lang="zh-CN" altLang="en-US"/>
+              <a:t>解决</a:t>
+            </a:r>
+            <a:r>
+              <a:rPr lang="en-US" altLang="zh-CN"/>
+              <a:t>3</a:t>
+            </a:r>
+            <a:r>
+              <a:rPr lang="zh-CN" altLang="en-US"/>
+              <a:t>：永远不要同时持有两个锁</a:t>
+            </a:r>
+            <a:endParaRPr lang="zh-CN" altLang="en-US"/>
+          </a:p>
+        </p:txBody>
+      </p:sp>
+      <p:sp>
+        <p:nvSpPr>
+          <p:cNvPr id="3" name="Content Placeholder 2"/>
+          <p:cNvSpPr>
+            <a:spLocks noGrp="1"/>
+          </p:cNvSpPr>
+          <p:nvPr>
+            <p:ph sz="half" idx="1"/>
+          </p:nvPr>
+        </p:nvSpPr>
+        <p:spPr/>
+        <p:txBody>
+          <a:bodyPr/>
+          <a:p>
+            <a:r>
+              <a:rPr lang="zh-CN"/>
+              <a:t>另一种简单得多的方法，就是一个线程永远不要同时持有两个锁，分别上锁，这样也可以避免死锁。</a:t>
+            </a:r>
+            <a:endParaRPr lang="zh-CN"/>
+          </a:p>
+          <a:p>
+            <a:r>
+              <a:rPr lang="zh-CN"/>
+              <a:t>因此这里双方都在</a:t>
+            </a:r>
+            <a:r>
+              <a:rPr lang="en-US" altLang="zh-CN"/>
+              <a:t> mtx1.unlock() </a:t>
+            </a:r>
+            <a:r>
+              <a:rPr lang="zh-CN" altLang="en-US"/>
+              <a:t>之后才</a:t>
+            </a:r>
+            <a:r>
+              <a:rPr lang="en-US" altLang="zh-CN"/>
+              <a:t> mtx2.lock()</a:t>
+            </a:r>
+            <a:r>
+              <a:rPr lang="zh-CN" altLang="en-US"/>
+              <a:t>，从而也不会出现</a:t>
+            </a:r>
+            <a:r>
+              <a:rPr lang="zh-CN" altLang="en-US">
+                <a:sym typeface="+mn-ea"/>
+              </a:rPr>
+              <a:t>一方等着对方的同时持有了对方等着的锁的情况。</a:t>
+            </a:r>
+            <a:endParaRPr lang="en-US" altLang="zh-CN"/>
+          </a:p>
+          <a:p>
+            <a:endParaRPr lang="zh-CN" altLang="en-US"/>
+          </a:p>
+        </p:txBody>
+      </p:sp>
+      <p:sp>
+        <p:nvSpPr>
+          <p:cNvPr id="7" name="Rounded Rectangle 6"/>
+          <p:cNvSpPr/>
+          <p:nvPr/>
+        </p:nvSpPr>
+        <p:spPr>
+          <a:xfrm>
+            <a:off x="7882890" y="4669790"/>
+            <a:ext cx="1360170" cy="310515"/>
+          </a:xfrm>
+          <a:prstGeom prst="roundRect">
+            <a:avLst/>
+          </a:prstGeom>
+          <a:noFill/>
+          <a:ln w="22225">
+            <a:solidFill>
+              <a:srgbClr val="CC0000"/>
+            </a:solidFill>
+          </a:ln>
+        </p:spPr>
+        <p:style>
+          <a:lnRef idx="2">
+            <a:schemeClr val="accent1">
+              <a:shade val="50000"/>
+            </a:schemeClr>
+          </a:lnRef>
+          <a:fillRef idx="1">
+            <a:schemeClr val="accent1"/>
+          </a:fillRef>
+          <a:effectRef idx="0">
+            <a:schemeClr val="accent1"/>
+          </a:effectRef>
+          <a:fontRef idx="minor">
+            <a:schemeClr val="lt1"/>
+          </a:fontRef>
+        </p:style>
+        <p:txBody>
+          <a:bodyPr rtlCol="0" anchor="ctr"/>
+          <a:p>
+            <a:pPr algn="ctr"/>
+            <a:endParaRPr lang="en-US"/>
+          </a:p>
+        </p:txBody>
+      </p:sp>
+      <p:sp>
+        <p:nvSpPr>
+          <p:cNvPr id="9" name="Rounded Rectangle 8"/>
+          <p:cNvSpPr/>
+          <p:nvPr/>
+        </p:nvSpPr>
+        <p:spPr>
+          <a:xfrm>
+            <a:off x="7882890" y="3460750"/>
+            <a:ext cx="1360170" cy="321310"/>
+          </a:xfrm>
+          <a:prstGeom prst="roundRect">
+            <a:avLst/>
+          </a:prstGeom>
+          <a:noFill/>
+          <a:ln w="22225">
+            <a:solidFill>
+              <a:srgbClr val="CC0000"/>
+            </a:solidFill>
+          </a:ln>
+        </p:spPr>
+        <p:style>
+          <a:lnRef idx="2">
+            <a:schemeClr val="accent1">
+              <a:shade val="50000"/>
+            </a:schemeClr>
+          </a:lnRef>
+          <a:fillRef idx="1">
+            <a:schemeClr val="accent1"/>
+          </a:fillRef>
+          <a:effectRef idx="0">
+            <a:schemeClr val="accent1"/>
+          </a:effectRef>
+          <a:fontRef idx="minor">
+            <a:schemeClr val="lt1"/>
+          </a:fontRef>
+        </p:style>
+        <p:txBody>
+          <a:bodyPr rtlCol="0" anchor="ctr"/>
+          <a:p>
+            <a:pPr algn="ctr"/>
+            <a:endParaRPr lang="en-US"/>
+          </a:p>
+        </p:txBody>
+      </p:sp>
+      <p:pic>
+        <p:nvPicPr>
+          <p:cNvPr id="10" name="Picture 9"/>
+          <p:cNvPicPr>
+            <a:picLocks noChangeAspect="1"/>
+          </p:cNvPicPr>
+          <p:nvPr/>
+        </p:nvPicPr>
+        <p:blipFill>
+          <a:blip r:embed="rId2"/>
+          <a:stretch>
+            <a:fillRect/>
+          </a:stretch>
+        </p:blipFill>
+        <p:spPr>
+          <a:xfrm>
+            <a:off x="6668135" y="828040"/>
+            <a:ext cx="4884420" cy="342900"/>
+          </a:xfrm>
+          <a:prstGeom prst="rect">
+            <a:avLst/>
+          </a:prstGeom>
+        </p:spPr>
+      </p:pic>
+      <p:sp>
+        <p:nvSpPr>
+          <p:cNvPr id="11" name="Rounded Rectangle 10"/>
+          <p:cNvSpPr/>
+          <p:nvPr/>
+        </p:nvSpPr>
+        <p:spPr>
+          <a:xfrm>
+            <a:off x="7882890" y="4980305"/>
+            <a:ext cx="1360170" cy="310515"/>
+          </a:xfrm>
+          <a:prstGeom prst="roundRect">
+            <a:avLst/>
+          </a:prstGeom>
+          <a:noFill/>
+          <a:ln w="22225">
+            <a:solidFill>
+              <a:srgbClr val="CC0000"/>
+            </a:solidFill>
+          </a:ln>
+        </p:spPr>
+        <p:style>
+          <a:lnRef idx="2">
+            <a:schemeClr val="accent1">
+              <a:shade val="50000"/>
+            </a:schemeClr>
+          </a:lnRef>
+          <a:fillRef idx="1">
+            <a:schemeClr val="accent1"/>
+          </a:fillRef>
+          <a:effectRef idx="0">
+            <a:schemeClr val="accent1"/>
+          </a:effectRef>
+          <a:fontRef idx="minor">
+            <a:schemeClr val="lt1"/>
+          </a:fontRef>
+        </p:style>
+        <p:txBody>
+          <a:bodyPr rtlCol="0" anchor="ctr"/>
+          <a:p>
+            <a:pPr algn="ctr"/>
+            <a:endParaRPr lang="en-US"/>
+          </a:p>
+        </p:txBody>
+      </p:sp>
+      <p:sp>
+        <p:nvSpPr>
+          <p:cNvPr id="12" name="Rounded Rectangle 11"/>
+          <p:cNvSpPr/>
+          <p:nvPr/>
+        </p:nvSpPr>
+        <p:spPr>
+          <a:xfrm>
+            <a:off x="7882890" y="3782060"/>
+            <a:ext cx="1360170" cy="321310"/>
+          </a:xfrm>
+          <a:prstGeom prst="roundRect">
+            <a:avLst/>
+          </a:prstGeom>
+          <a:noFill/>
+          <a:ln w="22225">
+            <a:solidFill>
+              <a:srgbClr val="CC0000"/>
+            </a:solidFill>
+          </a:ln>
+        </p:spPr>
+        <p:style>
+          <a:lnRef idx="2">
+            <a:schemeClr val="accent1">
+              <a:shade val="50000"/>
+            </a:schemeClr>
+          </a:lnRef>
+          <a:fillRef idx="1">
+            <a:schemeClr val="accent1"/>
+          </a:fillRef>
+          <a:effectRef idx="0">
+            <a:schemeClr val="accent1"/>
+          </a:effectRef>
+          <a:fontRef idx="minor">
+            <a:schemeClr val="lt1"/>
+          </a:fontRef>
+        </p:style>
+        <p:txBody>
+          <a:bodyPr rtlCol="0" anchor="ctr"/>
+          <a:p>
+            <a:pPr algn="ctr"/>
+            <a:endParaRPr lang="en-US"/>
+          </a:p>
+        </p:txBody>
+      </p:sp>
+    </p:spTree>
+  </p:cSld>
+  <p:clrMapOvr>
+    <a:masterClrMapping/>
+  </p:clrMapOvr>
+</p:sld>
+</file>
+
+<file path=ppt/slides/slide44.xml><?xml version="1.0" encoding="utf-8"?>
+<p:sld xmlns:a="http://schemas.openxmlformats.org/drawingml/2006/main" xmlns:r="http://schemas.openxmlformats.org/officeDocument/2006/relationships" xmlns:p="http://schemas.openxmlformats.org/presentationml/2006/main">
+  <p:cSld>
+    <p:spTree>
+      <p:nvGrpSpPr>
+        <p:cNvPr id="1" name=""/>
+        <p:cNvGrpSpPr/>
+        <p:nvPr/>
+      </p:nvGrpSpPr>
+      <p:grpSpPr/>
+      <p:sp>
+        <p:nvSpPr>
+          <p:cNvPr id="2" name="Title 1"/>
+          <p:cNvSpPr>
+            <a:spLocks noGrp="1"/>
+          </p:cNvSpPr>
+          <p:nvPr>
+            <p:ph type="title"/>
+          </p:nvPr>
+        </p:nvSpPr>
+        <p:spPr/>
+        <p:txBody>
+          <a:bodyPr/>
+          <a:p>
+            <a:r>
+              <a:rPr lang="zh-CN" altLang="en-US"/>
+              <a:t>同一个线程重复调用</a:t>
+            </a:r>
+            <a:r>
+              <a:rPr lang="en-US" altLang="zh-CN"/>
+              <a:t> lock() </a:t>
+            </a:r>
+            <a:r>
+              <a:rPr lang="zh-CN" altLang="en-US"/>
+              <a:t>也会造成死锁</a:t>
+            </a:r>
+            <a:endParaRPr lang="en-US" altLang="zh-CN"/>
+          </a:p>
+        </p:txBody>
+      </p:sp>
+      <p:sp>
+        <p:nvSpPr>
+          <p:cNvPr id="3" name="Content Placeholder 2"/>
+          <p:cNvSpPr>
+            <a:spLocks noGrp="1"/>
+          </p:cNvSpPr>
+          <p:nvPr>
+            <p:ph sz="half" idx="1"/>
+          </p:nvPr>
+        </p:nvSpPr>
+        <p:spPr/>
+        <p:txBody>
+          <a:bodyPr/>
+          <a:p>
+            <a:r>
+              <a:rPr lang="zh-CN" altLang="en-US"/>
+              <a:t>除了两个线程同时持有两个锁会造成死锁外，即使只有一个线程一个锁，如果</a:t>
+            </a:r>
+            <a:r>
+              <a:rPr lang="en-US" altLang="zh-CN"/>
+              <a:t> lock() </a:t>
+            </a:r>
+            <a:r>
+              <a:rPr lang="zh-CN" altLang="en-US"/>
+              <a:t>以后又调用</a:t>
+            </a:r>
+            <a:r>
+              <a:rPr lang="en-US" altLang="zh-CN"/>
+              <a:t> lock()</a:t>
+            </a:r>
+            <a:r>
+              <a:rPr lang="zh-CN" altLang="en-US"/>
+              <a:t>，也会造成死锁。</a:t>
+            </a:r>
+            <a:endParaRPr lang="zh-CN" altLang="en-US"/>
+          </a:p>
+          <a:p>
+            <a:r>
+              <a:rPr lang="zh-CN" altLang="en-US"/>
+              <a:t>比如右边的</a:t>
+            </a:r>
+            <a:r>
+              <a:rPr lang="en-US" altLang="zh-CN"/>
+              <a:t> func </a:t>
+            </a:r>
+            <a:r>
+              <a:rPr lang="zh-CN" altLang="en-US"/>
+              <a:t>函数，上了锁之后，又调用了</a:t>
+            </a:r>
+            <a:r>
+              <a:rPr lang="en-US" altLang="zh-CN"/>
+              <a:t> other </a:t>
+            </a:r>
+            <a:r>
+              <a:rPr lang="zh-CN" altLang="en-US"/>
+              <a:t>函数，他也需要上锁。而</a:t>
+            </a:r>
+            <a:r>
+              <a:rPr lang="en-US" altLang="zh-CN"/>
+              <a:t> other </a:t>
+            </a:r>
+            <a:r>
+              <a:rPr lang="zh-CN" altLang="en-US"/>
+              <a:t>看到</a:t>
+            </a:r>
+            <a:r>
+              <a:rPr lang="en-US" altLang="zh-CN"/>
+              <a:t> mtx1 </a:t>
+            </a:r>
+            <a:r>
+              <a:rPr lang="zh-CN" altLang="en-US"/>
+              <a:t>已经上锁，还以为是别的线程上的锁，于是陷入等待。殊不知是调用他的</a:t>
+            </a:r>
+            <a:r>
+              <a:rPr lang="en-US" altLang="zh-CN"/>
+              <a:t> func </a:t>
+            </a:r>
+            <a:r>
+              <a:rPr lang="zh-CN" altLang="en-US"/>
+              <a:t>上的锁，</a:t>
+            </a:r>
+            <a:r>
+              <a:rPr lang="en-US" altLang="zh-CN"/>
+              <a:t>other </a:t>
+            </a:r>
+            <a:r>
+              <a:rPr lang="zh-CN" altLang="en-US"/>
+              <a:t>陷入等待后</a:t>
+            </a:r>
+            <a:r>
+              <a:rPr lang="en-US" altLang="zh-CN"/>
+              <a:t> func </a:t>
+            </a:r>
+            <a:r>
+              <a:rPr lang="zh-CN" altLang="en-US"/>
+              <a:t>里的</a:t>
+            </a:r>
+            <a:r>
+              <a:rPr lang="en-US" altLang="zh-CN"/>
+              <a:t> unlock() </a:t>
+            </a:r>
+            <a:r>
+              <a:rPr lang="zh-CN" altLang="en-US"/>
+              <a:t>永远得不到调用。</a:t>
+            </a:r>
+            <a:endParaRPr lang="zh-CN" altLang="en-US"/>
+          </a:p>
+        </p:txBody>
+      </p:sp>
+      <p:pic>
+        <p:nvPicPr>
+          <p:cNvPr id="7" name="Content Placeholder 6"/>
+          <p:cNvPicPr>
+            <a:picLocks noChangeAspect="1"/>
+          </p:cNvPicPr>
+          <p:nvPr>
+            <p:ph sz="half" idx="2"/>
+          </p:nvPr>
+        </p:nvPicPr>
+        <p:blipFill>
+          <a:blip r:embed="rId1"/>
+          <a:stretch>
+            <a:fillRect/>
+          </a:stretch>
+        </p:blipFill>
+        <p:spPr>
+          <a:xfrm>
+            <a:off x="7166610" y="1845310"/>
+            <a:ext cx="2810510" cy="4311650"/>
+          </a:xfrm>
+          <a:prstGeom prst="rect">
+            <a:avLst/>
+          </a:prstGeom>
+        </p:spPr>
+      </p:pic>
+      <p:sp>
+        <p:nvSpPr>
+          <p:cNvPr id="9" name="Rounded Rectangle 8"/>
+          <p:cNvSpPr/>
+          <p:nvPr/>
+        </p:nvSpPr>
+        <p:spPr>
+          <a:xfrm>
+            <a:off x="8037195" y="3028950"/>
+            <a:ext cx="1514475" cy="211455"/>
+          </a:xfrm>
+          <a:prstGeom prst="roundRect">
+            <a:avLst/>
+          </a:prstGeom>
+          <a:noFill/>
+          <a:ln w="22225">
+            <a:solidFill>
+              <a:srgbClr val="CC0000"/>
+            </a:solidFill>
+          </a:ln>
+        </p:spPr>
+        <p:style>
+          <a:lnRef idx="2">
+            <a:schemeClr val="accent1">
+              <a:shade val="50000"/>
+            </a:schemeClr>
+          </a:lnRef>
+          <a:fillRef idx="1">
+            <a:schemeClr val="accent1"/>
+          </a:fillRef>
+          <a:effectRef idx="0">
+            <a:schemeClr val="accent1"/>
+          </a:effectRef>
+          <a:fontRef idx="minor">
+            <a:schemeClr val="lt1"/>
+          </a:fontRef>
+        </p:style>
+        <p:txBody>
+          <a:bodyPr rtlCol="0" anchor="ctr"/>
+          <a:p>
+            <a:pPr algn="ctr"/>
+            <a:endParaRPr lang="en-US"/>
+          </a:p>
+        </p:txBody>
+      </p:sp>
+      <p:sp>
+        <p:nvSpPr>
+          <p:cNvPr id="8" name="Rounded Rectangle 7"/>
+          <p:cNvSpPr/>
+          <p:nvPr/>
+        </p:nvSpPr>
+        <p:spPr>
+          <a:xfrm>
+            <a:off x="8037195" y="4238625"/>
+            <a:ext cx="1514475" cy="211455"/>
+          </a:xfrm>
+          <a:prstGeom prst="roundRect">
+            <a:avLst/>
+          </a:prstGeom>
+          <a:noFill/>
+          <a:ln w="22225">
+            <a:solidFill>
+              <a:srgbClr val="CC0000"/>
+            </a:solidFill>
+          </a:ln>
+        </p:spPr>
+        <p:style>
+          <a:lnRef idx="2">
+            <a:schemeClr val="accent1">
+              <a:shade val="50000"/>
+            </a:schemeClr>
+          </a:lnRef>
+          <a:fillRef idx="1">
+            <a:schemeClr val="accent1"/>
+          </a:fillRef>
+          <a:effectRef idx="0">
+            <a:schemeClr val="accent1"/>
+          </a:effectRef>
+          <a:fontRef idx="minor">
+            <a:schemeClr val="lt1"/>
+          </a:fontRef>
+        </p:style>
+        <p:txBody>
+          <a:bodyPr rtlCol="0" anchor="ctr"/>
+          <a:p>
+            <a:pPr algn="ctr"/>
+            <a:endParaRPr lang="en-US"/>
+          </a:p>
+        </p:txBody>
+      </p:sp>
+      <p:pic>
+        <p:nvPicPr>
+          <p:cNvPr id="10" name="Picture 9"/>
+          <p:cNvPicPr>
+            <a:picLocks noChangeAspect="1"/>
+          </p:cNvPicPr>
+          <p:nvPr/>
+        </p:nvPicPr>
+        <p:blipFill>
+          <a:blip r:embed="rId2"/>
+          <a:stretch>
+            <a:fillRect/>
+          </a:stretch>
+        </p:blipFill>
+        <p:spPr>
+          <a:xfrm>
+            <a:off x="6967220" y="759460"/>
+            <a:ext cx="4884420" cy="480060"/>
+          </a:xfrm>
+          <a:prstGeom prst="rect">
+            <a:avLst/>
+          </a:prstGeom>
+        </p:spPr>
+      </p:pic>
+    </p:spTree>
+  </p:cSld>
+  <p:clrMapOvr>
+    <a:masterClrMapping/>
+  </p:clrMapOvr>
+</p:sld>
+</file>
+
+<file path=ppt/slides/slide45.xml><?xml version="1.0" encoding="utf-8"?>
+<p:sld xmlns:a="http://schemas.openxmlformats.org/drawingml/2006/main" xmlns:r="http://schemas.openxmlformats.org/officeDocument/2006/relationships" xmlns:p="http://schemas.openxmlformats.org/presentationml/2006/main">
+  <p:cSld>
+    <p:spTree>
+      <p:nvGrpSpPr>
+        <p:cNvPr id="1" name=""/>
+        <p:cNvGrpSpPr/>
+        <p:nvPr/>
+      </p:nvGrpSpPr>
+      <p:grpSpPr/>
+      <p:sp>
+        <p:nvSpPr>
+          <p:cNvPr id="2" name="Title 1"/>
+          <p:cNvSpPr>
+            <a:spLocks noGrp="1"/>
+          </p:cNvSpPr>
+          <p:nvPr>
+            <p:ph type="title"/>
+          </p:nvPr>
+        </p:nvSpPr>
+        <p:spPr/>
+        <p:txBody>
+          <a:bodyPr/>
+          <a:p>
+            <a:r>
+              <a:rPr lang="zh-CN" altLang="en-US"/>
+              <a:t>解决</a:t>
+            </a:r>
+            <a:r>
+              <a:rPr lang="en-US" altLang="zh-CN"/>
+              <a:t>1</a:t>
+            </a:r>
+            <a:r>
+              <a:rPr lang="zh-CN" altLang="en-US"/>
+              <a:t>：</a:t>
+            </a:r>
+            <a:r>
+              <a:rPr lang="en-US" altLang="zh-CN"/>
+              <a:t>other </a:t>
+            </a:r>
+            <a:r>
+              <a:rPr lang="zh-CN" altLang="en-US"/>
+              <a:t>里不要再上锁</a:t>
+            </a:r>
+            <a:endParaRPr lang="zh-CN" altLang="en-US"/>
+          </a:p>
+        </p:txBody>
+      </p:sp>
+      <p:sp>
+        <p:nvSpPr>
+          <p:cNvPr id="3" name="Content Placeholder 2"/>
+          <p:cNvSpPr>
+            <a:spLocks noGrp="1"/>
+          </p:cNvSpPr>
+          <p:nvPr>
+            <p:ph sz="half" idx="1"/>
+          </p:nvPr>
+        </p:nvSpPr>
+        <p:spPr/>
+        <p:txBody>
+          <a:bodyPr/>
+          <a:p>
+            <a:r>
+              <a:rPr lang="zh-CN" altLang="en-US"/>
+              <a:t>遇到这种情况最好是把</a:t>
+            </a:r>
+            <a:r>
+              <a:rPr lang="en-US" altLang="zh-CN"/>
+              <a:t> other </a:t>
+            </a:r>
+            <a:r>
+              <a:rPr lang="zh-CN" altLang="en-US"/>
+              <a:t>里的</a:t>
+            </a:r>
+            <a:r>
+              <a:rPr lang="en-US" altLang="zh-CN"/>
+              <a:t> lock() </a:t>
+            </a:r>
+            <a:r>
+              <a:rPr lang="zh-CN" altLang="en-US"/>
+              <a:t>去</a:t>
+            </a:r>
+            <a:r>
+              <a:rPr lang="zh-CN" altLang="en-US"/>
+              <a:t>掉，并在文档中说明：</a:t>
+            </a:r>
+            <a:r>
+              <a:rPr lang="en-US" altLang="zh-CN"/>
+              <a:t>other </a:t>
+            </a:r>
+            <a:r>
+              <a:rPr lang="zh-CN" altLang="en-US"/>
+              <a:t>不是线程安全的，调用本函数之前需要保证某</a:t>
+            </a:r>
+            <a:r>
+              <a:rPr lang="en-US" altLang="zh-CN"/>
+              <a:t> mutex </a:t>
+            </a:r>
+            <a:r>
+              <a:rPr lang="zh-CN" altLang="en-US"/>
+              <a:t>已经上锁。</a:t>
+            </a:r>
+            <a:endParaRPr lang="zh-CN" altLang="en-US"/>
+          </a:p>
+        </p:txBody>
+      </p:sp>
+      <p:pic>
+        <p:nvPicPr>
+          <p:cNvPr id="5" name="Content Placeholder 4"/>
+          <p:cNvPicPr>
+            <a:picLocks noChangeAspect="1"/>
+          </p:cNvPicPr>
+          <p:nvPr>
+            <p:ph sz="half" idx="2"/>
+          </p:nvPr>
+        </p:nvPicPr>
+        <p:blipFill>
+          <a:blip r:embed="rId1"/>
+          <a:stretch>
+            <a:fillRect/>
+          </a:stretch>
+        </p:blipFill>
+        <p:spPr>
+          <a:xfrm>
+            <a:off x="6186805" y="2408555"/>
+            <a:ext cx="4770120" cy="3185160"/>
+          </a:xfrm>
+          <a:prstGeom prst="rect">
+            <a:avLst/>
+          </a:prstGeom>
+        </p:spPr>
+      </p:pic>
+      <p:pic>
+        <p:nvPicPr>
+          <p:cNvPr id="6" name="Picture 5"/>
+          <p:cNvPicPr>
+            <a:picLocks noChangeAspect="1"/>
+          </p:cNvPicPr>
+          <p:nvPr/>
+        </p:nvPicPr>
+        <p:blipFill>
+          <a:blip r:embed="rId2"/>
+          <a:stretch>
+            <a:fillRect/>
+          </a:stretch>
+        </p:blipFill>
+        <p:spPr>
+          <a:xfrm>
+            <a:off x="6367145" y="753745"/>
+            <a:ext cx="4892040" cy="335280"/>
+          </a:xfrm>
+          <a:prstGeom prst="rect">
+            <a:avLst/>
+          </a:prstGeom>
+        </p:spPr>
+      </p:pic>
+    </p:spTree>
+  </p:cSld>
+  <p:clrMapOvr>
+    <a:masterClrMapping/>
+  </p:clrMapOvr>
+</p:sld>
+</file>
+
+<file path=ppt/slides/slide46.xml><?xml version="1.0" encoding="utf-8"?>
+<p:sld xmlns:a="http://schemas.openxmlformats.org/drawingml/2006/main" xmlns:r="http://schemas.openxmlformats.org/officeDocument/2006/relationships" xmlns:p="http://schemas.openxmlformats.org/presentationml/2006/main">
+  <p:cSld>
+    <p:spTree>
+      <p:nvGrpSpPr>
+        <p:cNvPr id="1" name=""/>
+        <p:cNvGrpSpPr/>
+        <p:nvPr/>
+      </p:nvGrpSpPr>
+      <p:grpSpPr/>
+      <p:sp>
+        <p:nvSpPr>
+          <p:cNvPr id="2" name="Title 1"/>
+          <p:cNvSpPr>
+            <a:spLocks noGrp="1"/>
+          </p:cNvSpPr>
+          <p:nvPr>
+            <p:ph type="title"/>
+          </p:nvPr>
+        </p:nvSpPr>
+        <p:spPr/>
+        <p:txBody>
+          <a:bodyPr/>
+          <a:p>
+            <a:r>
+              <a:rPr lang="zh-CN" altLang="en-US"/>
+              <a:t>解决</a:t>
+            </a:r>
+            <a:r>
+              <a:rPr lang="en-US" altLang="zh-CN"/>
+              <a:t>2</a:t>
+            </a:r>
+            <a:r>
+              <a:rPr lang="zh-CN" altLang="en-US"/>
+              <a:t>：改用</a:t>
+            </a:r>
+            <a:r>
+              <a:rPr lang="en-US" altLang="zh-CN"/>
+              <a:t> std::recursive_mutex</a:t>
+            </a:r>
+            <a:endParaRPr lang="en-US" altLang="zh-CN"/>
+          </a:p>
+        </p:txBody>
+      </p:sp>
+      <p:sp>
+        <p:nvSpPr>
+          <p:cNvPr id="3" name="Content Placeholder 2"/>
+          <p:cNvSpPr>
+            <a:spLocks noGrp="1"/>
+          </p:cNvSpPr>
+          <p:nvPr>
+            <p:ph sz="half" idx="1"/>
+          </p:nvPr>
+        </p:nvSpPr>
+        <p:spPr/>
+        <p:txBody>
+          <a:bodyPr/>
+          <a:p>
+            <a:r>
+              <a:rPr lang="zh-CN" altLang="en-US"/>
+              <a:t>如果实在不能改的话，可以用</a:t>
+            </a:r>
+            <a:r>
+              <a:rPr lang="en-US" altLang="zh-CN"/>
+              <a:t> std::recursive_mutex</a:t>
+            </a:r>
+            <a:r>
+              <a:rPr lang="zh-CN" altLang="en-US"/>
+              <a:t>。他会自动判断是不是同一个线程</a:t>
+            </a:r>
+            <a:r>
+              <a:rPr lang="en-US" altLang="zh-CN"/>
+              <a:t> lock() </a:t>
+            </a:r>
+            <a:r>
+              <a:rPr lang="zh-CN" altLang="en-US"/>
+              <a:t>了多次同一个锁，如果是则让计数器加</a:t>
+            </a:r>
+            <a:r>
+              <a:rPr lang="en-US" altLang="zh-CN"/>
+              <a:t>1</a:t>
+            </a:r>
+            <a:r>
+              <a:rPr lang="zh-CN" altLang="en-US"/>
+              <a:t>，之后</a:t>
+            </a:r>
+            <a:r>
+              <a:rPr lang="en-US" altLang="zh-CN"/>
+              <a:t> unlock() </a:t>
+            </a:r>
+            <a:r>
+              <a:rPr lang="zh-CN" altLang="en-US"/>
+              <a:t>会让计数器减</a:t>
+            </a:r>
+            <a:r>
+              <a:rPr lang="en-US" altLang="zh-CN"/>
+              <a:t>1</a:t>
+            </a:r>
+            <a:r>
+              <a:rPr lang="zh-CN" altLang="en-US"/>
+              <a:t>，减到</a:t>
+            </a:r>
+            <a:r>
+              <a:rPr lang="en-US" altLang="zh-CN"/>
+              <a:t>0</a:t>
+            </a:r>
+            <a:r>
+              <a:rPr lang="zh-CN" altLang="en-US"/>
+              <a:t>时才真正解锁。但是相比普通的</a:t>
+            </a:r>
+            <a:r>
+              <a:rPr lang="en-US" altLang="zh-CN"/>
+              <a:t> std::mutex </a:t>
+            </a:r>
+            <a:r>
+              <a:rPr lang="zh-CN" altLang="en-US"/>
+              <a:t>有一定性能损失。</a:t>
+            </a:r>
+            <a:endParaRPr lang="zh-CN" altLang="en-US"/>
+          </a:p>
+        </p:txBody>
+      </p:sp>
+      <p:pic>
+        <p:nvPicPr>
+          <p:cNvPr id="6" name="Content Placeholder 5"/>
+          <p:cNvPicPr>
+            <a:picLocks noChangeAspect="1"/>
+          </p:cNvPicPr>
+          <p:nvPr>
+            <p:ph sz="half" idx="2"/>
+          </p:nvPr>
+        </p:nvPicPr>
+        <p:blipFill>
+          <a:blip r:embed="rId1"/>
+          <a:stretch>
+            <a:fillRect/>
+          </a:stretch>
+        </p:blipFill>
+        <p:spPr>
+          <a:xfrm>
+            <a:off x="7076440" y="2193925"/>
+            <a:ext cx="2990850" cy="3614420"/>
+          </a:xfrm>
+          <a:prstGeom prst="rect">
+            <a:avLst/>
+          </a:prstGeom>
+        </p:spPr>
+      </p:pic>
+      <p:pic>
+        <p:nvPicPr>
+          <p:cNvPr id="7" name="Picture 6"/>
+          <p:cNvPicPr>
+            <a:picLocks noChangeAspect="1"/>
+          </p:cNvPicPr>
+          <p:nvPr/>
+        </p:nvPicPr>
+        <p:blipFill>
+          <a:blip r:embed="rId2"/>
+          <a:stretch>
+            <a:fillRect/>
+          </a:stretch>
+        </p:blipFill>
+        <p:spPr>
+          <a:xfrm>
+            <a:off x="6691630" y="854075"/>
+            <a:ext cx="4861560" cy="335280"/>
+          </a:xfrm>
+          <a:prstGeom prst="rect">
+            <a:avLst/>
+          </a:prstGeom>
+        </p:spPr>
+      </p:pic>
+    </p:spTree>
+  </p:cSld>
+  <p:clrMapOvr>
+    <a:masterClrMapping/>
+  </p:clrMapOvr>
+</p:sld>
+</file>
+
+<file path=ppt/slides/slide47.xml><?xml version="1.0" encoding="utf-8"?>
+<p:sld xmlns:a="http://schemas.openxmlformats.org/drawingml/2006/main" xmlns:r="http://schemas.openxmlformats.org/officeDocument/2006/relationships" xmlns:p="http://schemas.openxmlformats.org/presentationml/2006/main">
+  <p:cSld>
+    <p:spTree>
+      <p:nvGrpSpPr>
+        <p:cNvPr id="1" name=""/>
+        <p:cNvGrpSpPr/>
+        <p:nvPr/>
+      </p:nvGrpSpPr>
+      <p:grpSpPr/>
+      <p:sp>
+        <p:nvSpPr>
+          <p:cNvPr id="2" name="Title 1"/>
+          <p:cNvSpPr>
+            <a:spLocks noGrp="1"/>
+          </p:cNvSpPr>
+          <p:nvPr>
+            <p:ph type="title"/>
+          </p:nvPr>
+        </p:nvSpPr>
+        <p:spPr/>
+        <p:txBody>
+          <a:bodyPr/>
+          <a:p>
+            <a:r>
+              <a:rPr lang="zh-CN" altLang="en-US"/>
+              <a:t>读写锁：</a:t>
+            </a:r>
+            <a:r>
+              <a:rPr lang="en-US" altLang="zh-CN"/>
+              <a:t>std::shared_mutex</a:t>
+            </a:r>
+            <a:endParaRPr lang="en-US" altLang="zh-CN"/>
+          </a:p>
+        </p:txBody>
+      </p:sp>
+      <p:sp>
+        <p:nvSpPr>
+          <p:cNvPr id="3" name="Content Placeholder 2"/>
+          <p:cNvSpPr>
+            <a:spLocks noGrp="1"/>
+          </p:cNvSpPr>
+          <p:nvPr>
+            <p:ph sz="half" idx="1"/>
+          </p:nvPr>
+        </p:nvSpPr>
+        <p:spPr/>
+        <p:txBody>
+          <a:bodyPr/>
+          <a:p>
+            <a:endParaRPr lang="en-US"/>
+          </a:p>
+        </p:txBody>
+      </p:sp>
+      <p:sp>
+        <p:nvSpPr>
+          <p:cNvPr id="4" name="Content Placeholder 3"/>
+          <p:cNvSpPr>
+            <a:spLocks noGrp="1"/>
+          </p:cNvSpPr>
+          <p:nvPr>
+            <p:ph sz="half" idx="2"/>
+          </p:nvPr>
+        </p:nvSpPr>
+        <p:spPr/>
+        <p:txBody>
+          <a:bodyPr/>
+          <a:p>
+            <a:endParaRPr lang="en-US"/>
           </a:p>
         </p:txBody>
       </p:sp>
@@ -11308,7 +14399,6 @@
           <a:p>
             <a:r>
               <a:rPr lang="en-US">
-                <a:ln/>
                 <a:solidFill>
                   <a:schemeClr val="accent4"/>
                 </a:solidFill>
@@ -11318,7 +14408,6 @@
             </a:r>
             <a:r>
               <a:rPr lang="zh-CN" altLang="en-US">
-                <a:ln/>
                 <a:solidFill>
                   <a:schemeClr val="accent4"/>
                 </a:solidFill>
@@ -11328,7 +14417,6 @@
             </a:r>
             <a:r>
               <a:rPr lang="en-US" altLang="zh-CN">
-                <a:ln/>
                 <a:solidFill>
                   <a:schemeClr val="accent4"/>
                 </a:solidFill>
@@ -11338,7 +14426,6 @@
             </a:r>
             <a:r>
               <a:rPr lang="zh-CN" altLang="en-US">
-                <a:ln/>
                 <a:solidFill>
                   <a:schemeClr val="accent4"/>
                 </a:solidFill>
@@ -11347,7 +14434,6 @@
               <a:t>秒</a:t>
             </a:r>
             <a:endParaRPr lang="zh-CN" altLang="en-US">
-              <a:ln/>
               <a:solidFill>
                 <a:schemeClr val="accent4"/>
               </a:solidFill>

--- a/05/slides.pptx
+++ b/05/slides.pptx
@@ -8,7 +8,7 @@
     <p:notesMasterId r:id="rId16"/>
   </p:notesMasterIdLst>
   <p:handoutMasterIdLst>
-    <p:handoutMasterId r:id="rId49"/>
+    <p:handoutMasterId r:id="rId54"/>
   </p:handoutMasterIdLst>
   <p:sldIdLst>
     <p:sldId id="256" r:id="rId3"/>
@@ -55,7 +55,12 @@
     <p:sldId id="345" r:id="rId45"/>
     <p:sldId id="360" r:id="rId46"/>
     <p:sldId id="350" r:id="rId47"/>
-    <p:sldId id="361" r:id="rId48"/>
+    <p:sldId id="366" r:id="rId48"/>
+    <p:sldId id="406" r:id="rId49"/>
+    <p:sldId id="407" r:id="rId50"/>
+    <p:sldId id="408" r:id="rId51"/>
+    <p:sldId id="409" r:id="rId52"/>
+    <p:sldId id="410" r:id="rId53"/>
   </p:sldIdLst>
   <p:sldSz cx="12192000" cy="6858000"/>
   <p:notesSz cx="7103745" cy="10234295"/>
@@ -663,6 +668,94 @@
 </file>
 
 <file path=ppt/notesSlides/notesSlide1.xml><?xml version="1.0" encoding="utf-8"?>
+<p:notes xmlns:a="http://schemas.openxmlformats.org/drawingml/2006/main" xmlns:r="http://schemas.openxmlformats.org/officeDocument/2006/relationships" xmlns:p="http://schemas.openxmlformats.org/presentationml/2006/main">
+  <p:cSld>
+    <p:spTree>
+      <p:nvGrpSpPr>
+        <p:cNvPr id="1" name=""/>
+        <p:cNvGrpSpPr/>
+        <p:nvPr/>
+      </p:nvGrpSpPr>
+      <p:grpSpPr/>
+      <p:sp>
+        <p:nvSpPr>
+          <p:cNvPr id="2" name="Slide Image Placeholder 1"/>
+          <p:cNvSpPr/>
+          <p:nvPr>
+            <p:ph type="sldImg" idx="2"/>
+          </p:nvPr>
+        </p:nvSpPr>
+        <p:spPr/>
+      </p:sp>
+      <p:sp>
+        <p:nvSpPr>
+          <p:cNvPr id="3" name="Text Placeholder 2"/>
+          <p:cNvSpPr/>
+          <p:nvPr>
+            <p:ph type="body" idx="3"/>
+          </p:nvPr>
+        </p:nvSpPr>
+        <p:spPr/>
+        <p:txBody>
+          <a:bodyPr/>
+          <a:p>
+            <a:endParaRPr lang="en-US"/>
+          </a:p>
+        </p:txBody>
+      </p:sp>
+    </p:spTree>
+  </p:cSld>
+  <p:clrMapOvr>
+    <a:masterClrMapping/>
+  </p:clrMapOvr>
+</p:notes>
+</file>
+
+<file path=ppt/notesSlides/notesSlide2.xml><?xml version="1.0" encoding="utf-8"?>
+<p:notes xmlns:a="http://schemas.openxmlformats.org/drawingml/2006/main" xmlns:r="http://schemas.openxmlformats.org/officeDocument/2006/relationships" xmlns:p="http://schemas.openxmlformats.org/presentationml/2006/main">
+  <p:cSld>
+    <p:spTree>
+      <p:nvGrpSpPr>
+        <p:cNvPr id="1" name=""/>
+        <p:cNvGrpSpPr/>
+        <p:nvPr/>
+      </p:nvGrpSpPr>
+      <p:grpSpPr/>
+      <p:sp>
+        <p:nvSpPr>
+          <p:cNvPr id="2" name="Slide Image Placeholder 1"/>
+          <p:cNvSpPr/>
+          <p:nvPr>
+            <p:ph type="sldImg" idx="2"/>
+          </p:nvPr>
+        </p:nvSpPr>
+        <p:spPr/>
+      </p:sp>
+      <p:sp>
+        <p:nvSpPr>
+          <p:cNvPr id="3" name="Text Placeholder 2"/>
+          <p:cNvSpPr/>
+          <p:nvPr>
+            <p:ph type="body" idx="3"/>
+          </p:nvPr>
+        </p:nvSpPr>
+        <p:spPr/>
+        <p:txBody>
+          <a:bodyPr/>
+          <a:p>
+            <a:endParaRPr lang="en-US"/>
+          </a:p>
+        </p:txBody>
+      </p:sp>
+    </p:spTree>
+  </p:cSld>
+  <p:clrMapOvr>
+    <a:masterClrMapping/>
+  </p:clrMapOvr>
+</p:notes>
+</file>
+
+<file path=ppt/notesSlides/notesSlide3.xml><?xml version="1.0" encoding="utf-8"?>
 <p:notes xmlns:a="http://schemas.openxmlformats.org/drawingml/2006/main" xmlns:r="http://schemas.openxmlformats.org/officeDocument/2006/relationships" xmlns:p="http://schemas.openxmlformats.org/presentationml/2006/main">
   <p:cSld>
     <p:spTree>
@@ -6254,7 +6347,7 @@
               <a:rPr lang="zh-CN" altLang="en-US">
                 <a:solidFill>
                   <a:schemeClr val="bg1">
-                    <a:lumMod val="50000"/>
+                    <a:lumMod val="75000"/>
                   </a:schemeClr>
                 </a:solidFill>
               </a:rPr>
@@ -6264,7 +6357,7 @@
               <a:rPr lang="en-US">
                 <a:solidFill>
                   <a:schemeClr val="bg1">
-                    <a:lumMod val="50000"/>
+                    <a:lumMod val="75000"/>
                   </a:schemeClr>
                 </a:solidFill>
               </a:rPr>
@@ -6274,7 +6367,7 @@
               <a:rPr lang="zh-CN" altLang="en-US">
                 <a:solidFill>
                   <a:schemeClr val="bg1">
-                    <a:lumMod val="50000"/>
+                    <a:lumMod val="75000"/>
                   </a:schemeClr>
                 </a:solidFill>
               </a:rPr>
@@ -6284,7 +6377,7 @@
               <a:rPr lang="en-US" altLang="zh-CN">
                 <a:solidFill>
                   <a:schemeClr val="bg1">
-                    <a:lumMod val="50000"/>
+                    <a:lumMod val="75000"/>
                   </a:schemeClr>
                 </a:solidFill>
               </a:rPr>
@@ -6294,7 +6387,7 @@
               <a:rPr lang="zh-CN" altLang="en-US">
                 <a:solidFill>
                   <a:schemeClr val="bg1">
-                    <a:lumMod val="50000"/>
+                    <a:lumMod val="75000"/>
                   </a:schemeClr>
                 </a:solidFill>
               </a:rPr>
@@ -6304,7 +6397,7 @@
               <a:rPr lang="en-US" altLang="zh-CN">
                 <a:solidFill>
                   <a:schemeClr val="bg1">
-                    <a:lumMod val="50000"/>
+                    <a:lumMod val="75000"/>
                   </a:schemeClr>
                 </a:solidFill>
               </a:rPr>
@@ -6314,17 +6407,17 @@
               <a:rPr lang="zh-CN" altLang="en-US">
                 <a:solidFill>
                   <a:schemeClr val="bg1">
-                    <a:lumMod val="50000"/>
+                    <a:lumMod val="75000"/>
                   </a:schemeClr>
                 </a:solidFill>
               </a:rPr>
-              <a:t>、右值引用、</a:t>
+              <a:t>、移动、</a:t>
             </a:r>
             <a:r>
               <a:rPr lang="en-US" altLang="zh-CN">
                 <a:solidFill>
                   <a:schemeClr val="bg1">
-                    <a:lumMod val="50000"/>
+                    <a:lumMod val="75000"/>
                   </a:schemeClr>
                 </a:solidFill>
               </a:rPr>
@@ -6334,26 +6427,26 @@
               <a:rPr lang="zh-CN" altLang="en-US">
                 <a:solidFill>
                   <a:schemeClr val="bg1">
-                    <a:lumMod val="50000"/>
+                    <a:lumMod val="75000"/>
                   </a:schemeClr>
                 </a:solidFill>
               </a:rPr>
-              <a:t>、智能指针</a:t>
+              <a:t>、</a:t>
             </a:r>
             <a:r>
               <a:rPr lang="en-US" altLang="zh-CN">
                 <a:solidFill>
                   <a:schemeClr val="bg1">
-                    <a:lumMod val="50000"/>
+                    <a:lumMod val="75000"/>
                   </a:schemeClr>
                 </a:solidFill>
               </a:rPr>
-              <a:t>……</a:t>
+              <a:t>RAII……</a:t>
             </a:r>
             <a:endParaRPr lang="en-US" altLang="zh-CN">
               <a:solidFill>
                 <a:schemeClr val="bg1">
-                  <a:lumMod val="50000"/>
+                  <a:lumMod val="75000"/>
                 </a:schemeClr>
               </a:solidFill>
             </a:endParaRPr>
@@ -12597,11 +12690,7 @@
             </a:r>
             <a:r>
               <a:rPr lang="zh-CN" altLang="en-US"/>
-              <a:t>去</a:t>
-            </a:r>
-            <a:r>
-              <a:rPr lang="zh-CN" altLang="en-US"/>
-              <a:t>掉，并在文档中说明：</a:t>
+              <a:t>去掉，并在其文档中说明：“</a:t>
             </a:r>
             <a:r>
               <a:rPr lang="en-US" altLang="zh-CN"/>
@@ -12618,6 +12707,12 @@
             <a:r>
               <a:rPr lang="zh-CN" altLang="en-US"/>
               <a:t>已经上锁。</a:t>
+            </a:r>
+            <a:r>
+              <a:rPr lang="zh-CN" altLang="en-US">
+                <a:sym typeface="+mn-ea"/>
+              </a:rPr>
+              <a:t>”</a:t>
             </a:r>
             <a:endParaRPr lang="zh-CN" altLang="en-US"/>
           </a:p>
@@ -12830,7 +12925,7 @@
                   </a:schemeClr>
                 </a:solidFill>
               </a:rPr>
-              <a:t>，如果你需要</a:t>
+              <a:t>，如果你同时需要</a:t>
             </a:r>
             <a:r>
               <a:rPr lang="en-US" altLang="zh-CN">
@@ -12993,12 +13088,12 @@
           <a:bodyPr/>
           <a:p>
             <a:r>
-              <a:rPr lang="zh-CN" altLang="en-US"/>
-              <a:t>读写锁：</a:t>
-            </a:r>
-            <a:r>
-              <a:rPr lang="en-US" altLang="zh-CN"/>
-              <a:t>std::shared_mutex</a:t>
+              <a:rPr lang="zh-CN"/>
+              <a:t>案例：多线程环境中使用</a:t>
+            </a:r>
+            <a:r>
+              <a:rPr lang="en-US" altLang="zh-CN"/>
+              <a:t> std::vector</a:t>
             </a:r>
             <a:endParaRPr lang="en-US" altLang="zh-CN"/>
           </a:p>
@@ -13018,28 +13113,99 @@
         <p:txBody>
           <a:bodyPr/>
           <a:p>
-            <a:endParaRPr lang="en-US"/>
-          </a:p>
-        </p:txBody>
-      </p:sp>
-      <p:sp>
-        <p:nvSpPr>
-          <p:cNvPr id="4" name="Content Placeholder 3"/>
-          <p:cNvSpPr>
-            <a:spLocks noGrp="1"/>
-          </p:cNvSpPr>
+            <a:r>
+              <a:rPr lang="zh-CN" altLang="en-US">
+                <a:sym typeface="+mn-ea"/>
+              </a:rPr>
+              <a:t>刚才说了，</a:t>
+            </a:r>
+            <a:r>
+              <a:rPr lang="en-US" altLang="zh-CN">
+                <a:sym typeface="+mn-ea"/>
+              </a:rPr>
+              <a:t>vector </a:t>
+            </a:r>
+            <a:r>
+              <a:rPr lang="zh-CN" altLang="en-US">
+                <a:sym typeface="+mn-ea"/>
+              </a:rPr>
+              <a:t>不是多线程安全的容器。</a:t>
+            </a:r>
+            <a:endParaRPr lang="zh-CN" altLang="en-US"/>
+          </a:p>
+          <a:p>
+            <a:r>
+              <a:rPr lang="zh-CN" altLang="en-US">
+                <a:sym typeface="+mn-ea"/>
+              </a:rPr>
+              <a:t>多个线程同时访问同一个</a:t>
+            </a:r>
+            <a:r>
+              <a:rPr lang="en-US" altLang="zh-CN">
+                <a:sym typeface="+mn-ea"/>
+              </a:rPr>
+              <a:t> vector </a:t>
+            </a:r>
+            <a:r>
+              <a:rPr lang="zh-CN" altLang="en-US">
+                <a:sym typeface="+mn-ea"/>
+              </a:rPr>
+              <a:t>会出现</a:t>
+            </a:r>
+            <a:r>
+              <a:rPr lang="zh-CN" altLang="en-US" b="1">
+                <a:sym typeface="+mn-ea"/>
+              </a:rPr>
+              <a:t>数据竞争</a:t>
+            </a:r>
+            <a:r>
+              <a:rPr lang="zh-CN" altLang="en-US">
+                <a:sym typeface="+mn-ea"/>
+              </a:rPr>
+              <a:t>（</a:t>
+            </a:r>
+            <a:r>
+              <a:rPr lang="en-US" altLang="zh-CN">
+                <a:sym typeface="+mn-ea"/>
+              </a:rPr>
+              <a:t>data-race</a:t>
+            </a:r>
+            <a:r>
+              <a:rPr lang="zh-CN" altLang="en-US">
+                <a:sym typeface="+mn-ea"/>
+              </a:rPr>
+              <a:t>）现象。</a:t>
+            </a:r>
+            <a:endParaRPr lang="zh-CN" altLang="en-US"/>
+          </a:p>
+        </p:txBody>
+      </p:sp>
+      <p:pic>
+        <p:nvPicPr>
+          <p:cNvPr id="5" name="Content Placeholder 4"/>
+          <p:cNvPicPr>
+            <a:picLocks noChangeAspect="1"/>
+          </p:cNvPicPr>
           <p:nvPr>
             <p:ph sz="half" idx="2"/>
           </p:nvPr>
-        </p:nvSpPr>
-        <p:spPr/>
-        <p:txBody>
-          <a:bodyPr/>
-          <a:p>
-            <a:endParaRPr lang="en-US"/>
-          </a:p>
-        </p:txBody>
-      </p:sp>
+        </p:nvPicPr>
+        <p:blipFill>
+          <a:blip r:embed="rId1"/>
+          <a:stretch>
+            <a:fillRect/>
+          </a:stretch>
+        </p:blipFill>
+        <p:spPr>
+          <a:xfrm>
+            <a:off x="6503035" y="1974215"/>
+            <a:ext cx="4137660" cy="4053840"/>
+          </a:xfrm>
+          <a:prstGeom prst="rect">
+            <a:avLst/>
+          </a:prstGeom>
+        </p:spPr>
+      </p:pic>
     </p:spTree>
   </p:cSld>
   <p:clrMapOvr>
@@ -13060,7 +13226,7 @@
       <p:grpSpPr/>
       <p:sp>
         <p:nvSpPr>
-          <p:cNvPr id="3" name="Title 2"/>
+          <p:cNvPr id="2" name="Title 1"/>
           <p:cNvSpPr>
             <a:spLocks noGrp="1"/>
           </p:cNvSpPr>
@@ -13072,13 +13238,21 @@
         <p:txBody>
           <a:bodyPr/>
           <a:p>
-            <a:endParaRPr lang="en-US"/>
-          </a:p>
-        </p:txBody>
-      </p:sp>
-      <p:sp>
-        <p:nvSpPr>
-          <p:cNvPr id="4" name="Content Placeholder 3"/>
+            <a:r>
+              <a:rPr lang="zh-CN" altLang="en-US"/>
+              <a:t>封装一个线程安全的</a:t>
+            </a:r>
+            <a:r>
+              <a:rPr lang="en-US" altLang="zh-CN"/>
+              <a:t> vector</a:t>
+            </a:r>
+            <a:endParaRPr lang="en-US" altLang="zh-CN"/>
+          </a:p>
+        </p:txBody>
+      </p:sp>
+      <p:sp>
+        <p:nvSpPr>
+          <p:cNvPr id="3" name="Content Placeholder 2"/>
           <p:cNvSpPr>
             <a:spLocks noGrp="1"/>
           </p:cNvSpPr>
@@ -13090,7 +13264,847 @@
         <p:txBody>
           <a:bodyPr/>
           <a:p>
+            <a:r>
+              <a:rPr lang="zh-CN" altLang="en-US"/>
+              <a:t>因此，可以用一个类封装一下对</a:t>
+            </a:r>
+            <a:r>
+              <a:rPr lang="en-US" altLang="zh-CN"/>
+              <a:t> vector </a:t>
+            </a:r>
+            <a:r>
+              <a:rPr lang="zh-CN" altLang="en-US"/>
+              <a:t>的访问，使其访问都受到一个</a:t>
+            </a:r>
+            <a:r>
+              <a:rPr lang="en-US" altLang="zh-CN"/>
+              <a:t> mutex </a:t>
+            </a:r>
+            <a:r>
+              <a:rPr lang="zh-CN" altLang="en-US"/>
+              <a:t>的保护。</a:t>
+            </a:r>
+            <a:endParaRPr lang="zh-CN" altLang="en-US"/>
+          </a:p>
+          <a:p>
+            <a:r>
+              <a:rPr lang="zh-CN" altLang="en-US"/>
+              <a:t>然而却出错了：因为</a:t>
+            </a:r>
+            <a:r>
+              <a:rPr lang="en-US" altLang="zh-CN"/>
+              <a:t> size() </a:t>
+            </a:r>
+            <a:r>
+              <a:rPr lang="zh-CN" altLang="en-US"/>
+              <a:t>是</a:t>
+            </a:r>
+            <a:r>
+              <a:rPr lang="en-US" altLang="zh-CN"/>
+              <a:t> const </a:t>
+            </a:r>
+            <a:r>
+              <a:rPr lang="zh-CN" altLang="en-US"/>
+              <a:t>函数，而</a:t>
+            </a:r>
+            <a:r>
+              <a:rPr lang="en-US" altLang="zh-CN"/>
+              <a:t> mutex::lock() </a:t>
+            </a:r>
+            <a:r>
+              <a:rPr lang="zh-CN" altLang="en-US"/>
+              <a:t>却不是</a:t>
+            </a:r>
+            <a:r>
+              <a:rPr lang="en-US" altLang="zh-CN"/>
+              <a:t> const </a:t>
+            </a:r>
+            <a:r>
+              <a:rPr lang="zh-CN" altLang="en-US"/>
+              <a:t>的。</a:t>
+            </a:r>
+            <a:endParaRPr lang="zh-CN" altLang="en-US"/>
+          </a:p>
+          <a:p>
+            <a:endParaRPr lang="zh-CN" altLang="en-US"/>
+          </a:p>
+        </p:txBody>
+      </p:sp>
+      <p:pic>
+        <p:nvPicPr>
+          <p:cNvPr id="8" name="Content Placeholder 7"/>
+          <p:cNvPicPr>
+            <a:picLocks noChangeAspect="1"/>
+          </p:cNvPicPr>
+          <p:nvPr>
+            <p:ph sz="half" idx="2"/>
+          </p:nvPr>
+        </p:nvPicPr>
+        <p:blipFill>
+          <a:blip r:embed="rId1"/>
+          <a:stretch>
+            <a:fillRect/>
+          </a:stretch>
+        </p:blipFill>
+        <p:spPr>
+          <a:xfrm>
+            <a:off x="8227695" y="-9525"/>
+            <a:ext cx="3964305" cy="6879590"/>
+          </a:xfrm>
+          <a:prstGeom prst="rect">
+            <a:avLst/>
+          </a:prstGeom>
+        </p:spPr>
+      </p:pic>
+      <p:pic>
+        <p:nvPicPr>
+          <p:cNvPr id="10" name="Picture 9"/>
+          <p:cNvPicPr>
+            <a:picLocks noChangeAspect="1"/>
+          </p:cNvPicPr>
+          <p:nvPr/>
+        </p:nvPicPr>
+        <p:blipFill>
+          <a:blip r:embed="rId2"/>
+          <a:stretch>
+            <a:fillRect/>
+          </a:stretch>
+        </p:blipFill>
+        <p:spPr>
+          <a:xfrm>
+            <a:off x="461645" y="4257675"/>
+            <a:ext cx="5915025" cy="2487930"/>
+          </a:xfrm>
+          <a:prstGeom prst="rect">
+            <a:avLst/>
+          </a:prstGeom>
+        </p:spPr>
+      </p:pic>
+      <p:sp>
+        <p:nvSpPr>
+          <p:cNvPr id="11" name="Rounded Rectangle 10"/>
+          <p:cNvSpPr/>
+          <p:nvPr/>
+        </p:nvSpPr>
+        <p:spPr>
+          <a:xfrm>
+            <a:off x="9207500" y="2498725"/>
+            <a:ext cx="2365375" cy="509270"/>
+          </a:xfrm>
+          <a:prstGeom prst="roundRect">
+            <a:avLst/>
+          </a:prstGeom>
+          <a:noFill/>
+          <a:ln w="22225">
+            <a:solidFill>
+              <a:srgbClr val="CC0000"/>
+            </a:solidFill>
+          </a:ln>
+        </p:spPr>
+        <p:style>
+          <a:lnRef idx="2">
+            <a:schemeClr val="accent1">
+              <a:shade val="50000"/>
+            </a:schemeClr>
+          </a:lnRef>
+          <a:fillRef idx="1">
+            <a:schemeClr val="accent1"/>
+          </a:fillRef>
+          <a:effectRef idx="0">
+            <a:schemeClr val="accent1"/>
+          </a:effectRef>
+          <a:fontRef idx="minor">
+            <a:schemeClr val="lt1"/>
+          </a:fontRef>
+        </p:style>
+        <p:txBody>
+          <a:bodyPr rtlCol="0" anchor="ctr"/>
+          <a:p>
+            <a:pPr algn="ctr"/>
             <a:endParaRPr lang="en-US"/>
+          </a:p>
+        </p:txBody>
+      </p:sp>
+      <p:sp>
+        <p:nvSpPr>
+          <p:cNvPr id="12" name="Rounded Rectangle 11"/>
+          <p:cNvSpPr/>
+          <p:nvPr/>
+        </p:nvSpPr>
+        <p:spPr>
+          <a:xfrm>
+            <a:off x="9207500" y="1605915"/>
+            <a:ext cx="1955800" cy="509270"/>
+          </a:xfrm>
+          <a:prstGeom prst="roundRect">
+            <a:avLst/>
+          </a:prstGeom>
+          <a:noFill/>
+          <a:ln w="22225">
+            <a:solidFill>
+              <a:srgbClr val="CC0000"/>
+            </a:solidFill>
+          </a:ln>
+        </p:spPr>
+        <p:style>
+          <a:lnRef idx="2">
+            <a:schemeClr val="accent1">
+              <a:shade val="50000"/>
+            </a:schemeClr>
+          </a:lnRef>
+          <a:fillRef idx="1">
+            <a:schemeClr val="accent1"/>
+          </a:fillRef>
+          <a:effectRef idx="0">
+            <a:schemeClr val="accent1"/>
+          </a:effectRef>
+          <a:fontRef idx="minor">
+            <a:schemeClr val="lt1"/>
+          </a:fontRef>
+        </p:style>
+        <p:txBody>
+          <a:bodyPr rtlCol="0" anchor="ctr"/>
+          <a:p>
+            <a:pPr algn="ctr"/>
+            <a:endParaRPr lang="en-US"/>
+          </a:p>
+        </p:txBody>
+      </p:sp>
+    </p:spTree>
+  </p:cSld>
+  <p:clrMapOvr>
+    <a:masterClrMapping/>
+  </p:clrMapOvr>
+</p:sld>
+</file>
+
+<file path=ppt/slides/slide46.xml><?xml version="1.0" encoding="utf-8"?>
+<p:sld xmlns:a="http://schemas.openxmlformats.org/drawingml/2006/main" xmlns:r="http://schemas.openxmlformats.org/officeDocument/2006/relationships" xmlns:p="http://schemas.openxmlformats.org/presentationml/2006/main">
+  <p:cSld>
+    <p:spTree>
+      <p:nvGrpSpPr>
+        <p:cNvPr id="1" name=""/>
+        <p:cNvGrpSpPr/>
+        <p:nvPr/>
+      </p:nvGrpSpPr>
+      <p:grpSpPr/>
+      <p:sp>
+        <p:nvSpPr>
+          <p:cNvPr id="2" name="Title 1"/>
+          <p:cNvSpPr>
+            <a:spLocks noGrp="1"/>
+          </p:cNvSpPr>
+          <p:nvPr>
+            <p:ph type="title"/>
+          </p:nvPr>
+        </p:nvSpPr>
+        <p:spPr/>
+        <p:txBody>
+          <a:bodyPr/>
+          <a:p>
+            <a:r>
+              <a:rPr lang="zh-CN">
+                <a:sym typeface="+mn-ea"/>
+              </a:rPr>
+              <a:t>逻辑上</a:t>
+            </a:r>
+            <a:r>
+              <a:rPr lang="en-US" altLang="zh-CN">
+                <a:sym typeface="+mn-ea"/>
+              </a:rPr>
+              <a:t> const </a:t>
+            </a:r>
+            <a:r>
+              <a:rPr lang="zh-CN" altLang="en-US">
+                <a:sym typeface="+mn-ea"/>
+              </a:rPr>
+              <a:t>而部分成员非</a:t>
+            </a:r>
+            <a:r>
+              <a:rPr lang="en-US" altLang="zh-CN">
+                <a:sym typeface="+mn-ea"/>
+              </a:rPr>
+              <a:t> const</a:t>
+            </a:r>
+            <a:r>
+              <a:rPr lang="zh-CN" altLang="en-US">
+                <a:sym typeface="+mn-ea"/>
+              </a:rPr>
+              <a:t>：</a:t>
+            </a:r>
+            <a:r>
+              <a:rPr lang="en-US" altLang="zh-CN">
+                <a:sym typeface="+mn-ea"/>
+              </a:rPr>
+              <a:t>mutable</a:t>
+            </a:r>
+            <a:endParaRPr lang="en-US" altLang="zh-CN">
+              <a:sym typeface="+mn-ea"/>
+            </a:endParaRPr>
+          </a:p>
+        </p:txBody>
+      </p:sp>
+      <p:sp>
+        <p:nvSpPr>
+          <p:cNvPr id="3" name="Content Placeholder 2"/>
+          <p:cNvSpPr>
+            <a:spLocks noGrp="1"/>
+          </p:cNvSpPr>
+          <p:nvPr>
+            <p:ph sz="half" idx="1"/>
+          </p:nvPr>
+        </p:nvSpPr>
+        <p:spPr/>
+        <p:txBody>
+          <a:bodyPr/>
+          <a:p>
+            <a:r>
+              <a:rPr lang="zh-CN" altLang="en-US">
+                <a:sym typeface="+mn-ea"/>
+              </a:rPr>
+              <a:t>我们要为了支持</a:t>
+            </a:r>
+            <a:r>
+              <a:rPr lang="en-US" altLang="zh-CN">
+                <a:sym typeface="+mn-ea"/>
+              </a:rPr>
+              <a:t> mutex </a:t>
+            </a:r>
+            <a:r>
+              <a:rPr lang="zh-CN" altLang="en-US">
+                <a:sym typeface="+mn-ea"/>
+              </a:rPr>
+              <a:t>而放弃声明</a:t>
+            </a:r>
+            <a:r>
+              <a:rPr lang="en-US" altLang="zh-CN">
+                <a:sym typeface="+mn-ea"/>
+              </a:rPr>
+              <a:t> size() </a:t>
+            </a:r>
+            <a:r>
+              <a:rPr lang="zh-CN" altLang="en-US">
+                <a:sym typeface="+mn-ea"/>
+              </a:rPr>
+              <a:t>为</a:t>
+            </a:r>
+            <a:r>
+              <a:rPr lang="en-US" altLang="zh-CN">
+                <a:sym typeface="+mn-ea"/>
+              </a:rPr>
+              <a:t> const </a:t>
+            </a:r>
+            <a:r>
+              <a:rPr lang="zh-CN" altLang="en-US">
+                <a:sym typeface="+mn-ea"/>
+              </a:rPr>
+              <a:t>吗？不必，</a:t>
+            </a:r>
+            <a:r>
+              <a:rPr lang="en-US" altLang="zh-CN">
+                <a:sym typeface="+mn-ea"/>
+              </a:rPr>
+              <a:t>size() </a:t>
+            </a:r>
+            <a:r>
+              <a:rPr lang="zh-CN" altLang="en-US">
+                <a:sym typeface="+mn-ea"/>
+              </a:rPr>
+              <a:t>在</a:t>
+            </a:r>
+            <a:r>
+              <a:rPr lang="zh-CN" altLang="en-US" b="1">
+                <a:sym typeface="+mn-ea"/>
+              </a:rPr>
+              <a:t>逻辑</a:t>
+            </a:r>
+            <a:r>
+              <a:rPr lang="zh-CN" altLang="en-US">
+                <a:sym typeface="+mn-ea"/>
+              </a:rPr>
+              <a:t>上仍是</a:t>
+            </a:r>
+            <a:r>
+              <a:rPr lang="en-US" altLang="zh-CN">
+                <a:sym typeface="+mn-ea"/>
+              </a:rPr>
+              <a:t> const </a:t>
+            </a:r>
+            <a:r>
+              <a:rPr lang="zh-CN" altLang="en-US">
+                <a:sym typeface="+mn-ea"/>
+              </a:rPr>
+              <a:t>的。因此，为了让</a:t>
+            </a:r>
+            <a:r>
+              <a:rPr lang="en-US" altLang="zh-CN">
+                <a:sym typeface="+mn-ea"/>
+              </a:rPr>
+              <a:t> this </a:t>
+            </a:r>
+            <a:r>
+              <a:rPr lang="zh-CN" altLang="en-US">
+                <a:sym typeface="+mn-ea"/>
+              </a:rPr>
+              <a:t>为</a:t>
+            </a:r>
+            <a:r>
+              <a:rPr lang="en-US" altLang="zh-CN">
+                <a:sym typeface="+mn-ea"/>
+              </a:rPr>
+              <a:t> const </a:t>
+            </a:r>
+            <a:r>
+              <a:rPr lang="zh-CN" altLang="en-US">
+                <a:sym typeface="+mn-ea"/>
+              </a:rPr>
+              <a:t>时仅仅给</a:t>
+            </a:r>
+            <a:r>
+              <a:rPr lang="en-US" altLang="zh-CN">
+                <a:sym typeface="+mn-ea"/>
+              </a:rPr>
+              <a:t> m_mtx </a:t>
+            </a:r>
+            <a:r>
+              <a:rPr lang="zh-CN" altLang="en-US">
+                <a:sym typeface="+mn-ea"/>
+              </a:rPr>
+              <a:t>开后门</a:t>
+            </a:r>
+            <a:r>
+              <a:rPr lang="zh-CN" altLang="en-US">
+                <a:sym typeface="+mn-ea"/>
+              </a:rPr>
+              <a:t>，可以用</a:t>
+            </a:r>
+            <a:r>
+              <a:rPr lang="en-US" altLang="zh-CN">
+                <a:sym typeface="+mn-ea"/>
+              </a:rPr>
+              <a:t> mutable </a:t>
+            </a:r>
+            <a:r>
+              <a:rPr lang="zh-CN" altLang="en-US">
+                <a:sym typeface="+mn-ea"/>
+              </a:rPr>
+              <a:t>关键字修饰他</a:t>
+            </a:r>
+            <a:r>
+              <a:rPr lang="zh-CN" altLang="en-US">
+                <a:sym typeface="+mn-ea"/>
+              </a:rPr>
+              <a:t>，从而所有成员里只有他不是</a:t>
+            </a:r>
+            <a:r>
+              <a:rPr lang="en-US" altLang="zh-CN">
+                <a:sym typeface="+mn-ea"/>
+              </a:rPr>
+              <a:t> const </a:t>
+            </a:r>
+            <a:r>
+              <a:rPr lang="zh-CN" altLang="en-US">
+                <a:sym typeface="+mn-ea"/>
+              </a:rPr>
+              <a:t>的。</a:t>
+            </a:r>
+            <a:endParaRPr lang="zh-CN" altLang="en-US"/>
+          </a:p>
+        </p:txBody>
+      </p:sp>
+      <p:pic>
+        <p:nvPicPr>
+          <p:cNvPr id="6" name="Content Placeholder 5"/>
+          <p:cNvPicPr>
+            <a:picLocks noChangeAspect="1"/>
+          </p:cNvPicPr>
+          <p:nvPr>
+            <p:ph sz="half" idx="2"/>
+          </p:nvPr>
+        </p:nvPicPr>
+        <p:blipFill>
+          <a:blip r:embed="rId1"/>
+          <a:stretch>
+            <a:fillRect/>
+          </a:stretch>
+        </p:blipFill>
+        <p:spPr>
+          <a:xfrm>
+            <a:off x="8171180" y="3810"/>
+            <a:ext cx="4020820" cy="6854190"/>
+          </a:xfrm>
+          <a:prstGeom prst="rect">
+            <a:avLst/>
+          </a:prstGeom>
+        </p:spPr>
+      </p:pic>
+      <p:sp>
+        <p:nvSpPr>
+          <p:cNvPr id="11" name="Rounded Rectangle 10"/>
+          <p:cNvSpPr/>
+          <p:nvPr/>
+        </p:nvSpPr>
+        <p:spPr>
+          <a:xfrm>
+            <a:off x="8808085" y="1031875"/>
+            <a:ext cx="2311400" cy="156210"/>
+          </a:xfrm>
+          <a:prstGeom prst="roundRect">
+            <a:avLst/>
+          </a:prstGeom>
+          <a:noFill/>
+          <a:ln w="22225">
+            <a:solidFill>
+              <a:srgbClr val="CC0000"/>
+            </a:solidFill>
+          </a:ln>
+        </p:spPr>
+        <p:style>
+          <a:lnRef idx="2">
+            <a:schemeClr val="accent1">
+              <a:shade val="50000"/>
+            </a:schemeClr>
+          </a:lnRef>
+          <a:fillRef idx="1">
+            <a:schemeClr val="accent1"/>
+          </a:fillRef>
+          <a:effectRef idx="0">
+            <a:schemeClr val="accent1"/>
+          </a:effectRef>
+          <a:fontRef idx="minor">
+            <a:schemeClr val="lt1"/>
+          </a:fontRef>
+        </p:style>
+        <p:txBody>
+          <a:bodyPr rtlCol="0" anchor="ctr"/>
+          <a:p>
+            <a:pPr algn="ctr"/>
+            <a:endParaRPr lang="en-US"/>
+          </a:p>
+        </p:txBody>
+      </p:sp>
+      <p:pic>
+        <p:nvPicPr>
+          <p:cNvPr id="7" name="Picture 6"/>
+          <p:cNvPicPr>
+            <a:picLocks noChangeAspect="1"/>
+          </p:cNvPicPr>
+          <p:nvPr/>
+        </p:nvPicPr>
+        <p:blipFill>
+          <a:blip r:embed="rId2"/>
+          <a:stretch>
+            <a:fillRect/>
+          </a:stretch>
+        </p:blipFill>
+        <p:spPr>
+          <a:xfrm>
+            <a:off x="647700" y="5429885"/>
+            <a:ext cx="5742305" cy="580390"/>
+          </a:xfrm>
+          <a:prstGeom prst="rect">
+            <a:avLst/>
+          </a:prstGeom>
+        </p:spPr>
+      </p:pic>
+    </p:spTree>
+  </p:cSld>
+  <p:clrMapOvr>
+    <a:masterClrMapping/>
+  </p:clrMapOvr>
+</p:sld>
+</file>
+
+<file path=ppt/slides/slide47.xml><?xml version="1.0" encoding="utf-8"?>
+<p:sld xmlns:a="http://schemas.openxmlformats.org/drawingml/2006/main" xmlns:r="http://schemas.openxmlformats.org/officeDocument/2006/relationships" xmlns:p="http://schemas.openxmlformats.org/presentationml/2006/main">
+  <p:cSld>
+    <p:spTree>
+      <p:nvGrpSpPr>
+        <p:cNvPr id="1" name=""/>
+        <p:cNvGrpSpPr/>
+        <p:nvPr/>
+      </p:nvGrpSpPr>
+      <p:grpSpPr/>
+      <p:sp>
+        <p:nvSpPr>
+          <p:cNvPr id="2" name="Title 1"/>
+          <p:cNvSpPr>
+            <a:spLocks noGrp="1"/>
+          </p:cNvSpPr>
+          <p:nvPr>
+            <p:ph type="title"/>
+          </p:nvPr>
+        </p:nvSpPr>
+        <p:spPr/>
+        <p:txBody>
+          <a:bodyPr/>
+          <a:p>
+            <a:r>
+              <a:rPr lang="zh-CN" altLang="en-US"/>
+              <a:t>为什么需要读写锁？</a:t>
+            </a:r>
+            <a:endParaRPr lang="zh-CN" altLang="en-US"/>
+          </a:p>
+        </p:txBody>
+      </p:sp>
+      <p:sp>
+        <p:nvSpPr>
+          <p:cNvPr id="3" name="Content Placeholder 2"/>
+          <p:cNvSpPr>
+            <a:spLocks noGrp="1"/>
+          </p:cNvSpPr>
+          <p:nvPr>
+            <p:ph idx="1"/>
+          </p:nvPr>
+        </p:nvSpPr>
+        <p:spPr>
+          <a:xfrm>
+            <a:off x="647700" y="1825625"/>
+            <a:ext cx="10515600" cy="4185920"/>
+          </a:xfrm>
+        </p:spPr>
+        <p:txBody>
+          <a:bodyPr>
+            <a:normAutofit/>
+          </a:bodyPr>
+          <a:p>
+            <a:r>
+              <a:rPr lang="zh-CN" altLang="en-US">
+                <a:sym typeface="+mn-ea"/>
+              </a:rPr>
+              <a:t>刚才说过</a:t>
+            </a:r>
+            <a:r>
+              <a:rPr lang="en-US" altLang="zh-CN">
+                <a:sym typeface="+mn-ea"/>
+              </a:rPr>
+              <a:t> mutex </a:t>
+            </a:r>
+            <a:r>
+              <a:rPr lang="zh-CN" altLang="en-US">
+                <a:sym typeface="+mn-ea"/>
+              </a:rPr>
+              <a:t>就像厕所，同一时刻只有一个人能上。但是如果“上”有两种方式呢？</a:t>
+            </a:r>
+            <a:endParaRPr lang="zh-CN" altLang="en-US">
+              <a:sym typeface="+mn-ea"/>
+            </a:endParaRPr>
+          </a:p>
+          <a:p>
+            <a:r>
+              <a:rPr lang="zh-CN">
+                <a:sym typeface="+mn-ea"/>
+              </a:rPr>
+              <a:t>假设在平行世界，厕所不一定是用来</a:t>
+            </a:r>
+            <a:r>
+              <a:rPr lang="zh-CN" b="1">
+                <a:sym typeface="+mn-ea"/>
+              </a:rPr>
+              <a:t>拉</a:t>
+            </a:r>
+            <a:r>
+              <a:rPr lang="zh-CN">
+                <a:sym typeface="+mn-ea"/>
+              </a:rPr>
+              <a:t>的，还可能是用来</a:t>
+            </a:r>
+            <a:r>
+              <a:rPr lang="zh-CN" b="1">
+                <a:sym typeface="+mn-ea"/>
+              </a:rPr>
+              <a:t>喝</a:t>
+            </a:r>
+            <a:r>
+              <a:rPr lang="zh-CN">
+                <a:sym typeface="+mn-ea"/>
+              </a:rPr>
+              <a:t>的（只是打个比方，请勿尝试）</a:t>
+            </a:r>
+            <a:endParaRPr lang="zh-CN">
+              <a:sym typeface="+mn-ea"/>
+            </a:endParaRPr>
+          </a:p>
+          <a:p>
+            <a:r>
+              <a:rPr lang="zh-CN" altLang="en-US">
+                <a:sym typeface="+mn-ea"/>
+              </a:rPr>
+              <a:t>喝厕所里的水时，可以</a:t>
+            </a:r>
+            <a:r>
+              <a:rPr lang="zh-CN" altLang="en-US" b="1">
+                <a:sym typeface="+mn-ea"/>
+              </a:rPr>
+              <a:t>多个人</a:t>
+            </a:r>
+            <a:r>
+              <a:rPr lang="zh-CN" altLang="en-US">
+                <a:sym typeface="+mn-ea"/>
+              </a:rPr>
+              <a:t>插着吸管一起喝。</a:t>
+            </a:r>
+            <a:endParaRPr lang="zh-CN" altLang="en-US">
+              <a:sym typeface="+mn-ea"/>
+            </a:endParaRPr>
+          </a:p>
+          <a:p>
+            <a:r>
+              <a:rPr lang="zh-CN" altLang="en-US">
+                <a:sym typeface="+mn-ea"/>
+              </a:rPr>
+              <a:t>而拉的时候，只能</a:t>
+            </a:r>
+            <a:r>
+              <a:rPr lang="zh-CN" altLang="en-US" b="1">
+                <a:sym typeface="+mn-ea"/>
+              </a:rPr>
+              <a:t>一个人独占</a:t>
+            </a:r>
+            <a:r>
+              <a:rPr lang="zh-CN" altLang="en-US">
+                <a:sym typeface="+mn-ea"/>
+              </a:rPr>
+              <a:t>厕所，不能多个人一起往里面拉。</a:t>
+            </a:r>
+            <a:endParaRPr lang="zh-CN" altLang="en-US">
+              <a:sym typeface="+mn-ea"/>
+            </a:endParaRPr>
+          </a:p>
+          <a:p>
+            <a:r>
+              <a:rPr lang="zh-CN" altLang="en-US">
+                <a:sym typeface="+mn-ea"/>
+              </a:rPr>
+              <a:t>喝水的人如果发现厕所里已经有人在拉，那他也不能去喝，否则会喝到“</a:t>
+            </a:r>
+            <a:r>
+              <a:rPr lang="zh-CN" altLang="en-US" b="1">
+                <a:sym typeface="+mn-ea"/>
+              </a:rPr>
+              <a:t>脏数据</a:t>
+            </a:r>
+            <a:r>
+              <a:rPr lang="zh-CN" altLang="en-US">
+                <a:sym typeface="+mn-ea"/>
+              </a:rPr>
+              <a:t>”。</a:t>
+            </a:r>
+            <a:endParaRPr lang="zh-CN" altLang="en-US">
+              <a:sym typeface="+mn-ea"/>
+            </a:endParaRPr>
+          </a:p>
+          <a:p>
+            <a:r>
+              <a:rPr lang="zh-CN" altLang="en-US">
+                <a:sym typeface="+mn-ea"/>
+              </a:rPr>
+              <a:t>结论：</a:t>
+            </a:r>
+            <a:r>
+              <a:rPr lang="zh-CN" altLang="en-US" u="sng">
+                <a:sym typeface="+mn-ea"/>
+              </a:rPr>
+              <a:t>读可以共享，写必须独占，且写和读不能共存</a:t>
+            </a:r>
+            <a:r>
+              <a:rPr lang="zh-CN" altLang="en-US">
+                <a:sym typeface="+mn-ea"/>
+              </a:rPr>
+              <a:t>。</a:t>
+            </a:r>
+            <a:endParaRPr lang="zh-CN" altLang="en-US">
+              <a:sym typeface="+mn-ea"/>
+            </a:endParaRPr>
+          </a:p>
+          <a:p>
+            <a:r>
+              <a:rPr lang="zh-CN" altLang="en-US"/>
+              <a:t>针对这种更具体的情况，又发明了读写锁，他允许的状态有：</a:t>
+            </a:r>
+            <a:endParaRPr lang="zh-CN" altLang="en-US"/>
+          </a:p>
+          <a:p>
+            <a:pPr marL="457200" indent="-457200">
+              <a:buAutoNum type="arabicPeriod"/>
+            </a:pPr>
+            <a:r>
+              <a:rPr lang="en-US" altLang="zh-CN"/>
+              <a:t>n</a:t>
+            </a:r>
+            <a:r>
+              <a:rPr lang="zh-CN" altLang="en-US"/>
+              <a:t>个人读取，没有人写入。</a:t>
+            </a:r>
+            <a:endParaRPr lang="zh-CN" altLang="en-US"/>
+          </a:p>
+          <a:p>
+            <a:pPr marL="457200" indent="-457200">
+              <a:buAutoNum type="arabicPeriod"/>
+            </a:pPr>
+            <a:r>
+              <a:rPr lang="en-US" altLang="zh-CN"/>
+              <a:t>1</a:t>
+            </a:r>
+            <a:r>
+              <a:rPr lang="zh-CN" altLang="en-US"/>
+              <a:t>个人写入，没有人读取。</a:t>
+            </a:r>
+            <a:endParaRPr lang="zh-CN" altLang="en-US"/>
+          </a:p>
+          <a:p>
+            <a:pPr marL="457200" indent="-457200">
+              <a:buAutoNum type="arabicPeriod"/>
+            </a:pPr>
+            <a:r>
+              <a:rPr lang="zh-CN" altLang="en-US"/>
+              <a:t>没有人读取，也没有人写入。</a:t>
+            </a:r>
+            <a:endParaRPr lang="zh-CN" altLang="en-US"/>
+          </a:p>
+        </p:txBody>
+      </p:sp>
+    </p:spTree>
+  </p:cSld>
+  <p:clrMapOvr>
+    <a:masterClrMapping/>
+  </p:clrMapOvr>
+</p:sld>
+</file>
+
+<file path=ppt/slides/slide48.xml><?xml version="1.0" encoding="utf-8"?>
+<p:sld xmlns:a="http://schemas.openxmlformats.org/drawingml/2006/main" xmlns:r="http://schemas.openxmlformats.org/officeDocument/2006/relationships" xmlns:p="http://schemas.openxmlformats.org/presentationml/2006/main">
+  <p:cSld>
+    <p:spTree>
+      <p:nvGrpSpPr>
+        <p:cNvPr id="1" name=""/>
+        <p:cNvGrpSpPr/>
+        <p:nvPr/>
+      </p:nvGrpSpPr>
+      <p:grpSpPr/>
+      <p:sp>
+        <p:nvSpPr>
+          <p:cNvPr id="4" name="Title 3"/>
+          <p:cNvSpPr>
+            <a:spLocks noGrp="1"/>
+          </p:cNvSpPr>
+          <p:nvPr>
+            <p:ph type="title"/>
+          </p:nvPr>
+        </p:nvSpPr>
+        <p:spPr/>
+        <p:txBody>
+          <a:bodyPr/>
+          <a:p>
+            <a:r>
+              <a:rPr lang="zh-CN" altLang="en-US"/>
+              <a:t>读写锁：</a:t>
+            </a:r>
+            <a:r>
+              <a:rPr lang="en-US" altLang="zh-CN"/>
+              <a:t>shared_mutex</a:t>
+            </a:r>
+            <a:endParaRPr lang="en-US" altLang="zh-CN"/>
           </a:p>
         </p:txBody>
       </p:sp>
@@ -13101,13 +14115,633 @@
             <a:spLocks noGrp="1"/>
           </p:cNvSpPr>
           <p:nvPr>
+            <p:ph sz="half" idx="1"/>
+          </p:nvPr>
+        </p:nvSpPr>
+        <p:spPr>
+          <a:xfrm>
+            <a:off x="647700" y="1704975"/>
+            <a:ext cx="5181600" cy="4351338"/>
+          </a:xfrm>
+        </p:spPr>
+        <p:txBody>
+          <a:bodyPr/>
+          <a:p>
+            <a:r>
+              <a:rPr lang="zh-CN" altLang="en-US">
+                <a:sym typeface="+mn-ea"/>
+              </a:rPr>
+              <a:t>为此，标准库提供了</a:t>
+            </a:r>
+            <a:r>
+              <a:rPr lang="en-US" altLang="zh-CN">
+                <a:sym typeface="+mn-ea"/>
+              </a:rPr>
+              <a:t> std::shared_mutex</a:t>
+            </a:r>
+            <a:r>
+              <a:rPr lang="zh-CN" altLang="en-US">
+                <a:sym typeface="+mn-ea"/>
+              </a:rPr>
+              <a:t>。</a:t>
+            </a:r>
+            <a:endParaRPr lang="zh-CN" altLang="en-US">
+              <a:sym typeface="+mn-ea"/>
+            </a:endParaRPr>
+          </a:p>
+          <a:p>
+            <a:r>
+              <a:rPr lang="zh-CN" altLang="en-US">
+                <a:sym typeface="+mn-ea"/>
+              </a:rPr>
+              <a:t>上锁时，要指定你的需求是</a:t>
+            </a:r>
+            <a:r>
+              <a:rPr lang="zh-CN" altLang="en-US" b="1">
+                <a:sym typeface="+mn-ea"/>
+              </a:rPr>
+              <a:t>拉</a:t>
+            </a:r>
+            <a:r>
+              <a:rPr lang="zh-CN" altLang="en-US">
+                <a:sym typeface="+mn-ea"/>
+              </a:rPr>
+              <a:t>还是</a:t>
+            </a:r>
+            <a:r>
+              <a:rPr lang="zh-CN" altLang="en-US" b="1">
+                <a:sym typeface="+mn-ea"/>
+              </a:rPr>
+              <a:t>喝</a:t>
+            </a:r>
+            <a:r>
+              <a:rPr lang="zh-CN" altLang="en-US">
+                <a:sym typeface="+mn-ea"/>
+              </a:rPr>
+              <a:t>，负责调度的读写锁会帮你判断要不要等待。</a:t>
+            </a:r>
+            <a:endParaRPr lang="zh-CN" altLang="en-US">
+              <a:sym typeface="+mn-ea"/>
+            </a:endParaRPr>
+          </a:p>
+          <a:p>
+            <a:r>
+              <a:rPr lang="zh-CN" altLang="en-US">
+                <a:sym typeface="+mn-ea"/>
+              </a:rPr>
+              <a:t>这里</a:t>
+            </a:r>
+            <a:r>
+              <a:rPr lang="en-US" altLang="zh-CN">
+                <a:sym typeface="+mn-ea"/>
+              </a:rPr>
+              <a:t> push_back() </a:t>
+            </a:r>
+            <a:r>
+              <a:rPr lang="zh-CN" altLang="en-US">
+                <a:sym typeface="+mn-ea"/>
+              </a:rPr>
+              <a:t>需要修改数据，因需求此为</a:t>
+            </a:r>
+            <a:r>
+              <a:rPr lang="zh-CN" altLang="en-US" b="1">
+                <a:sym typeface="+mn-ea"/>
+              </a:rPr>
+              <a:t>拉</a:t>
+            </a:r>
+            <a:r>
+              <a:rPr lang="zh-CN" altLang="en-US">
+                <a:sym typeface="+mn-ea"/>
+              </a:rPr>
+              <a:t>，使用</a:t>
+            </a:r>
+            <a:r>
+              <a:rPr lang="en-US" altLang="zh-CN">
+                <a:sym typeface="+mn-ea"/>
+              </a:rPr>
+              <a:t> lock() </a:t>
+            </a:r>
+            <a:r>
+              <a:rPr lang="zh-CN" altLang="en-US">
+                <a:sym typeface="+mn-ea"/>
+              </a:rPr>
+              <a:t>和</a:t>
+            </a:r>
+            <a:r>
+              <a:rPr lang="en-US" altLang="zh-CN">
+                <a:sym typeface="+mn-ea"/>
+              </a:rPr>
+              <a:t> unlock() </a:t>
+            </a:r>
+            <a:r>
+              <a:rPr lang="zh-CN" altLang="en-US">
+                <a:sym typeface="+mn-ea"/>
+              </a:rPr>
+              <a:t>的组合。</a:t>
+            </a:r>
+            <a:endParaRPr lang="zh-CN" altLang="en-US">
+              <a:sym typeface="+mn-ea"/>
+            </a:endParaRPr>
+          </a:p>
+          <a:p>
+            <a:r>
+              <a:rPr lang="zh-CN" altLang="en-US">
+                <a:sym typeface="+mn-ea"/>
+              </a:rPr>
+              <a:t>而</a:t>
+            </a:r>
+            <a:r>
+              <a:rPr lang="en-US" altLang="zh-CN">
+                <a:sym typeface="+mn-ea"/>
+              </a:rPr>
+              <a:t> size() </a:t>
+            </a:r>
+            <a:r>
+              <a:rPr lang="zh-CN" altLang="en-US">
+                <a:sym typeface="+mn-ea"/>
+              </a:rPr>
+              <a:t>则只要读取数据，不修改数据，因此可以和别人共享一起</a:t>
+            </a:r>
+            <a:r>
+              <a:rPr lang="zh-CN" altLang="en-US" b="1">
+                <a:sym typeface="+mn-ea"/>
+              </a:rPr>
+              <a:t>喝</a:t>
+            </a:r>
+            <a:r>
+              <a:rPr lang="zh-CN" altLang="en-US">
+                <a:sym typeface="+mn-ea"/>
+              </a:rPr>
+              <a:t>，使用</a:t>
+            </a:r>
+            <a:r>
+              <a:rPr lang="en-US" altLang="zh-CN">
+                <a:sym typeface="+mn-ea"/>
+              </a:rPr>
+              <a:t> lock_shared() </a:t>
+            </a:r>
+            <a:r>
+              <a:rPr lang="zh-CN" altLang="en-US">
+                <a:sym typeface="+mn-ea"/>
+              </a:rPr>
+              <a:t>和</a:t>
+            </a:r>
+            <a:r>
+              <a:rPr lang="en-US" altLang="zh-CN">
+                <a:sym typeface="+mn-ea"/>
+              </a:rPr>
+              <a:t> unlock_shared() </a:t>
+            </a:r>
+            <a:r>
+              <a:rPr lang="zh-CN" altLang="en-US">
+                <a:sym typeface="+mn-ea"/>
+              </a:rPr>
+              <a:t>的组合。</a:t>
+            </a:r>
+            <a:endParaRPr lang="zh-CN" altLang="en-US">
+              <a:sym typeface="+mn-ea"/>
+            </a:endParaRPr>
+          </a:p>
+          <a:p>
+            <a:endParaRPr lang="en-US"/>
+          </a:p>
+        </p:txBody>
+      </p:sp>
+      <p:pic>
+        <p:nvPicPr>
+          <p:cNvPr id="7" name="Content Placeholder 6"/>
+          <p:cNvPicPr>
+            <a:picLocks noChangeAspect="1"/>
+          </p:cNvPicPr>
+          <p:nvPr>
             <p:ph sz="half" idx="2"/>
           </p:nvPr>
+        </p:nvPicPr>
+        <p:blipFill>
+          <a:blip r:embed="rId1"/>
+          <a:stretch>
+            <a:fillRect/>
+          </a:stretch>
+        </p:blipFill>
+        <p:spPr>
+          <a:xfrm>
+            <a:off x="8203565" y="635"/>
+            <a:ext cx="3988435" cy="6857365"/>
+          </a:xfrm>
+          <a:prstGeom prst="rect">
+            <a:avLst/>
+          </a:prstGeom>
+        </p:spPr>
+      </p:pic>
+      <p:pic>
+        <p:nvPicPr>
+          <p:cNvPr id="8" name="Picture 7"/>
+          <p:cNvPicPr>
+            <a:picLocks noChangeAspect="1"/>
+          </p:cNvPicPr>
+          <p:nvPr/>
+        </p:nvPicPr>
+        <p:blipFill>
+          <a:blip r:embed="rId2"/>
+          <a:stretch>
+            <a:fillRect/>
+          </a:stretch>
+        </p:blipFill>
+        <p:spPr>
+          <a:xfrm>
+            <a:off x="1012825" y="6056630"/>
+            <a:ext cx="4975860" cy="487680"/>
+          </a:xfrm>
+          <a:prstGeom prst="rect">
+            <a:avLst/>
+          </a:prstGeom>
+        </p:spPr>
+      </p:pic>
+      <p:sp>
+        <p:nvSpPr>
+          <p:cNvPr id="11" name="Rounded Rectangle 10"/>
+          <p:cNvSpPr/>
+          <p:nvPr/>
+        </p:nvSpPr>
+        <p:spPr>
+          <a:xfrm>
+            <a:off x="9205595" y="2533650"/>
+            <a:ext cx="1836420" cy="145415"/>
+          </a:xfrm>
+          <a:prstGeom prst="roundRect">
+            <a:avLst/>
+          </a:prstGeom>
+          <a:noFill/>
+          <a:ln w="22225">
+            <a:solidFill>
+              <a:srgbClr val="CC0000"/>
+            </a:solidFill>
+          </a:ln>
+        </p:spPr>
+        <p:style>
+          <a:lnRef idx="2">
+            <a:schemeClr val="accent1">
+              <a:shade val="50000"/>
+            </a:schemeClr>
+          </a:lnRef>
+          <a:fillRef idx="1">
+            <a:schemeClr val="accent1"/>
+          </a:fillRef>
+          <a:effectRef idx="0">
+            <a:schemeClr val="accent1"/>
+          </a:effectRef>
+          <a:fontRef idx="minor">
+            <a:schemeClr val="lt1"/>
+          </a:fontRef>
+        </p:style>
+        <p:txBody>
+          <a:bodyPr rtlCol="0" anchor="ctr"/>
+          <a:p>
+            <a:pPr algn="ctr"/>
+            <a:endParaRPr lang="en-US"/>
+          </a:p>
+        </p:txBody>
+      </p:sp>
+      <p:sp>
+        <p:nvSpPr>
+          <p:cNvPr id="9" name="Rounded Rectangle 8"/>
+          <p:cNvSpPr/>
+          <p:nvPr/>
+        </p:nvSpPr>
+        <p:spPr>
+          <a:xfrm>
+            <a:off x="9205595" y="2849245"/>
+            <a:ext cx="2023745" cy="135255"/>
+          </a:xfrm>
+          <a:prstGeom prst="roundRect">
+            <a:avLst/>
+          </a:prstGeom>
+          <a:noFill/>
+          <a:ln w="22225">
+            <a:solidFill>
+              <a:srgbClr val="CC0000"/>
+            </a:solidFill>
+          </a:ln>
+        </p:spPr>
+        <p:style>
+          <a:lnRef idx="2">
+            <a:schemeClr val="accent1">
+              <a:shade val="50000"/>
+            </a:schemeClr>
+          </a:lnRef>
+          <a:fillRef idx="1">
+            <a:schemeClr val="accent1"/>
+          </a:fillRef>
+          <a:effectRef idx="0">
+            <a:schemeClr val="accent1"/>
+          </a:effectRef>
+          <a:fontRef idx="minor">
+            <a:schemeClr val="lt1"/>
+          </a:fontRef>
+        </p:style>
+        <p:txBody>
+          <a:bodyPr rtlCol="0" anchor="ctr"/>
+          <a:p>
+            <a:pPr algn="ctr"/>
+            <a:endParaRPr lang="en-US"/>
+          </a:p>
+        </p:txBody>
+      </p:sp>
+    </p:spTree>
+  </p:cSld>
+  <p:clrMapOvr>
+    <a:masterClrMapping/>
+  </p:clrMapOvr>
+</p:sld>
+</file>
+
+<file path=ppt/slides/slide49.xml><?xml version="1.0" encoding="utf-8"?>
+<p:sld xmlns:a="http://schemas.openxmlformats.org/drawingml/2006/main" xmlns:r="http://schemas.openxmlformats.org/officeDocument/2006/relationships" xmlns:p="http://schemas.openxmlformats.org/presentationml/2006/main">
+  <p:cSld>
+    <p:spTree>
+      <p:nvGrpSpPr>
+        <p:cNvPr id="1" name=""/>
+        <p:cNvGrpSpPr/>
+        <p:nvPr/>
+      </p:nvGrpSpPr>
+      <p:grpSpPr/>
+      <p:sp>
+        <p:nvSpPr>
+          <p:cNvPr id="2" name="Title 1"/>
+          <p:cNvSpPr>
+            <a:spLocks noGrp="1"/>
+          </p:cNvSpPr>
+          <p:nvPr>
+            <p:ph type="title"/>
+          </p:nvPr>
         </p:nvSpPr>
         <p:spPr/>
         <p:txBody>
           <a:bodyPr/>
           <a:p>
+            <a:r>
+              <a:rPr lang="en-US" altLang="zh-CN">
+                <a:sym typeface="+mn-ea"/>
+              </a:rPr>
+              <a:t>std::shared_lock</a:t>
+            </a:r>
+            <a:r>
+              <a:rPr lang="zh-CN" altLang="en-US"/>
+              <a:t>：符合</a:t>
+            </a:r>
+            <a:r>
+              <a:rPr lang="en-US" altLang="zh-CN"/>
+              <a:t> </a:t>
+            </a:r>
+            <a:r>
+              <a:rPr lang="en-US"/>
+              <a:t>RAII </a:t>
+            </a:r>
+            <a:r>
+              <a:rPr lang="zh-CN" altLang="en-US"/>
+              <a:t>思想的</a:t>
+            </a:r>
+            <a:r>
+              <a:rPr lang="en-US" altLang="zh-CN"/>
+              <a:t> lock_shared()</a:t>
+            </a:r>
+            <a:endParaRPr lang="en-US" altLang="zh-CN"/>
+          </a:p>
+        </p:txBody>
+      </p:sp>
+      <p:sp>
+        <p:nvSpPr>
+          <p:cNvPr id="3" name="Content Placeholder 2"/>
+          <p:cNvSpPr>
+            <a:spLocks noGrp="1"/>
+          </p:cNvSpPr>
+          <p:nvPr>
+            <p:ph sz="half" idx="1"/>
+          </p:nvPr>
+        </p:nvSpPr>
+        <p:spPr/>
+        <p:txBody>
+          <a:bodyPr/>
+          <a:p>
+            <a:r>
+              <a:rPr lang="zh-CN" altLang="en-US"/>
+              <a:t>正如</a:t>
+            </a:r>
+            <a:r>
+              <a:rPr lang="en-US" altLang="zh-CN"/>
+              <a:t> </a:t>
+            </a:r>
+            <a:r>
+              <a:rPr lang="en-US" altLang="zh-CN" u="sng"/>
+              <a:t>std::unique_lock </a:t>
+            </a:r>
+            <a:r>
+              <a:rPr lang="zh-CN" altLang="en-US" u="sng"/>
+              <a:t>针对</a:t>
+            </a:r>
+            <a:r>
+              <a:rPr lang="en-US" altLang="zh-CN" u="sng"/>
+              <a:t> lock()</a:t>
+            </a:r>
+            <a:r>
+              <a:rPr lang="zh-CN" altLang="en-US"/>
+              <a:t>，也可以用</a:t>
+            </a:r>
+            <a:r>
+              <a:rPr lang="en-US" altLang="zh-CN"/>
+              <a:t> </a:t>
+            </a:r>
+            <a:r>
+              <a:rPr lang="en-US" altLang="zh-CN" u="sng"/>
+              <a:t>std::shared_lock </a:t>
+            </a:r>
+            <a:r>
+              <a:rPr lang="zh-CN" altLang="en-US" u="sng"/>
+              <a:t>针对</a:t>
+            </a:r>
+            <a:r>
+              <a:rPr lang="en-US" altLang="zh-CN" u="sng"/>
+              <a:t> lock_shared()</a:t>
+            </a:r>
+            <a:r>
+              <a:rPr lang="zh-CN" altLang="en-US"/>
+              <a:t>。这样就可以在函数体退出时自动调用</a:t>
+            </a:r>
+            <a:r>
+              <a:rPr lang="en-US" altLang="zh-CN"/>
+              <a:t> unlock_shared()</a:t>
+            </a:r>
+            <a:r>
+              <a:rPr lang="zh-CN" altLang="en-US"/>
+              <a:t>，更加安全了。</a:t>
+            </a:r>
+            <a:endParaRPr lang="zh-CN" altLang="en-US"/>
+          </a:p>
+          <a:p>
+            <a:r>
+              <a:rPr lang="en-US" altLang="zh-CN"/>
+              <a:t>shared_lock </a:t>
+            </a:r>
+            <a:r>
+              <a:rPr lang="zh-CN" altLang="en-US"/>
+              <a:t>同样支持</a:t>
+            </a:r>
+            <a:r>
+              <a:rPr lang="en-US" altLang="zh-CN"/>
+              <a:t> defer_lock </a:t>
+            </a:r>
+            <a:r>
+              <a:rPr lang="zh-CN" altLang="en-US"/>
+              <a:t>做参数，</a:t>
+            </a:r>
+            <a:r>
+              <a:rPr lang="en-US" altLang="zh-CN"/>
+              <a:t>owns_lock() </a:t>
+            </a:r>
+            <a:r>
+              <a:rPr lang="zh-CN" altLang="en-US"/>
+              <a:t>判断等，同学们自己研究。</a:t>
+            </a:r>
+            <a:endParaRPr lang="zh-CN" altLang="en-US"/>
+          </a:p>
+        </p:txBody>
+      </p:sp>
+      <p:pic>
+        <p:nvPicPr>
+          <p:cNvPr id="5" name="Content Placeholder 4"/>
+          <p:cNvPicPr>
+            <a:picLocks noChangeAspect="1"/>
+          </p:cNvPicPr>
+          <p:nvPr>
+            <p:ph sz="half" idx="2"/>
+          </p:nvPr>
+        </p:nvPicPr>
+        <p:blipFill>
+          <a:blip r:embed="rId1"/>
+          <a:stretch>
+            <a:fillRect/>
+          </a:stretch>
+        </p:blipFill>
+        <p:spPr>
+          <a:xfrm>
+            <a:off x="7955915" y="5080"/>
+            <a:ext cx="4236085" cy="6852920"/>
+          </a:xfrm>
+          <a:prstGeom prst="rect">
+            <a:avLst/>
+          </a:prstGeom>
+        </p:spPr>
+      </p:pic>
+      <p:pic>
+        <p:nvPicPr>
+          <p:cNvPr id="6" name="Picture 5"/>
+          <p:cNvPicPr>
+            <a:picLocks noChangeAspect="1"/>
+          </p:cNvPicPr>
+          <p:nvPr/>
+        </p:nvPicPr>
+        <p:blipFill>
+          <a:blip r:embed="rId2"/>
+          <a:stretch>
+            <a:fillRect/>
+          </a:stretch>
+        </p:blipFill>
+        <p:spPr>
+          <a:xfrm>
+            <a:off x="1049655" y="5291455"/>
+            <a:ext cx="4968240" cy="449580"/>
+          </a:xfrm>
+          <a:prstGeom prst="rect">
+            <a:avLst/>
+          </a:prstGeom>
+        </p:spPr>
+      </p:pic>
+      <p:sp>
+        <p:nvSpPr>
+          <p:cNvPr id="9" name="Rounded Rectangle 8"/>
+          <p:cNvSpPr/>
+          <p:nvPr/>
+        </p:nvSpPr>
+        <p:spPr>
+          <a:xfrm>
+            <a:off x="9072880" y="2672080"/>
+            <a:ext cx="2663190" cy="145415"/>
+          </a:xfrm>
+          <a:prstGeom prst="roundRect">
+            <a:avLst/>
+          </a:prstGeom>
+          <a:noFill/>
+          <a:ln w="22225">
+            <a:solidFill>
+              <a:srgbClr val="CC0000"/>
+            </a:solidFill>
+          </a:ln>
+        </p:spPr>
+        <p:style>
+          <a:lnRef idx="2">
+            <a:schemeClr val="accent1">
+              <a:shade val="50000"/>
+            </a:schemeClr>
+          </a:lnRef>
+          <a:fillRef idx="1">
+            <a:schemeClr val="accent1"/>
+          </a:fillRef>
+          <a:effectRef idx="0">
+            <a:schemeClr val="accent1"/>
+          </a:effectRef>
+          <a:fontRef idx="minor">
+            <a:schemeClr val="lt1"/>
+          </a:fontRef>
+        </p:style>
+        <p:txBody>
+          <a:bodyPr rtlCol="0" anchor="ctr"/>
+          <a:p>
+            <a:pPr algn="ctr"/>
+            <a:endParaRPr lang="en-US"/>
+          </a:p>
+        </p:txBody>
+      </p:sp>
+      <p:sp>
+        <p:nvSpPr>
+          <p:cNvPr id="7" name="Rounded Rectangle 6"/>
+          <p:cNvSpPr/>
+          <p:nvPr/>
+        </p:nvSpPr>
+        <p:spPr>
+          <a:xfrm>
+            <a:off x="9072880" y="1879600"/>
+            <a:ext cx="2663190" cy="145415"/>
+          </a:xfrm>
+          <a:prstGeom prst="roundRect">
+            <a:avLst/>
+          </a:prstGeom>
+          <a:noFill/>
+          <a:ln w="22225">
+            <a:solidFill>
+              <a:srgbClr val="CC0000"/>
+            </a:solidFill>
+          </a:ln>
+        </p:spPr>
+        <p:style>
+          <a:lnRef idx="2">
+            <a:schemeClr val="accent1">
+              <a:shade val="50000"/>
+            </a:schemeClr>
+          </a:lnRef>
+          <a:fillRef idx="1">
+            <a:schemeClr val="accent1"/>
+          </a:fillRef>
+          <a:effectRef idx="0">
+            <a:schemeClr val="accent1"/>
+          </a:effectRef>
+          <a:fontRef idx="minor">
+            <a:schemeClr val="lt1"/>
+          </a:fontRef>
+        </p:style>
+        <p:txBody>
+          <a:bodyPr rtlCol="0" anchor="ctr"/>
+          <a:p>
+            <a:pPr algn="ctr"/>
             <a:endParaRPr lang="en-US"/>
           </a:p>
         </p:txBody>
@@ -13251,6 +14885,543 @@
           </a:prstGeom>
         </p:spPr>
       </p:pic>
+    </p:spTree>
+  </p:cSld>
+  <p:clrMapOvr>
+    <a:masterClrMapping/>
+  </p:clrMapOvr>
+</p:sld>
+</file>
+
+<file path=ppt/slides/slide50.xml><?xml version="1.0" encoding="utf-8"?>
+<p:sld xmlns:a="http://schemas.openxmlformats.org/drawingml/2006/main" xmlns:r="http://schemas.openxmlformats.org/officeDocument/2006/relationships" xmlns:p="http://schemas.openxmlformats.org/presentationml/2006/main">
+  <p:cSld>
+    <p:spTree>
+      <p:nvGrpSpPr>
+        <p:cNvPr id="1" name=""/>
+        <p:cNvGrpSpPr/>
+        <p:nvPr/>
+      </p:nvGrpSpPr>
+      <p:grpSpPr/>
+      <p:sp>
+        <p:nvSpPr>
+          <p:cNvPr id="2" name="Title 1"/>
+          <p:cNvSpPr>
+            <a:spLocks noGrp="1"/>
+          </p:cNvSpPr>
+          <p:nvPr>
+            <p:ph type="title"/>
+          </p:nvPr>
+        </p:nvSpPr>
+        <p:spPr/>
+        <p:txBody>
+          <a:bodyPr/>
+          <a:p>
+            <a:r>
+              <a:rPr lang="zh-CN" altLang="en-US"/>
+              <a:t>只需一次性上锁，且符合</a:t>
+            </a:r>
+            <a:r>
+              <a:rPr lang="en-US" altLang="zh-CN"/>
+              <a:t> RAII </a:t>
+            </a:r>
+            <a:r>
+              <a:rPr lang="zh-CN" altLang="en-US"/>
+              <a:t>思想：访问者模式</a:t>
+            </a:r>
+            <a:endParaRPr lang="zh-CN" altLang="en-US"/>
+          </a:p>
+        </p:txBody>
+      </p:sp>
+      <p:pic>
+        <p:nvPicPr>
+          <p:cNvPr id="5" name="Content Placeholder 4"/>
+          <p:cNvPicPr>
+            <a:picLocks noChangeAspect="1"/>
+          </p:cNvPicPr>
+          <p:nvPr>
+            <p:ph sz="half" idx="1"/>
+          </p:nvPr>
+        </p:nvPicPr>
+        <p:blipFill>
+          <a:blip r:embed="rId1"/>
+          <a:stretch>
+            <a:fillRect/>
+          </a:stretch>
+        </p:blipFill>
+        <p:spPr>
+          <a:xfrm>
+            <a:off x="1028065" y="1913255"/>
+            <a:ext cx="4419600" cy="4175760"/>
+          </a:xfrm>
+          <a:prstGeom prst="rect">
+            <a:avLst/>
+          </a:prstGeom>
+        </p:spPr>
+      </p:pic>
+      <p:pic>
+        <p:nvPicPr>
+          <p:cNvPr id="6" name="Content Placeholder 5"/>
+          <p:cNvPicPr>
+            <a:picLocks noChangeAspect="1"/>
+          </p:cNvPicPr>
+          <p:nvPr>
+            <p:ph sz="half" idx="2"/>
+          </p:nvPr>
+        </p:nvPicPr>
+        <p:blipFill>
+          <a:blip r:embed="rId2"/>
+          <a:stretch>
+            <a:fillRect/>
+          </a:stretch>
+        </p:blipFill>
+        <p:spPr>
+          <a:xfrm>
+            <a:off x="6263005" y="2096135"/>
+            <a:ext cx="4617720" cy="3810000"/>
+          </a:xfrm>
+          <a:prstGeom prst="rect">
+            <a:avLst/>
+          </a:prstGeom>
+        </p:spPr>
+      </p:pic>
+      <p:sp>
+        <p:nvSpPr>
+          <p:cNvPr id="7" name="Text Box 6"/>
+          <p:cNvSpPr txBox="1"/>
+          <p:nvPr/>
+        </p:nvSpPr>
+        <p:spPr>
+          <a:xfrm>
+            <a:off x="5533390" y="1174115"/>
+            <a:ext cx="6658610" cy="922020"/>
+          </a:xfrm>
+          <a:prstGeom prst="rect">
+            <a:avLst/>
+          </a:prstGeom>
+          <a:noFill/>
+        </p:spPr>
+        <p:txBody>
+          <a:bodyPr wrap="square" rtlCol="0">
+            <a:spAutoFit/>
+          </a:bodyPr>
+          <a:p>
+            <a:r>
+              <a:rPr lang="en-US" altLang="zh-CN">
+                <a:solidFill>
+                  <a:schemeClr val="bg1">
+                    <a:lumMod val="75000"/>
+                  </a:schemeClr>
+                </a:solidFill>
+              </a:rPr>
+              <a:t>Accessor </a:t>
+            </a:r>
+            <a:r>
+              <a:rPr lang="zh-CN" altLang="en-US">
+                <a:solidFill>
+                  <a:schemeClr val="bg1">
+                    <a:lumMod val="75000"/>
+                  </a:schemeClr>
+                </a:solidFill>
+              </a:rPr>
+              <a:t>或者说</a:t>
+            </a:r>
+            <a:r>
+              <a:rPr lang="en-US" altLang="zh-CN">
+                <a:solidFill>
+                  <a:schemeClr val="bg1">
+                    <a:lumMod val="75000"/>
+                  </a:schemeClr>
+                </a:solidFill>
+              </a:rPr>
+              <a:t> Viewer </a:t>
+            </a:r>
+            <a:r>
+              <a:rPr lang="zh-CN" altLang="en-US">
+                <a:solidFill>
+                  <a:schemeClr val="bg1">
+                    <a:lumMod val="75000"/>
+                  </a:schemeClr>
+                </a:solidFill>
+              </a:rPr>
+              <a:t>模式，王鑫磊常用于设计</a:t>
+            </a:r>
+            <a:r>
+              <a:rPr lang="en-US" altLang="zh-CN">
+                <a:solidFill>
+                  <a:schemeClr val="bg1">
+                    <a:lumMod val="75000"/>
+                  </a:schemeClr>
+                </a:solidFill>
+              </a:rPr>
+              <a:t> GPU </a:t>
+            </a:r>
+            <a:r>
+              <a:rPr lang="zh-CN" altLang="en-US">
+                <a:solidFill>
+                  <a:schemeClr val="bg1">
+                    <a:lumMod val="75000"/>
+                  </a:schemeClr>
+                </a:solidFill>
+              </a:rPr>
+              <a:t>容器</a:t>
+            </a:r>
+            <a:r>
+              <a:rPr lang="en-US" altLang="zh-CN">
+                <a:solidFill>
+                  <a:schemeClr val="bg1">
+                    <a:lumMod val="75000"/>
+                  </a:schemeClr>
+                </a:solidFill>
+              </a:rPr>
+              <a:t> OpenVDB </a:t>
+            </a:r>
+            <a:r>
+              <a:rPr lang="zh-CN" altLang="en-US">
+                <a:solidFill>
+                  <a:schemeClr val="bg1">
+                    <a:lumMod val="75000"/>
+                  </a:schemeClr>
+                </a:solidFill>
+              </a:rPr>
+              <a:t>数据结构的访问，也是采用了</a:t>
+            </a:r>
+            <a:r>
+              <a:rPr lang="en-US" altLang="zh-CN">
+                <a:solidFill>
+                  <a:schemeClr val="bg1">
+                    <a:lumMod val="75000"/>
+                  </a:schemeClr>
+                </a:solidFill>
+              </a:rPr>
+              <a:t> Accessor </a:t>
+            </a:r>
+            <a:r>
+              <a:rPr lang="zh-CN" altLang="en-US">
+                <a:solidFill>
+                  <a:schemeClr val="bg1">
+                    <a:lumMod val="75000"/>
+                  </a:schemeClr>
+                </a:solidFill>
+              </a:rPr>
+              <a:t>的设计</a:t>
+            </a:r>
+            <a:r>
+              <a:rPr lang="en-US" altLang="zh-CN">
+                <a:solidFill>
+                  <a:schemeClr val="bg1">
+                    <a:lumMod val="75000"/>
+                  </a:schemeClr>
+                </a:solidFill>
+              </a:rPr>
+              <a:t>……</a:t>
+            </a:r>
+            <a:endParaRPr lang="en-US" altLang="zh-CN">
+              <a:solidFill>
+                <a:schemeClr val="bg1">
+                  <a:lumMod val="75000"/>
+                </a:schemeClr>
+              </a:solidFill>
+            </a:endParaRPr>
+          </a:p>
+          <a:p>
+            <a:r>
+              <a:rPr lang="zh-CN" altLang="en-US">
+                <a:solidFill>
+                  <a:schemeClr val="bg1">
+                    <a:lumMod val="75000"/>
+                  </a:schemeClr>
+                </a:solidFill>
+              </a:rPr>
+              <a:t>并且还有</a:t>
+            </a:r>
+            <a:r>
+              <a:rPr lang="en-US" altLang="zh-CN">
+                <a:solidFill>
+                  <a:schemeClr val="bg1">
+                    <a:lumMod val="75000"/>
+                  </a:schemeClr>
+                </a:solidFill>
+              </a:rPr>
+              <a:t> ConstAccessor </a:t>
+            </a:r>
+            <a:r>
+              <a:rPr lang="zh-CN" altLang="en-US">
+                <a:solidFill>
+                  <a:schemeClr val="bg1">
+                    <a:lumMod val="75000"/>
+                  </a:schemeClr>
+                </a:solidFill>
+              </a:rPr>
+              <a:t>和</a:t>
+            </a:r>
+            <a:r>
+              <a:rPr lang="en-US" altLang="zh-CN">
+                <a:solidFill>
+                  <a:schemeClr val="bg1">
+                    <a:lumMod val="75000"/>
+                  </a:schemeClr>
+                </a:solidFill>
+              </a:rPr>
+              <a:t> Accessor </a:t>
+            </a:r>
+            <a:r>
+              <a:rPr lang="zh-CN" altLang="en-US">
+                <a:solidFill>
+                  <a:schemeClr val="bg1">
+                    <a:lumMod val="75000"/>
+                  </a:schemeClr>
+                </a:solidFill>
+              </a:rPr>
+              <a:t>两种，分别对应于读和写</a:t>
+            </a:r>
+            <a:endParaRPr lang="zh-CN" altLang="en-US">
+              <a:solidFill>
+                <a:schemeClr val="bg1">
+                  <a:lumMod val="75000"/>
+                </a:schemeClr>
+              </a:solidFill>
+            </a:endParaRPr>
+          </a:p>
+        </p:txBody>
+      </p:sp>
+      <p:sp>
+        <p:nvSpPr>
+          <p:cNvPr id="9" name="Rounded Rectangle 8"/>
+          <p:cNvSpPr/>
+          <p:nvPr/>
+        </p:nvSpPr>
+        <p:spPr>
+          <a:xfrm>
+            <a:off x="6985635" y="2738120"/>
+            <a:ext cx="2243455" cy="145415"/>
+          </a:xfrm>
+          <a:prstGeom prst="roundRect">
+            <a:avLst/>
+          </a:prstGeom>
+          <a:noFill/>
+          <a:ln w="22225">
+            <a:solidFill>
+              <a:srgbClr val="CC0000"/>
+            </a:solidFill>
+          </a:ln>
+        </p:spPr>
+        <p:style>
+          <a:lnRef idx="2">
+            <a:schemeClr val="accent1">
+              <a:shade val="50000"/>
+            </a:schemeClr>
+          </a:lnRef>
+          <a:fillRef idx="1">
+            <a:schemeClr val="accent1"/>
+          </a:fillRef>
+          <a:effectRef idx="0">
+            <a:schemeClr val="accent1"/>
+          </a:effectRef>
+          <a:fontRef idx="minor">
+            <a:schemeClr val="lt1"/>
+          </a:fontRef>
+        </p:style>
+        <p:txBody>
+          <a:bodyPr rtlCol="0" anchor="ctr"/>
+          <a:p>
+            <a:pPr algn="ctr"/>
+            <a:endParaRPr lang="en-US"/>
+          </a:p>
+        </p:txBody>
+      </p:sp>
+      <p:sp>
+        <p:nvSpPr>
+          <p:cNvPr id="8" name="Rounded Rectangle 7"/>
+          <p:cNvSpPr/>
+          <p:nvPr/>
+        </p:nvSpPr>
+        <p:spPr>
+          <a:xfrm>
+            <a:off x="6985635" y="3815080"/>
+            <a:ext cx="2243455" cy="145415"/>
+          </a:xfrm>
+          <a:prstGeom prst="roundRect">
+            <a:avLst/>
+          </a:prstGeom>
+          <a:noFill/>
+          <a:ln w="22225">
+            <a:solidFill>
+              <a:srgbClr val="CC0000"/>
+            </a:solidFill>
+          </a:ln>
+        </p:spPr>
+        <p:style>
+          <a:lnRef idx="2">
+            <a:schemeClr val="accent1">
+              <a:shade val="50000"/>
+            </a:schemeClr>
+          </a:lnRef>
+          <a:fillRef idx="1">
+            <a:schemeClr val="accent1"/>
+          </a:fillRef>
+          <a:effectRef idx="0">
+            <a:schemeClr val="accent1"/>
+          </a:effectRef>
+          <a:fontRef idx="minor">
+            <a:schemeClr val="lt1"/>
+          </a:fontRef>
+        </p:style>
+        <p:txBody>
+          <a:bodyPr rtlCol="0" anchor="ctr"/>
+          <a:p>
+            <a:pPr algn="ctr"/>
+            <a:endParaRPr lang="en-US"/>
+          </a:p>
+        </p:txBody>
+      </p:sp>
+      <p:sp>
+        <p:nvSpPr>
+          <p:cNvPr id="10" name="Rounded Rectangle 9"/>
+          <p:cNvSpPr/>
+          <p:nvPr/>
+        </p:nvSpPr>
+        <p:spPr>
+          <a:xfrm>
+            <a:off x="1381125" y="5432425"/>
+            <a:ext cx="1790700" cy="473710"/>
+          </a:xfrm>
+          <a:prstGeom prst="roundRect">
+            <a:avLst/>
+          </a:prstGeom>
+          <a:noFill/>
+          <a:ln w="22225">
+            <a:solidFill>
+              <a:srgbClr val="CC0000"/>
+            </a:solidFill>
+          </a:ln>
+        </p:spPr>
+        <p:style>
+          <a:lnRef idx="2">
+            <a:schemeClr val="accent1">
+              <a:shade val="50000"/>
+            </a:schemeClr>
+          </a:lnRef>
+          <a:fillRef idx="1">
+            <a:schemeClr val="accent1"/>
+          </a:fillRef>
+          <a:effectRef idx="0">
+            <a:schemeClr val="accent1"/>
+          </a:effectRef>
+          <a:fontRef idx="minor">
+            <a:schemeClr val="lt1"/>
+          </a:fontRef>
+        </p:style>
+        <p:txBody>
+          <a:bodyPr rtlCol="0" anchor="ctr"/>
+          <a:p>
+            <a:pPr algn="ctr"/>
+            <a:endParaRPr lang="en-US"/>
+          </a:p>
+        </p:txBody>
+      </p:sp>
+      <p:sp>
+        <p:nvSpPr>
+          <p:cNvPr id="11" name="Text Box 10"/>
+          <p:cNvSpPr txBox="1"/>
+          <p:nvPr/>
+        </p:nvSpPr>
+        <p:spPr>
+          <a:xfrm>
+            <a:off x="5940425" y="6089015"/>
+            <a:ext cx="5599430" cy="645160"/>
+          </a:xfrm>
+          <a:prstGeom prst="rect">
+            <a:avLst/>
+          </a:prstGeom>
+          <a:noFill/>
+        </p:spPr>
+        <p:txBody>
+          <a:bodyPr wrap="square" rtlCol="0">
+            <a:spAutoFit/>
+          </a:bodyPr>
+          <a:p>
+            <a:r>
+              <a:rPr lang="zh-CN" altLang="en-US">
+                <a:solidFill>
+                  <a:schemeClr val="bg1">
+                    <a:lumMod val="75000"/>
+                  </a:schemeClr>
+                </a:solidFill>
+              </a:rPr>
+              <a:t>同学们可以想想看，如果这里的</a:t>
+            </a:r>
+            <a:r>
+              <a:rPr lang="en-US" altLang="zh-CN">
+                <a:solidFill>
+                  <a:schemeClr val="bg1">
+                    <a:lumMod val="75000"/>
+                  </a:schemeClr>
+                </a:solidFill>
+              </a:rPr>
+              <a:t> m_mtx </a:t>
+            </a:r>
+            <a:r>
+              <a:rPr lang="zh-CN" altLang="en-US">
+                <a:solidFill>
+                  <a:schemeClr val="bg1">
+                    <a:lumMod val="75000"/>
+                  </a:schemeClr>
+                </a:solidFill>
+              </a:rPr>
+              <a:t>改成读写锁，要如何实现</a:t>
+            </a:r>
+            <a:r>
+              <a:rPr lang="en-US" altLang="zh-CN">
+                <a:solidFill>
+                  <a:schemeClr val="bg1">
+                    <a:lumMod val="75000"/>
+                  </a:schemeClr>
+                </a:solidFill>
+              </a:rPr>
+              <a:t> </a:t>
+            </a:r>
+            <a:r>
+              <a:rPr lang="en-US" altLang="zh-CN">
+                <a:solidFill>
+                  <a:schemeClr val="bg1">
+                    <a:lumMod val="75000"/>
+                  </a:schemeClr>
+                </a:solidFill>
+                <a:sym typeface="+mn-ea"/>
+              </a:rPr>
+              <a:t>ConstAccessor </a:t>
+            </a:r>
+            <a:r>
+              <a:rPr lang="en-US" altLang="zh-CN">
+                <a:solidFill>
+                  <a:schemeClr val="bg1">
+                    <a:lumMod val="75000"/>
+                  </a:schemeClr>
+                </a:solidFill>
+              </a:rPr>
+              <a:t>access() const</a:t>
+            </a:r>
+            <a:r>
+              <a:rPr lang="zh-CN" altLang="en-US">
+                <a:solidFill>
+                  <a:schemeClr val="bg1">
+                    <a:lumMod val="75000"/>
+                  </a:schemeClr>
+                </a:solidFill>
+              </a:rPr>
+              <a:t>？</a:t>
+            </a:r>
+            <a:endParaRPr lang="zh-CN" altLang="en-US">
+              <a:solidFill>
+                <a:schemeClr val="bg1">
+                  <a:lumMod val="75000"/>
+                </a:schemeClr>
+              </a:solidFill>
+            </a:endParaRPr>
+          </a:p>
+        </p:txBody>
+      </p:sp>
     </p:spTree>
   </p:cSld>
   <p:clrMapOvr>

--- a/05/slides.pptx
+++ b/05/slides.pptx
@@ -8,7 +8,7 @@
     <p:notesMasterId r:id="rId16"/>
   </p:notesMasterIdLst>
   <p:handoutMasterIdLst>
-    <p:handoutMasterId r:id="rId54"/>
+    <p:handoutMasterId r:id="rId63"/>
   </p:handoutMasterIdLst>
   <p:sldIdLst>
     <p:sldId id="256" r:id="rId3"/>
@@ -61,6 +61,15 @@
     <p:sldId id="408" r:id="rId51"/>
     <p:sldId id="409" r:id="rId52"/>
     <p:sldId id="410" r:id="rId53"/>
+    <p:sldId id="416" r:id="rId54"/>
+    <p:sldId id="415" r:id="rId55"/>
+    <p:sldId id="417" r:id="rId56"/>
+    <p:sldId id="419" r:id="rId57"/>
+    <p:sldId id="413" r:id="rId58"/>
+    <p:sldId id="418" r:id="rId59"/>
+    <p:sldId id="414" r:id="rId60"/>
+    <p:sldId id="411" r:id="rId61"/>
+    <p:sldId id="412" r:id="rId62"/>
   </p:sldIdLst>
   <p:sldSz cx="12192000" cy="6858000"/>
   <p:notesSz cx="7103745" cy="10234295"/>
@@ -6006,64 +6015,6 @@
       </p:pic>
       <p:sp>
         <p:nvSpPr>
-          <p:cNvPr id="5" name="Multiply 4"/>
-          <p:cNvSpPr/>
-          <p:nvPr/>
-        </p:nvSpPr>
-        <p:spPr>
-          <a:xfrm>
-            <a:off x="4339590" y="3279140"/>
-            <a:ext cx="6426835" cy="2738120"/>
-          </a:xfrm>
-          <a:prstGeom prst="mathMultiply">
-            <a:avLst>
-              <a:gd name="adj1" fmla="val 9943"/>
-            </a:avLst>
-          </a:prstGeom>
-          <a:gradFill>
-            <a:gsLst>
-              <a:gs pos="0">
-                <a:srgbClr val="E30000"/>
-              </a:gs>
-              <a:gs pos="100000">
-                <a:srgbClr val="760303"/>
-              </a:gs>
-            </a:gsLst>
-            <a:path path="rect">
-              <a:fillToRect l="50000" t="50000" r="50000" b="50000"/>
-            </a:path>
-            <a:tileRect/>
-          </a:gradFill>
-          <a:ln>
-            <a:noFill/>
-          </a:ln>
-        </p:spPr>
-        <p:style>
-          <a:lnRef idx="2">
-            <a:schemeClr val="accent1">
-              <a:shade val="50000"/>
-            </a:schemeClr>
-          </a:lnRef>
-          <a:fillRef idx="1">
-            <a:schemeClr val="accent1"/>
-          </a:fillRef>
-          <a:effectRef idx="0">
-            <a:schemeClr val="accent1"/>
-          </a:effectRef>
-          <a:fontRef idx="minor">
-            <a:schemeClr val="lt1"/>
-          </a:fontRef>
-        </p:style>
-        <p:txBody>
-          <a:bodyPr rtlCol="0" anchor="ctr"/>
-          <a:p>
-            <a:pPr algn="ctr"/>
-            <a:endParaRPr lang="en-US"/>
-          </a:p>
-        </p:txBody>
-      </p:sp>
-      <p:sp>
-        <p:nvSpPr>
           <p:cNvPr id="6" name="Lightning Bolt 5"/>
           <p:cNvSpPr/>
           <p:nvPr/>
@@ -6479,105 +6430,14 @@
                             </p:stCondLst>
                             <p:childTnLst>
                               <p:par>
-                                <p:cTn id="5" presetID="2" presetClass="entr" presetSubtype="4" fill="hold" grpId="0" nodeType="clickEffect">
+                                <p:cTn id="5" presetID="26" presetClass="entr" presetSubtype="0" fill="hold" grpId="0" nodeType="clickEffect">
                                   <p:stCondLst>
                                     <p:cond delay="0"/>
                                   </p:stCondLst>
                                   <p:childTnLst>
                                     <p:set>
                                       <p:cBhvr>
-                                        <p:cTn id="6" dur="500" fill="hold">
-                                          <p:stCondLst>
-                                            <p:cond delay="0"/>
-                                          </p:stCondLst>
-                                        </p:cTn>
-                                        <p:tgtEl>
-                                          <p:spTgt spid="5"/>
-                                        </p:tgtEl>
-                                        <p:attrNameLst>
-                                          <p:attrName>style.visibility</p:attrName>
-                                        </p:attrNameLst>
-                                      </p:cBhvr>
-                                      <p:to>
-                                        <p:strVal val="visible"/>
-                                      </p:to>
-                                    </p:set>
-                                    <p:anim calcmode="lin" valueType="num">
-                                      <p:cBhvr additive="base">
-                                        <p:cTn id="7" dur="500" fill="hold"/>
-                                        <p:tgtEl>
-                                          <p:spTgt spid="5"/>
-                                        </p:tgtEl>
-                                        <p:attrNameLst>
-                                          <p:attrName>ppt_x</p:attrName>
-                                        </p:attrNameLst>
-                                      </p:cBhvr>
-                                      <p:tavLst>
-                                        <p:tav tm="0">
-                                          <p:val>
-                                            <p:strVal val="#ppt_x"/>
-                                          </p:val>
-                                        </p:tav>
-                                        <p:tav tm="100000">
-                                          <p:val>
-                                            <p:strVal val="#ppt_x"/>
-                                          </p:val>
-                                        </p:tav>
-                                      </p:tavLst>
-                                    </p:anim>
-                                    <p:anim calcmode="lin" valueType="num">
-                                      <p:cBhvr additive="base">
-                                        <p:cTn id="8" dur="500" fill="hold"/>
-                                        <p:tgtEl>
-                                          <p:spTgt spid="5"/>
-                                        </p:tgtEl>
-                                        <p:attrNameLst>
-                                          <p:attrName>ppt_y</p:attrName>
-                                        </p:attrNameLst>
-                                      </p:cBhvr>
-                                      <p:tavLst>
-                                        <p:tav tm="0">
-                                          <p:val>
-                                            <p:strVal val="1+#ppt_h/2"/>
-                                          </p:val>
-                                        </p:tav>
-                                        <p:tav tm="100000">
-                                          <p:val>
-                                            <p:strVal val="#ppt_y"/>
-                                          </p:val>
-                                        </p:tav>
-                                      </p:tavLst>
-                                    </p:anim>
-                                  </p:childTnLst>
-                                </p:cTn>
-                              </p:par>
-                            </p:childTnLst>
-                          </p:cTn>
-                        </p:par>
-                      </p:childTnLst>
-                    </p:cTn>
-                  </p:par>
-                  <p:par>
-                    <p:cTn id="9" fill="hold">
-                      <p:stCondLst>
-                        <p:cond delay="indefinite"/>
-                      </p:stCondLst>
-                      <p:childTnLst>
-                        <p:par>
-                          <p:cTn id="10" fill="hold">
-                            <p:stCondLst>
-                              <p:cond delay="0"/>
-                            </p:stCondLst>
-                            <p:childTnLst>
-                              <p:par>
-                                <p:cTn id="11" presetID="26" presetClass="entr" presetSubtype="0" fill="hold" grpId="0" nodeType="clickEffect">
-                                  <p:stCondLst>
-                                    <p:cond delay="0"/>
-                                  </p:stCondLst>
-                                  <p:childTnLst>
-                                    <p:set>
-                                      <p:cBhvr>
-                                        <p:cTn id="12" dur="1" fill="hold">
+                                        <p:cTn id="6" dur="1" fill="hold">
                                           <p:stCondLst>
                                             <p:cond delay="0"/>
                                           </p:stCondLst>
@@ -6595,7 +6455,7 @@
                                     </p:set>
                                     <p:animEffect transition="in" filter="wipe(down)">
                                       <p:cBhvr>
-                                        <p:cTn id="13" dur="289">
+                                        <p:cTn id="7" dur="289">
                                           <p:stCondLst>
                                             <p:cond delay="0"/>
                                           </p:stCondLst>
@@ -6607,7 +6467,7 @@
                                     </p:animEffect>
                                     <p:anim calcmode="lin" valueType="num">
                                       <p:cBhvr>
-                                        <p:cTn id="14" dur="910" tmFilter="0,0; 0.14,0.36; 0.43,0.73; 0.71,0.91; 1.0,1.0">
+                                        <p:cTn id="8" dur="910" tmFilter="0,0; 0.14,0.36; 0.43,0.73; 0.71,0.91; 1.0,1.0">
                                           <p:stCondLst>
                                             <p:cond delay="0"/>
                                           </p:stCondLst>
@@ -6634,7 +6494,7 @@
                                     </p:anim>
                                     <p:anim calcmode="lin" valueType="num">
                                       <p:cBhvr>
-                                        <p:cTn id="15" dur="331" tmFilter="0.0,0.0; 0.25,0.07; 0.50,0.2; 0.75,0.467; 1.0,1.0">
+                                        <p:cTn id="9" dur="331" tmFilter="0.0,0.0; 0.25,0.07; 0.50,0.2; 0.75,0.467; 1.0,1.0">
                                           <p:stCondLst>
                                             <p:cond delay="0"/>
                                           </p:stCondLst>
@@ -6661,7 +6521,7 @@
                                     </p:anim>
                                     <p:anim calcmode="lin" valueType="num">
                                       <p:cBhvr>
-                                        <p:cTn id="16" dur="331" tmFilter="0, 0; 0.125,0.2665; 0.25,0.4; 0.375,0.465; 0.5,0.5;  0.625,0.535; 0.75,0.6; 0.875,0.7335; 1,1">
+                                        <p:cTn id="10" dur="331" tmFilter="0, 0; 0.125,0.2665; 0.25,0.4; 0.375,0.465; 0.5,0.5;  0.625,0.535; 0.75,0.6; 0.875,0.7335; 1,1">
                                           <p:stCondLst>
                                             <p:cond delay="331"/>
                                           </p:stCondLst>
@@ -6688,7 +6548,7 @@
                                     </p:anim>
                                     <p:anim calcmode="lin" valueType="num">
                                       <p:cBhvr>
-                                        <p:cTn id="17" dur="166" tmFilter="0, 0; 0.125,0.2665; 0.25,0.4; 0.375,0.465; 0.5,0.5;  0.625,0.535; 0.75,0.6; 0.875,0.7335; 1,1">
+                                        <p:cTn id="11" dur="166" tmFilter="0, 0; 0.125,0.2665; 0.25,0.4; 0.375,0.465; 0.5,0.5;  0.625,0.535; 0.75,0.6; 0.875,0.7335; 1,1">
                                           <p:stCondLst>
                                             <p:cond delay="661"/>
                                           </p:stCondLst>
@@ -6715,7 +6575,7 @@
                                     </p:anim>
                                     <p:anim calcmode="lin" valueType="num">
                                       <p:cBhvr>
-                                        <p:cTn id="18" dur="82" tmFilter="0, 0; 0.125,0.2665; 0.25,0.4; 0.375,0.465; 0.5,0.5;  0.625,0.535; 0.75,0.6; 0.875,0.7335; 1,1">
+                                        <p:cTn id="12" dur="82" tmFilter="0, 0; 0.125,0.2665; 0.25,0.4; 0.375,0.465; 0.5,0.5;  0.625,0.535; 0.75,0.6; 0.875,0.7335; 1,1">
                                           <p:stCondLst>
                                             <p:cond delay="826"/>
                                           </p:stCondLst>
@@ -6742,7 +6602,7 @@
                                     </p:anim>
                                     <p:animScale>
                                       <p:cBhvr>
-                                        <p:cTn id="19" dur="14">
+                                        <p:cTn id="13" dur="14">
                                           <p:stCondLst>
                                             <p:cond delay="325"/>
                                           </p:stCondLst>
@@ -6755,7 +6615,7 @@
                                     </p:animScale>
                                     <p:animScale>
                                       <p:cBhvr>
-                                        <p:cTn id="20" dur="84" decel="50000">
+                                        <p:cTn id="14" dur="84" decel="50000">
                                           <p:stCondLst>
                                             <p:cond delay="337"/>
                                           </p:stCondLst>
@@ -6768,7 +6628,7 @@
                                     </p:animScale>
                                     <p:animScale>
                                       <p:cBhvr>
-                                        <p:cTn id="21" dur="14">
+                                        <p:cTn id="15" dur="14">
                                           <p:stCondLst>
                                             <p:cond delay="655"/>
                                           </p:stCondLst>
@@ -6781,7 +6641,7 @@
                                     </p:animScale>
                                     <p:animScale>
                                       <p:cBhvr>
-                                        <p:cTn id="22" dur="84" decel="50000">
+                                        <p:cTn id="16" dur="84" decel="50000">
                                           <p:stCondLst>
                                             <p:cond delay="669"/>
                                           </p:stCondLst>
@@ -6794,7 +6654,7 @@
                                     </p:animScale>
                                     <p:animScale>
                                       <p:cBhvr>
-                                        <p:cTn id="23" dur="14">
+                                        <p:cTn id="17" dur="14">
                                           <p:stCondLst>
                                             <p:cond delay="820"/>
                                           </p:stCondLst>
@@ -6807,7 +6667,7 @@
                                     </p:animScale>
                                     <p:animScale>
                                       <p:cBhvr>
-                                        <p:cTn id="24" dur="84" decel="50000">
+                                        <p:cTn id="18" dur="84" decel="50000">
                                           <p:stCondLst>
                                             <p:cond delay="832"/>
                                           </p:stCondLst>
@@ -6820,7 +6680,7 @@
                                     </p:animScale>
                                     <p:animScale>
                                       <p:cBhvr>
-                                        <p:cTn id="25" dur="14">
+                                        <p:cTn id="19" dur="14">
                                           <p:stCondLst>
                                             <p:cond delay="902"/>
                                           </p:stCondLst>
@@ -6833,7 +6693,7 @@
                                     </p:animScale>
                                     <p:animScale>
                                       <p:cBhvr>
-                                        <p:cTn id="26" dur="84" decel="50000">
+                                        <p:cTn id="20" dur="84" decel="50000">
                                           <p:stCondLst>
                                             <p:cond delay="916"/>
                                           </p:stCondLst>
@@ -6854,26 +6714,26 @@
                     </p:cTn>
                   </p:par>
                   <p:par>
-                    <p:cTn id="27" fill="hold">
+                    <p:cTn id="21" fill="hold">
                       <p:stCondLst>
                         <p:cond delay="indefinite"/>
                       </p:stCondLst>
                       <p:childTnLst>
                         <p:par>
-                          <p:cTn id="28" fill="hold">
+                          <p:cTn id="22" fill="hold">
                             <p:stCondLst>
                               <p:cond delay="0"/>
                             </p:stCondLst>
                             <p:childTnLst>
                               <p:par>
-                                <p:cTn id="29" presetID="13" presetClass="entr" presetSubtype="32" fill="hold" grpId="0" nodeType="clickEffect">
+                                <p:cTn id="23" presetID="13" presetClass="entr" presetSubtype="32" fill="hold" grpId="0" nodeType="clickEffect">
                                   <p:stCondLst>
                                     <p:cond delay="0"/>
                                   </p:stCondLst>
                                   <p:childTnLst>
                                     <p:set>
                                       <p:cBhvr>
-                                        <p:cTn id="30" dur="500" fill="hold">
+                                        <p:cTn id="24" dur="500" fill="hold">
                                           <p:stCondLst>
                                             <p:cond delay="0"/>
                                           </p:stCondLst>
@@ -6891,7 +6751,7 @@
                                     </p:set>
                                     <p:animEffect transition="in" filter="plus(out)">
                                       <p:cBhvr>
-                                        <p:cTn id="31" dur="500"/>
+                                        <p:cTn id="25" dur="500"/>
                                         <p:tgtEl>
                                           <p:spTgt spid="7"/>
                                         </p:tgtEl>
@@ -6928,7 +6788,6 @@
       </p:par>
     </p:tnLst>
     <p:bldLst>
-      <p:bldP spid="5" grpId="0" bldLvl="0" animBg="1"/>
       <p:bldP spid="6" grpId="0" bldLvl="0" animBg="1"/>
       <p:bldP spid="7" grpId="0"/>
     </p:bldLst>
@@ -7189,24 +7048,16 @@
           <a:bodyPr/>
           <a:p>
             <a:r>
-              <a:rPr lang="en-US"/>
-              <a:t>TODO</a:t>
-            </a:r>
-            <a:r>
-              <a:rPr lang="zh-CN" altLang="en-US"/>
-              <a:t>：</a:t>
-            </a:r>
-            <a:r>
-              <a:rPr lang="en-US" altLang="zh-CN"/>
-              <a:t>std::promise </a:t>
-            </a:r>
-            <a:r>
-              <a:rPr lang="zh-CN" altLang="en-US"/>
-              <a:t>和</a:t>
-            </a:r>
-            <a:r>
-              <a:rPr lang="en-US" altLang="zh-CN"/>
-              <a:t> std::packaged_task</a:t>
+              <a:rPr lang="en-US" altLang="zh-CN"/>
+              <a:t>std::async </a:t>
+            </a:r>
+            <a:r>
+              <a:rPr lang="zh-CN" altLang="en-US"/>
+              <a:t>的底层实现：</a:t>
+            </a:r>
+            <a:r>
+              <a:rPr lang="en-US" altLang="zh-CN"/>
+              <a:t>std::promise</a:t>
             </a:r>
             <a:endParaRPr lang="en-US" altLang="zh-CN"/>
           </a:p>
@@ -7228,26 +7079,179 @@
           <a:p>
             <a:r>
               <a:rPr lang="zh-CN" altLang="en-US"/>
-              <a:t>还要给一点案例！</a:t>
+              <a:t>如果不想让</a:t>
+            </a:r>
+            <a:r>
+              <a:rPr lang="en-US" altLang="zh-CN"/>
+              <a:t> std::async </a:t>
+            </a:r>
+            <a:r>
+              <a:rPr lang="zh-CN" altLang="en-US"/>
+              <a:t>帮你自动创建线程，想要手动创建线程，可以直接用</a:t>
+            </a:r>
+            <a:r>
+              <a:rPr lang="en-US" altLang="zh-CN"/>
+              <a:t> std::promise</a:t>
+            </a:r>
+            <a:r>
+              <a:rPr lang="zh-CN" altLang="en-US"/>
+              <a:t>。</a:t>
             </a:r>
             <a:endParaRPr lang="zh-CN" altLang="en-US"/>
           </a:p>
-        </p:txBody>
-      </p:sp>
-      <p:sp>
-        <p:nvSpPr>
-          <p:cNvPr id="4" name="Content Placeholder 3"/>
-          <p:cNvSpPr>
-            <a:spLocks noGrp="1"/>
-          </p:cNvSpPr>
+          <a:p>
+            <a:r>
+              <a:rPr lang="zh-CN" altLang="en-US"/>
+              <a:t>然后在线程返回的时候，用</a:t>
+            </a:r>
+            <a:r>
+              <a:rPr lang="en-US" altLang="zh-CN"/>
+              <a:t> set_value() </a:t>
+            </a:r>
+            <a:r>
+              <a:rPr lang="zh-CN" altLang="en-US"/>
+              <a:t>设置返回值。在主线程里，用</a:t>
+            </a:r>
+            <a:r>
+              <a:rPr lang="en-US" altLang="zh-CN"/>
+              <a:t> get_future() </a:t>
+            </a:r>
+            <a:r>
+              <a:rPr lang="zh-CN" altLang="en-US"/>
+              <a:t>获取其</a:t>
+            </a:r>
+            <a:r>
+              <a:rPr lang="en-US" altLang="zh-CN"/>
+              <a:t> std::future </a:t>
+            </a:r>
+            <a:r>
+              <a:rPr lang="zh-CN" altLang="en-US"/>
+              <a:t>对象，进一步</a:t>
+            </a:r>
+            <a:r>
+              <a:rPr lang="en-US" altLang="zh-CN"/>
+              <a:t> get() </a:t>
+            </a:r>
+            <a:r>
+              <a:rPr lang="zh-CN" altLang="en-US"/>
+              <a:t>可以等待并获取线程返回值。</a:t>
+            </a:r>
+            <a:endParaRPr lang="zh-CN" altLang="en-US"/>
+          </a:p>
+        </p:txBody>
+      </p:sp>
+      <p:pic>
+        <p:nvPicPr>
+          <p:cNvPr id="7" name="Content Placeholder 6"/>
+          <p:cNvPicPr>
+            <a:picLocks noChangeAspect="1"/>
+          </p:cNvPicPr>
           <p:nvPr>
             <p:ph sz="half" idx="2"/>
           </p:nvPr>
-        </p:nvSpPr>
-        <p:spPr/>
-        <p:txBody>
-          <a:bodyPr/>
-          <a:p>
+        </p:nvPicPr>
+        <p:blipFill>
+          <a:blip r:embed="rId1"/>
+          <a:stretch>
+            <a:fillRect/>
+          </a:stretch>
+        </p:blipFill>
+        <p:spPr>
+          <a:xfrm>
+            <a:off x="5965825" y="1800860"/>
+            <a:ext cx="5259070" cy="4376420"/>
+          </a:xfrm>
+          <a:prstGeom prst="rect">
+            <a:avLst/>
+          </a:prstGeom>
+        </p:spPr>
+      </p:pic>
+      <p:sp>
+        <p:nvSpPr>
+          <p:cNvPr id="10" name="Rounded Rectangle 9"/>
+          <p:cNvSpPr/>
+          <p:nvPr/>
+        </p:nvSpPr>
+        <p:spPr>
+          <a:xfrm>
+            <a:off x="6814820" y="4848225"/>
+            <a:ext cx="1500505" cy="135255"/>
+          </a:xfrm>
+          <a:prstGeom prst="roundRect">
+            <a:avLst/>
+          </a:prstGeom>
+          <a:noFill/>
+          <a:ln w="22225">
+            <a:solidFill>
+              <a:srgbClr val="CC0000"/>
+            </a:solidFill>
+          </a:ln>
+        </p:spPr>
+        <p:style>
+          <a:lnRef idx="2">
+            <a:schemeClr val="accent1">
+              <a:shade val="50000"/>
+            </a:schemeClr>
+          </a:lnRef>
+          <a:fillRef idx="1">
+            <a:schemeClr val="accent1"/>
+          </a:fillRef>
+          <a:effectRef idx="0">
+            <a:schemeClr val="accent1"/>
+          </a:effectRef>
+          <a:fontRef idx="minor">
+            <a:schemeClr val="lt1"/>
+          </a:fontRef>
+        </p:style>
+        <p:txBody>
+          <a:bodyPr rtlCol="0" anchor="ctr"/>
+          <a:p>
+            <a:pPr algn="ctr"/>
+            <a:endParaRPr lang="en-US"/>
+          </a:p>
+        </p:txBody>
+      </p:sp>
+      <p:sp>
+        <p:nvSpPr>
+          <p:cNvPr id="8" name="Rounded Rectangle 7"/>
+          <p:cNvSpPr/>
+          <p:nvPr/>
+        </p:nvSpPr>
+        <p:spPr>
+          <a:xfrm>
+            <a:off x="8282940" y="5097780"/>
+            <a:ext cx="1367790" cy="145415"/>
+          </a:xfrm>
+          <a:prstGeom prst="roundRect">
+            <a:avLst/>
+          </a:prstGeom>
+          <a:noFill/>
+          <a:ln w="22225">
+            <a:solidFill>
+              <a:srgbClr val="CC0000"/>
+            </a:solidFill>
+          </a:ln>
+        </p:spPr>
+        <p:style>
+          <a:lnRef idx="2">
+            <a:schemeClr val="accent1">
+              <a:shade val="50000"/>
+            </a:schemeClr>
+          </a:lnRef>
+          <a:fillRef idx="1">
+            <a:schemeClr val="accent1"/>
+          </a:fillRef>
+          <a:effectRef idx="0">
+            <a:schemeClr val="accent1"/>
+          </a:effectRef>
+          <a:fontRef idx="minor">
+            <a:schemeClr val="lt1"/>
+          </a:fontRef>
+        </p:style>
+        <p:txBody>
+          <a:bodyPr rtlCol="0" anchor="ctr"/>
+          <a:p>
+            <a:pPr algn="ctr"/>
             <a:endParaRPr lang="en-US"/>
           </a:p>
         </p:txBody>
@@ -15419,6 +15423,1697 @@
                 </a:schemeClr>
               </a:solidFill>
             </a:endParaRPr>
+          </a:p>
+        </p:txBody>
+      </p:sp>
+    </p:spTree>
+  </p:cSld>
+  <p:clrMapOvr>
+    <a:masterClrMapping/>
+  </p:clrMapOvr>
+</p:sld>
+</file>
+
+<file path=ppt/slides/slide51.xml><?xml version="1.0" encoding="utf-8"?>
+<p:sld xmlns:a="http://schemas.openxmlformats.org/drawingml/2006/main" xmlns:r="http://schemas.openxmlformats.org/officeDocument/2006/relationships" xmlns:p="http://schemas.openxmlformats.org/presentationml/2006/main">
+  <p:cSld>
+    <p:spTree>
+      <p:nvGrpSpPr>
+        <p:cNvPr id="1" name=""/>
+        <p:cNvGrpSpPr/>
+        <p:nvPr/>
+      </p:nvGrpSpPr>
+      <p:grpSpPr/>
+      <p:sp>
+        <p:nvSpPr>
+          <p:cNvPr id="5" name="Title 4"/>
+          <p:cNvSpPr>
+            <a:spLocks noGrp="1"/>
+          </p:cNvSpPr>
+          <p:nvPr>
+            <p:ph type="title"/>
+          </p:nvPr>
+        </p:nvSpPr>
+        <p:spPr/>
+        <p:txBody>
+          <a:bodyPr/>
+          <a:p>
+            <a:r>
+              <a:rPr lang="zh-CN" altLang="en-US"/>
+              <a:t>第</a:t>
+            </a:r>
+            <a:r>
+              <a:rPr lang="en-US" altLang="zh-CN"/>
+              <a:t>6</a:t>
+            </a:r>
+            <a:r>
+              <a:rPr lang="zh-CN" altLang="en-US"/>
+              <a:t>章：条件变量</a:t>
+            </a:r>
+            <a:endParaRPr lang="zh-CN" altLang="en-US"/>
+          </a:p>
+        </p:txBody>
+      </p:sp>
+    </p:spTree>
+  </p:cSld>
+  <p:clrMapOvr>
+    <a:masterClrMapping/>
+  </p:clrMapOvr>
+</p:sld>
+</file>
+
+<file path=ppt/slides/slide52.xml><?xml version="1.0" encoding="utf-8"?>
+<p:sld xmlns:a="http://schemas.openxmlformats.org/drawingml/2006/main" xmlns:r="http://schemas.openxmlformats.org/officeDocument/2006/relationships" xmlns:p="http://schemas.openxmlformats.org/presentationml/2006/main">
+  <p:cSld>
+    <p:spTree>
+      <p:nvGrpSpPr>
+        <p:cNvPr id="1" name=""/>
+        <p:cNvGrpSpPr/>
+        <p:nvPr/>
+      </p:nvGrpSpPr>
+      <p:grpSpPr/>
+      <p:pic>
+        <p:nvPicPr>
+          <p:cNvPr id="15" name="Content Placeholder 14"/>
+          <p:cNvPicPr>
+            <a:picLocks noChangeAspect="1"/>
+          </p:cNvPicPr>
+          <p:nvPr>
+            <p:ph sz="half" idx="2"/>
+          </p:nvPr>
+        </p:nvPicPr>
+        <p:blipFill>
+          <a:blip r:embed="rId1"/>
+          <a:stretch>
+            <a:fillRect/>
+          </a:stretch>
+        </p:blipFill>
+        <p:spPr>
+          <a:xfrm>
+            <a:off x="5892800" y="2046605"/>
+            <a:ext cx="6224270" cy="3822700"/>
+          </a:xfrm>
+          <a:prstGeom prst="rect">
+            <a:avLst/>
+          </a:prstGeom>
+        </p:spPr>
+      </p:pic>
+      <p:sp>
+        <p:nvSpPr>
+          <p:cNvPr id="2" name="Title 1"/>
+          <p:cNvSpPr>
+            <a:spLocks noGrp="1"/>
+          </p:cNvSpPr>
+          <p:nvPr>
+            <p:ph type="title"/>
+          </p:nvPr>
+        </p:nvSpPr>
+        <p:spPr/>
+        <p:txBody>
+          <a:bodyPr/>
+          <a:p>
+            <a:r>
+              <a:rPr lang="zh-CN" altLang="en-US">
+                <a:sym typeface="+mn-ea"/>
+              </a:rPr>
+              <a:t>条件变量：等待被唤醒</a:t>
+            </a:r>
+            <a:endParaRPr lang="en-US"/>
+          </a:p>
+        </p:txBody>
+      </p:sp>
+      <p:sp>
+        <p:nvSpPr>
+          <p:cNvPr id="3" name="Content Placeholder 2"/>
+          <p:cNvSpPr>
+            <a:spLocks noGrp="1"/>
+          </p:cNvSpPr>
+          <p:nvPr>
+            <p:ph sz="half" idx="1"/>
+          </p:nvPr>
+        </p:nvSpPr>
+        <p:spPr/>
+        <p:txBody>
+          <a:bodyPr/>
+          <a:p>
+            <a:r>
+              <a:rPr lang="en-US"/>
+              <a:t>cv.wait(lck) </a:t>
+            </a:r>
+            <a:r>
+              <a:rPr lang="zh-CN" altLang="en-US"/>
+              <a:t>将会让当前线程陷入等待。</a:t>
+            </a:r>
+            <a:endParaRPr lang="zh-CN" altLang="en-US"/>
+          </a:p>
+          <a:p>
+            <a:r>
+              <a:rPr lang="zh-CN" altLang="en-US"/>
+              <a:t>在其他线程中调用</a:t>
+            </a:r>
+            <a:r>
+              <a:rPr lang="en-US" altLang="zh-CN"/>
+              <a:t> cv.notify_one() </a:t>
+            </a:r>
+            <a:r>
+              <a:rPr lang="zh-CN" altLang="en-US"/>
+              <a:t>则会唤醒那个陷入等待的线程。</a:t>
+            </a:r>
+            <a:endParaRPr lang="zh-CN" altLang="en-US"/>
+          </a:p>
+          <a:p>
+            <a:r>
+              <a:rPr lang="zh-CN" altLang="en-US"/>
+              <a:t>可以发现</a:t>
+            </a:r>
+            <a:r>
+              <a:rPr lang="en-US" altLang="zh-CN"/>
+              <a:t> std::condition_variable </a:t>
+            </a:r>
+            <a:r>
+              <a:rPr lang="zh-CN" altLang="en-US"/>
+              <a:t>必须和</a:t>
+            </a:r>
+            <a:r>
+              <a:rPr lang="en-US" altLang="zh-CN"/>
+              <a:t> std::unique_lock&lt;std::mutex&gt; </a:t>
+            </a:r>
+            <a:r>
+              <a:rPr lang="zh-CN" altLang="en-US"/>
+              <a:t>一起用，稍后会解释原因。</a:t>
+            </a:r>
+            <a:endParaRPr lang="zh-CN" altLang="en-US">
+              <a:solidFill>
+                <a:schemeClr val="bg1">
+                  <a:lumMod val="75000"/>
+                </a:schemeClr>
+              </a:solidFill>
+            </a:endParaRPr>
+          </a:p>
+        </p:txBody>
+      </p:sp>
+      <p:sp>
+        <p:nvSpPr>
+          <p:cNvPr id="14" name="Rounded Rectangle 13"/>
+          <p:cNvSpPr/>
+          <p:nvPr/>
+        </p:nvSpPr>
+        <p:spPr>
+          <a:xfrm>
+            <a:off x="6989445" y="3738245"/>
+            <a:ext cx="1226820" cy="154940"/>
+          </a:xfrm>
+          <a:prstGeom prst="roundRect">
+            <a:avLst/>
+          </a:prstGeom>
+          <a:noFill/>
+          <a:ln w="22225">
+            <a:solidFill>
+              <a:srgbClr val="CC0000"/>
+            </a:solidFill>
+          </a:ln>
+        </p:spPr>
+        <p:style>
+          <a:lnRef idx="2">
+            <a:schemeClr val="accent1">
+              <a:shade val="50000"/>
+            </a:schemeClr>
+          </a:lnRef>
+          <a:fillRef idx="1">
+            <a:schemeClr val="accent1"/>
+          </a:fillRef>
+          <a:effectRef idx="0">
+            <a:schemeClr val="accent1"/>
+          </a:effectRef>
+          <a:fontRef idx="minor">
+            <a:schemeClr val="lt1"/>
+          </a:fontRef>
+        </p:style>
+        <p:txBody>
+          <a:bodyPr rtlCol="0" anchor="ctr"/>
+          <a:p>
+            <a:pPr algn="ctr"/>
+            <a:endParaRPr lang="en-US"/>
+          </a:p>
+        </p:txBody>
+      </p:sp>
+      <p:sp>
+        <p:nvSpPr>
+          <p:cNvPr id="8" name="Rounded Rectangle 7"/>
+          <p:cNvSpPr/>
+          <p:nvPr/>
+        </p:nvSpPr>
+        <p:spPr>
+          <a:xfrm>
+            <a:off x="6628130" y="4967605"/>
+            <a:ext cx="1490980" cy="155575"/>
+          </a:xfrm>
+          <a:prstGeom prst="roundRect">
+            <a:avLst/>
+          </a:prstGeom>
+          <a:noFill/>
+          <a:ln w="22225">
+            <a:solidFill>
+              <a:srgbClr val="CC0000"/>
+            </a:solidFill>
+          </a:ln>
+        </p:spPr>
+        <p:style>
+          <a:lnRef idx="2">
+            <a:schemeClr val="accent1">
+              <a:shade val="50000"/>
+            </a:schemeClr>
+          </a:lnRef>
+          <a:fillRef idx="1">
+            <a:schemeClr val="accent1"/>
+          </a:fillRef>
+          <a:effectRef idx="0">
+            <a:schemeClr val="accent1"/>
+          </a:effectRef>
+          <a:fontRef idx="minor">
+            <a:schemeClr val="lt1"/>
+          </a:fontRef>
+        </p:style>
+        <p:txBody>
+          <a:bodyPr rtlCol="0" anchor="ctr"/>
+          <a:p>
+            <a:pPr algn="ctr"/>
+            <a:endParaRPr lang="en-US"/>
+          </a:p>
+        </p:txBody>
+      </p:sp>
+      <p:pic>
+        <p:nvPicPr>
+          <p:cNvPr id="11" name="Picture 10"/>
+          <p:cNvPicPr>
+            <a:picLocks noChangeAspect="1"/>
+          </p:cNvPicPr>
+          <p:nvPr/>
+        </p:nvPicPr>
+        <p:blipFill>
+          <a:blip r:embed="rId2"/>
+          <a:stretch>
+            <a:fillRect/>
+          </a:stretch>
+        </p:blipFill>
+        <p:spPr>
+          <a:xfrm>
+            <a:off x="505460" y="5680710"/>
+            <a:ext cx="5234940" cy="655320"/>
+          </a:xfrm>
+          <a:prstGeom prst="rect">
+            <a:avLst/>
+          </a:prstGeom>
+        </p:spPr>
+      </p:pic>
+    </p:spTree>
+  </p:cSld>
+  <p:clrMapOvr>
+    <a:masterClrMapping/>
+  </p:clrMapOvr>
+</p:sld>
+</file>
+
+<file path=ppt/slides/slide53.xml><?xml version="1.0" encoding="utf-8"?>
+<p:sld xmlns:a="http://schemas.openxmlformats.org/drawingml/2006/main" xmlns:r="http://schemas.openxmlformats.org/officeDocument/2006/relationships" xmlns:p="http://schemas.openxmlformats.org/presentationml/2006/main">
+  <p:cSld>
+    <p:spTree>
+      <p:nvGrpSpPr>
+        <p:cNvPr id="1" name=""/>
+        <p:cNvGrpSpPr/>
+        <p:nvPr/>
+      </p:nvGrpSpPr>
+      <p:grpSpPr/>
+      <p:sp>
+        <p:nvSpPr>
+          <p:cNvPr id="2" name="Title 1"/>
+          <p:cNvSpPr>
+            <a:spLocks noGrp="1"/>
+          </p:cNvSpPr>
+          <p:nvPr>
+            <p:ph type="title"/>
+          </p:nvPr>
+        </p:nvSpPr>
+        <p:spPr/>
+        <p:txBody>
+          <a:bodyPr/>
+          <a:p>
+            <a:r>
+              <a:rPr lang="zh-CN" altLang="en-US">
+                <a:sym typeface="+mn-ea"/>
+              </a:rPr>
+              <a:t>条件变量：等待某一条件成真</a:t>
+            </a:r>
+            <a:endParaRPr lang="en-US"/>
+          </a:p>
+        </p:txBody>
+      </p:sp>
+      <p:sp>
+        <p:nvSpPr>
+          <p:cNvPr id="3" name="Content Placeholder 2"/>
+          <p:cNvSpPr>
+            <a:spLocks noGrp="1"/>
+          </p:cNvSpPr>
+          <p:nvPr>
+            <p:ph sz="half" idx="1"/>
+          </p:nvPr>
+        </p:nvSpPr>
+        <p:spPr/>
+        <p:txBody>
+          <a:bodyPr/>
+          <a:p>
+            <a:r>
+              <a:rPr lang="zh-CN" altLang="en-US">
+                <a:sym typeface="+mn-ea"/>
+              </a:rPr>
+              <a:t>还可以额外指定一个参数，变成</a:t>
+            </a:r>
+            <a:r>
+              <a:rPr lang="en-US" altLang="zh-CN">
+                <a:sym typeface="+mn-ea"/>
+              </a:rPr>
+              <a:t> </a:t>
+            </a:r>
+            <a:r>
+              <a:rPr lang="en-US">
+                <a:sym typeface="+mn-ea"/>
+              </a:rPr>
+              <a:t>cv.wait(lck, expr) </a:t>
+            </a:r>
+            <a:r>
+              <a:rPr lang="zh-CN" altLang="en-US">
+                <a:sym typeface="+mn-ea"/>
+              </a:rPr>
+              <a:t>的形式，其中</a:t>
+            </a:r>
+            <a:r>
+              <a:rPr lang="en-US" altLang="zh-CN">
+                <a:sym typeface="+mn-ea"/>
+              </a:rPr>
+              <a:t> expr </a:t>
+            </a:r>
+            <a:r>
+              <a:rPr lang="zh-CN" altLang="en-US">
+                <a:sym typeface="+mn-ea"/>
+              </a:rPr>
+              <a:t>是个</a:t>
+            </a:r>
+            <a:r>
+              <a:rPr lang="en-US" altLang="zh-CN">
+                <a:sym typeface="+mn-ea"/>
+              </a:rPr>
+              <a:t> lambda </a:t>
+            </a:r>
+            <a:r>
+              <a:rPr lang="zh-CN" altLang="en-US">
+                <a:sym typeface="+mn-ea"/>
+              </a:rPr>
+              <a:t>表达式，只有其返回值为</a:t>
+            </a:r>
+            <a:r>
+              <a:rPr lang="en-US" altLang="zh-CN">
+                <a:sym typeface="+mn-ea"/>
+              </a:rPr>
+              <a:t> true </a:t>
+            </a:r>
+            <a:r>
+              <a:rPr lang="zh-CN" altLang="en-US">
+                <a:sym typeface="+mn-ea"/>
+              </a:rPr>
+              <a:t>时才会真正唤醒，否则继续等待。</a:t>
+            </a:r>
+            <a:endParaRPr lang="zh-CN" altLang="en-US"/>
+          </a:p>
+          <a:p>
+            <a:endParaRPr lang="en-US"/>
+          </a:p>
+        </p:txBody>
+      </p:sp>
+      <p:pic>
+        <p:nvPicPr>
+          <p:cNvPr id="5" name="Content Placeholder 4"/>
+          <p:cNvPicPr>
+            <a:picLocks noChangeAspect="1"/>
+          </p:cNvPicPr>
+          <p:nvPr>
+            <p:ph sz="half" idx="2"/>
+          </p:nvPr>
+        </p:nvPicPr>
+        <p:blipFill>
+          <a:blip r:embed="rId1"/>
+          <a:stretch>
+            <a:fillRect/>
+          </a:stretch>
+        </p:blipFill>
+        <p:spPr>
+          <a:xfrm>
+            <a:off x="5981700" y="1876425"/>
+            <a:ext cx="5181600" cy="4249420"/>
+          </a:xfrm>
+          <a:prstGeom prst="rect">
+            <a:avLst/>
+          </a:prstGeom>
+        </p:spPr>
+      </p:pic>
+      <p:sp>
+        <p:nvSpPr>
+          <p:cNvPr id="14" name="Rounded Rectangle 13"/>
+          <p:cNvSpPr/>
+          <p:nvPr/>
+        </p:nvSpPr>
+        <p:spPr>
+          <a:xfrm>
+            <a:off x="8068310" y="3703955"/>
+            <a:ext cx="1800225" cy="166370"/>
+          </a:xfrm>
+          <a:prstGeom prst="roundRect">
+            <a:avLst/>
+          </a:prstGeom>
+          <a:noFill/>
+          <a:ln w="22225">
+            <a:solidFill>
+              <a:srgbClr val="CC0000"/>
+            </a:solidFill>
+          </a:ln>
+        </p:spPr>
+        <p:style>
+          <a:lnRef idx="2">
+            <a:schemeClr val="accent1">
+              <a:shade val="50000"/>
+            </a:schemeClr>
+          </a:lnRef>
+          <a:fillRef idx="1">
+            <a:schemeClr val="accent1"/>
+          </a:fillRef>
+          <a:effectRef idx="0">
+            <a:schemeClr val="accent1"/>
+          </a:effectRef>
+          <a:fontRef idx="minor">
+            <a:schemeClr val="lt1"/>
+          </a:fontRef>
+        </p:style>
+        <p:txBody>
+          <a:bodyPr rtlCol="0" anchor="ctr"/>
+          <a:p>
+            <a:pPr algn="ctr"/>
+            <a:endParaRPr lang="en-US"/>
+          </a:p>
+        </p:txBody>
+      </p:sp>
+      <p:pic>
+        <p:nvPicPr>
+          <p:cNvPr id="6" name="Picture 5"/>
+          <p:cNvPicPr>
+            <a:picLocks noChangeAspect="1"/>
+          </p:cNvPicPr>
+          <p:nvPr/>
+        </p:nvPicPr>
+        <p:blipFill>
+          <a:blip r:embed="rId2"/>
+          <a:stretch>
+            <a:fillRect/>
+          </a:stretch>
+        </p:blipFill>
+        <p:spPr>
+          <a:xfrm>
+            <a:off x="430530" y="4951095"/>
+            <a:ext cx="5257800" cy="777240"/>
+          </a:xfrm>
+          <a:prstGeom prst="rect">
+            <a:avLst/>
+          </a:prstGeom>
+        </p:spPr>
+      </p:pic>
+    </p:spTree>
+  </p:cSld>
+  <p:clrMapOvr>
+    <a:masterClrMapping/>
+  </p:clrMapOvr>
+</p:sld>
+</file>
+
+<file path=ppt/slides/slide54.xml><?xml version="1.0" encoding="utf-8"?>
+<p:sld xmlns:a="http://schemas.openxmlformats.org/drawingml/2006/main" xmlns:r="http://schemas.openxmlformats.org/officeDocument/2006/relationships" xmlns:p="http://schemas.openxmlformats.org/presentationml/2006/main">
+  <p:cSld>
+    <p:spTree>
+      <p:nvGrpSpPr>
+        <p:cNvPr id="1" name=""/>
+        <p:cNvGrpSpPr/>
+        <p:nvPr/>
+      </p:nvGrpSpPr>
+      <p:grpSpPr/>
+      <p:sp>
+        <p:nvSpPr>
+          <p:cNvPr id="2" name="Title 1"/>
+          <p:cNvSpPr>
+            <a:spLocks noGrp="1"/>
+          </p:cNvSpPr>
+          <p:nvPr>
+            <p:ph type="title"/>
+          </p:nvPr>
+        </p:nvSpPr>
+        <p:spPr/>
+        <p:txBody>
+          <a:bodyPr/>
+          <a:p>
+            <a:r>
+              <a:rPr lang="zh-CN" altLang="en-US"/>
+              <a:t>条件变量：多个等待者</a:t>
+            </a:r>
+            <a:endParaRPr lang="zh-CN" altLang="en-US"/>
+          </a:p>
+        </p:txBody>
+      </p:sp>
+      <p:sp>
+        <p:nvSpPr>
+          <p:cNvPr id="3" name="Content Placeholder 2"/>
+          <p:cNvSpPr>
+            <a:spLocks noGrp="1"/>
+          </p:cNvSpPr>
+          <p:nvPr>
+            <p:ph sz="half" idx="1"/>
+          </p:nvPr>
+        </p:nvSpPr>
+        <p:spPr/>
+        <p:txBody>
+          <a:bodyPr/>
+          <a:p>
+            <a:r>
+              <a:rPr lang="en-US"/>
+              <a:t>cv.notify_one() </a:t>
+            </a:r>
+            <a:r>
+              <a:rPr lang="zh-CN" altLang="en-US"/>
+              <a:t>只会唤醒</a:t>
+            </a:r>
+            <a:r>
+              <a:rPr lang="zh-CN" altLang="en-US">
+                <a:sym typeface="+mn-ea"/>
+              </a:rPr>
+              <a:t>其中一个等待中的线程，而</a:t>
+            </a:r>
+            <a:r>
+              <a:rPr lang="en-US" altLang="zh-CN">
+                <a:sym typeface="+mn-ea"/>
+              </a:rPr>
+              <a:t> cv.notify_all() </a:t>
+            </a:r>
+            <a:r>
+              <a:rPr lang="zh-CN" altLang="en-US">
+                <a:sym typeface="+mn-ea"/>
+              </a:rPr>
+              <a:t>会唤醒全部。</a:t>
+            </a:r>
+            <a:endParaRPr lang="en-US"/>
+          </a:p>
+          <a:p>
+            <a:r>
+              <a:rPr lang="zh-CN" altLang="en-US"/>
+              <a:t>这就是为什么</a:t>
+            </a:r>
+            <a:r>
+              <a:rPr lang="en-US" altLang="zh-CN"/>
+              <a:t> wait() </a:t>
+            </a:r>
+            <a:r>
+              <a:rPr lang="zh-CN" altLang="en-US"/>
+              <a:t>需要一个</a:t>
+            </a:r>
+            <a:r>
+              <a:rPr lang="en-US" altLang="zh-CN"/>
+              <a:t> unique_lock </a:t>
+            </a:r>
+            <a:r>
+              <a:rPr lang="zh-CN" altLang="en-US"/>
+              <a:t>作为参数，因为要保证多个线程被唤醒时，只有一个能够被启动。如果不需要，在</a:t>
+            </a:r>
+            <a:r>
+              <a:rPr lang="en-US" altLang="zh-CN"/>
+              <a:t> wait() </a:t>
+            </a:r>
+            <a:r>
+              <a:rPr lang="zh-CN" altLang="en-US"/>
+              <a:t>返回后调用</a:t>
+            </a:r>
+            <a:r>
+              <a:rPr lang="en-US" altLang="zh-CN"/>
+              <a:t> lck.unlock() </a:t>
+            </a:r>
+            <a:r>
+              <a:rPr lang="zh-CN" altLang="en-US"/>
+              <a:t>即可。</a:t>
+            </a:r>
+            <a:endParaRPr lang="zh-CN" altLang="en-US"/>
+          </a:p>
+          <a:p>
+            <a:r>
+              <a:rPr lang="zh-CN" altLang="en-US"/>
+              <a:t>顺便一提，</a:t>
+            </a:r>
+            <a:r>
+              <a:rPr lang="en-US" altLang="zh-CN"/>
+              <a:t>wait() </a:t>
+            </a:r>
+            <a:r>
+              <a:rPr lang="zh-CN" altLang="en-US"/>
+              <a:t>的过程中会暂时</a:t>
+            </a:r>
+            <a:r>
+              <a:rPr lang="en-US" altLang="zh-CN"/>
+              <a:t> unlock() </a:t>
+            </a:r>
+            <a:r>
+              <a:rPr lang="zh-CN" altLang="en-US"/>
+              <a:t>这个锁。</a:t>
+            </a:r>
+            <a:endParaRPr lang="zh-CN" altLang="en-US"/>
+          </a:p>
+        </p:txBody>
+      </p:sp>
+      <p:pic>
+        <p:nvPicPr>
+          <p:cNvPr id="5" name="Content Placeholder 4"/>
+          <p:cNvPicPr>
+            <a:picLocks noChangeAspect="1"/>
+          </p:cNvPicPr>
+          <p:nvPr>
+            <p:ph sz="half" idx="2"/>
+          </p:nvPr>
+        </p:nvPicPr>
+        <p:blipFill>
+          <a:blip r:embed="rId1"/>
+          <a:stretch>
+            <a:fillRect/>
+          </a:stretch>
+        </p:blipFill>
+        <p:spPr>
+          <a:xfrm>
+            <a:off x="6422390" y="636270"/>
+            <a:ext cx="5769610" cy="6221730"/>
+          </a:xfrm>
+          <a:prstGeom prst="rect">
+            <a:avLst/>
+          </a:prstGeom>
+        </p:spPr>
+      </p:pic>
+      <p:pic>
+        <p:nvPicPr>
+          <p:cNvPr id="6" name="Picture 5"/>
+          <p:cNvPicPr>
+            <a:picLocks noChangeAspect="1"/>
+          </p:cNvPicPr>
+          <p:nvPr/>
+        </p:nvPicPr>
+        <p:blipFill>
+          <a:blip r:embed="rId2"/>
+          <a:stretch>
+            <a:fillRect/>
+          </a:stretch>
+        </p:blipFill>
+        <p:spPr>
+          <a:xfrm>
+            <a:off x="647700" y="5821680"/>
+            <a:ext cx="5250180" cy="1036320"/>
+          </a:xfrm>
+          <a:prstGeom prst="rect">
+            <a:avLst/>
+          </a:prstGeom>
+        </p:spPr>
+      </p:pic>
+      <p:sp>
+        <p:nvSpPr>
+          <p:cNvPr id="14" name="Rounded Rectangle 13"/>
+          <p:cNvSpPr/>
+          <p:nvPr/>
+        </p:nvSpPr>
+        <p:spPr>
+          <a:xfrm>
+            <a:off x="7041515" y="5006975"/>
+            <a:ext cx="1414145" cy="177165"/>
+          </a:xfrm>
+          <a:prstGeom prst="roundRect">
+            <a:avLst/>
+          </a:prstGeom>
+          <a:noFill/>
+          <a:ln w="22225">
+            <a:solidFill>
+              <a:srgbClr val="CC0000"/>
+            </a:solidFill>
+          </a:ln>
+        </p:spPr>
+        <p:style>
+          <a:lnRef idx="2">
+            <a:schemeClr val="accent1">
+              <a:shade val="50000"/>
+            </a:schemeClr>
+          </a:lnRef>
+          <a:fillRef idx="1">
+            <a:schemeClr val="accent1"/>
+          </a:fillRef>
+          <a:effectRef idx="0">
+            <a:schemeClr val="accent1"/>
+          </a:effectRef>
+          <a:fontRef idx="minor">
+            <a:schemeClr val="lt1"/>
+          </a:fontRef>
+        </p:style>
+        <p:txBody>
+          <a:bodyPr rtlCol="0" anchor="ctr"/>
+          <a:p>
+            <a:pPr algn="ctr"/>
+            <a:endParaRPr lang="en-US"/>
+          </a:p>
+        </p:txBody>
+      </p:sp>
+      <p:sp>
+        <p:nvSpPr>
+          <p:cNvPr id="7" name="Rounded Rectangle 6"/>
+          <p:cNvSpPr/>
+          <p:nvPr/>
+        </p:nvSpPr>
+        <p:spPr>
+          <a:xfrm>
+            <a:off x="7041515" y="5713730"/>
+            <a:ext cx="1414145" cy="177165"/>
+          </a:xfrm>
+          <a:prstGeom prst="roundRect">
+            <a:avLst/>
+          </a:prstGeom>
+          <a:noFill/>
+          <a:ln w="22225">
+            <a:solidFill>
+              <a:srgbClr val="CC0000"/>
+            </a:solidFill>
+          </a:ln>
+        </p:spPr>
+        <p:style>
+          <a:lnRef idx="2">
+            <a:schemeClr val="accent1">
+              <a:shade val="50000"/>
+            </a:schemeClr>
+          </a:lnRef>
+          <a:fillRef idx="1">
+            <a:schemeClr val="accent1"/>
+          </a:fillRef>
+          <a:effectRef idx="0">
+            <a:schemeClr val="accent1"/>
+          </a:effectRef>
+          <a:fontRef idx="minor">
+            <a:schemeClr val="lt1"/>
+          </a:fontRef>
+        </p:style>
+        <p:txBody>
+          <a:bodyPr rtlCol="0" anchor="ctr"/>
+          <a:p>
+            <a:pPr algn="ctr"/>
+            <a:endParaRPr lang="en-US"/>
+          </a:p>
+        </p:txBody>
+      </p:sp>
+    </p:spTree>
+  </p:cSld>
+  <p:clrMapOvr>
+    <a:masterClrMapping/>
+  </p:clrMapOvr>
+</p:sld>
+</file>
+
+<file path=ppt/slides/slide55.xml><?xml version="1.0" encoding="utf-8"?>
+<p:sld xmlns:a="http://schemas.openxmlformats.org/drawingml/2006/main" xmlns:r="http://schemas.openxmlformats.org/officeDocument/2006/relationships" xmlns:p="http://schemas.openxmlformats.org/presentationml/2006/main">
+  <p:cSld>
+    <p:spTree>
+      <p:nvGrpSpPr>
+        <p:cNvPr id="1" name=""/>
+        <p:cNvGrpSpPr/>
+        <p:nvPr/>
+      </p:nvGrpSpPr>
+      <p:grpSpPr/>
+      <p:sp>
+        <p:nvSpPr>
+          <p:cNvPr id="2" name="Title 1"/>
+          <p:cNvSpPr>
+            <a:spLocks noGrp="1"/>
+          </p:cNvSpPr>
+          <p:nvPr>
+            <p:ph type="title"/>
+          </p:nvPr>
+        </p:nvSpPr>
+        <p:spPr/>
+        <p:txBody>
+          <a:bodyPr/>
+          <a:p>
+            <a:r>
+              <a:rPr lang="zh-CN" altLang="en-US"/>
+              <a:t>案例：实现生产者</a:t>
+            </a:r>
+            <a:r>
+              <a:rPr lang="en-US" altLang="zh-CN"/>
+              <a:t>-</a:t>
+            </a:r>
+            <a:r>
+              <a:rPr lang="zh-CN" altLang="en-US"/>
+              <a:t>消费者模式</a:t>
+            </a:r>
+            <a:endParaRPr lang="zh-CN" altLang="en-US"/>
+          </a:p>
+        </p:txBody>
+      </p:sp>
+      <p:pic>
+        <p:nvPicPr>
+          <p:cNvPr id="10" name="Content Placeholder 9"/>
+          <p:cNvPicPr>
+            <a:picLocks noChangeAspect="1"/>
+          </p:cNvPicPr>
+          <p:nvPr>
+            <p:ph sz="half" idx="2"/>
+          </p:nvPr>
+        </p:nvPicPr>
+        <p:blipFill>
+          <a:blip r:embed="rId1"/>
+          <a:stretch>
+            <a:fillRect/>
+          </a:stretch>
+        </p:blipFill>
+        <p:spPr>
+          <a:xfrm>
+            <a:off x="7299960" y="-3175"/>
+            <a:ext cx="4892040" cy="6861175"/>
+          </a:xfrm>
+          <a:prstGeom prst="rect">
+            <a:avLst/>
+          </a:prstGeom>
+        </p:spPr>
+      </p:pic>
+      <p:sp>
+        <p:nvSpPr>
+          <p:cNvPr id="11" name="Rounded Rectangle 10"/>
+          <p:cNvSpPr/>
+          <p:nvPr/>
+        </p:nvSpPr>
+        <p:spPr>
+          <a:xfrm>
+            <a:off x="7853045" y="5067935"/>
+            <a:ext cx="1591945" cy="275590"/>
+          </a:xfrm>
+          <a:prstGeom prst="roundRect">
+            <a:avLst/>
+          </a:prstGeom>
+          <a:noFill/>
+          <a:ln w="22225">
+            <a:solidFill>
+              <a:srgbClr val="CC0000"/>
+            </a:solidFill>
+          </a:ln>
+        </p:spPr>
+        <p:style>
+          <a:lnRef idx="2">
+            <a:schemeClr val="accent1">
+              <a:shade val="50000"/>
+            </a:schemeClr>
+          </a:lnRef>
+          <a:fillRef idx="1">
+            <a:schemeClr val="accent1"/>
+          </a:fillRef>
+          <a:effectRef idx="0">
+            <a:schemeClr val="accent1"/>
+          </a:effectRef>
+          <a:fontRef idx="minor">
+            <a:schemeClr val="lt1"/>
+          </a:fontRef>
+        </p:style>
+        <p:txBody>
+          <a:bodyPr rtlCol="0" anchor="ctr"/>
+          <a:p>
+            <a:pPr algn="ctr"/>
+            <a:endParaRPr lang="en-US"/>
+          </a:p>
+        </p:txBody>
+      </p:sp>
+      <p:sp>
+        <p:nvSpPr>
+          <p:cNvPr id="12" name="Rounded Rectangle 11"/>
+          <p:cNvSpPr/>
+          <p:nvPr/>
+        </p:nvSpPr>
+        <p:spPr>
+          <a:xfrm>
+            <a:off x="7853045" y="5343525"/>
+            <a:ext cx="1669415" cy="275590"/>
+          </a:xfrm>
+          <a:prstGeom prst="roundRect">
+            <a:avLst/>
+          </a:prstGeom>
+          <a:noFill/>
+          <a:ln w="22225">
+            <a:solidFill>
+              <a:srgbClr val="CC0000"/>
+            </a:solidFill>
+          </a:ln>
+        </p:spPr>
+        <p:style>
+          <a:lnRef idx="2">
+            <a:schemeClr val="accent1">
+              <a:shade val="50000"/>
+            </a:schemeClr>
+          </a:lnRef>
+          <a:fillRef idx="1">
+            <a:schemeClr val="accent1"/>
+          </a:fillRef>
+          <a:effectRef idx="0">
+            <a:schemeClr val="accent1"/>
+          </a:effectRef>
+          <a:fontRef idx="minor">
+            <a:schemeClr val="lt1"/>
+          </a:fontRef>
+        </p:style>
+        <p:txBody>
+          <a:bodyPr rtlCol="0" anchor="ctr"/>
+          <a:p>
+            <a:pPr algn="ctr"/>
+            <a:endParaRPr lang="en-US"/>
+          </a:p>
+        </p:txBody>
+      </p:sp>
+      <p:sp>
+        <p:nvSpPr>
+          <p:cNvPr id="13" name="Rounded Rectangle 12"/>
+          <p:cNvSpPr/>
+          <p:nvPr/>
+        </p:nvSpPr>
+        <p:spPr>
+          <a:xfrm>
+            <a:off x="7853045" y="5701665"/>
+            <a:ext cx="1746250" cy="419100"/>
+          </a:xfrm>
+          <a:prstGeom prst="roundRect">
+            <a:avLst/>
+          </a:prstGeom>
+          <a:noFill/>
+          <a:ln w="22225">
+            <a:solidFill>
+              <a:srgbClr val="CC0000"/>
+            </a:solidFill>
+          </a:ln>
+        </p:spPr>
+        <p:style>
+          <a:lnRef idx="2">
+            <a:schemeClr val="accent1">
+              <a:shade val="50000"/>
+            </a:schemeClr>
+          </a:lnRef>
+          <a:fillRef idx="1">
+            <a:schemeClr val="accent1"/>
+          </a:fillRef>
+          <a:effectRef idx="0">
+            <a:schemeClr val="accent1"/>
+          </a:effectRef>
+          <a:fontRef idx="minor">
+            <a:schemeClr val="lt1"/>
+          </a:fontRef>
+        </p:style>
+        <p:txBody>
+          <a:bodyPr rtlCol="0" anchor="ctr"/>
+          <a:p>
+            <a:pPr algn="ctr"/>
+            <a:endParaRPr lang="en-US"/>
+          </a:p>
+        </p:txBody>
+      </p:sp>
+      <p:sp>
+        <p:nvSpPr>
+          <p:cNvPr id="14" name="Rounded Rectangle 13"/>
+          <p:cNvSpPr/>
+          <p:nvPr/>
+        </p:nvSpPr>
+        <p:spPr>
+          <a:xfrm>
+            <a:off x="8477250" y="3681095"/>
+            <a:ext cx="2231390" cy="396875"/>
+          </a:xfrm>
+          <a:prstGeom prst="roundRect">
+            <a:avLst/>
+          </a:prstGeom>
+          <a:noFill/>
+          <a:ln w="22225">
+            <a:solidFill>
+              <a:srgbClr val="CC0000"/>
+            </a:solidFill>
+          </a:ln>
+        </p:spPr>
+        <p:style>
+          <a:lnRef idx="2">
+            <a:schemeClr val="accent1">
+              <a:shade val="50000"/>
+            </a:schemeClr>
+          </a:lnRef>
+          <a:fillRef idx="1">
+            <a:schemeClr val="accent1"/>
+          </a:fillRef>
+          <a:effectRef idx="0">
+            <a:schemeClr val="accent1"/>
+          </a:effectRef>
+          <a:fontRef idx="minor">
+            <a:schemeClr val="lt1"/>
+          </a:fontRef>
+        </p:style>
+        <p:txBody>
+          <a:bodyPr rtlCol="0" anchor="ctr"/>
+          <a:p>
+            <a:pPr algn="ctr"/>
+            <a:endParaRPr lang="en-US"/>
+          </a:p>
+        </p:txBody>
+      </p:sp>
+      <p:sp>
+        <p:nvSpPr>
+          <p:cNvPr id="15" name="Rounded Rectangle 14"/>
+          <p:cNvSpPr/>
+          <p:nvPr/>
+        </p:nvSpPr>
+        <p:spPr>
+          <a:xfrm>
+            <a:off x="8477250" y="1909445"/>
+            <a:ext cx="2231390" cy="396240"/>
+          </a:xfrm>
+          <a:prstGeom prst="roundRect">
+            <a:avLst/>
+          </a:prstGeom>
+          <a:noFill/>
+          <a:ln w="22225">
+            <a:solidFill>
+              <a:srgbClr val="CC0000"/>
+            </a:solidFill>
+          </a:ln>
+        </p:spPr>
+        <p:style>
+          <a:lnRef idx="2">
+            <a:schemeClr val="accent1">
+              <a:shade val="50000"/>
+            </a:schemeClr>
+          </a:lnRef>
+          <a:fillRef idx="1">
+            <a:schemeClr val="accent1"/>
+          </a:fillRef>
+          <a:effectRef idx="0">
+            <a:schemeClr val="accent1"/>
+          </a:effectRef>
+          <a:fontRef idx="minor">
+            <a:schemeClr val="lt1"/>
+          </a:fontRef>
+        </p:style>
+        <p:txBody>
+          <a:bodyPr rtlCol="0" anchor="ctr"/>
+          <a:p>
+            <a:pPr algn="ctr"/>
+            <a:endParaRPr lang="en-US"/>
+          </a:p>
+        </p:txBody>
+      </p:sp>
+      <p:sp>
+        <p:nvSpPr>
+          <p:cNvPr id="16" name="Rounded Rectangle 15"/>
+          <p:cNvSpPr/>
+          <p:nvPr/>
+        </p:nvSpPr>
+        <p:spPr>
+          <a:xfrm>
+            <a:off x="7853045" y="875665"/>
+            <a:ext cx="2121535" cy="164465"/>
+          </a:xfrm>
+          <a:prstGeom prst="roundRect">
+            <a:avLst/>
+          </a:prstGeom>
+          <a:noFill/>
+          <a:ln w="22225">
+            <a:solidFill>
+              <a:srgbClr val="CC0000"/>
+            </a:solidFill>
+          </a:ln>
+        </p:spPr>
+        <p:style>
+          <a:lnRef idx="2">
+            <a:schemeClr val="accent1">
+              <a:shade val="50000"/>
+            </a:schemeClr>
+          </a:lnRef>
+          <a:fillRef idx="1">
+            <a:schemeClr val="accent1"/>
+          </a:fillRef>
+          <a:effectRef idx="0">
+            <a:schemeClr val="accent1"/>
+          </a:effectRef>
+          <a:fontRef idx="minor">
+            <a:schemeClr val="lt1"/>
+          </a:fontRef>
+        </p:style>
+        <p:txBody>
+          <a:bodyPr rtlCol="0" anchor="ctr"/>
+          <a:p>
+            <a:pPr algn="ctr"/>
+            <a:endParaRPr lang="en-US"/>
+          </a:p>
+        </p:txBody>
+      </p:sp>
+      <p:sp>
+        <p:nvSpPr>
+          <p:cNvPr id="19" name="Content Placeholder 18"/>
+          <p:cNvSpPr/>
+          <p:nvPr>
+            <p:ph sz="half" idx="1"/>
+          </p:nvPr>
+        </p:nvSpPr>
+        <p:spPr/>
+        <p:txBody>
+          <a:bodyPr/>
+          <a:p>
+            <a:r>
+              <a:rPr lang="zh-CN" altLang="en-US"/>
+              <a:t>类似于消息队列</a:t>
+            </a:r>
+            <a:r>
+              <a:rPr lang="en-US" altLang="zh-CN"/>
+              <a:t>……</a:t>
+            </a:r>
+            <a:endParaRPr lang="en-US" altLang="zh-CN"/>
+          </a:p>
+          <a:p>
+            <a:r>
+              <a:rPr lang="zh-CN" altLang="en-US"/>
+              <a:t>生产者：厨师，往</a:t>
+            </a:r>
+            <a:r>
+              <a:rPr lang="en-US" altLang="zh-CN"/>
+              <a:t> foods </a:t>
+            </a:r>
+            <a:r>
+              <a:rPr lang="zh-CN" altLang="en-US"/>
+              <a:t>队列里推送食品，推送后会通知消费者来用餐。</a:t>
+            </a:r>
+            <a:endParaRPr lang="zh-CN" altLang="en-US"/>
+          </a:p>
+          <a:p>
+            <a:r>
+              <a:rPr lang="zh-CN" altLang="en-US"/>
+              <a:t>消费者：等待</a:t>
+            </a:r>
+            <a:r>
+              <a:rPr lang="en-US" altLang="zh-CN"/>
+              <a:t> foods </a:t>
+            </a:r>
+            <a:r>
+              <a:rPr lang="zh-CN" altLang="en-US"/>
+              <a:t>队列里有食品，没有食品则陷入等待，直到被通知。</a:t>
+            </a:r>
+            <a:endParaRPr lang="zh-CN" altLang="en-US"/>
+          </a:p>
+        </p:txBody>
+      </p:sp>
+      <p:pic>
+        <p:nvPicPr>
+          <p:cNvPr id="20" name="Content Placeholder 17"/>
+          <p:cNvPicPr>
+            <a:picLocks noChangeAspect="1"/>
+          </p:cNvPicPr>
+          <p:nvPr/>
+        </p:nvPicPr>
+        <p:blipFill>
+          <a:blip r:embed="rId2"/>
+          <a:stretch>
+            <a:fillRect/>
+          </a:stretch>
+        </p:blipFill>
+        <p:spPr>
+          <a:xfrm>
+            <a:off x="647700" y="5905500"/>
+            <a:ext cx="4960620" cy="952500"/>
+          </a:xfrm>
+          <a:prstGeom prst="rect">
+            <a:avLst/>
+          </a:prstGeom>
+        </p:spPr>
+      </p:pic>
+    </p:spTree>
+  </p:cSld>
+  <p:clrMapOvr>
+    <a:masterClrMapping/>
+  </p:clrMapOvr>
+</p:sld>
+</file>
+
+<file path=ppt/slides/slide56.xml><?xml version="1.0" encoding="utf-8"?>
+<p:sld xmlns:a="http://schemas.openxmlformats.org/drawingml/2006/main" xmlns:r="http://schemas.openxmlformats.org/officeDocument/2006/relationships" xmlns:p="http://schemas.openxmlformats.org/presentationml/2006/main">
+  <p:cSld>
+    <p:spTree>
+      <p:nvGrpSpPr>
+        <p:cNvPr id="1" name=""/>
+        <p:cNvGrpSpPr/>
+        <p:nvPr/>
+      </p:nvGrpSpPr>
+      <p:grpSpPr/>
+      <p:sp>
+        <p:nvSpPr>
+          <p:cNvPr id="2" name="Title 1"/>
+          <p:cNvSpPr>
+            <a:spLocks noGrp="1"/>
+          </p:cNvSpPr>
+          <p:nvPr>
+            <p:ph type="title"/>
+          </p:nvPr>
+        </p:nvSpPr>
+        <p:spPr/>
+        <p:txBody>
+          <a:bodyPr/>
+          <a:p>
+            <a:r>
+              <a:rPr lang="zh-CN" altLang="en-US">
+                <a:sym typeface="+mn-ea"/>
+              </a:rPr>
+              <a:t>条件变量：将</a:t>
+            </a:r>
+            <a:r>
+              <a:rPr lang="en-US" altLang="zh-CN">
+                <a:sym typeface="+mn-ea"/>
+              </a:rPr>
+              <a:t> foods </a:t>
+            </a:r>
+            <a:r>
+              <a:rPr lang="zh-CN" altLang="en-US">
+                <a:sym typeface="+mn-ea"/>
+              </a:rPr>
+              <a:t>队列封装成类</a:t>
+            </a:r>
+            <a:endParaRPr lang="en-US" altLang="zh-CN">
+              <a:sym typeface="+mn-ea"/>
+            </a:endParaRPr>
+          </a:p>
+        </p:txBody>
+      </p:sp>
+      <p:pic>
+        <p:nvPicPr>
+          <p:cNvPr id="11" name="Content Placeholder 10"/>
+          <p:cNvPicPr>
+            <a:picLocks noChangeAspect="1"/>
+          </p:cNvPicPr>
+          <p:nvPr>
+            <p:ph sz="half" idx="2"/>
+          </p:nvPr>
+        </p:nvPicPr>
+        <p:blipFill>
+          <a:blip r:embed="rId1"/>
+          <a:stretch>
+            <a:fillRect/>
+          </a:stretch>
+        </p:blipFill>
+        <p:spPr>
+          <a:xfrm>
+            <a:off x="5981700" y="1683385"/>
+            <a:ext cx="5181600" cy="3641090"/>
+          </a:xfrm>
+          <a:prstGeom prst="rect">
+            <a:avLst/>
+          </a:prstGeom>
+        </p:spPr>
+      </p:pic>
+      <p:pic>
+        <p:nvPicPr>
+          <p:cNvPr id="18" name="Picture 17"/>
+          <p:cNvPicPr>
+            <a:picLocks noChangeAspect="1"/>
+          </p:cNvPicPr>
+          <p:nvPr/>
+        </p:nvPicPr>
+        <p:blipFill>
+          <a:blip r:embed="rId2"/>
+          <a:stretch>
+            <a:fillRect/>
+          </a:stretch>
+        </p:blipFill>
+        <p:spPr>
+          <a:xfrm>
+            <a:off x="5981700" y="5667375"/>
+            <a:ext cx="5280660" cy="792480"/>
+          </a:xfrm>
+          <a:prstGeom prst="rect">
+            <a:avLst/>
+          </a:prstGeom>
+        </p:spPr>
+      </p:pic>
+      <p:pic>
+        <p:nvPicPr>
+          <p:cNvPr id="22" name="Content Placeholder 21"/>
+          <p:cNvPicPr>
+            <a:picLocks noChangeAspect="1"/>
+          </p:cNvPicPr>
+          <p:nvPr>
+            <p:ph sz="half" idx="1"/>
+          </p:nvPr>
+        </p:nvPicPr>
+        <p:blipFill>
+          <a:blip r:embed="rId3"/>
+          <a:stretch>
+            <a:fillRect/>
+          </a:stretch>
+        </p:blipFill>
+        <p:spPr>
+          <a:xfrm>
+            <a:off x="845820" y="1408430"/>
+            <a:ext cx="4785360" cy="5186680"/>
+          </a:xfrm>
+          <a:prstGeom prst="rect">
+            <a:avLst/>
+          </a:prstGeom>
+        </p:spPr>
+      </p:pic>
+    </p:spTree>
+  </p:cSld>
+  <p:clrMapOvr>
+    <a:masterClrMapping/>
+  </p:clrMapOvr>
+</p:sld>
+</file>
+
+<file path=ppt/slides/slide57.xml><?xml version="1.0" encoding="utf-8"?>
+<p:sld xmlns:a="http://schemas.openxmlformats.org/drawingml/2006/main" xmlns:r="http://schemas.openxmlformats.org/officeDocument/2006/relationships" xmlns:p="http://schemas.openxmlformats.org/presentationml/2006/main">
+  <p:cSld>
+    <p:spTree>
+      <p:nvGrpSpPr>
+        <p:cNvPr id="1" name=""/>
+        <p:cNvGrpSpPr/>
+        <p:nvPr/>
+      </p:nvGrpSpPr>
+      <p:grpSpPr/>
+      <p:sp>
+        <p:nvSpPr>
+          <p:cNvPr id="2" name="Title 1"/>
+          <p:cNvSpPr>
+            <a:spLocks noGrp="1"/>
+          </p:cNvSpPr>
+          <p:nvPr>
+            <p:ph type="title"/>
+          </p:nvPr>
+        </p:nvSpPr>
+        <p:spPr/>
+        <p:txBody>
+          <a:bodyPr/>
+          <a:p>
+            <a:r>
+              <a:rPr lang="en-US"/>
+              <a:t>std::condition_variable </a:t>
+            </a:r>
+            <a:r>
+              <a:rPr lang="zh-CN" altLang="en-US"/>
+              <a:t>小贴士</a:t>
+            </a:r>
+            <a:endParaRPr lang="zh-CN" altLang="en-US"/>
+          </a:p>
+        </p:txBody>
+      </p:sp>
+      <p:sp>
+        <p:nvSpPr>
+          <p:cNvPr id="3" name="Content Placeholder 2"/>
+          <p:cNvSpPr>
+            <a:spLocks noGrp="1"/>
+          </p:cNvSpPr>
+          <p:nvPr>
+            <p:ph idx="1"/>
+          </p:nvPr>
+        </p:nvSpPr>
+        <p:spPr/>
+        <p:txBody>
+          <a:bodyPr/>
+          <a:p>
+            <a:pPr marL="457200" indent="-457200">
+              <a:buAutoNum type="arabicPeriod"/>
+            </a:pPr>
+            <a:r>
+              <a:rPr lang="en-US" i="1">
+                <a:sym typeface="+mn-ea"/>
+              </a:rPr>
+              <a:t>std::condition_variable</a:t>
+            </a:r>
+            <a:r>
+              <a:rPr lang="en-US">
+                <a:sym typeface="+mn-ea"/>
+              </a:rPr>
+              <a:t> </a:t>
+            </a:r>
+            <a:r>
+              <a:rPr lang="zh-CN" altLang="en-US">
+                <a:sym typeface="+mn-ea"/>
+              </a:rPr>
+              <a:t>仅仅支持</a:t>
+            </a:r>
+            <a:r>
+              <a:rPr lang="en-US" altLang="zh-CN">
+                <a:sym typeface="+mn-ea"/>
+              </a:rPr>
+              <a:t> std::unique_lock&lt;std::mutex&gt; </a:t>
+            </a:r>
+            <a:r>
+              <a:rPr lang="zh-CN" altLang="en-US">
+                <a:sym typeface="+mn-ea"/>
+              </a:rPr>
+              <a:t>作为</a:t>
+            </a:r>
+            <a:r>
+              <a:rPr lang="en-US" altLang="zh-CN">
+                <a:sym typeface="+mn-ea"/>
+              </a:rPr>
+              <a:t> wait </a:t>
+            </a:r>
+            <a:r>
+              <a:rPr lang="zh-CN" altLang="en-US">
+                <a:sym typeface="+mn-ea"/>
+              </a:rPr>
+              <a:t>的参数，如果需要用其他类型的</a:t>
+            </a:r>
+            <a:r>
+              <a:rPr lang="en-US" altLang="zh-CN">
+                <a:sym typeface="+mn-ea"/>
+              </a:rPr>
+              <a:t> mutex </a:t>
+            </a:r>
+            <a:r>
+              <a:rPr lang="zh-CN" altLang="en-US">
+                <a:sym typeface="+mn-ea"/>
+              </a:rPr>
+              <a:t>锁，可以用</a:t>
+            </a:r>
+            <a:r>
+              <a:rPr lang="en-US" altLang="zh-CN">
+                <a:sym typeface="+mn-ea"/>
+              </a:rPr>
+              <a:t> </a:t>
+            </a:r>
+            <a:r>
+              <a:rPr lang="en-US" i="1">
+                <a:sym typeface="+mn-ea"/>
+              </a:rPr>
+              <a:t>std::condition_variable_any</a:t>
+            </a:r>
+            <a:r>
+              <a:rPr lang="zh-CN" altLang="en-US">
+                <a:sym typeface="+mn-ea"/>
+              </a:rPr>
+              <a:t>。</a:t>
+            </a:r>
+            <a:endParaRPr lang="zh-CN" altLang="en-US">
+              <a:sym typeface="+mn-ea"/>
+            </a:endParaRPr>
+          </a:p>
+          <a:p>
+            <a:pPr marL="457200" indent="-457200">
+              <a:buAutoNum type="arabicPeriod"/>
+            </a:pPr>
+            <a:r>
+              <a:rPr lang="zh-CN" altLang="en-US">
+                <a:sym typeface="+mn-ea"/>
+              </a:rPr>
+              <a:t>他还有</a:t>
+            </a:r>
+            <a:r>
+              <a:rPr lang="en-US" altLang="zh-CN">
+                <a:sym typeface="+mn-ea"/>
+              </a:rPr>
+              <a:t> wait_for() </a:t>
+            </a:r>
+            <a:r>
+              <a:rPr lang="zh-CN" altLang="en-US">
+                <a:sym typeface="+mn-ea"/>
+              </a:rPr>
+              <a:t>和</a:t>
+            </a:r>
+            <a:r>
+              <a:rPr lang="en-US" altLang="zh-CN">
+                <a:sym typeface="+mn-ea"/>
+              </a:rPr>
+              <a:t> wait_until() </a:t>
+            </a:r>
+            <a:r>
+              <a:rPr lang="zh-CN" altLang="en-US">
+                <a:sym typeface="+mn-ea"/>
+              </a:rPr>
+              <a:t>函数，分别接受</a:t>
+            </a:r>
+            <a:r>
+              <a:rPr lang="en-US" altLang="zh-CN">
+                <a:sym typeface="+mn-ea"/>
+              </a:rPr>
+              <a:t> chrono </a:t>
+            </a:r>
+            <a:r>
+              <a:rPr lang="zh-CN" altLang="en-US">
+                <a:sym typeface="+mn-ea"/>
+              </a:rPr>
+              <a:t>时间段和时间点作为参数。详见：</a:t>
+            </a:r>
+            <a:r>
+              <a:rPr>
+                <a:sym typeface="+mn-ea"/>
+              </a:rPr>
+              <a:t>https://en.cppreference.com/w/cpp/thread/condition_variable/wait_for</a:t>
+            </a:r>
+            <a:r>
+              <a:rPr lang="zh-CN">
+                <a:sym typeface="+mn-ea"/>
+              </a:rPr>
+              <a:t>。</a:t>
+            </a:r>
+            <a:endParaRPr lang="zh-CN">
+              <a:sym typeface="+mn-ea"/>
+            </a:endParaRPr>
+          </a:p>
+        </p:txBody>
+      </p:sp>
+    </p:spTree>
+  </p:cSld>
+  <p:clrMapOvr>
+    <a:masterClrMapping/>
+  </p:clrMapOvr>
+</p:sld>
+</file>
+
+<file path=ppt/slides/slide58.xml><?xml version="1.0" encoding="utf-8"?>
+<p:sld xmlns:a="http://schemas.openxmlformats.org/drawingml/2006/main" xmlns:r="http://schemas.openxmlformats.org/officeDocument/2006/relationships" xmlns:p="http://schemas.openxmlformats.org/presentationml/2006/main">
+  <p:cSld>
+    <p:spTree>
+      <p:nvGrpSpPr>
+        <p:cNvPr id="1" name=""/>
+        <p:cNvGrpSpPr/>
+        <p:nvPr/>
+      </p:nvGrpSpPr>
+      <p:grpSpPr/>
+      <p:sp>
+        <p:nvSpPr>
+          <p:cNvPr id="5" name="Title 4"/>
+          <p:cNvSpPr>
+            <a:spLocks noGrp="1"/>
+          </p:cNvSpPr>
+          <p:nvPr>
+            <p:ph type="title"/>
+          </p:nvPr>
+        </p:nvSpPr>
+        <p:spPr/>
+        <p:txBody>
+          <a:bodyPr/>
+          <a:p>
+            <a:r>
+              <a:rPr lang="zh-CN" altLang="en-US"/>
+              <a:t>第</a:t>
+            </a:r>
+            <a:r>
+              <a:rPr lang="en-US" altLang="zh-CN"/>
+              <a:t>7</a:t>
+            </a:r>
+            <a:r>
+              <a:rPr lang="zh-CN" altLang="en-US"/>
+              <a:t>章：原子操作</a:t>
+            </a:r>
+            <a:endParaRPr lang="zh-CN" altLang="en-US"/>
+          </a:p>
+        </p:txBody>
+      </p:sp>
+    </p:spTree>
+  </p:cSld>
+  <p:clrMapOvr>
+    <a:masterClrMapping/>
+  </p:clrMapOvr>
+</p:sld>
+</file>
+
+<file path=ppt/slides/slide59.xml><?xml version="1.0" encoding="utf-8"?>
+<p:sld xmlns:a="http://schemas.openxmlformats.org/drawingml/2006/main" xmlns:r="http://schemas.openxmlformats.org/officeDocument/2006/relationships" xmlns:p="http://schemas.openxmlformats.org/presentationml/2006/main">
+  <p:cSld>
+    <p:spTree>
+      <p:nvGrpSpPr>
+        <p:cNvPr id="1" name=""/>
+        <p:cNvGrpSpPr/>
+        <p:nvPr/>
+      </p:nvGrpSpPr>
+      <p:grpSpPr/>
+      <p:sp>
+        <p:nvSpPr>
+          <p:cNvPr id="2" name="Title 1"/>
+          <p:cNvSpPr>
+            <a:spLocks noGrp="1"/>
+          </p:cNvSpPr>
+          <p:nvPr>
+            <p:ph type="title"/>
+          </p:nvPr>
+        </p:nvSpPr>
+        <p:spPr/>
+        <p:txBody>
+          <a:bodyPr/>
+          <a:p>
+            <a:r>
+              <a:rPr lang="zh-CN" altLang="en-US"/>
+              <a:t>案例：递增的</a:t>
+            </a:r>
+            <a:r>
+              <a:rPr lang="en-US" altLang="zh-CN"/>
+              <a:t> int </a:t>
+            </a:r>
+            <a:r>
+              <a:rPr lang="zh-CN" altLang="en-US"/>
+              <a:t>计数器</a:t>
+            </a:r>
+            <a:endParaRPr lang="zh-CN" altLang="en-US"/>
+          </a:p>
+        </p:txBody>
+      </p:sp>
+      <p:sp>
+        <p:nvSpPr>
+          <p:cNvPr id="3" name="Content Placeholder 2"/>
+          <p:cNvSpPr>
+            <a:spLocks noGrp="1"/>
+          </p:cNvSpPr>
+          <p:nvPr>
+            <p:ph sz="half" idx="1"/>
+          </p:nvPr>
+        </p:nvSpPr>
+        <p:spPr/>
+        <p:txBody>
+          <a:bodyPr/>
+          <a:p>
+            <a:endParaRPr lang="en-US"/>
+          </a:p>
+        </p:txBody>
+      </p:sp>
+      <p:sp>
+        <p:nvSpPr>
+          <p:cNvPr id="4" name="Content Placeholder 3"/>
+          <p:cNvSpPr>
+            <a:spLocks noGrp="1"/>
+          </p:cNvSpPr>
+          <p:nvPr>
+            <p:ph sz="half" idx="2"/>
+          </p:nvPr>
+        </p:nvSpPr>
+        <p:spPr/>
+        <p:txBody>
+          <a:bodyPr/>
+          <a:p>
+            <a:endParaRPr lang="en-US"/>
           </a:p>
         </p:txBody>
       </p:sp>
